--- a/poster/G14_ONO-Systems.pptx
+++ b/poster/G14_ONO-Systems.pptx
@@ -243,7 +243,7 @@
           <a:p>
             <a:fld id="{B042BC44-9F62-4CE5-9F38-ECCBAF80D58A}" type="datetimeFigureOut">
               <a:rPr kumimoji="1" lang="ja-JP" altLang="en-US" smtClean="0"/>
-              <a:t>2019/1/18</a:t>
+              <a:t>2019/1/21</a:t>
             </a:fld>
             <a:endParaRPr kumimoji="1" lang="ja-JP" altLang="en-US"/>
           </a:p>
@@ -445,7 +445,7 @@
           <a:p>
             <a:fld id="{B042BC44-9F62-4CE5-9F38-ECCBAF80D58A}" type="datetimeFigureOut">
               <a:rPr kumimoji="1" lang="ja-JP" altLang="en-US" smtClean="0"/>
-              <a:t>2019/1/18</a:t>
+              <a:t>2019/1/21</a:t>
             </a:fld>
             <a:endParaRPr kumimoji="1" lang="ja-JP" altLang="en-US"/>
           </a:p>
@@ -657,7 +657,7 @@
           <a:p>
             <a:fld id="{B042BC44-9F62-4CE5-9F38-ECCBAF80D58A}" type="datetimeFigureOut">
               <a:rPr kumimoji="1" lang="ja-JP" altLang="en-US" smtClean="0"/>
-              <a:t>2019/1/18</a:t>
+              <a:t>2019/1/21</a:t>
             </a:fld>
             <a:endParaRPr kumimoji="1" lang="ja-JP" altLang="en-US"/>
           </a:p>
@@ -859,7 +859,7 @@
           <a:p>
             <a:fld id="{B042BC44-9F62-4CE5-9F38-ECCBAF80D58A}" type="datetimeFigureOut">
               <a:rPr kumimoji="1" lang="ja-JP" altLang="en-US" smtClean="0"/>
-              <a:t>2019/1/18</a:t>
+              <a:t>2019/1/21</a:t>
             </a:fld>
             <a:endParaRPr kumimoji="1" lang="ja-JP" altLang="en-US"/>
           </a:p>
@@ -1103,7 +1103,7 @@
           <a:p>
             <a:fld id="{B042BC44-9F62-4CE5-9F38-ECCBAF80D58A}" type="datetimeFigureOut">
               <a:rPr kumimoji="1" lang="ja-JP" altLang="en-US" smtClean="0"/>
-              <a:t>2019/1/18</a:t>
+              <a:t>2019/1/21</a:t>
             </a:fld>
             <a:endParaRPr kumimoji="1" lang="ja-JP" altLang="en-US"/>
           </a:p>
@@ -1399,7 +1399,7 @@
           <a:p>
             <a:fld id="{B042BC44-9F62-4CE5-9F38-ECCBAF80D58A}" type="datetimeFigureOut">
               <a:rPr kumimoji="1" lang="ja-JP" altLang="en-US" smtClean="0"/>
-              <a:t>2019/1/18</a:t>
+              <a:t>2019/1/21</a:t>
             </a:fld>
             <a:endParaRPr kumimoji="1" lang="ja-JP" altLang="en-US"/>
           </a:p>
@@ -1830,7 +1830,7 @@
           <a:p>
             <a:fld id="{B042BC44-9F62-4CE5-9F38-ECCBAF80D58A}" type="datetimeFigureOut">
               <a:rPr kumimoji="1" lang="ja-JP" altLang="en-US" smtClean="0"/>
-              <a:t>2019/1/18</a:t>
+              <a:t>2019/1/21</a:t>
             </a:fld>
             <a:endParaRPr kumimoji="1" lang="ja-JP" altLang="en-US"/>
           </a:p>
@@ -1948,7 +1948,7 @@
           <a:p>
             <a:fld id="{B042BC44-9F62-4CE5-9F38-ECCBAF80D58A}" type="datetimeFigureOut">
               <a:rPr kumimoji="1" lang="ja-JP" altLang="en-US" smtClean="0"/>
-              <a:t>2019/1/18</a:t>
+              <a:t>2019/1/21</a:t>
             </a:fld>
             <a:endParaRPr kumimoji="1" lang="ja-JP" altLang="en-US"/>
           </a:p>
@@ -2043,7 +2043,7 @@
           <a:p>
             <a:fld id="{B042BC44-9F62-4CE5-9F38-ECCBAF80D58A}" type="datetimeFigureOut">
               <a:rPr kumimoji="1" lang="ja-JP" altLang="en-US" smtClean="0"/>
-              <a:t>2019/1/18</a:t>
+              <a:t>2019/1/21</a:t>
             </a:fld>
             <a:endParaRPr kumimoji="1" lang="ja-JP" altLang="en-US"/>
           </a:p>
@@ -2352,7 +2352,7 @@
           <a:p>
             <a:fld id="{B042BC44-9F62-4CE5-9F38-ECCBAF80D58A}" type="datetimeFigureOut">
               <a:rPr kumimoji="1" lang="ja-JP" altLang="en-US" smtClean="0"/>
-              <a:t>2019/1/18</a:t>
+              <a:t>2019/1/21</a:t>
             </a:fld>
             <a:endParaRPr kumimoji="1" lang="ja-JP" altLang="en-US"/>
           </a:p>
@@ -2609,7 +2609,7 @@
           <a:p>
             <a:fld id="{B042BC44-9F62-4CE5-9F38-ECCBAF80D58A}" type="datetimeFigureOut">
               <a:rPr kumimoji="1" lang="ja-JP" altLang="en-US" smtClean="0"/>
-              <a:t>2019/1/18</a:t>
+              <a:t>2019/1/21</a:t>
             </a:fld>
             <a:endParaRPr kumimoji="1" lang="ja-JP" altLang="en-US"/>
           </a:p>
@@ -2854,7 +2854,7 @@
           <a:p>
             <a:fld id="{B042BC44-9F62-4CE5-9F38-ECCBAF80D58A}" type="datetimeFigureOut">
               <a:rPr kumimoji="1" lang="ja-JP" altLang="en-US" smtClean="0"/>
-              <a:t>2019/1/18</a:t>
+              <a:t>2019/1/21</a:t>
             </a:fld>
             <a:endParaRPr kumimoji="1" lang="ja-JP" altLang="en-US"/>
           </a:p>
@@ -3245,6 +3245,14 @@
 <file path=ppt/slides/slide1.xml><?xml version="1.0" encoding="utf-8"?>
 <p:sld xmlns:a="http://schemas.openxmlformats.org/drawingml/2006/main" xmlns:r="http://schemas.openxmlformats.org/officeDocument/2006/relationships" xmlns:p="http://schemas.openxmlformats.org/presentationml/2006/main">
   <p:cSld>
+    <p:bg>
+      <p:bgPr>
+        <a:solidFill>
+          <a:schemeClr val="bg1"/>
+        </a:solidFill>
+        <a:effectLst/>
+      </p:bgPr>
+    </p:bg>
     <p:spTree>
       <p:nvGrpSpPr>
         <p:cNvPr id="1" name=""/>
@@ -3261,6 +3269,277 @@
       </p:grpSpPr>
       <p:sp>
         <p:nvSpPr>
+          <p:cNvPr id="28" name="正方形/長方形 27">
+            <a:extLst>
+              <a:ext uri="{FF2B5EF4-FFF2-40B4-BE49-F238E27FC236}">
+                <a16:creationId xmlns:a16="http://schemas.microsoft.com/office/drawing/2014/main" id="{612E8F05-84EF-4571-9D21-7C9673906AC5}"/>
+              </a:ext>
+            </a:extLst>
+          </p:cNvPr>
+          <p:cNvSpPr/>
+          <p:nvPr/>
+        </p:nvSpPr>
+        <p:spPr>
+          <a:xfrm>
+            <a:off x="10946175" y="5753286"/>
+            <a:ext cx="9767737" cy="15699520"/>
+          </a:xfrm>
+          <a:prstGeom prst="rect">
+            <a:avLst/>
+          </a:prstGeom>
+          <a:noFill/>
+        </p:spPr>
+        <p:style>
+          <a:lnRef idx="2">
+            <a:schemeClr val="accent1">
+              <a:shade val="50000"/>
+            </a:schemeClr>
+          </a:lnRef>
+          <a:fillRef idx="1">
+            <a:schemeClr val="accent1"/>
+          </a:fillRef>
+          <a:effectRef idx="0">
+            <a:schemeClr val="accent1"/>
+          </a:effectRef>
+          <a:fontRef idx="minor">
+            <a:schemeClr val="lt1"/>
+          </a:fontRef>
+        </p:style>
+        <p:txBody>
+          <a:bodyPr rtlCol="0" anchor="ctr"/>
+          <a:lstStyle/>
+          <a:p>
+            <a:pPr algn="ctr"/>
+            <a:endParaRPr kumimoji="1" lang="ja-JP" altLang="en-US"/>
+          </a:p>
+        </p:txBody>
+      </p:sp>
+      <p:sp>
+        <p:nvSpPr>
+          <p:cNvPr id="27" name="正方形/長方形 26">
+            <a:extLst>
+              <a:ext uri="{FF2B5EF4-FFF2-40B4-BE49-F238E27FC236}">
+                <a16:creationId xmlns:a16="http://schemas.microsoft.com/office/drawing/2014/main" id="{E8954EE1-F57D-4C85-B71B-03B8DE936F63}"/>
+              </a:ext>
+            </a:extLst>
+          </p:cNvPr>
+          <p:cNvSpPr/>
+          <p:nvPr/>
+        </p:nvSpPr>
+        <p:spPr>
+          <a:xfrm>
+            <a:off x="10946181" y="22523707"/>
+            <a:ext cx="9767736" cy="7084910"/>
+          </a:xfrm>
+          <a:prstGeom prst="rect">
+            <a:avLst/>
+          </a:prstGeom>
+          <a:noFill/>
+        </p:spPr>
+        <p:style>
+          <a:lnRef idx="2">
+            <a:schemeClr val="accent1">
+              <a:shade val="50000"/>
+            </a:schemeClr>
+          </a:lnRef>
+          <a:fillRef idx="1">
+            <a:schemeClr val="accent1"/>
+          </a:fillRef>
+          <a:effectRef idx="0">
+            <a:schemeClr val="accent1"/>
+          </a:effectRef>
+          <a:fontRef idx="minor">
+            <a:schemeClr val="lt1"/>
+          </a:fontRef>
+        </p:style>
+        <p:txBody>
+          <a:bodyPr rtlCol="0" anchor="ctr"/>
+          <a:lstStyle/>
+          <a:p>
+            <a:pPr algn="ctr"/>
+            <a:endParaRPr kumimoji="1" lang="ja-JP" altLang="en-US"/>
+          </a:p>
+        </p:txBody>
+      </p:sp>
+      <p:sp>
+        <p:nvSpPr>
+          <p:cNvPr id="26" name="正方形/長方形 25">
+            <a:extLst>
+              <a:ext uri="{FF2B5EF4-FFF2-40B4-BE49-F238E27FC236}">
+                <a16:creationId xmlns:a16="http://schemas.microsoft.com/office/drawing/2014/main" id="{1C7C08CD-356C-4FEE-BD23-DC807850B20D}"/>
+              </a:ext>
+            </a:extLst>
+          </p:cNvPr>
+          <p:cNvSpPr/>
+          <p:nvPr/>
+        </p:nvSpPr>
+        <p:spPr>
+          <a:xfrm>
+            <a:off x="542875" y="22515685"/>
+            <a:ext cx="9767736" cy="7084910"/>
+          </a:xfrm>
+          <a:prstGeom prst="rect">
+            <a:avLst/>
+          </a:prstGeom>
+          <a:noFill/>
+        </p:spPr>
+        <p:style>
+          <a:lnRef idx="2">
+            <a:schemeClr val="accent1">
+              <a:shade val="50000"/>
+            </a:schemeClr>
+          </a:lnRef>
+          <a:fillRef idx="1">
+            <a:schemeClr val="accent1"/>
+          </a:fillRef>
+          <a:effectRef idx="0">
+            <a:schemeClr val="accent1"/>
+          </a:effectRef>
+          <a:fontRef idx="minor">
+            <a:schemeClr val="lt1"/>
+          </a:fontRef>
+        </p:style>
+        <p:txBody>
+          <a:bodyPr rtlCol="0" anchor="ctr"/>
+          <a:lstStyle/>
+          <a:p>
+            <a:pPr algn="ctr"/>
+            <a:endParaRPr kumimoji="1" lang="ja-JP" altLang="en-US"/>
+          </a:p>
+        </p:txBody>
+      </p:sp>
+      <p:sp>
+        <p:nvSpPr>
+          <p:cNvPr id="25" name="正方形/長方形 24">
+            <a:extLst>
+              <a:ext uri="{FF2B5EF4-FFF2-40B4-BE49-F238E27FC236}">
+                <a16:creationId xmlns:a16="http://schemas.microsoft.com/office/drawing/2014/main" id="{BEB64185-B985-466A-923F-AE35BE0057D9}"/>
+              </a:ext>
+            </a:extLst>
+          </p:cNvPr>
+          <p:cNvSpPr/>
+          <p:nvPr/>
+        </p:nvSpPr>
+        <p:spPr>
+          <a:xfrm>
+            <a:off x="534853" y="14063099"/>
+            <a:ext cx="9767737" cy="7389708"/>
+          </a:xfrm>
+          <a:prstGeom prst="rect">
+            <a:avLst/>
+          </a:prstGeom>
+          <a:noFill/>
+        </p:spPr>
+        <p:style>
+          <a:lnRef idx="2">
+            <a:schemeClr val="accent1">
+              <a:shade val="50000"/>
+            </a:schemeClr>
+          </a:lnRef>
+          <a:fillRef idx="1">
+            <a:schemeClr val="accent1"/>
+          </a:fillRef>
+          <a:effectRef idx="0">
+            <a:schemeClr val="accent1"/>
+          </a:effectRef>
+          <a:fontRef idx="minor">
+            <a:schemeClr val="lt1"/>
+          </a:fontRef>
+        </p:style>
+        <p:txBody>
+          <a:bodyPr rtlCol="0" anchor="ctr"/>
+          <a:lstStyle/>
+          <a:p>
+            <a:pPr algn="ctr"/>
+            <a:endParaRPr kumimoji="1" lang="ja-JP" altLang="en-US"/>
+          </a:p>
+        </p:txBody>
+      </p:sp>
+      <p:sp>
+        <p:nvSpPr>
+          <p:cNvPr id="23" name="正方形/長方形 22">
+            <a:extLst>
+              <a:ext uri="{FF2B5EF4-FFF2-40B4-BE49-F238E27FC236}">
+                <a16:creationId xmlns:a16="http://schemas.microsoft.com/office/drawing/2014/main" id="{5176CCBA-1ACA-46EE-B400-366B59342D49}"/>
+              </a:ext>
+            </a:extLst>
+          </p:cNvPr>
+          <p:cNvSpPr/>
+          <p:nvPr/>
+        </p:nvSpPr>
+        <p:spPr>
+          <a:xfrm>
+            <a:off x="526831" y="5745264"/>
+            <a:ext cx="9767737" cy="7871258"/>
+          </a:xfrm>
+          <a:prstGeom prst="rect">
+            <a:avLst/>
+          </a:prstGeom>
+          <a:noFill/>
+        </p:spPr>
+        <p:style>
+          <a:lnRef idx="2">
+            <a:schemeClr val="accent1">
+              <a:shade val="50000"/>
+            </a:schemeClr>
+          </a:lnRef>
+          <a:fillRef idx="1">
+            <a:schemeClr val="accent1"/>
+          </a:fillRef>
+          <a:effectRef idx="0">
+            <a:schemeClr val="accent1"/>
+          </a:effectRef>
+          <a:fontRef idx="minor">
+            <a:schemeClr val="lt1"/>
+          </a:fontRef>
+        </p:style>
+        <p:txBody>
+          <a:bodyPr rtlCol="0" anchor="ctr"/>
+          <a:lstStyle/>
+          <a:p>
+            <a:pPr algn="ctr"/>
+            <a:endParaRPr kumimoji="1" lang="ja-JP" altLang="en-US"/>
+          </a:p>
+        </p:txBody>
+      </p:sp>
+      <p:pic>
+        <p:nvPicPr>
+          <p:cNvPr id="20" name="図 19">
+            <a:extLst>
+              <a:ext uri="{FF2B5EF4-FFF2-40B4-BE49-F238E27FC236}">
+                <a16:creationId xmlns:a16="http://schemas.microsoft.com/office/drawing/2014/main" id="{32744A87-9F3D-4818-A964-8A5E3F99CCD5}"/>
+              </a:ext>
+            </a:extLst>
+          </p:cNvPr>
+          <p:cNvPicPr>
+            <a:picLocks noChangeAspect="1"/>
+          </p:cNvPicPr>
+          <p:nvPr/>
+        </p:nvPicPr>
+        <p:blipFill>
+          <a:blip r:embed="rId2">
+            <a:extLst>
+              <a:ext uri="{28A0092B-C50C-407E-A947-70E740481C1C}">
+                <a14:useLocalDpi xmlns:a14="http://schemas.microsoft.com/office/drawing/2010/main" val="0"/>
+              </a:ext>
+            </a:extLst>
+          </a:blip>
+          <a:stretch>
+            <a:fillRect/>
+          </a:stretch>
+        </p:blipFill>
+        <p:spPr>
+          <a:xfrm>
+            <a:off x="15810645" y="1657226"/>
+            <a:ext cx="5430105" cy="2921085"/>
+          </a:xfrm>
+          <a:prstGeom prst="rect">
+            <a:avLst/>
+          </a:prstGeom>
+        </p:spPr>
+      </p:pic>
+      <p:sp>
+        <p:nvSpPr>
           <p:cNvPr id="2" name="タイトル 1">
             <a:extLst>
               <a:ext uri="{FF2B5EF4-FFF2-40B4-BE49-F238E27FC236}">
@@ -3277,8 +3556,8 @@
         </p:nvSpPr>
         <p:spPr>
           <a:xfrm>
-            <a:off x="2120198" y="409213"/>
-            <a:ext cx="16992601" cy="2609991"/>
+            <a:off x="702565" y="352231"/>
+            <a:ext cx="15939515" cy="2609991"/>
           </a:xfrm>
         </p:spPr>
         <p:txBody>
@@ -3310,7 +3589,7 @@
         </p:nvSpPr>
         <p:spPr>
           <a:xfrm>
-            <a:off x="3728554" y="2682128"/>
+            <a:off x="1784378" y="2819800"/>
             <a:ext cx="13775888" cy="2225558"/>
           </a:xfrm>
         </p:spPr>
@@ -3321,72 +3600,69 @@
           <a:lstStyle/>
           <a:p>
             <a:r>
-              <a:rPr kumimoji="1" lang="en-US" altLang="ja-JP" sz="2400" dirty="0"/>
+              <a:rPr kumimoji="1" lang="en-US" altLang="ja-JP" sz="3200" dirty="0"/>
               <a:t>ONO-Systems</a:t>
             </a:r>
           </a:p>
           <a:p>
             <a:r>
-              <a:rPr lang="ja-JP" altLang="en-US" sz="2400" dirty="0"/>
+              <a:rPr lang="ja-JP" altLang="en-US" sz="3200" dirty="0"/>
               <a:t>東聖</a:t>
             </a:r>
             <a:r>
-              <a:rPr lang="en-US" altLang="ja-JP" sz="2400" dirty="0"/>
+              <a:rPr lang="en-US" altLang="ja-JP" sz="3200" dirty="0"/>
               <a:t>(1200280)</a:t>
             </a:r>
             <a:r>
-              <a:rPr lang="ja-JP" altLang="en-US" sz="2400" dirty="0"/>
+              <a:rPr lang="ja-JP" altLang="en-US" sz="3200" dirty="0"/>
               <a:t>　池内 聖</a:t>
             </a:r>
             <a:r>
-              <a:rPr lang="en-US" altLang="ja-JP" sz="2400" dirty="0"/>
+              <a:rPr lang="en-US" altLang="ja-JP" sz="3200" dirty="0"/>
               <a:t>(1200284)</a:t>
             </a:r>
             <a:r>
-              <a:rPr lang="ja-JP" altLang="en-US" sz="2400" dirty="0"/>
+              <a:rPr lang="ja-JP" altLang="en-US" sz="3200" dirty="0"/>
               <a:t>　尾野 公哉</a:t>
             </a:r>
             <a:r>
-              <a:rPr lang="en-US" altLang="ja-JP" sz="2400" dirty="0"/>
+              <a:rPr lang="en-US" altLang="ja-JP" sz="3200" dirty="0"/>
               <a:t>(1200305)</a:t>
             </a:r>
             <a:r>
-              <a:rPr lang="ja-JP" altLang="en-US" sz="2400" dirty="0"/>
+              <a:rPr lang="ja-JP" altLang="en-US" sz="3200" dirty="0"/>
               <a:t>　中尾 友紀</a:t>
             </a:r>
             <a:r>
-              <a:rPr lang="en-US" altLang="ja-JP" sz="2400" dirty="0"/>
+              <a:rPr lang="en-US" altLang="ja-JP" sz="3200" dirty="0"/>
               <a:t>(1200341)</a:t>
             </a:r>
           </a:p>
           <a:p>
             <a:r>
-              <a:rPr lang="ja-JP" altLang="en-US" sz="2400" dirty="0"/>
+              <a:rPr lang="ja-JP" altLang="en-US" sz="3200" dirty="0"/>
               <a:t>根子 稚絢</a:t>
             </a:r>
             <a:r>
-              <a:rPr lang="en-US" altLang="ja-JP" sz="2400" dirty="0"/>
+              <a:rPr lang="en-US" altLang="ja-JP" sz="3200" dirty="0"/>
               <a:t>(1200350)</a:t>
             </a:r>
             <a:r>
-              <a:rPr lang="ja-JP" altLang="en-US" sz="2400" dirty="0"/>
+              <a:rPr lang="ja-JP" altLang="en-US" sz="3200" dirty="0"/>
               <a:t>　橋詰 貴丸</a:t>
             </a:r>
             <a:r>
-              <a:rPr lang="en-US" altLang="ja-JP" sz="2400" dirty="0"/>
+              <a:rPr lang="en-US" altLang="ja-JP" sz="3200" dirty="0"/>
               <a:t>(1200352)</a:t>
             </a:r>
             <a:r>
-              <a:rPr lang="ja-JP" altLang="en-US" sz="2400" dirty="0"/>
+              <a:rPr lang="ja-JP" altLang="en-US" sz="3200" dirty="0"/>
               <a:t>　森 翔太郎</a:t>
             </a:r>
             <a:r>
-              <a:rPr lang="en-US" altLang="ja-JP" sz="2400" dirty="0"/>
+              <a:rPr lang="en-US" altLang="ja-JP" sz="3200" dirty="0"/>
               <a:t>(1200372)</a:t>
             </a:r>
-          </a:p>
-          <a:p>
-            <a:endParaRPr kumimoji="1" lang="ja-JP" altLang="en-US" sz="2400" dirty="0"/>
           </a:p>
         </p:txBody>
       </p:sp>
@@ -3404,13 +3680,15 @@
         </p:nvSpPr>
         <p:spPr>
           <a:xfrm>
-            <a:off x="702565" y="6399937"/>
-            <a:ext cx="10809515" cy="923330"/>
+            <a:off x="782082" y="5381665"/>
+            <a:ext cx="8489558" cy="923330"/>
           </a:xfrm>
           <a:prstGeom prst="rect">
             <a:avLst/>
           </a:prstGeom>
-          <a:noFill/>
+          <a:solidFill>
+            <a:schemeClr val="bg1"/>
+          </a:solidFill>
         </p:spPr>
         <p:txBody>
           <a:bodyPr wrap="square" rtlCol="0">
@@ -3419,8 +3697,12 @@
           <a:lstStyle/>
           <a:p>
             <a:r>
-              <a:rPr kumimoji="1" lang="ja-JP" altLang="en-US" sz="5400" dirty="0"/>
-              <a:t>プロジェクトの概要、背景</a:t>
+              <a:rPr kumimoji="1" lang="ja-JP" altLang="en-US" sz="5400" dirty="0">
+                <a:solidFill>
+                  <a:schemeClr val="accent1"/>
+                </a:solidFill>
+              </a:rPr>
+              <a:t>プロジェクトの概要・課題</a:t>
             </a:r>
           </a:p>
         </p:txBody>
@@ -3439,8 +3721,349 @@
         </p:nvSpPr>
         <p:spPr>
           <a:xfrm>
-            <a:off x="702565" y="14033621"/>
-            <a:ext cx="9308410" cy="923330"/>
+            <a:off x="702565" y="13728821"/>
+            <a:ext cx="9149382" cy="923330"/>
+          </a:xfrm>
+          <a:prstGeom prst="rect">
+            <a:avLst/>
+          </a:prstGeom>
+          <a:solidFill>
+            <a:schemeClr val="bg1"/>
+          </a:solidFill>
+        </p:spPr>
+        <p:txBody>
+          <a:bodyPr wrap="square" rtlCol="0">
+            <a:spAutoFit/>
+          </a:bodyPr>
+          <a:lstStyle/>
+          <a:p>
+            <a:r>
+              <a:rPr kumimoji="1" lang="ja-JP" altLang="en-US" sz="5400" dirty="0">
+                <a:solidFill>
+                  <a:schemeClr val="accent1"/>
+                </a:solidFill>
+              </a:rPr>
+              <a:t>ユーザから見たシステムの姿</a:t>
+            </a:r>
+          </a:p>
+        </p:txBody>
+      </p:sp>
+      <p:sp>
+        <p:nvSpPr>
+          <p:cNvPr id="8" name="テキスト ボックス 7">
+            <a:extLst>
+              <a:ext uri="{FF2B5EF4-FFF2-40B4-BE49-F238E27FC236}">
+                <a16:creationId xmlns:a16="http://schemas.microsoft.com/office/drawing/2014/main" id="{35554892-ED83-4C85-BD55-30E4A3F7F37D}"/>
+              </a:ext>
+            </a:extLst>
+          </p:cNvPr>
+          <p:cNvSpPr txBox="1"/>
+          <p:nvPr/>
+        </p:nvSpPr>
+        <p:spPr>
+          <a:xfrm>
+            <a:off x="702565" y="22169884"/>
+            <a:ext cx="5110400" cy="923330"/>
+          </a:xfrm>
+          <a:prstGeom prst="rect">
+            <a:avLst/>
+          </a:prstGeom>
+          <a:solidFill>
+            <a:schemeClr val="bg1"/>
+          </a:solidFill>
+        </p:spPr>
+        <p:txBody>
+          <a:bodyPr wrap="square" rtlCol="0">
+            <a:spAutoFit/>
+          </a:bodyPr>
+          <a:lstStyle/>
+          <a:p>
+            <a:r>
+              <a:rPr kumimoji="1" lang="ja-JP" altLang="en-US" sz="5400" dirty="0">
+                <a:solidFill>
+                  <a:schemeClr val="accent1"/>
+                </a:solidFill>
+              </a:rPr>
+              <a:t>技術的な工夫点</a:t>
+            </a:r>
+          </a:p>
+        </p:txBody>
+      </p:sp>
+      <p:sp>
+        <p:nvSpPr>
+          <p:cNvPr id="10" name="テキスト ボックス 9">
+            <a:extLst>
+              <a:ext uri="{FF2B5EF4-FFF2-40B4-BE49-F238E27FC236}">
+                <a16:creationId xmlns:a16="http://schemas.microsoft.com/office/drawing/2014/main" id="{FA0CA9A2-F64D-4E25-BBE4-3C467CB36BFF}"/>
+              </a:ext>
+            </a:extLst>
+          </p:cNvPr>
+          <p:cNvSpPr txBox="1"/>
+          <p:nvPr/>
+        </p:nvSpPr>
+        <p:spPr>
+          <a:xfrm>
+            <a:off x="11222022" y="5363617"/>
+            <a:ext cx="6837378" cy="923330"/>
+          </a:xfrm>
+          <a:prstGeom prst="rect">
+            <a:avLst/>
+          </a:prstGeom>
+          <a:solidFill>
+            <a:schemeClr val="bg1"/>
+          </a:solidFill>
+        </p:spPr>
+        <p:txBody>
+          <a:bodyPr wrap="square" rtlCol="0">
+            <a:spAutoFit/>
+          </a:bodyPr>
+          <a:lstStyle/>
+          <a:p>
+            <a:r>
+              <a:rPr kumimoji="1" lang="ja-JP" altLang="en-US" sz="5400" dirty="0">
+                <a:solidFill>
+                  <a:schemeClr val="accent1"/>
+                </a:solidFill>
+              </a:rPr>
+              <a:t>システムの内部構造</a:t>
+            </a:r>
+          </a:p>
+        </p:txBody>
+      </p:sp>
+      <p:sp>
+        <p:nvSpPr>
+          <p:cNvPr id="11" name="テキスト ボックス 10">
+            <a:extLst>
+              <a:ext uri="{FF2B5EF4-FFF2-40B4-BE49-F238E27FC236}">
+                <a16:creationId xmlns:a16="http://schemas.microsoft.com/office/drawing/2014/main" id="{54C58A87-1CE6-4F04-BEF7-C6C147F6860A}"/>
+              </a:ext>
+            </a:extLst>
+          </p:cNvPr>
+          <p:cNvSpPr txBox="1"/>
+          <p:nvPr/>
+        </p:nvSpPr>
+        <p:spPr>
+          <a:xfrm>
+            <a:off x="11222022" y="22169884"/>
+            <a:ext cx="6392206" cy="923330"/>
+          </a:xfrm>
+          <a:prstGeom prst="rect">
+            <a:avLst/>
+          </a:prstGeom>
+          <a:solidFill>
+            <a:schemeClr val="bg1"/>
+          </a:solidFill>
+        </p:spPr>
+        <p:txBody>
+          <a:bodyPr wrap="square" rtlCol="0">
+            <a:spAutoFit/>
+          </a:bodyPr>
+          <a:lstStyle/>
+          <a:p>
+            <a:r>
+              <a:rPr kumimoji="1" lang="ja-JP" altLang="en-US" sz="5400" dirty="0">
+                <a:solidFill>
+                  <a:schemeClr val="accent1"/>
+                </a:solidFill>
+              </a:rPr>
+              <a:t>開発全体の振り返り</a:t>
+            </a:r>
+          </a:p>
+        </p:txBody>
+      </p:sp>
+      <p:sp>
+        <p:nvSpPr>
+          <p:cNvPr id="6" name="テキスト ボックス 5">
+            <a:extLst>
+              <a:ext uri="{FF2B5EF4-FFF2-40B4-BE49-F238E27FC236}">
+                <a16:creationId xmlns:a16="http://schemas.microsoft.com/office/drawing/2014/main" id="{D89E5FBC-F32F-48AA-BB08-EDAA69932036}"/>
+              </a:ext>
+            </a:extLst>
+          </p:cNvPr>
+          <p:cNvSpPr txBox="1"/>
+          <p:nvPr/>
+        </p:nvSpPr>
+        <p:spPr>
+          <a:xfrm>
+            <a:off x="702565" y="6414568"/>
+            <a:ext cx="9491898" cy="5078313"/>
+          </a:xfrm>
+          <a:prstGeom prst="rect">
+            <a:avLst/>
+          </a:prstGeom>
+          <a:noFill/>
+          <a:ln>
+            <a:noFill/>
+          </a:ln>
+        </p:spPr>
+        <p:txBody>
+          <a:bodyPr wrap="square" rtlCol="0">
+            <a:spAutoFit/>
+          </a:bodyPr>
+          <a:lstStyle/>
+          <a:p>
+            <a:r>
+              <a:rPr kumimoji="1" lang="ja-JP" altLang="en-US" sz="3600" dirty="0"/>
+              <a:t>再配達の増加を解決するための課題</a:t>
+            </a:r>
+            <a:endParaRPr kumimoji="1" lang="en-US" altLang="ja-JP" sz="3600" dirty="0"/>
+          </a:p>
+          <a:p>
+            <a:pPr marL="742950" indent="-742950">
+              <a:buFont typeface="+mj-lt"/>
+              <a:buAutoNum type="arabicPeriod"/>
+            </a:pPr>
+            <a:r>
+              <a:rPr kumimoji="1" lang="en-US" altLang="ja-JP" sz="3600" dirty="0"/>
+              <a:t>(</a:t>
+            </a:r>
+            <a:r>
+              <a:rPr kumimoji="1" lang="ja-JP" altLang="en-US" sz="3600" dirty="0"/>
+              <a:t>利用者は</a:t>
+            </a:r>
+            <a:r>
+              <a:rPr kumimoji="1" lang="en-US" altLang="ja-JP" sz="3600" dirty="0"/>
+              <a:t>)</a:t>
+            </a:r>
+            <a:r>
+              <a:rPr kumimoji="1" lang="ja-JP" altLang="en-US" sz="3600" dirty="0"/>
+              <a:t>いつ配達されるか</a:t>
+            </a:r>
+            <a:r>
+              <a:rPr kumimoji="1" lang="ja-JP" altLang="en-US" sz="3600" dirty="0">
+                <a:solidFill>
+                  <a:srgbClr val="FF0000"/>
+                </a:solidFill>
+              </a:rPr>
+              <a:t>正確な時間</a:t>
+            </a:r>
+            <a:r>
+              <a:rPr kumimoji="1" lang="ja-JP" altLang="en-US" sz="3600" dirty="0"/>
+              <a:t>がわからない</a:t>
+            </a:r>
+            <a:endParaRPr kumimoji="1" lang="en-US" altLang="ja-JP" sz="3600" dirty="0"/>
+          </a:p>
+          <a:p>
+            <a:pPr marL="742950" indent="-742950">
+              <a:buFont typeface="+mj-lt"/>
+              <a:buAutoNum type="arabicPeriod"/>
+            </a:pPr>
+            <a:r>
+              <a:rPr kumimoji="1" lang="en-US" altLang="ja-JP" sz="3600" dirty="0"/>
+              <a:t>(</a:t>
+            </a:r>
+            <a:r>
+              <a:rPr kumimoji="1" lang="ja-JP" altLang="en-US" sz="3600" dirty="0"/>
+              <a:t>配達員は</a:t>
+            </a:r>
+            <a:r>
+              <a:rPr kumimoji="1" lang="en-US" altLang="ja-JP" sz="3600" dirty="0"/>
+              <a:t>)</a:t>
+            </a:r>
+            <a:r>
+              <a:rPr kumimoji="1" lang="ja-JP" altLang="en-US" sz="3600" dirty="0"/>
+              <a:t>利用者が</a:t>
+            </a:r>
+            <a:r>
+              <a:rPr kumimoji="1" lang="ja-JP" altLang="en-US" sz="3600" dirty="0">
+                <a:solidFill>
+                  <a:srgbClr val="FF0000"/>
+                </a:solidFill>
+              </a:rPr>
+              <a:t>予定通りに</a:t>
+            </a:r>
+            <a:r>
+              <a:rPr kumimoji="1" lang="ja-JP" altLang="en-US" sz="3600" dirty="0"/>
+              <a:t>受け取れるかわからない</a:t>
+            </a:r>
+            <a:endParaRPr kumimoji="1" lang="en-US" altLang="ja-JP" sz="3600" dirty="0"/>
+          </a:p>
+          <a:p>
+            <a:endParaRPr kumimoji="1" lang="en-US" altLang="ja-JP" sz="3600" dirty="0"/>
+          </a:p>
+          <a:p>
+            <a:r>
+              <a:rPr kumimoji="1" lang="ja-JP" altLang="en-US" sz="3600" dirty="0"/>
+              <a:t>利用者が</a:t>
+            </a:r>
+            <a:r>
+              <a:rPr kumimoji="1" lang="ja-JP" altLang="en-US" sz="3600" dirty="0">
+                <a:solidFill>
+                  <a:srgbClr val="FF0000"/>
+                </a:solidFill>
+              </a:rPr>
+              <a:t>スマホ</a:t>
+            </a:r>
+            <a:r>
+              <a:rPr kumimoji="1" lang="ja-JP" altLang="en-US" sz="3600" dirty="0"/>
+              <a:t>で位置情報を用いた</a:t>
+            </a:r>
+            <a:r>
+              <a:rPr kumimoji="1" lang="ja-JP" altLang="en-US" sz="3600" dirty="0">
+                <a:solidFill>
+                  <a:srgbClr val="FF0000"/>
+                </a:solidFill>
+              </a:rPr>
+              <a:t>通知</a:t>
+            </a:r>
+            <a:r>
+              <a:rPr kumimoji="1" lang="ja-JP" altLang="en-US" sz="3600" dirty="0"/>
+              <a:t>から</a:t>
+            </a:r>
+            <a:endParaRPr kumimoji="1" lang="en-US" altLang="ja-JP" sz="3600" dirty="0"/>
+          </a:p>
+          <a:p>
+            <a:r>
+              <a:rPr kumimoji="1" lang="ja-JP" altLang="en-US" sz="3600" dirty="0">
+                <a:solidFill>
+                  <a:srgbClr val="FF0000"/>
+                </a:solidFill>
+              </a:rPr>
+              <a:t>荷物受取の可否を選択</a:t>
+            </a:r>
+            <a:r>
+              <a:rPr kumimoji="1" lang="ja-JP" altLang="en-US" sz="3600" dirty="0"/>
+              <a:t>し，</a:t>
+            </a:r>
+            <a:endParaRPr kumimoji="1" lang="en-US" altLang="ja-JP" sz="3600" dirty="0"/>
+          </a:p>
+          <a:p>
+            <a:r>
+              <a:rPr kumimoji="1" lang="ja-JP" altLang="en-US" sz="3600" dirty="0"/>
+              <a:t>配達員に</a:t>
+            </a:r>
+            <a:r>
+              <a:rPr kumimoji="1" lang="ja-JP" altLang="en-US" sz="3600" dirty="0">
+                <a:solidFill>
+                  <a:srgbClr val="FF0000"/>
+                </a:solidFill>
+              </a:rPr>
+              <a:t>リアルタイムで</a:t>
+            </a:r>
+            <a:r>
+              <a:rPr kumimoji="1" lang="ja-JP" altLang="en-US" sz="3600" dirty="0"/>
+              <a:t>スマホに通知</a:t>
+            </a:r>
+            <a:endParaRPr kumimoji="1" lang="en-US" altLang="ja-JP" sz="3600" dirty="0"/>
+          </a:p>
+        </p:txBody>
+      </p:sp>
+      <p:sp>
+        <p:nvSpPr>
+          <p:cNvPr id="13" name="テキスト ボックス 12">
+            <a:extLst>
+              <a:ext uri="{FF2B5EF4-FFF2-40B4-BE49-F238E27FC236}">
+                <a16:creationId xmlns:a16="http://schemas.microsoft.com/office/drawing/2014/main" id="{BE248439-A6CA-482F-8ECD-CF14DC199301}"/>
+              </a:ext>
+            </a:extLst>
+          </p:cNvPr>
+          <p:cNvSpPr txBox="1"/>
+          <p:nvPr/>
+        </p:nvSpPr>
+        <p:spPr>
+          <a:xfrm>
+            <a:off x="702565" y="14646837"/>
+            <a:ext cx="9491898" cy="7679025"/>
           </a:xfrm>
           <a:prstGeom prst="rect">
             <a:avLst/>
@@ -3454,28 +4077,659 @@
           <a:lstStyle/>
           <a:p>
             <a:r>
-              <a:rPr kumimoji="1" lang="ja-JP" altLang="en-US" sz="5400" dirty="0"/>
-              <a:t>ユーザから見たシステムの姿</a:t>
-            </a:r>
-          </a:p>
-        </p:txBody>
-      </p:sp>
-      <p:cxnSp>
-        <p:nvCxnSpPr>
-          <p:cNvPr id="7" name="直線コネクタ 6">
+              <a:rPr kumimoji="1" lang="ja-JP" altLang="en-US" sz="3600" dirty="0"/>
+              <a:t>利用者側</a:t>
+            </a:r>
+            <a:endParaRPr kumimoji="1" lang="en-US" altLang="ja-JP" sz="3600" dirty="0"/>
+          </a:p>
+          <a:p>
+            <a:pPr marL="571500" indent="-571500">
+              <a:buFont typeface="Wingdings" panose="05000000000000000000" pitchFamily="2" charset="2"/>
+              <a:buChar char="n"/>
+            </a:pPr>
+            <a:r>
+              <a:rPr kumimoji="1" lang="ja-JP" altLang="en-US" sz="3600" dirty="0"/>
+              <a:t>いつ配達されるか正確な時間がわからない</a:t>
+            </a:r>
+            <a:endParaRPr kumimoji="1" lang="en-US" altLang="ja-JP" sz="3600" dirty="0"/>
+          </a:p>
+          <a:p>
+            <a:r>
+              <a:rPr kumimoji="1" lang="en-US" altLang="ja-JP" sz="3600" dirty="0"/>
+              <a:t>	</a:t>
+            </a:r>
+            <a:r>
+              <a:rPr kumimoji="1" lang="ja-JP" altLang="en-US" sz="3600" dirty="0"/>
+              <a:t>→</a:t>
+            </a:r>
+            <a:r>
+              <a:rPr kumimoji="1" lang="ja-JP" altLang="en-US" sz="3600" dirty="0">
+                <a:solidFill>
+                  <a:srgbClr val="FF0000"/>
+                </a:solidFill>
+              </a:rPr>
+              <a:t>配送日に荷物情報を通知</a:t>
+            </a:r>
+            <a:endParaRPr kumimoji="1" lang="en-US" altLang="ja-JP" sz="3600" dirty="0">
+              <a:solidFill>
+                <a:srgbClr val="FF0000"/>
+              </a:solidFill>
+            </a:endParaRPr>
+          </a:p>
+          <a:p>
+            <a:r>
+              <a:rPr kumimoji="1" lang="en-US" altLang="ja-JP" sz="3600" dirty="0"/>
+              <a:t>		- </a:t>
+            </a:r>
+            <a:r>
+              <a:rPr kumimoji="1" lang="ja-JP" altLang="en-US" sz="3600" dirty="0"/>
+              <a:t>受取不可の場合は日付変更も可能</a:t>
+            </a:r>
+            <a:endParaRPr kumimoji="1" lang="en-US" altLang="ja-JP" sz="3600" dirty="0"/>
+          </a:p>
+          <a:p>
+            <a:pPr>
+              <a:lnSpc>
+                <a:spcPct val="150000"/>
+              </a:lnSpc>
+              <a:spcAft>
+                <a:spcPts val="3000"/>
+              </a:spcAft>
+            </a:pPr>
+            <a:r>
+              <a:rPr kumimoji="1" lang="en-US" altLang="ja-JP" sz="3600" dirty="0"/>
+              <a:t>	</a:t>
+            </a:r>
+            <a:r>
+              <a:rPr kumimoji="1" lang="ja-JP" altLang="en-US" sz="3600" dirty="0"/>
+              <a:t>　　</a:t>
+            </a:r>
+            <a:r>
+              <a:rPr kumimoji="1" lang="ja-JP" altLang="en-US" sz="3600" b="1" dirty="0">
+                <a:solidFill>
+                  <a:schemeClr val="accent1"/>
+                </a:solidFill>
+              </a:rPr>
+              <a:t>荷物情報を正確に確認できる</a:t>
+            </a:r>
+            <a:endParaRPr kumimoji="1" lang="en-US" altLang="ja-JP" sz="3600" b="1" dirty="0">
+              <a:solidFill>
+                <a:schemeClr val="accent1"/>
+              </a:solidFill>
+            </a:endParaRPr>
+          </a:p>
+          <a:p>
+            <a:r>
+              <a:rPr kumimoji="1" lang="ja-JP" altLang="en-US" sz="3600" dirty="0"/>
+              <a:t>配達員側</a:t>
+            </a:r>
+            <a:endParaRPr kumimoji="1" lang="en-US" altLang="ja-JP" sz="3600" dirty="0"/>
+          </a:p>
+          <a:p>
+            <a:pPr marL="571500" indent="-571500">
+              <a:buFont typeface="Wingdings" panose="05000000000000000000" pitchFamily="2" charset="2"/>
+              <a:buChar char="n"/>
+            </a:pPr>
+            <a:r>
+              <a:rPr kumimoji="1" lang="ja-JP" altLang="en-US" sz="3600" dirty="0"/>
+              <a:t>利用者が配達物を受け取れるか分からない</a:t>
+            </a:r>
+            <a:endParaRPr kumimoji="1" lang="en-US" altLang="ja-JP" sz="3600" dirty="0"/>
+          </a:p>
+          <a:p>
+            <a:r>
+              <a:rPr kumimoji="1" lang="en-US" altLang="ja-JP" sz="3600" dirty="0"/>
+              <a:t>	</a:t>
+            </a:r>
+            <a:r>
+              <a:rPr kumimoji="1" lang="ja-JP" altLang="en-US" sz="3600" dirty="0"/>
+              <a:t>→</a:t>
+            </a:r>
+            <a:r>
+              <a:rPr kumimoji="1" lang="ja-JP" altLang="en-US" sz="3600" dirty="0">
+                <a:solidFill>
+                  <a:srgbClr val="FF0000"/>
+                </a:solidFill>
+              </a:rPr>
+              <a:t>受取可否をリアルタイムで通知</a:t>
+            </a:r>
+            <a:endParaRPr kumimoji="1" lang="en-US" altLang="ja-JP" sz="3600" dirty="0">
+              <a:solidFill>
+                <a:srgbClr val="FF0000"/>
+              </a:solidFill>
+            </a:endParaRPr>
+          </a:p>
+          <a:p>
+            <a:r>
+              <a:rPr kumimoji="1" lang="en-US" altLang="ja-JP" sz="3600" dirty="0"/>
+              <a:t>		- </a:t>
+            </a:r>
+            <a:r>
+              <a:rPr kumimoji="1" lang="ja-JP" altLang="en-US" sz="3600" dirty="0"/>
+              <a:t>受取可否結果の一覧表示</a:t>
+            </a:r>
+            <a:endParaRPr kumimoji="1" lang="en-US" altLang="ja-JP" sz="3600" dirty="0"/>
+          </a:p>
+          <a:p>
+            <a:pPr>
+              <a:lnSpc>
+                <a:spcPct val="150000"/>
+              </a:lnSpc>
+            </a:pPr>
+            <a:r>
+              <a:rPr kumimoji="1" lang="ja-JP" altLang="en-US" sz="3600" dirty="0"/>
+              <a:t>　</a:t>
+            </a:r>
+            <a:r>
+              <a:rPr kumimoji="1" lang="en-US" altLang="ja-JP" sz="3600" dirty="0"/>
+              <a:t>		</a:t>
+            </a:r>
+            <a:r>
+              <a:rPr kumimoji="1" lang="ja-JP" altLang="en-US" sz="3600" b="1" dirty="0">
+                <a:solidFill>
+                  <a:schemeClr val="accent1"/>
+                </a:solidFill>
+              </a:rPr>
+              <a:t>利用者不在時の負担を軽減</a:t>
+            </a:r>
+            <a:endParaRPr kumimoji="1" lang="en-US" altLang="ja-JP" sz="3600" b="1" dirty="0">
+              <a:solidFill>
+                <a:schemeClr val="accent1"/>
+              </a:solidFill>
+            </a:endParaRPr>
+          </a:p>
+          <a:p>
+            <a:endParaRPr kumimoji="1" lang="en-US" altLang="ja-JP" sz="3600" dirty="0"/>
+          </a:p>
+          <a:p>
+            <a:endParaRPr kumimoji="1" lang="ja-JP" altLang="en-US" sz="3600" dirty="0"/>
+          </a:p>
+        </p:txBody>
+      </p:sp>
+      <p:sp>
+        <p:nvSpPr>
+          <p:cNvPr id="14" name="テキスト ボックス 13">
             <a:extLst>
               <a:ext uri="{FF2B5EF4-FFF2-40B4-BE49-F238E27FC236}">
-                <a16:creationId xmlns:a16="http://schemas.microsoft.com/office/drawing/2014/main" id="{A7D228F7-EF33-41E1-B6C5-DBEA048F4A1C}"/>
+                <a16:creationId xmlns:a16="http://schemas.microsoft.com/office/drawing/2014/main" id="{968A1007-667D-4819-A667-2ECD28FED61F}"/>
               </a:ext>
             </a:extLst>
           </p:cNvPr>
-          <p:cNvCxnSpPr/>
+          <p:cNvSpPr txBox="1"/>
+          <p:nvPr/>
+        </p:nvSpPr>
+        <p:spPr>
+          <a:xfrm>
+            <a:off x="782082" y="23222972"/>
+            <a:ext cx="9491898" cy="6186309"/>
+          </a:xfrm>
+          <a:prstGeom prst="rect">
+            <a:avLst/>
+          </a:prstGeom>
+          <a:noFill/>
+        </p:spPr>
+        <p:txBody>
+          <a:bodyPr wrap="square" rtlCol="0">
+            <a:spAutoFit/>
+          </a:bodyPr>
+          <a:lstStyle/>
+          <a:p>
+            <a:r>
+              <a:rPr kumimoji="1" lang="ja-JP" altLang="en-US" sz="3600" dirty="0"/>
+              <a:t>情報</a:t>
+            </a:r>
+            <a:endParaRPr kumimoji="1" lang="en-US" altLang="ja-JP" sz="3600" dirty="0"/>
+          </a:p>
+          <a:p>
+            <a:endParaRPr kumimoji="1" lang="en-US" altLang="ja-JP" sz="3600" dirty="0"/>
+          </a:p>
+          <a:p>
+            <a:endParaRPr kumimoji="1" lang="en-US" altLang="ja-JP" sz="3600" dirty="0"/>
+          </a:p>
+          <a:p>
+            <a:endParaRPr kumimoji="1" lang="en-US" altLang="ja-JP" sz="3600" dirty="0"/>
+          </a:p>
+          <a:p>
+            <a:endParaRPr kumimoji="1" lang="en-US" altLang="ja-JP" sz="3600" dirty="0"/>
+          </a:p>
+          <a:p>
+            <a:endParaRPr kumimoji="1" lang="en-US" altLang="ja-JP" sz="3600" dirty="0"/>
+          </a:p>
+          <a:p>
+            <a:endParaRPr kumimoji="1" lang="en-US" altLang="ja-JP" sz="3600" dirty="0"/>
+          </a:p>
+          <a:p>
+            <a:endParaRPr kumimoji="1" lang="en-US" altLang="ja-JP" sz="3600" dirty="0"/>
+          </a:p>
+          <a:p>
+            <a:endParaRPr kumimoji="1" lang="en-US" altLang="ja-JP" sz="3600" dirty="0"/>
+          </a:p>
+          <a:p>
+            <a:endParaRPr kumimoji="1" lang="en-US" altLang="ja-JP" sz="3600" dirty="0"/>
+          </a:p>
+          <a:p>
+            <a:endParaRPr kumimoji="1" lang="ja-JP" altLang="en-US" sz="3600" dirty="0"/>
+          </a:p>
+        </p:txBody>
+      </p:sp>
+      <p:sp>
+        <p:nvSpPr>
+          <p:cNvPr id="15" name="テキスト ボックス 14">
+            <a:extLst>
+              <a:ext uri="{FF2B5EF4-FFF2-40B4-BE49-F238E27FC236}">
+                <a16:creationId xmlns:a16="http://schemas.microsoft.com/office/drawing/2014/main" id="{26FE65AE-6A0A-49F6-B7B0-42C1EEE2D4D1}"/>
+              </a:ext>
+            </a:extLst>
+          </p:cNvPr>
+          <p:cNvSpPr txBox="1"/>
+          <p:nvPr/>
+        </p:nvSpPr>
+        <p:spPr>
+          <a:xfrm>
+            <a:off x="11222021" y="23221007"/>
+            <a:ext cx="9491898" cy="6186309"/>
+          </a:xfrm>
+          <a:prstGeom prst="rect">
+            <a:avLst/>
+          </a:prstGeom>
+          <a:noFill/>
+        </p:spPr>
+        <p:txBody>
+          <a:bodyPr wrap="square" rtlCol="0">
+            <a:spAutoFit/>
+          </a:bodyPr>
+          <a:lstStyle/>
+          <a:p>
+            <a:r>
+              <a:rPr kumimoji="1" lang="ja-JP" altLang="en-US" sz="3600" dirty="0"/>
+              <a:t>情報</a:t>
+            </a:r>
+            <a:endParaRPr kumimoji="1" lang="en-US" altLang="ja-JP" sz="3600" dirty="0"/>
+          </a:p>
+          <a:p>
+            <a:endParaRPr kumimoji="1" lang="en-US" altLang="ja-JP" sz="3600" dirty="0"/>
+          </a:p>
+          <a:p>
+            <a:endParaRPr kumimoji="1" lang="en-US" altLang="ja-JP" sz="3600" dirty="0"/>
+          </a:p>
+          <a:p>
+            <a:endParaRPr kumimoji="1" lang="en-US" altLang="ja-JP" sz="3600" dirty="0"/>
+          </a:p>
+          <a:p>
+            <a:endParaRPr kumimoji="1" lang="en-US" altLang="ja-JP" sz="3600" dirty="0"/>
+          </a:p>
+          <a:p>
+            <a:endParaRPr kumimoji="1" lang="en-US" altLang="ja-JP" sz="3600" dirty="0"/>
+          </a:p>
+          <a:p>
+            <a:endParaRPr kumimoji="1" lang="en-US" altLang="ja-JP" sz="3600" dirty="0"/>
+          </a:p>
+          <a:p>
+            <a:endParaRPr kumimoji="1" lang="en-US" altLang="ja-JP" sz="3600" dirty="0"/>
+          </a:p>
+          <a:p>
+            <a:endParaRPr kumimoji="1" lang="en-US" altLang="ja-JP" sz="3600" dirty="0"/>
+          </a:p>
+          <a:p>
+            <a:endParaRPr kumimoji="1" lang="en-US" altLang="ja-JP" sz="3600" dirty="0"/>
+          </a:p>
+          <a:p>
+            <a:endParaRPr kumimoji="1" lang="ja-JP" altLang="en-US" sz="3600" dirty="0"/>
+          </a:p>
+        </p:txBody>
+      </p:sp>
+      <p:sp>
+        <p:nvSpPr>
+          <p:cNvPr id="16" name="テキスト ボックス 15">
+            <a:extLst>
+              <a:ext uri="{FF2B5EF4-FFF2-40B4-BE49-F238E27FC236}">
+                <a16:creationId xmlns:a16="http://schemas.microsoft.com/office/drawing/2014/main" id="{73DD1EE7-0BA7-4912-A927-3373DEE24BD8}"/>
+              </a:ext>
+            </a:extLst>
+          </p:cNvPr>
+          <p:cNvSpPr txBox="1"/>
+          <p:nvPr/>
+        </p:nvSpPr>
+        <p:spPr>
+          <a:xfrm>
+            <a:off x="11222021" y="6414568"/>
+            <a:ext cx="9316164" cy="17804874"/>
+          </a:xfrm>
+          <a:prstGeom prst="rect">
+            <a:avLst/>
+          </a:prstGeom>
+          <a:noFill/>
+        </p:spPr>
+        <p:txBody>
+          <a:bodyPr wrap="square" rtlCol="0">
+            <a:spAutoFit/>
+          </a:bodyPr>
+          <a:lstStyle/>
+          <a:p>
+            <a:pPr marL="571500" indent="-571500">
+              <a:buFont typeface="Wingdings" panose="05000000000000000000" pitchFamily="2" charset="2"/>
+              <a:buChar char="u"/>
+            </a:pPr>
+            <a:r>
+              <a:rPr kumimoji="1" lang="ja-JP" altLang="en-US" sz="3600" dirty="0"/>
+              <a:t>通知機能</a:t>
+            </a:r>
+            <a:endParaRPr kumimoji="1" lang="en-US" altLang="ja-JP" sz="3600" dirty="0"/>
+          </a:p>
+          <a:p>
+            <a:pPr marL="1028700" lvl="1" indent="-571500">
+              <a:lnSpc>
+                <a:spcPct val="150000"/>
+              </a:lnSpc>
+              <a:buFont typeface="Wingdings" panose="05000000000000000000" pitchFamily="2" charset="2"/>
+              <a:buChar char="Ø"/>
+            </a:pPr>
+            <a:r>
+              <a:rPr kumimoji="1" lang="ja-JP" altLang="en-US" sz="3600" dirty="0"/>
+              <a:t>サーバは </a:t>
+            </a:r>
+            <a:r>
+              <a:rPr kumimoji="1" lang="en-US" altLang="ja-JP" sz="3600" dirty="0"/>
+              <a:t>Firebase </a:t>
+            </a:r>
+            <a:r>
+              <a:rPr kumimoji="1" lang="ja-JP" altLang="en-US" sz="3600" dirty="0"/>
+              <a:t>へ通知を行いたい相手</a:t>
+            </a:r>
+            <a:r>
+              <a:rPr kumimoji="1" lang="en-US" altLang="ja-JP" sz="3600" dirty="0"/>
+              <a:t>(</a:t>
+            </a:r>
+            <a:r>
+              <a:rPr kumimoji="1" lang="ja-JP" altLang="en-US" sz="3600" dirty="0"/>
+              <a:t>利用者</a:t>
+            </a:r>
+            <a:r>
+              <a:rPr kumimoji="1" lang="en-US" altLang="ja-JP" sz="3600" dirty="0"/>
+              <a:t>)</a:t>
+            </a:r>
+            <a:r>
+              <a:rPr kumimoji="1" lang="ja-JP" altLang="en-US" sz="3600" dirty="0"/>
+              <a:t>のトークンと内容を指定</a:t>
+            </a:r>
+            <a:endParaRPr kumimoji="1" lang="en-US" altLang="ja-JP" sz="3600" dirty="0"/>
+          </a:p>
+          <a:p>
+            <a:pPr marL="1028700" lvl="1" indent="-571500">
+              <a:lnSpc>
+                <a:spcPct val="150000"/>
+              </a:lnSpc>
+              <a:buFont typeface="Wingdings" panose="05000000000000000000" pitchFamily="2" charset="2"/>
+              <a:buChar char="Ø"/>
+            </a:pPr>
+            <a:r>
+              <a:rPr kumimoji="1" lang="en-US" altLang="ja-JP" sz="3600" dirty="0"/>
+              <a:t>Firebase </a:t>
+            </a:r>
+            <a:r>
+              <a:rPr kumimoji="1" lang="ja-JP" altLang="en-US" sz="3600" dirty="0"/>
+              <a:t>は受け取ったトークンを持つ端末</a:t>
+            </a:r>
+            <a:r>
+              <a:rPr kumimoji="1" lang="en-US" altLang="ja-JP" sz="3600" dirty="0"/>
+              <a:t>(</a:t>
+            </a:r>
+            <a:r>
+              <a:rPr kumimoji="1" lang="ja-JP" altLang="en-US" sz="3600" dirty="0"/>
+              <a:t>利用者</a:t>
+            </a:r>
+            <a:r>
+              <a:rPr kumimoji="1" lang="en-US" altLang="ja-JP" sz="3600" dirty="0"/>
+              <a:t>)</a:t>
+            </a:r>
+            <a:r>
+              <a:rPr kumimoji="1" lang="ja-JP" altLang="en-US" sz="3600" dirty="0"/>
+              <a:t>へ通知を行う</a:t>
+            </a:r>
+            <a:endParaRPr kumimoji="1" lang="en-US" altLang="ja-JP" sz="3600" dirty="0"/>
+          </a:p>
+          <a:p>
+            <a:pPr marL="571500" indent="-571500">
+              <a:lnSpc>
+                <a:spcPct val="200000"/>
+              </a:lnSpc>
+              <a:spcBef>
+                <a:spcPts val="1800"/>
+              </a:spcBef>
+              <a:buFont typeface="Wingdings" panose="05000000000000000000" pitchFamily="2" charset="2"/>
+              <a:buChar char="u"/>
+            </a:pPr>
+            <a:r>
+              <a:rPr kumimoji="1" lang="ja-JP" altLang="en-US" sz="3600" dirty="0"/>
+              <a:t>サーバと各端末とのやりとり</a:t>
+            </a:r>
+            <a:endParaRPr kumimoji="1" lang="en-US" altLang="ja-JP" sz="3600" dirty="0"/>
+          </a:p>
+          <a:p>
+            <a:pPr marL="1028700" lvl="1" indent="-571500">
+              <a:lnSpc>
+                <a:spcPct val="150000"/>
+              </a:lnSpc>
+              <a:buFont typeface="Wingdings" panose="05000000000000000000" pitchFamily="2" charset="2"/>
+              <a:buChar char="Ø"/>
+            </a:pPr>
+            <a:r>
+              <a:rPr kumimoji="1" lang="en-US" altLang="ja-JP" sz="3600" dirty="0"/>
+              <a:t>Json </a:t>
+            </a:r>
+            <a:r>
+              <a:rPr kumimoji="1" lang="ja-JP" altLang="en-US" sz="3600" dirty="0"/>
+              <a:t>でお互いに必要な情報をやりとり</a:t>
+            </a:r>
+            <a:endParaRPr kumimoji="1" lang="en-US" altLang="ja-JP" sz="3600" dirty="0"/>
+          </a:p>
+          <a:p>
+            <a:pPr marL="571500" indent="-571500">
+              <a:lnSpc>
+                <a:spcPct val="200000"/>
+              </a:lnSpc>
+              <a:spcBef>
+                <a:spcPts val="2400"/>
+              </a:spcBef>
+              <a:buFont typeface="Wingdings" panose="05000000000000000000" pitchFamily="2" charset="2"/>
+              <a:buChar char="u"/>
+            </a:pPr>
+            <a:r>
+              <a:rPr kumimoji="1" lang="ja-JP" altLang="en-US" sz="3600" dirty="0"/>
+              <a:t>マップ機能</a:t>
+            </a:r>
+            <a:endParaRPr kumimoji="1" lang="en-US" altLang="ja-JP" sz="3600" dirty="0"/>
+          </a:p>
+          <a:p>
+            <a:pPr marL="1028700" lvl="1" indent="-571500">
+              <a:lnSpc>
+                <a:spcPct val="150000"/>
+              </a:lnSpc>
+              <a:buFont typeface="Wingdings" panose="05000000000000000000" pitchFamily="2" charset="2"/>
+              <a:buChar char="Ø"/>
+            </a:pPr>
+            <a:r>
+              <a:rPr kumimoji="1" lang="ja-JP" altLang="en-US" sz="3600" dirty="0"/>
+              <a:t>外部</a:t>
+            </a:r>
+            <a:r>
+              <a:rPr kumimoji="1" lang="en-US" altLang="ja-JP" sz="3600" dirty="0"/>
+              <a:t>API </a:t>
+            </a:r>
+            <a:r>
+              <a:rPr kumimoji="1" lang="ja-JP" altLang="en-US" sz="3600" dirty="0"/>
+              <a:t>を用いて </a:t>
+            </a:r>
+            <a:r>
+              <a:rPr kumimoji="1" lang="en-US" altLang="ja-JP" sz="3600" dirty="0"/>
+              <a:t>Map </a:t>
+            </a:r>
+            <a:r>
+              <a:rPr kumimoji="1" lang="ja-JP" altLang="en-US" sz="3600" dirty="0"/>
+              <a:t>を表示している</a:t>
+            </a:r>
+            <a:endParaRPr kumimoji="1" lang="en-US" altLang="ja-JP" sz="3600" dirty="0"/>
+          </a:p>
+          <a:p>
+            <a:pPr marL="1028700" lvl="1" indent="-571500">
+              <a:lnSpc>
+                <a:spcPct val="150000"/>
+              </a:lnSpc>
+              <a:buFont typeface="Wingdings" panose="05000000000000000000" pitchFamily="2" charset="2"/>
+              <a:buChar char="Ø"/>
+            </a:pPr>
+            <a:r>
+              <a:rPr kumimoji="1" lang="ja-JP" altLang="en-US" sz="3600" dirty="0"/>
+              <a:t>外部</a:t>
+            </a:r>
+            <a:r>
+              <a:rPr kumimoji="1" lang="en-US" altLang="ja-JP" sz="3600" dirty="0"/>
+              <a:t>API </a:t>
+            </a:r>
+            <a:r>
+              <a:rPr kumimoji="1" lang="ja-JP" altLang="en-US" sz="3600" dirty="0"/>
+              <a:t>を経由して位置情報を取得し，ピンを立てている</a:t>
+            </a:r>
+            <a:endParaRPr kumimoji="1" lang="en-US" altLang="ja-JP" sz="3600" dirty="0"/>
+          </a:p>
+          <a:p>
+            <a:endParaRPr kumimoji="1" lang="en-US" altLang="ja-JP" sz="3600" dirty="0"/>
+          </a:p>
+          <a:p>
+            <a:endParaRPr kumimoji="1" lang="en-US" altLang="ja-JP" sz="3600" dirty="0"/>
+          </a:p>
+          <a:p>
+            <a:endParaRPr kumimoji="1" lang="en-US" altLang="ja-JP" sz="3600" dirty="0"/>
+          </a:p>
+          <a:p>
+            <a:endParaRPr kumimoji="1" lang="en-US" altLang="ja-JP" sz="3600" dirty="0"/>
+          </a:p>
+          <a:p>
+            <a:endParaRPr kumimoji="1" lang="en-US" altLang="ja-JP" sz="3600" dirty="0"/>
+          </a:p>
+          <a:p>
+            <a:endParaRPr kumimoji="1" lang="en-US" altLang="ja-JP" sz="3600" dirty="0"/>
+          </a:p>
+          <a:p>
+            <a:endParaRPr kumimoji="1" lang="en-US" altLang="ja-JP" sz="3600" dirty="0"/>
+          </a:p>
+          <a:p>
+            <a:endParaRPr kumimoji="1" lang="en-US" altLang="ja-JP" sz="3600" dirty="0"/>
+          </a:p>
+          <a:p>
+            <a:endParaRPr kumimoji="1" lang="en-US" altLang="ja-JP" sz="3600" dirty="0"/>
+          </a:p>
+          <a:p>
+            <a:endParaRPr kumimoji="1" lang="en-US" altLang="ja-JP" sz="3600" dirty="0"/>
+          </a:p>
+          <a:p>
+            <a:endParaRPr kumimoji="1" lang="en-US" altLang="ja-JP" sz="3600" dirty="0"/>
+          </a:p>
+          <a:p>
+            <a:endParaRPr kumimoji="1" lang="en-US" altLang="ja-JP" sz="3600" dirty="0"/>
+          </a:p>
+          <a:p>
+            <a:endParaRPr kumimoji="1" lang="en-US" altLang="ja-JP" sz="3600" dirty="0"/>
+          </a:p>
+          <a:p>
+            <a:endParaRPr kumimoji="1" lang="en-US" altLang="ja-JP" sz="3600" dirty="0"/>
+          </a:p>
+        </p:txBody>
+      </p:sp>
+      <p:sp>
+        <p:nvSpPr>
+          <p:cNvPr id="38" name="矢印: 下 37">
+            <a:extLst>
+              <a:ext uri="{FF2B5EF4-FFF2-40B4-BE49-F238E27FC236}">
+                <a16:creationId xmlns:a16="http://schemas.microsoft.com/office/drawing/2014/main" id="{3EF8CADA-0542-420D-96D2-399C949665CB}"/>
+              </a:ext>
+            </a:extLst>
+          </p:cNvPr>
+          <p:cNvSpPr/>
+          <p:nvPr/>
+        </p:nvSpPr>
+        <p:spPr>
+          <a:xfrm>
+            <a:off x="4701216" y="9088037"/>
+            <a:ext cx="881743" cy="556489"/>
+          </a:xfrm>
+          <a:prstGeom prst="downArrow">
+            <a:avLst/>
+          </a:prstGeom>
+        </p:spPr>
+        <p:style>
+          <a:lnRef idx="2">
+            <a:schemeClr val="accent1">
+              <a:shade val="50000"/>
+            </a:schemeClr>
+          </a:lnRef>
+          <a:fillRef idx="1">
+            <a:schemeClr val="accent1"/>
+          </a:fillRef>
+          <a:effectRef idx="0">
+            <a:schemeClr val="accent1"/>
+          </a:effectRef>
+          <a:fontRef idx="minor">
+            <a:schemeClr val="lt1"/>
+          </a:fontRef>
+        </p:style>
+        <p:txBody>
+          <a:bodyPr rtlCol="0" anchor="ctr"/>
+          <a:lstStyle/>
+          <a:p>
+            <a:pPr algn="ctr"/>
+            <a:endParaRPr kumimoji="1" lang="ja-JP" altLang="en-US"/>
+          </a:p>
+        </p:txBody>
+      </p:sp>
+      <p:pic>
+        <p:nvPicPr>
+          <p:cNvPr id="41" name="図 40">
+            <a:extLst>
+              <a:ext uri="{FF2B5EF4-FFF2-40B4-BE49-F238E27FC236}">
+                <a16:creationId xmlns:a16="http://schemas.microsoft.com/office/drawing/2014/main" id="{2D1FC21A-40EA-469F-A64C-4BDC1ACB2B55}"/>
+              </a:ext>
+            </a:extLst>
+          </p:cNvPr>
+          <p:cNvPicPr>
+            <a:picLocks noChangeAspect="1"/>
+          </p:cNvPicPr>
+          <p:nvPr/>
+        </p:nvPicPr>
+        <p:blipFill>
+          <a:blip r:embed="rId3"/>
+          <a:stretch>
+            <a:fillRect/>
+          </a:stretch>
+        </p:blipFill>
+        <p:spPr>
+          <a:xfrm>
+            <a:off x="1510876" y="11460442"/>
+            <a:ext cx="7532757" cy="2188520"/>
+          </a:xfrm>
+          <a:prstGeom prst="rect">
+            <a:avLst/>
+          </a:prstGeom>
+        </p:spPr>
+      </p:pic>
+      <p:cxnSp>
+        <p:nvCxnSpPr>
+          <p:cNvPr id="43" name="直線コネクタ 42">
+            <a:extLst>
+              <a:ext uri="{FF2B5EF4-FFF2-40B4-BE49-F238E27FC236}">
+                <a16:creationId xmlns:a16="http://schemas.microsoft.com/office/drawing/2014/main" id="{27BD614D-CF28-46DC-8A5C-BDD75A34EDA4}"/>
+              </a:ext>
+            </a:extLst>
+          </p:cNvPr>
+          <p:cNvCxnSpPr>
+            <a:cxnSpLocks/>
+          </p:cNvCxnSpPr>
           <p:nvPr/>
         </p:nvCxnSpPr>
         <p:spPr>
           <a:xfrm>
-            <a:off x="-1311966" y="21667305"/>
-            <a:ext cx="27551270" cy="0"/>
+            <a:off x="702565" y="17888583"/>
+            <a:ext cx="9491898" cy="0"/>
           </a:xfrm>
           <a:prstGeom prst="line">
             <a:avLst/>
@@ -3496,187 +4750,36 @@
           </a:fontRef>
         </p:style>
       </p:cxnSp>
-      <p:sp>
-        <p:nvSpPr>
-          <p:cNvPr id="8" name="テキスト ボックス 7">
+      <p:pic>
+        <p:nvPicPr>
+          <p:cNvPr id="33" name="図 32">
             <a:extLst>
               <a:ext uri="{FF2B5EF4-FFF2-40B4-BE49-F238E27FC236}">
-                <a16:creationId xmlns:a16="http://schemas.microsoft.com/office/drawing/2014/main" id="{35554892-ED83-4C85-BD55-30E4A3F7F37D}"/>
+                <a16:creationId xmlns:a16="http://schemas.microsoft.com/office/drawing/2014/main" id="{095659B8-4835-48F4-A4FD-FC31D69EB2CD}"/>
               </a:ext>
             </a:extLst>
           </p:cNvPr>
-          <p:cNvSpPr txBox="1"/>
+          <p:cNvPicPr>
+            <a:picLocks noChangeAspect="1"/>
+          </p:cNvPicPr>
           <p:nvPr/>
-        </p:nvSpPr>
+        </p:nvPicPr>
+        <p:blipFill>
+          <a:blip r:embed="rId4"/>
+          <a:stretch>
+            <a:fillRect/>
+          </a:stretch>
+        </p:blipFill>
         <p:spPr>
           <a:xfrm>
-            <a:off x="886056" y="22596604"/>
-            <a:ext cx="9308410" cy="923330"/>
+            <a:off x="11118345" y="16590466"/>
+            <a:ext cx="9540155" cy="4765176"/>
           </a:xfrm>
           <a:prstGeom prst="rect">
             <a:avLst/>
           </a:prstGeom>
-          <a:noFill/>
         </p:spPr>
-        <p:txBody>
-          <a:bodyPr wrap="square" rtlCol="0">
-            <a:spAutoFit/>
-          </a:bodyPr>
-          <a:lstStyle/>
-          <a:p>
-            <a:r>
-              <a:rPr kumimoji="1" lang="ja-JP" altLang="en-US" sz="5400" dirty="0"/>
-              <a:t>技術的な工夫点</a:t>
-            </a:r>
-          </a:p>
-        </p:txBody>
-      </p:sp>
-      <p:cxnSp>
-        <p:nvCxnSpPr>
-          <p:cNvPr id="9" name="直線コネクタ 8">
-            <a:extLst>
-              <a:ext uri="{FF2B5EF4-FFF2-40B4-BE49-F238E27FC236}">
-                <a16:creationId xmlns:a16="http://schemas.microsoft.com/office/drawing/2014/main" id="{EF8C3DFD-DAB3-4AAC-AFE2-E278BC5CB320}"/>
-              </a:ext>
-            </a:extLst>
-          </p:cNvPr>
-          <p:cNvCxnSpPr>
-            <a:cxnSpLocks/>
-          </p:cNvCxnSpPr>
-          <p:nvPr/>
-        </p:nvCxnSpPr>
-        <p:spPr>
-          <a:xfrm rot="5400000">
-            <a:off x="-3238651" y="18360887"/>
-            <a:ext cx="27551270" cy="0"/>
-          </a:xfrm>
-          <a:prstGeom prst="line">
-            <a:avLst/>
-          </a:prstGeom>
-        </p:spPr>
-        <p:style>
-          <a:lnRef idx="1">
-            <a:schemeClr val="accent1"/>
-          </a:lnRef>
-          <a:fillRef idx="0">
-            <a:schemeClr val="accent1"/>
-          </a:fillRef>
-          <a:effectRef idx="0">
-            <a:schemeClr val="accent1"/>
-          </a:effectRef>
-          <a:fontRef idx="minor">
-            <a:schemeClr val="tx1"/>
-          </a:fontRef>
-        </p:style>
-      </p:cxnSp>
-      <p:sp>
-        <p:nvSpPr>
-          <p:cNvPr id="10" name="テキスト ボックス 9">
-            <a:extLst>
-              <a:ext uri="{FF2B5EF4-FFF2-40B4-BE49-F238E27FC236}">
-                <a16:creationId xmlns:a16="http://schemas.microsoft.com/office/drawing/2014/main" id="{FA0CA9A2-F64D-4E25-BBE4-3C467CB36BFF}"/>
-              </a:ext>
-            </a:extLst>
-          </p:cNvPr>
-          <p:cNvSpPr txBox="1"/>
-          <p:nvPr/>
-        </p:nvSpPr>
-        <p:spPr>
-          <a:xfrm>
-            <a:off x="11222022" y="6399937"/>
-            <a:ext cx="10809515" cy="923330"/>
-          </a:xfrm>
-          <a:prstGeom prst="rect">
-            <a:avLst/>
-          </a:prstGeom>
-          <a:noFill/>
-        </p:spPr>
-        <p:txBody>
-          <a:bodyPr wrap="square" rtlCol="0">
-            <a:spAutoFit/>
-          </a:bodyPr>
-          <a:lstStyle/>
-          <a:p>
-            <a:r>
-              <a:rPr kumimoji="1" lang="ja-JP" altLang="en-US" sz="5400" dirty="0"/>
-              <a:t>システムの内部構造</a:t>
-            </a:r>
-          </a:p>
-        </p:txBody>
-      </p:sp>
-      <p:sp>
-        <p:nvSpPr>
-          <p:cNvPr id="11" name="テキスト ボックス 10">
-            <a:extLst>
-              <a:ext uri="{FF2B5EF4-FFF2-40B4-BE49-F238E27FC236}">
-                <a16:creationId xmlns:a16="http://schemas.microsoft.com/office/drawing/2014/main" id="{54C58A87-1CE6-4F04-BEF7-C6C147F6860A}"/>
-              </a:ext>
-            </a:extLst>
-          </p:cNvPr>
-          <p:cNvSpPr txBox="1"/>
-          <p:nvPr/>
-        </p:nvSpPr>
-        <p:spPr>
-          <a:xfrm>
-            <a:off x="11222021" y="22596604"/>
-            <a:ext cx="10809515" cy="923330"/>
-          </a:xfrm>
-          <a:prstGeom prst="rect">
-            <a:avLst/>
-          </a:prstGeom>
-          <a:noFill/>
-        </p:spPr>
-        <p:txBody>
-          <a:bodyPr wrap="square" rtlCol="0">
-            <a:spAutoFit/>
-          </a:bodyPr>
-          <a:lstStyle/>
-          <a:p>
-            <a:r>
-              <a:rPr kumimoji="1" lang="ja-JP" altLang="en-US" sz="5400" dirty="0"/>
-              <a:t>開発全体の振り返り</a:t>
-            </a:r>
-          </a:p>
-        </p:txBody>
-      </p:sp>
-      <p:cxnSp>
-        <p:nvCxnSpPr>
-          <p:cNvPr id="12" name="直線コネクタ 11">
-            <a:extLst>
-              <a:ext uri="{FF2B5EF4-FFF2-40B4-BE49-F238E27FC236}">
-                <a16:creationId xmlns:a16="http://schemas.microsoft.com/office/drawing/2014/main" id="{C7762EF0-83BC-4D05-923B-2FB63332B423}"/>
-              </a:ext>
-            </a:extLst>
-          </p:cNvPr>
-          <p:cNvCxnSpPr>
-            <a:cxnSpLocks/>
-          </p:cNvCxnSpPr>
-          <p:nvPr/>
-        </p:nvCxnSpPr>
-        <p:spPr>
-          <a:xfrm>
-            <a:off x="-1765090" y="13232294"/>
-            <a:ext cx="12571812" cy="73908"/>
-          </a:xfrm>
-          <a:prstGeom prst="line">
-            <a:avLst/>
-          </a:prstGeom>
-        </p:spPr>
-        <p:style>
-          <a:lnRef idx="1">
-            <a:schemeClr val="accent1"/>
-          </a:lnRef>
-          <a:fillRef idx="0">
-            <a:schemeClr val="accent1"/>
-          </a:fillRef>
-          <a:effectRef idx="0">
-            <a:schemeClr val="accent1"/>
-          </a:effectRef>
-          <a:fontRef idx="minor">
-            <a:schemeClr val="tx1"/>
-          </a:fontRef>
-        </p:style>
-      </p:cxnSp>
+      </p:pic>
     </p:spTree>
     <p:extLst>
       <p:ext uri="{BB962C8B-B14F-4D97-AF65-F5344CB8AC3E}">

--- a/poster/G14_ONO-Systems.pptx
+++ b/poster/G14_ONO-Systems.pptx
@@ -243,7 +243,7 @@
           <a:p>
             <a:fld id="{B042BC44-9F62-4CE5-9F38-ECCBAF80D58A}" type="datetimeFigureOut">
               <a:rPr kumimoji="1" lang="ja-JP" altLang="en-US" smtClean="0"/>
-              <a:t>2019/1/21</a:t>
+              <a:t>2019/1/22</a:t>
             </a:fld>
             <a:endParaRPr kumimoji="1" lang="ja-JP" altLang="en-US"/>
           </a:p>
@@ -445,7 +445,7 @@
           <a:p>
             <a:fld id="{B042BC44-9F62-4CE5-9F38-ECCBAF80D58A}" type="datetimeFigureOut">
               <a:rPr kumimoji="1" lang="ja-JP" altLang="en-US" smtClean="0"/>
-              <a:t>2019/1/21</a:t>
+              <a:t>2019/1/22</a:t>
             </a:fld>
             <a:endParaRPr kumimoji="1" lang="ja-JP" altLang="en-US"/>
           </a:p>
@@ -657,7 +657,7 @@
           <a:p>
             <a:fld id="{B042BC44-9F62-4CE5-9F38-ECCBAF80D58A}" type="datetimeFigureOut">
               <a:rPr kumimoji="1" lang="ja-JP" altLang="en-US" smtClean="0"/>
-              <a:t>2019/1/21</a:t>
+              <a:t>2019/1/22</a:t>
             </a:fld>
             <a:endParaRPr kumimoji="1" lang="ja-JP" altLang="en-US"/>
           </a:p>
@@ -859,7 +859,7 @@
           <a:p>
             <a:fld id="{B042BC44-9F62-4CE5-9F38-ECCBAF80D58A}" type="datetimeFigureOut">
               <a:rPr kumimoji="1" lang="ja-JP" altLang="en-US" smtClean="0"/>
-              <a:t>2019/1/21</a:t>
+              <a:t>2019/1/22</a:t>
             </a:fld>
             <a:endParaRPr kumimoji="1" lang="ja-JP" altLang="en-US"/>
           </a:p>
@@ -1103,7 +1103,7 @@
           <a:p>
             <a:fld id="{B042BC44-9F62-4CE5-9F38-ECCBAF80D58A}" type="datetimeFigureOut">
               <a:rPr kumimoji="1" lang="ja-JP" altLang="en-US" smtClean="0"/>
-              <a:t>2019/1/21</a:t>
+              <a:t>2019/1/22</a:t>
             </a:fld>
             <a:endParaRPr kumimoji="1" lang="ja-JP" altLang="en-US"/>
           </a:p>
@@ -1399,7 +1399,7 @@
           <a:p>
             <a:fld id="{B042BC44-9F62-4CE5-9F38-ECCBAF80D58A}" type="datetimeFigureOut">
               <a:rPr kumimoji="1" lang="ja-JP" altLang="en-US" smtClean="0"/>
-              <a:t>2019/1/21</a:t>
+              <a:t>2019/1/22</a:t>
             </a:fld>
             <a:endParaRPr kumimoji="1" lang="ja-JP" altLang="en-US"/>
           </a:p>
@@ -1830,7 +1830,7 @@
           <a:p>
             <a:fld id="{B042BC44-9F62-4CE5-9F38-ECCBAF80D58A}" type="datetimeFigureOut">
               <a:rPr kumimoji="1" lang="ja-JP" altLang="en-US" smtClean="0"/>
-              <a:t>2019/1/21</a:t>
+              <a:t>2019/1/22</a:t>
             </a:fld>
             <a:endParaRPr kumimoji="1" lang="ja-JP" altLang="en-US"/>
           </a:p>
@@ -1948,7 +1948,7 @@
           <a:p>
             <a:fld id="{B042BC44-9F62-4CE5-9F38-ECCBAF80D58A}" type="datetimeFigureOut">
               <a:rPr kumimoji="1" lang="ja-JP" altLang="en-US" smtClean="0"/>
-              <a:t>2019/1/21</a:t>
+              <a:t>2019/1/22</a:t>
             </a:fld>
             <a:endParaRPr kumimoji="1" lang="ja-JP" altLang="en-US"/>
           </a:p>
@@ -2043,7 +2043,7 @@
           <a:p>
             <a:fld id="{B042BC44-9F62-4CE5-9F38-ECCBAF80D58A}" type="datetimeFigureOut">
               <a:rPr kumimoji="1" lang="ja-JP" altLang="en-US" smtClean="0"/>
-              <a:t>2019/1/21</a:t>
+              <a:t>2019/1/22</a:t>
             </a:fld>
             <a:endParaRPr kumimoji="1" lang="ja-JP" altLang="en-US"/>
           </a:p>
@@ -2352,7 +2352,7 @@
           <a:p>
             <a:fld id="{B042BC44-9F62-4CE5-9F38-ECCBAF80D58A}" type="datetimeFigureOut">
               <a:rPr kumimoji="1" lang="ja-JP" altLang="en-US" smtClean="0"/>
-              <a:t>2019/1/21</a:t>
+              <a:t>2019/1/22</a:t>
             </a:fld>
             <a:endParaRPr kumimoji="1" lang="ja-JP" altLang="en-US"/>
           </a:p>
@@ -2609,7 +2609,7 @@
           <a:p>
             <a:fld id="{B042BC44-9F62-4CE5-9F38-ECCBAF80D58A}" type="datetimeFigureOut">
               <a:rPr kumimoji="1" lang="ja-JP" altLang="en-US" smtClean="0"/>
-              <a:t>2019/1/21</a:t>
+              <a:t>2019/1/22</a:t>
             </a:fld>
             <a:endParaRPr kumimoji="1" lang="ja-JP" altLang="en-US"/>
           </a:p>
@@ -2854,7 +2854,7 @@
           <a:p>
             <a:fld id="{B042BC44-9F62-4CE5-9F38-ECCBAF80D58A}" type="datetimeFigureOut">
               <a:rPr kumimoji="1" lang="ja-JP" altLang="en-US" smtClean="0"/>
-              <a:t>2019/1/21</a:t>
+              <a:t>2019/1/22</a:t>
             </a:fld>
             <a:endParaRPr kumimoji="1" lang="ja-JP" altLang="en-US"/>
           </a:p>
@@ -4108,7 +4108,7 @@
                   <a:srgbClr val="FF0000"/>
                 </a:solidFill>
               </a:rPr>
-              <a:t>配送日に荷物情報を通知</a:t>
+              <a:t>配送前に荷物の位置情報を通知</a:t>
             </a:r>
             <a:endParaRPr kumimoji="1" lang="en-US" altLang="ja-JP" sz="3600" dirty="0">
               <a:solidFill>
@@ -4123,7 +4123,7 @@
             </a:r>
             <a:r>
               <a:rPr kumimoji="1" lang="ja-JP" altLang="en-US" sz="3600" dirty="0"/>
-              <a:t>受取不可の場合は日付変更も可能</a:t>
+              <a:t>受取不可の場合は日時変更も可能</a:t>
             </a:r>
             <a:endParaRPr kumimoji="1" lang="en-US" altLang="ja-JP" sz="3600" dirty="0"/>
           </a:p>
@@ -4142,7 +4142,7 @@
             </a:r>
             <a:r>
               <a:rPr kumimoji="1" lang="ja-JP" altLang="en-US" sz="3600" dirty="0"/>
-              <a:t>　　</a:t>
+              <a:t>　</a:t>
             </a:r>
             <a:r>
               <a:rPr kumimoji="1" lang="ja-JP" altLang="en-US" sz="3600" b="1" dirty="0">
@@ -4150,7 +4150,7 @@
                   <a:schemeClr val="accent1"/>
                 </a:solidFill>
               </a:rPr>
-              <a:t>荷物情報を正確に確認できる</a:t>
+              <a:t>荷物の位置情報を正確に確認できる</a:t>
             </a:r>
             <a:endParaRPr kumimoji="1" lang="en-US" altLang="ja-JP" sz="3600" b="1" dirty="0">
               <a:solidFill>
@@ -4222,7 +4222,7 @@
             </a:r>
             <a:r>
               <a:rPr kumimoji="1" lang="en-US" altLang="ja-JP" sz="3600" dirty="0"/>
-              <a:t>		</a:t>
+              <a:t>	</a:t>
             </a:r>
             <a:r>
               <a:rPr kumimoji="1" lang="ja-JP" altLang="en-US" sz="3600" b="1" dirty="0">
@@ -4274,41 +4274,117 @@
           </a:bodyPr>
           <a:lstStyle/>
           <a:p>
+            <a:pPr marL="571500" indent="-571500">
+              <a:buFont typeface="Wingdings" panose="05000000000000000000" pitchFamily="2" charset="2"/>
+              <a:buChar char="p"/>
+            </a:pPr>
             <a:r>
               <a:rPr kumimoji="1" lang="ja-JP" altLang="en-US" sz="3600" dirty="0"/>
-              <a:t>情報</a:t>
+              <a:t>セキュリティ</a:t>
+            </a:r>
+            <a:r>
+              <a:rPr kumimoji="1" lang="en-US" altLang="ja-JP" sz="3600" dirty="0"/>
+              <a:t>(</a:t>
+            </a:r>
+            <a:r>
+              <a:rPr kumimoji="1" lang="ja-JP" altLang="en-US" sz="3600" dirty="0"/>
+              <a:t>暗号化</a:t>
+            </a:r>
+            <a:r>
+              <a:rPr kumimoji="1" lang="en-US" altLang="ja-JP" sz="3600" dirty="0"/>
+              <a:t>)</a:t>
+            </a:r>
+          </a:p>
+          <a:p>
+            <a:pPr marL="1028700" lvl="1" indent="-571500">
+              <a:buFont typeface="Wingdings" panose="05000000000000000000" pitchFamily="2" charset="2"/>
+              <a:buChar char="Ø"/>
+            </a:pPr>
+            <a:r>
+              <a:rPr kumimoji="1" lang="ja-JP" altLang="en-US" sz="3600" dirty="0"/>
+              <a:t>通信には </a:t>
+            </a:r>
+            <a:r>
+              <a:rPr kumimoji="1" lang="en-US" altLang="ja-JP" sz="3600" dirty="0"/>
+              <a:t>SSL</a:t>
+            </a:r>
+            <a:r>
+              <a:rPr kumimoji="1" lang="ja-JP" altLang="en-US" sz="3600" dirty="0"/>
+              <a:t> を使用し，データベースに保存しているパスワードはハッシュ化済</a:t>
             </a:r>
             <a:endParaRPr kumimoji="1" lang="en-US" altLang="ja-JP" sz="3600" dirty="0"/>
           </a:p>
           <a:p>
+            <a:pPr marL="571500" indent="-571500">
+              <a:lnSpc>
+                <a:spcPct val="200000"/>
+              </a:lnSpc>
+              <a:buFont typeface="Wingdings" panose="05000000000000000000" pitchFamily="2" charset="2"/>
+              <a:buChar char="p"/>
+            </a:pPr>
+            <a:r>
+              <a:rPr kumimoji="1" lang="ja-JP" altLang="en-US" sz="3600" dirty="0"/>
+              <a:t>配達物接近時の通知機能</a:t>
+            </a:r>
+            <a:r>
+              <a:rPr kumimoji="1" lang="en-US" altLang="ja-JP" sz="3600" dirty="0"/>
+              <a:t>(</a:t>
+            </a:r>
+            <a:r>
+              <a:rPr kumimoji="1" lang="ja-JP" altLang="en-US" sz="3600" dirty="0"/>
+              <a:t>利用者側</a:t>
+            </a:r>
+            <a:r>
+              <a:rPr kumimoji="1" lang="en-US" altLang="ja-JP" sz="3600" dirty="0"/>
+              <a:t>)</a:t>
+            </a:r>
+          </a:p>
+          <a:p>
+            <a:pPr marL="1028700" lvl="1" indent="-571500">
+              <a:buFont typeface="Wingdings" panose="05000000000000000000" pitchFamily="2" charset="2"/>
+              <a:buChar char="Ø"/>
+            </a:pPr>
+            <a:r>
+              <a:rPr kumimoji="1" lang="ja-JP" altLang="en-US" sz="3600" dirty="0"/>
+              <a:t>配達物が付近に来たことを通知することで，おおよその到着時間を予測できる</a:t>
+            </a:r>
             <a:endParaRPr kumimoji="1" lang="en-US" altLang="ja-JP" sz="3600" dirty="0"/>
           </a:p>
           <a:p>
+            <a:pPr marL="571500" indent="-571500">
+              <a:lnSpc>
+                <a:spcPct val="200000"/>
+              </a:lnSpc>
+              <a:buFont typeface="Wingdings" panose="05000000000000000000" pitchFamily="2" charset="2"/>
+              <a:buChar char="p"/>
+            </a:pPr>
+            <a:r>
+              <a:rPr kumimoji="1" lang="ja-JP" altLang="en-US" sz="3600" dirty="0"/>
+              <a:t>音声読み上げ</a:t>
+            </a:r>
+            <a:r>
+              <a:rPr kumimoji="1" lang="en-US" altLang="ja-JP" sz="3600" dirty="0"/>
+              <a:t>(</a:t>
+            </a:r>
+            <a:r>
+              <a:rPr kumimoji="1" lang="ja-JP" altLang="en-US" sz="3600" dirty="0"/>
+              <a:t>配達者側</a:t>
+            </a:r>
+            <a:r>
+              <a:rPr kumimoji="1" lang="en-US" altLang="ja-JP" sz="3600" dirty="0"/>
+              <a:t>)</a:t>
+            </a:r>
+          </a:p>
+          <a:p>
+            <a:pPr marL="1028700" lvl="1" indent="-571500">
+              <a:buFont typeface="Wingdings" panose="05000000000000000000" pitchFamily="2" charset="2"/>
+              <a:buChar char="Ø"/>
+            </a:pPr>
+            <a:r>
+              <a:rPr kumimoji="1" lang="ja-JP" altLang="en-US" sz="3600" dirty="0"/>
+              <a:t>通知が届いたタイミングで，その内容の重要な部分のみを読み上げる機能</a:t>
+            </a:r>
             <a:endParaRPr kumimoji="1" lang="en-US" altLang="ja-JP" sz="3600" dirty="0"/>
-          </a:p>
-          <a:p>
-            <a:endParaRPr kumimoji="1" lang="en-US" altLang="ja-JP" sz="3600" dirty="0"/>
-          </a:p>
-          <a:p>
-            <a:endParaRPr kumimoji="1" lang="en-US" altLang="ja-JP" sz="3600" dirty="0"/>
-          </a:p>
-          <a:p>
-            <a:endParaRPr kumimoji="1" lang="en-US" altLang="ja-JP" sz="3600" dirty="0"/>
-          </a:p>
-          <a:p>
-            <a:endParaRPr kumimoji="1" lang="en-US" altLang="ja-JP" sz="3600" dirty="0"/>
-          </a:p>
-          <a:p>
-            <a:endParaRPr kumimoji="1" lang="en-US" altLang="ja-JP" sz="3600" dirty="0"/>
-          </a:p>
-          <a:p>
-            <a:endParaRPr kumimoji="1" lang="en-US" altLang="ja-JP" sz="3600" dirty="0"/>
-          </a:p>
-          <a:p>
-            <a:endParaRPr kumimoji="1" lang="en-US" altLang="ja-JP" sz="3600" dirty="0"/>
-          </a:p>
-          <a:p>
-            <a:endParaRPr kumimoji="1" lang="ja-JP" altLang="en-US" sz="3600" dirty="0"/>
           </a:p>
         </p:txBody>
       </p:sp>
@@ -4327,7 +4403,7 @@
         <p:spPr>
           <a:xfrm>
             <a:off x="11222021" y="23221007"/>
-            <a:ext cx="9491898" cy="6186309"/>
+            <a:ext cx="9491898" cy="3970318"/>
           </a:xfrm>
           <a:prstGeom prst="rect">
             <a:avLst/>
@@ -4342,39 +4418,51 @@
           <a:p>
             <a:r>
               <a:rPr kumimoji="1" lang="ja-JP" altLang="en-US" sz="3600" dirty="0"/>
-              <a:t>情報</a:t>
+              <a:t>東：</a:t>
             </a:r>
             <a:endParaRPr kumimoji="1" lang="en-US" altLang="ja-JP" sz="3600" dirty="0"/>
           </a:p>
           <a:p>
+            <a:r>
+              <a:rPr kumimoji="1" lang="ja-JP" altLang="en-US" sz="3600" dirty="0"/>
+              <a:t>池内：</a:t>
+            </a:r>
             <a:endParaRPr kumimoji="1" lang="en-US" altLang="ja-JP" sz="3600" dirty="0"/>
           </a:p>
           <a:p>
+            <a:r>
+              <a:rPr kumimoji="1" lang="ja-JP" altLang="en-US" sz="3600" dirty="0"/>
+              <a:t>尾野：</a:t>
+            </a:r>
             <a:endParaRPr kumimoji="1" lang="en-US" altLang="ja-JP" sz="3600" dirty="0"/>
           </a:p>
           <a:p>
+            <a:r>
+              <a:rPr kumimoji="1" lang="ja-JP" altLang="en-US" sz="3600" dirty="0"/>
+              <a:t>中尾：</a:t>
+            </a:r>
             <a:endParaRPr kumimoji="1" lang="en-US" altLang="ja-JP" sz="3600" dirty="0"/>
           </a:p>
           <a:p>
+            <a:r>
+              <a:rPr kumimoji="1" lang="ja-JP" altLang="en-US" sz="3600" dirty="0"/>
+              <a:t>根子：</a:t>
+            </a:r>
             <a:endParaRPr kumimoji="1" lang="en-US" altLang="ja-JP" sz="3600" dirty="0"/>
           </a:p>
           <a:p>
+            <a:r>
+              <a:rPr kumimoji="1" lang="ja-JP" altLang="en-US" sz="3600" dirty="0"/>
+              <a:t>橋詰：</a:t>
+            </a:r>
             <a:endParaRPr kumimoji="1" lang="en-US" altLang="ja-JP" sz="3600" dirty="0"/>
           </a:p>
           <a:p>
+            <a:r>
+              <a:rPr kumimoji="1" lang="ja-JP" altLang="en-US" sz="3600" dirty="0"/>
+              <a:t>森：</a:t>
+            </a:r>
             <a:endParaRPr kumimoji="1" lang="en-US" altLang="ja-JP" sz="3600" dirty="0"/>
-          </a:p>
-          <a:p>
-            <a:endParaRPr kumimoji="1" lang="en-US" altLang="ja-JP" sz="3600" dirty="0"/>
-          </a:p>
-          <a:p>
-            <a:endParaRPr kumimoji="1" lang="en-US" altLang="ja-JP" sz="3600" dirty="0"/>
-          </a:p>
-          <a:p>
-            <a:endParaRPr kumimoji="1" lang="en-US" altLang="ja-JP" sz="3600" dirty="0"/>
-          </a:p>
-          <a:p>
-            <a:endParaRPr kumimoji="1" lang="ja-JP" altLang="en-US" sz="3600" dirty="0"/>
           </a:p>
         </p:txBody>
       </p:sp>
@@ -4392,8 +4480,8 @@
         </p:nvSpPr>
         <p:spPr>
           <a:xfrm>
-            <a:off x="11222021" y="6414568"/>
-            <a:ext cx="9316164" cy="17804874"/>
+            <a:off x="11102879" y="18544690"/>
+            <a:ext cx="9435306" cy="646331"/>
           </a:xfrm>
           <a:prstGeom prst="rect">
             <a:avLst/>
@@ -4406,232 +4494,10 @@
           </a:bodyPr>
           <a:lstStyle/>
           <a:p>
-            <a:pPr marL="571500" indent="-571500">
-              <a:buFont typeface="Wingdings" panose="05000000000000000000" pitchFamily="2" charset="2"/>
-              <a:buChar char="u"/>
-            </a:pPr>
             <a:r>
               <a:rPr kumimoji="1" lang="ja-JP" altLang="en-US" sz="3600" dirty="0"/>
-              <a:t>通知機能</a:t>
-            </a:r>
-            <a:endParaRPr kumimoji="1" lang="en-US" altLang="ja-JP" sz="3600" dirty="0"/>
-          </a:p>
-          <a:p>
-            <a:pPr marL="1028700" lvl="1" indent="-571500">
-              <a:lnSpc>
-                <a:spcPct val="150000"/>
-              </a:lnSpc>
-              <a:buFont typeface="Wingdings" panose="05000000000000000000" pitchFamily="2" charset="2"/>
-              <a:buChar char="Ø"/>
-            </a:pPr>
-            <a:r>
-              <a:rPr kumimoji="1" lang="ja-JP" altLang="en-US" sz="3600" dirty="0"/>
-              <a:t>サーバは </a:t>
-            </a:r>
-            <a:r>
-              <a:rPr kumimoji="1" lang="en-US" altLang="ja-JP" sz="3600" dirty="0"/>
-              <a:t>Firebase </a:t>
-            </a:r>
-            <a:r>
-              <a:rPr kumimoji="1" lang="ja-JP" altLang="en-US" sz="3600" dirty="0"/>
-              <a:t>へ通知を行いたい相手</a:t>
-            </a:r>
-            <a:r>
-              <a:rPr kumimoji="1" lang="en-US" altLang="ja-JP" sz="3600" dirty="0"/>
-              <a:t>(</a:t>
-            </a:r>
-            <a:r>
-              <a:rPr kumimoji="1" lang="ja-JP" altLang="en-US" sz="3600" dirty="0"/>
-              <a:t>利用者</a:t>
-            </a:r>
-            <a:r>
-              <a:rPr kumimoji="1" lang="en-US" altLang="ja-JP" sz="3600" dirty="0"/>
-              <a:t>)</a:t>
-            </a:r>
-            <a:r>
-              <a:rPr kumimoji="1" lang="ja-JP" altLang="en-US" sz="3600" dirty="0"/>
-              <a:t>のトークンと内容を指定</a:t>
-            </a:r>
-            <a:endParaRPr kumimoji="1" lang="en-US" altLang="ja-JP" sz="3600" dirty="0"/>
-          </a:p>
-          <a:p>
-            <a:pPr marL="1028700" lvl="1" indent="-571500">
-              <a:lnSpc>
-                <a:spcPct val="150000"/>
-              </a:lnSpc>
-              <a:buFont typeface="Wingdings" panose="05000000000000000000" pitchFamily="2" charset="2"/>
-              <a:buChar char="Ø"/>
-            </a:pPr>
-            <a:r>
-              <a:rPr kumimoji="1" lang="en-US" altLang="ja-JP" sz="3600" dirty="0"/>
-              <a:t>Firebase </a:t>
-            </a:r>
-            <a:r>
-              <a:rPr kumimoji="1" lang="ja-JP" altLang="en-US" sz="3600" dirty="0"/>
-              <a:t>は受け取ったトークンを持つ端末</a:t>
-            </a:r>
-            <a:r>
-              <a:rPr kumimoji="1" lang="en-US" altLang="ja-JP" sz="3600" dirty="0"/>
-              <a:t>(</a:t>
-            </a:r>
-            <a:r>
-              <a:rPr kumimoji="1" lang="ja-JP" altLang="en-US" sz="3600" dirty="0"/>
-              <a:t>利用者</a:t>
-            </a:r>
-            <a:r>
-              <a:rPr kumimoji="1" lang="en-US" altLang="ja-JP" sz="3600" dirty="0"/>
-              <a:t>)</a:t>
-            </a:r>
-            <a:r>
-              <a:rPr kumimoji="1" lang="ja-JP" altLang="en-US" sz="3600" dirty="0"/>
-              <a:t>へ通知を行う</a:t>
-            </a:r>
-            <a:endParaRPr kumimoji="1" lang="en-US" altLang="ja-JP" sz="3600" dirty="0"/>
-          </a:p>
-          <a:p>
-            <a:pPr marL="571500" indent="-571500">
-              <a:lnSpc>
-                <a:spcPct val="200000"/>
-              </a:lnSpc>
-              <a:spcBef>
-                <a:spcPts val="1800"/>
-              </a:spcBef>
-              <a:buFont typeface="Wingdings" panose="05000000000000000000" pitchFamily="2" charset="2"/>
-              <a:buChar char="u"/>
-            </a:pPr>
-            <a:r>
-              <a:rPr kumimoji="1" lang="ja-JP" altLang="en-US" sz="3600" dirty="0"/>
-              <a:t>サーバと各端末とのやりとり</a:t>
-            </a:r>
-            <a:endParaRPr kumimoji="1" lang="en-US" altLang="ja-JP" sz="3600" dirty="0"/>
-          </a:p>
-          <a:p>
-            <a:pPr marL="1028700" lvl="1" indent="-571500">
-              <a:lnSpc>
-                <a:spcPct val="150000"/>
-              </a:lnSpc>
-              <a:buFont typeface="Wingdings" panose="05000000000000000000" pitchFamily="2" charset="2"/>
-              <a:buChar char="Ø"/>
-            </a:pPr>
-            <a:r>
-              <a:rPr kumimoji="1" lang="en-US" altLang="ja-JP" sz="3600" dirty="0"/>
-              <a:t>Json </a:t>
-            </a:r>
-            <a:r>
-              <a:rPr kumimoji="1" lang="ja-JP" altLang="en-US" sz="3600" dirty="0"/>
-              <a:t>でお互いに必要な情報をやりとり</a:t>
-            </a:r>
-            <a:endParaRPr kumimoji="1" lang="en-US" altLang="ja-JP" sz="3600" dirty="0"/>
-          </a:p>
-          <a:p>
-            <a:pPr marL="571500" indent="-571500">
-              <a:lnSpc>
-                <a:spcPct val="200000"/>
-              </a:lnSpc>
-              <a:spcBef>
-                <a:spcPts val="2400"/>
-              </a:spcBef>
-              <a:buFont typeface="Wingdings" panose="05000000000000000000" pitchFamily="2" charset="2"/>
-              <a:buChar char="u"/>
-            </a:pPr>
-            <a:r>
-              <a:rPr kumimoji="1" lang="ja-JP" altLang="en-US" sz="3600" dirty="0"/>
-              <a:t>マップ機能</a:t>
-            </a:r>
-            <a:endParaRPr kumimoji="1" lang="en-US" altLang="ja-JP" sz="3600" dirty="0"/>
-          </a:p>
-          <a:p>
-            <a:pPr marL="1028700" lvl="1" indent="-571500">
-              <a:lnSpc>
-                <a:spcPct val="150000"/>
-              </a:lnSpc>
-              <a:buFont typeface="Wingdings" panose="05000000000000000000" pitchFamily="2" charset="2"/>
-              <a:buChar char="Ø"/>
-            </a:pPr>
-            <a:r>
-              <a:rPr kumimoji="1" lang="ja-JP" altLang="en-US" sz="3600" dirty="0"/>
-              <a:t>外部</a:t>
-            </a:r>
-            <a:r>
-              <a:rPr kumimoji="1" lang="en-US" altLang="ja-JP" sz="3600" dirty="0"/>
-              <a:t>API </a:t>
-            </a:r>
-            <a:r>
-              <a:rPr kumimoji="1" lang="ja-JP" altLang="en-US" sz="3600" dirty="0"/>
-              <a:t>を用いて </a:t>
-            </a:r>
-            <a:r>
-              <a:rPr kumimoji="1" lang="en-US" altLang="ja-JP" sz="3600" dirty="0"/>
-              <a:t>Map </a:t>
-            </a:r>
-            <a:r>
-              <a:rPr kumimoji="1" lang="ja-JP" altLang="en-US" sz="3600" dirty="0"/>
-              <a:t>を表示している</a:t>
-            </a:r>
-            <a:endParaRPr kumimoji="1" lang="en-US" altLang="ja-JP" sz="3600" dirty="0"/>
-          </a:p>
-          <a:p>
-            <a:pPr marL="1028700" lvl="1" indent="-571500">
-              <a:lnSpc>
-                <a:spcPct val="150000"/>
-              </a:lnSpc>
-              <a:buFont typeface="Wingdings" panose="05000000000000000000" pitchFamily="2" charset="2"/>
-              <a:buChar char="Ø"/>
-            </a:pPr>
-            <a:r>
-              <a:rPr kumimoji="1" lang="ja-JP" altLang="en-US" sz="3600" dirty="0"/>
-              <a:t>外部</a:t>
-            </a:r>
-            <a:r>
-              <a:rPr kumimoji="1" lang="en-US" altLang="ja-JP" sz="3600" dirty="0"/>
-              <a:t>API </a:t>
-            </a:r>
-            <a:r>
-              <a:rPr kumimoji="1" lang="ja-JP" altLang="en-US" sz="3600" dirty="0"/>
-              <a:t>を経由して位置情報を取得し，ピンを立てている</a:t>
-            </a:r>
-            <a:endParaRPr kumimoji="1" lang="en-US" altLang="ja-JP" sz="3600" dirty="0"/>
-          </a:p>
-          <a:p>
-            <a:endParaRPr kumimoji="1" lang="en-US" altLang="ja-JP" sz="3600" dirty="0"/>
-          </a:p>
-          <a:p>
-            <a:endParaRPr kumimoji="1" lang="en-US" altLang="ja-JP" sz="3600" dirty="0"/>
-          </a:p>
-          <a:p>
-            <a:endParaRPr kumimoji="1" lang="en-US" altLang="ja-JP" sz="3600" dirty="0"/>
-          </a:p>
-          <a:p>
-            <a:endParaRPr kumimoji="1" lang="en-US" altLang="ja-JP" sz="3600" dirty="0"/>
-          </a:p>
-          <a:p>
-            <a:endParaRPr kumimoji="1" lang="en-US" altLang="ja-JP" sz="3600" dirty="0"/>
-          </a:p>
-          <a:p>
-            <a:endParaRPr kumimoji="1" lang="en-US" altLang="ja-JP" sz="3600" dirty="0"/>
-          </a:p>
-          <a:p>
-            <a:endParaRPr kumimoji="1" lang="en-US" altLang="ja-JP" sz="3600" dirty="0"/>
-          </a:p>
-          <a:p>
-            <a:endParaRPr kumimoji="1" lang="en-US" altLang="ja-JP" sz="3600" dirty="0"/>
-          </a:p>
-          <a:p>
-            <a:endParaRPr kumimoji="1" lang="en-US" altLang="ja-JP" sz="3600" dirty="0"/>
-          </a:p>
-          <a:p>
-            <a:endParaRPr kumimoji="1" lang="en-US" altLang="ja-JP" sz="3600" dirty="0"/>
-          </a:p>
-          <a:p>
-            <a:endParaRPr kumimoji="1" lang="en-US" altLang="ja-JP" sz="3600" dirty="0"/>
-          </a:p>
-          <a:p>
-            <a:endParaRPr kumimoji="1" lang="en-US" altLang="ja-JP" sz="3600" dirty="0"/>
-          </a:p>
-          <a:p>
-            <a:endParaRPr kumimoji="1" lang="en-US" altLang="ja-JP" sz="3600" dirty="0"/>
-          </a:p>
-          <a:p>
+              <a:t>使用した技術</a:t>
+            </a:r>
             <a:endParaRPr kumimoji="1" lang="en-US" altLang="ja-JP" sz="3600" dirty="0"/>
           </a:p>
         </p:txBody>
@@ -4752,10 +4618,10 @@
       </p:cxnSp>
       <p:pic>
         <p:nvPicPr>
-          <p:cNvPr id="33" name="図 32">
+          <p:cNvPr id="9" name="図 8">
             <a:extLst>
               <a:ext uri="{FF2B5EF4-FFF2-40B4-BE49-F238E27FC236}">
-                <a16:creationId xmlns:a16="http://schemas.microsoft.com/office/drawing/2014/main" id="{095659B8-4835-48F4-A4FD-FC31D69EB2CD}"/>
+                <a16:creationId xmlns:a16="http://schemas.microsoft.com/office/drawing/2014/main" id="{C6CE4C05-4A37-4916-85B9-B1941F9715C4}"/>
               </a:ext>
             </a:extLst>
           </p:cNvPr>
@@ -4765,21 +4631,204 @@
           <p:nvPr/>
         </p:nvPicPr>
         <p:blipFill>
-          <a:blip r:embed="rId4"/>
+          <a:blip r:embed="rId4">
+            <a:extLst>
+              <a:ext uri="{28A0092B-C50C-407E-A947-70E740481C1C}">
+                <a14:useLocalDpi xmlns:a14="http://schemas.microsoft.com/office/drawing/2010/main" val="0"/>
+              </a:ext>
+            </a:extLst>
+          </a:blip>
           <a:stretch>
             <a:fillRect/>
           </a:stretch>
         </p:blipFill>
         <p:spPr>
           <a:xfrm>
-            <a:off x="11118345" y="16590466"/>
-            <a:ext cx="9540155" cy="4765176"/>
+            <a:off x="11052723" y="6071203"/>
+            <a:ext cx="9626176" cy="12473487"/>
           </a:xfrm>
           <a:prstGeom prst="rect">
             <a:avLst/>
           </a:prstGeom>
         </p:spPr>
       </p:pic>
+      <p:sp>
+        <p:nvSpPr>
+          <p:cNvPr id="29" name="テキスト ボックス 28">
+            <a:extLst>
+              <a:ext uri="{FF2B5EF4-FFF2-40B4-BE49-F238E27FC236}">
+                <a16:creationId xmlns:a16="http://schemas.microsoft.com/office/drawing/2014/main" id="{3E94080E-6065-4E65-A260-118ADB03DA6D}"/>
+              </a:ext>
+            </a:extLst>
+          </p:cNvPr>
+          <p:cNvSpPr txBox="1"/>
+          <p:nvPr/>
+        </p:nvSpPr>
+        <p:spPr>
+          <a:xfrm>
+            <a:off x="11222021" y="19226394"/>
+            <a:ext cx="2651736" cy="1754326"/>
+          </a:xfrm>
+          <a:prstGeom prst="rect">
+            <a:avLst/>
+          </a:prstGeom>
+          <a:noFill/>
+        </p:spPr>
+        <p:txBody>
+          <a:bodyPr wrap="square" rtlCol="0">
+            <a:spAutoFit/>
+          </a:bodyPr>
+          <a:lstStyle/>
+          <a:p>
+            <a:pPr marL="571500" indent="-571500">
+              <a:buFont typeface="Arial" panose="020B0604020202020204" pitchFamily="34" charset="0"/>
+              <a:buChar char="•"/>
+            </a:pPr>
+            <a:r>
+              <a:rPr kumimoji="1" lang="en-US" altLang="ja-JP" sz="3600" dirty="0"/>
+              <a:t>Java</a:t>
+            </a:r>
+          </a:p>
+          <a:p>
+            <a:pPr marL="571500" indent="-571500">
+              <a:buFont typeface="Arial" panose="020B0604020202020204" pitchFamily="34" charset="0"/>
+              <a:buChar char="•"/>
+            </a:pPr>
+            <a:r>
+              <a:rPr kumimoji="1" lang="en-US" altLang="ja-JP" sz="3600" dirty="0"/>
+              <a:t>AWS</a:t>
+            </a:r>
+          </a:p>
+          <a:p>
+            <a:pPr marL="571500" indent="-571500">
+              <a:buFont typeface="Arial" panose="020B0604020202020204" pitchFamily="34" charset="0"/>
+              <a:buChar char="•"/>
+            </a:pPr>
+            <a:r>
+              <a:rPr kumimoji="1" lang="en-US" altLang="ja-JP" sz="3600" dirty="0"/>
+              <a:t>Firebase</a:t>
+            </a:r>
+          </a:p>
+        </p:txBody>
+      </p:sp>
+      <p:sp>
+        <p:nvSpPr>
+          <p:cNvPr id="30" name="テキスト ボックス 29">
+            <a:extLst>
+              <a:ext uri="{FF2B5EF4-FFF2-40B4-BE49-F238E27FC236}">
+                <a16:creationId xmlns:a16="http://schemas.microsoft.com/office/drawing/2014/main" id="{4604B986-9BC9-46E2-8CFC-F96BB087B1AB}"/>
+              </a:ext>
+            </a:extLst>
+          </p:cNvPr>
+          <p:cNvSpPr txBox="1"/>
+          <p:nvPr/>
+        </p:nvSpPr>
+        <p:spPr>
+          <a:xfrm>
+            <a:off x="14275906" y="19226394"/>
+            <a:ext cx="2651736" cy="1754326"/>
+          </a:xfrm>
+          <a:prstGeom prst="rect">
+            <a:avLst/>
+          </a:prstGeom>
+          <a:noFill/>
+        </p:spPr>
+        <p:txBody>
+          <a:bodyPr wrap="square" rtlCol="0">
+            <a:spAutoFit/>
+          </a:bodyPr>
+          <a:lstStyle/>
+          <a:p>
+            <a:pPr marL="571500" indent="-571500">
+              <a:buFont typeface="Arial" panose="020B0604020202020204" pitchFamily="34" charset="0"/>
+              <a:buChar char="•"/>
+            </a:pPr>
+            <a:r>
+              <a:rPr kumimoji="1" lang="en-US" altLang="ja-JP" sz="3600" dirty="0"/>
+              <a:t>Java</a:t>
+            </a:r>
+          </a:p>
+          <a:p>
+            <a:pPr marL="571500" indent="-571500">
+              <a:buFont typeface="Arial" panose="020B0604020202020204" pitchFamily="34" charset="0"/>
+              <a:buChar char="•"/>
+            </a:pPr>
+            <a:r>
+              <a:rPr kumimoji="1" lang="en-US" altLang="ja-JP" sz="3600" dirty="0"/>
+              <a:t>AWS</a:t>
+            </a:r>
+          </a:p>
+          <a:p>
+            <a:pPr marL="571500" indent="-571500">
+              <a:buFont typeface="Arial" panose="020B0604020202020204" pitchFamily="34" charset="0"/>
+              <a:buChar char="•"/>
+            </a:pPr>
+            <a:r>
+              <a:rPr kumimoji="1" lang="en-US" altLang="ja-JP" sz="3600" dirty="0"/>
+              <a:t>Firebase</a:t>
+            </a:r>
+          </a:p>
+        </p:txBody>
+      </p:sp>
+      <p:sp>
+        <p:nvSpPr>
+          <p:cNvPr id="31" name="テキスト ボックス 30">
+            <a:extLst>
+              <a:ext uri="{FF2B5EF4-FFF2-40B4-BE49-F238E27FC236}">
+                <a16:creationId xmlns:a16="http://schemas.microsoft.com/office/drawing/2014/main" id="{FEE276D4-A2EC-43FA-A7E1-296F1B2669FE}"/>
+              </a:ext>
+            </a:extLst>
+          </p:cNvPr>
+          <p:cNvSpPr txBox="1"/>
+          <p:nvPr/>
+        </p:nvSpPr>
+        <p:spPr>
+          <a:xfrm>
+            <a:off x="17329792" y="19226605"/>
+            <a:ext cx="2651736" cy="1754326"/>
+          </a:xfrm>
+          <a:prstGeom prst="rect">
+            <a:avLst/>
+          </a:prstGeom>
+          <a:noFill/>
+        </p:spPr>
+        <p:txBody>
+          <a:bodyPr wrap="square" rtlCol="0">
+            <a:spAutoFit/>
+          </a:bodyPr>
+          <a:lstStyle/>
+          <a:p>
+            <a:pPr marL="571500" indent="-571500">
+              <a:buFont typeface="Arial" panose="020B0604020202020204" pitchFamily="34" charset="0"/>
+              <a:buChar char="•"/>
+            </a:pPr>
+            <a:r>
+              <a:rPr kumimoji="1" lang="en-US" altLang="ja-JP" sz="3600" dirty="0"/>
+              <a:t>Java</a:t>
+            </a:r>
+          </a:p>
+          <a:p>
+            <a:pPr marL="571500" indent="-571500">
+              <a:buFont typeface="Arial" panose="020B0604020202020204" pitchFamily="34" charset="0"/>
+              <a:buChar char="•"/>
+            </a:pPr>
+            <a:r>
+              <a:rPr kumimoji="1" lang="en-US" altLang="ja-JP" sz="3600" dirty="0"/>
+              <a:t>AWS</a:t>
+            </a:r>
+          </a:p>
+          <a:p>
+            <a:pPr marL="571500" indent="-571500">
+              <a:buFont typeface="Arial" panose="020B0604020202020204" pitchFamily="34" charset="0"/>
+              <a:buChar char="•"/>
+            </a:pPr>
+            <a:r>
+              <a:rPr kumimoji="1" lang="en-US" altLang="ja-JP" sz="3600" dirty="0"/>
+              <a:t>Firebase</a:t>
+            </a:r>
+          </a:p>
+        </p:txBody>
+      </p:sp>
     </p:spTree>
     <p:extLst>
       <p:ext uri="{BB962C8B-B14F-4D97-AF65-F5344CB8AC3E}">

--- a/poster/G14_ONO-Systems.pptx
+++ b/poster/G14_ONO-Systems.pptx
@@ -219,7 +219,7 @@
           </a:lstStyle>
           <a:p>
             <a:r>
-              <a:rPr lang="ja-JP" altLang="en-US"/>
+              <a:rPr lang="ja-JP" altLang="en-US" dirty="0"/>
               <a:t>マスター サブタイトルの書式設定</a:t>
             </a:r>
             <a:endParaRPr lang="en-US" dirty="0"/>
@@ -243,7 +243,7 @@
           <a:p>
             <a:fld id="{B042BC44-9F62-4CE5-9F38-ECCBAF80D58A}" type="datetimeFigureOut">
               <a:rPr kumimoji="1" lang="ja-JP" altLang="en-US" smtClean="0"/>
-              <a:t>2019/1/22</a:t>
+              <a:t>2019/1/24</a:t>
             </a:fld>
             <a:endParaRPr kumimoji="1" lang="ja-JP" altLang="en-US"/>
           </a:p>
@@ -445,7 +445,7 @@
           <a:p>
             <a:fld id="{B042BC44-9F62-4CE5-9F38-ECCBAF80D58A}" type="datetimeFigureOut">
               <a:rPr kumimoji="1" lang="ja-JP" altLang="en-US" smtClean="0"/>
-              <a:t>2019/1/22</a:t>
+              <a:t>2019/1/24</a:t>
             </a:fld>
             <a:endParaRPr kumimoji="1" lang="ja-JP" altLang="en-US"/>
           </a:p>
@@ -657,7 +657,7 @@
           <a:p>
             <a:fld id="{B042BC44-9F62-4CE5-9F38-ECCBAF80D58A}" type="datetimeFigureOut">
               <a:rPr kumimoji="1" lang="ja-JP" altLang="en-US" smtClean="0"/>
-              <a:t>2019/1/22</a:t>
+              <a:t>2019/1/24</a:t>
             </a:fld>
             <a:endParaRPr kumimoji="1" lang="ja-JP" altLang="en-US"/>
           </a:p>
@@ -771,71 +771,92 @@
         <p:spPr/>
         <p:txBody>
           <a:bodyPr/>
-          <a:lstStyle/>
+          <a:lstStyle>
+            <a:lvl2pPr marL="1593045" indent="-531015">
+              <a:buFont typeface="游ゴシック" panose="020B0400000000000000" pitchFamily="50" charset="-128"/>
+              <a:buChar char="￮"/>
+              <a:defRPr/>
+            </a:lvl2pPr>
+            <a:lvl3pPr marL="2655075" indent="-531015">
+              <a:buFont typeface="游ゴシック" panose="020B0400000000000000" pitchFamily="50" charset="-128"/>
+              <a:buChar char="￮"/>
+              <a:defRPr/>
+            </a:lvl3pPr>
+            <a:lvl4pPr marL="3717105" indent="-531015">
+              <a:buFont typeface="游ゴシック" panose="020B0400000000000000" pitchFamily="50" charset="-128"/>
+              <a:buChar char="￮"/>
+              <a:defRPr/>
+            </a:lvl4pPr>
+            <a:lvl5pPr marL="4779134" indent="-531015">
+              <a:buFont typeface="游ゴシック" panose="020B0400000000000000" pitchFamily="50" charset="-128"/>
+              <a:buChar char="￮"/>
+              <a:defRPr/>
+            </a:lvl5pPr>
+          </a:lstStyle>
           <a:p>
             <a:pPr lvl="0"/>
             <a:r>
-              <a:rPr lang="ja-JP" altLang="en-US"/>
+              <a:rPr lang="ja-JP" altLang="en-US" dirty="0"/>
               <a:t>マスター テキストの書式設定</a:t>
             </a:r>
           </a:p>
           <a:p>
             <a:pPr lvl="1"/>
             <a:r>
-              <a:rPr lang="ja-JP" altLang="en-US"/>
+              <a:rPr lang="ja-JP" altLang="en-US" dirty="0"/>
               <a:t>第 </a:t>
             </a:r>
             <a:r>
-              <a:rPr lang="en-US" altLang="ja-JP"/>
+              <a:rPr lang="en-US" altLang="ja-JP" dirty="0"/>
               <a:t>2 </a:t>
             </a:r>
             <a:r>
-              <a:rPr lang="ja-JP" altLang="en-US"/>
+              <a:rPr lang="ja-JP" altLang="en-US" dirty="0"/>
               <a:t>レベル</a:t>
             </a:r>
           </a:p>
           <a:p>
             <a:pPr lvl="2"/>
             <a:r>
-              <a:rPr lang="ja-JP" altLang="en-US"/>
+              <a:rPr lang="ja-JP" altLang="en-US" dirty="0"/>
               <a:t>第 </a:t>
             </a:r>
             <a:r>
-              <a:rPr lang="en-US" altLang="ja-JP"/>
+              <a:rPr lang="en-US" altLang="ja-JP" dirty="0"/>
               <a:t>3 </a:t>
             </a:r>
             <a:r>
-              <a:rPr lang="ja-JP" altLang="en-US"/>
+              <a:rPr lang="ja-JP" altLang="en-US" dirty="0"/>
               <a:t>レベル</a:t>
             </a:r>
           </a:p>
           <a:p>
             <a:pPr lvl="3"/>
             <a:r>
-              <a:rPr lang="ja-JP" altLang="en-US"/>
+              <a:rPr lang="ja-JP" altLang="en-US" dirty="0"/>
               <a:t>第 </a:t>
             </a:r>
             <a:r>
-              <a:rPr lang="en-US" altLang="ja-JP"/>
+              <a:rPr lang="en-US" altLang="ja-JP" dirty="0"/>
               <a:t>4 </a:t>
             </a:r>
             <a:r>
-              <a:rPr lang="ja-JP" altLang="en-US"/>
+              <a:rPr lang="ja-JP" altLang="en-US" dirty="0"/>
               <a:t>レベル</a:t>
             </a:r>
           </a:p>
           <a:p>
             <a:pPr lvl="4"/>
             <a:r>
-              <a:rPr lang="ja-JP" altLang="en-US"/>
+              <a:rPr lang="ja-JP" altLang="en-US" dirty="0"/>
               <a:t>第 </a:t>
             </a:r>
             <a:r>
-              <a:rPr lang="en-US" altLang="ja-JP"/>
+              <a:rPr lang="en-US" altLang="ja-JP" dirty="0"/>
               <a:t>5 </a:t>
             </a:r>
             <a:r>
-              <a:rPr lang="ja-JP" altLang="en-US"/>
+              <a:rPr lang="ja-JP" altLang="en-US" dirty="0"/>
               <a:t>レベル</a:t>
             </a:r>
             <a:endParaRPr lang="en-US" dirty="0"/>
@@ -859,7 +880,7 @@
           <a:p>
             <a:fld id="{B042BC44-9F62-4CE5-9F38-ECCBAF80D58A}" type="datetimeFigureOut">
               <a:rPr kumimoji="1" lang="ja-JP" altLang="en-US" smtClean="0"/>
-              <a:t>2019/1/22</a:t>
+              <a:t>2019/1/24</a:t>
             </a:fld>
             <a:endParaRPr kumimoji="1" lang="ja-JP" altLang="en-US"/>
           </a:p>
@@ -1103,7 +1124,7 @@
           <a:p>
             <a:fld id="{B042BC44-9F62-4CE5-9F38-ECCBAF80D58A}" type="datetimeFigureOut">
               <a:rPr kumimoji="1" lang="ja-JP" altLang="en-US" smtClean="0"/>
-              <a:t>2019/1/22</a:t>
+              <a:t>2019/1/24</a:t>
             </a:fld>
             <a:endParaRPr kumimoji="1" lang="ja-JP" altLang="en-US"/>
           </a:p>
@@ -1399,7 +1420,7 @@
           <a:p>
             <a:fld id="{B042BC44-9F62-4CE5-9F38-ECCBAF80D58A}" type="datetimeFigureOut">
               <a:rPr kumimoji="1" lang="ja-JP" altLang="en-US" smtClean="0"/>
-              <a:t>2019/1/22</a:t>
+              <a:t>2019/1/24</a:t>
             </a:fld>
             <a:endParaRPr kumimoji="1" lang="ja-JP" altLang="en-US"/>
           </a:p>
@@ -1830,7 +1851,7 @@
           <a:p>
             <a:fld id="{B042BC44-9F62-4CE5-9F38-ECCBAF80D58A}" type="datetimeFigureOut">
               <a:rPr kumimoji="1" lang="ja-JP" altLang="en-US" smtClean="0"/>
-              <a:t>2019/1/22</a:t>
+              <a:t>2019/1/24</a:t>
             </a:fld>
             <a:endParaRPr kumimoji="1" lang="ja-JP" altLang="en-US"/>
           </a:p>
@@ -1948,7 +1969,7 @@
           <a:p>
             <a:fld id="{B042BC44-9F62-4CE5-9F38-ECCBAF80D58A}" type="datetimeFigureOut">
               <a:rPr kumimoji="1" lang="ja-JP" altLang="en-US" smtClean="0"/>
-              <a:t>2019/1/22</a:t>
+              <a:t>2019/1/24</a:t>
             </a:fld>
             <a:endParaRPr kumimoji="1" lang="ja-JP" altLang="en-US"/>
           </a:p>
@@ -2043,7 +2064,7 @@
           <a:p>
             <a:fld id="{B042BC44-9F62-4CE5-9F38-ECCBAF80D58A}" type="datetimeFigureOut">
               <a:rPr kumimoji="1" lang="ja-JP" altLang="en-US" smtClean="0"/>
-              <a:t>2019/1/22</a:t>
+              <a:t>2019/1/24</a:t>
             </a:fld>
             <a:endParaRPr kumimoji="1" lang="ja-JP" altLang="en-US"/>
           </a:p>
@@ -2352,7 +2373,7 @@
           <a:p>
             <a:fld id="{B042BC44-9F62-4CE5-9F38-ECCBAF80D58A}" type="datetimeFigureOut">
               <a:rPr kumimoji="1" lang="ja-JP" altLang="en-US" smtClean="0"/>
-              <a:t>2019/1/22</a:t>
+              <a:t>2019/1/24</a:t>
             </a:fld>
             <a:endParaRPr kumimoji="1" lang="ja-JP" altLang="en-US"/>
           </a:p>
@@ -2609,7 +2630,7 @@
           <a:p>
             <a:fld id="{B042BC44-9F62-4CE5-9F38-ECCBAF80D58A}" type="datetimeFigureOut">
               <a:rPr kumimoji="1" lang="ja-JP" altLang="en-US" smtClean="0"/>
-              <a:t>2019/1/22</a:t>
+              <a:t>2019/1/24</a:t>
             </a:fld>
             <a:endParaRPr kumimoji="1" lang="ja-JP" altLang="en-US"/>
           </a:p>
@@ -2854,7 +2875,7 @@
           <a:p>
             <a:fld id="{B042BC44-9F62-4CE5-9F38-ECCBAF80D58A}" type="datetimeFigureOut">
               <a:rPr kumimoji="1" lang="ja-JP" altLang="en-US" smtClean="0"/>
-              <a:t>2019/1/22</a:t>
+              <a:t>2019/1/24</a:t>
             </a:fld>
             <a:endParaRPr kumimoji="1" lang="ja-JP" altLang="en-US"/>
           </a:p>
@@ -3269,6 +3290,102 @@
       </p:grpSpPr>
       <p:sp>
         <p:nvSpPr>
+          <p:cNvPr id="33" name="テキスト ボックス 32">
+            <a:extLst>
+              <a:ext uri="{FF2B5EF4-FFF2-40B4-BE49-F238E27FC236}">
+                <a16:creationId xmlns:a16="http://schemas.microsoft.com/office/drawing/2014/main" id="{B106C736-61FD-4B49-9A9F-B1995935D742}"/>
+              </a:ext>
+            </a:extLst>
+          </p:cNvPr>
+          <p:cNvSpPr txBox="1"/>
+          <p:nvPr/>
+        </p:nvSpPr>
+        <p:spPr>
+          <a:xfrm>
+            <a:off x="497180" y="5395950"/>
+            <a:ext cx="9767737" cy="2185214"/>
+          </a:xfrm>
+          <a:prstGeom prst="rect">
+            <a:avLst/>
+          </a:prstGeom>
+          <a:noFill/>
+          <a:ln>
+            <a:noFill/>
+          </a:ln>
+        </p:spPr>
+        <p:txBody>
+          <a:bodyPr wrap="square" rtlCol="0">
+            <a:spAutoFit/>
+          </a:bodyPr>
+          <a:lstStyle/>
+          <a:p>
+            <a:r>
+              <a:rPr kumimoji="1" lang="ja-JP" altLang="en-US" sz="4800" dirty="0">
+                <a:solidFill>
+                  <a:schemeClr val="accent1"/>
+                </a:solidFill>
+              </a:rPr>
+              <a:t>原因</a:t>
+            </a:r>
+            <a:r>
+              <a:rPr kumimoji="1" lang="en-US" altLang="ja-JP" sz="4800" dirty="0"/>
+              <a:t>: </a:t>
+            </a:r>
+          </a:p>
+          <a:p>
+            <a:pPr marL="1028700" lvl="1" indent="-571500">
+              <a:buFont typeface="Arial" panose="020B0604020202020204" pitchFamily="34" charset="0"/>
+              <a:buChar char="•"/>
+            </a:pPr>
+            <a:r>
+              <a:rPr kumimoji="1" lang="ja-JP" altLang="en-US" sz="4000" dirty="0"/>
+              <a:t> </a:t>
+            </a:r>
+            <a:r>
+              <a:rPr kumimoji="1" lang="ja-JP" altLang="en-US" sz="4400" dirty="0"/>
+              <a:t>受領者は</a:t>
+            </a:r>
+            <a:r>
+              <a:rPr kumimoji="1" lang="ja-JP" altLang="en-US" sz="4400" b="1" dirty="0">
+                <a:solidFill>
+                  <a:srgbClr val="FF0000"/>
+                </a:solidFill>
+              </a:rPr>
+              <a:t>正確な配達時刻</a:t>
+            </a:r>
+            <a:r>
+              <a:rPr kumimoji="1" lang="ja-JP" altLang="en-US" sz="4400" dirty="0"/>
+              <a:t>が不明</a:t>
+            </a:r>
+            <a:endParaRPr kumimoji="1" lang="en-US" altLang="ja-JP" sz="4400" dirty="0"/>
+          </a:p>
+          <a:p>
+            <a:pPr marL="1028700" lvl="1" indent="-571500">
+              <a:buFont typeface="Arial" panose="020B0604020202020204" pitchFamily="34" charset="0"/>
+              <a:buChar char="•"/>
+            </a:pPr>
+            <a:r>
+              <a:rPr kumimoji="1" lang="ja-JP" altLang="en-US" sz="4400" dirty="0"/>
+              <a:t> 配達員は</a:t>
+            </a:r>
+            <a:r>
+              <a:rPr kumimoji="1" lang="ja-JP" altLang="en-US" sz="4400" b="1" dirty="0">
+                <a:solidFill>
+                  <a:srgbClr val="FF0000"/>
+                </a:solidFill>
+              </a:rPr>
+              <a:t>受領者が受領可能か</a:t>
+            </a:r>
+            <a:r>
+              <a:rPr kumimoji="1" lang="ja-JP" altLang="en-US" sz="4400" dirty="0"/>
+              <a:t>不明</a:t>
+            </a:r>
+            <a:endParaRPr kumimoji="1" lang="en-US" altLang="ja-JP" sz="4400" dirty="0"/>
+          </a:p>
+        </p:txBody>
+      </p:sp>
+      <p:sp>
+        <p:nvSpPr>
           <p:cNvPr id="28" name="正方形/長方形 27">
             <a:extLst>
               <a:ext uri="{FF2B5EF4-FFF2-40B4-BE49-F238E27FC236}">
@@ -3281,8 +3398,8 @@
         </p:nvSpPr>
         <p:spPr>
           <a:xfrm>
-            <a:off x="10946175" y="5753286"/>
-            <a:ext cx="9767737" cy="15699520"/>
+            <a:off x="297763" y="10767604"/>
+            <a:ext cx="9970327" cy="13167870"/>
           </a:xfrm>
           <a:prstGeom prst="rect">
             <a:avLst/>
@@ -3328,8 +3445,8 @@
         </p:nvSpPr>
         <p:spPr>
           <a:xfrm>
-            <a:off x="10946181" y="22523707"/>
-            <a:ext cx="9767736" cy="7084910"/>
+            <a:off x="10937072" y="24459516"/>
+            <a:ext cx="9979433" cy="5149100"/>
           </a:xfrm>
           <a:prstGeom prst="rect">
             <a:avLst/>
@@ -3357,7 +3474,7 @@
           <a:lstStyle/>
           <a:p>
             <a:pPr algn="ctr"/>
-            <a:endParaRPr kumimoji="1" lang="ja-JP" altLang="en-US"/>
+            <a:endParaRPr kumimoji="1" lang="ja-JP" altLang="en-US" dirty="0"/>
           </a:p>
         </p:txBody>
       </p:sp>
@@ -3375,8 +3492,8 @@
         </p:nvSpPr>
         <p:spPr>
           <a:xfrm>
-            <a:off x="542875" y="22515685"/>
-            <a:ext cx="9767736" cy="7084910"/>
+            <a:off x="10937073" y="9484360"/>
+            <a:ext cx="9970326" cy="6781962"/>
           </a:xfrm>
           <a:prstGeom prst="rect">
             <a:avLst/>
@@ -3422,7 +3539,7 @@
         </p:nvSpPr>
         <p:spPr>
           <a:xfrm>
-            <a:off x="534853" y="14063099"/>
+            <a:off x="-10695539" y="9934257"/>
             <a:ext cx="9767737" cy="7389708"/>
           </a:xfrm>
           <a:prstGeom prst="rect">
@@ -3469,8 +3586,8 @@
         </p:nvSpPr>
         <p:spPr>
           <a:xfrm>
-            <a:off x="526831" y="5745264"/>
-            <a:ext cx="9767737" cy="7871258"/>
+            <a:off x="333349" y="3197572"/>
+            <a:ext cx="9970328" cy="6927696"/>
           </a:xfrm>
           <a:prstGeom prst="rect">
             <a:avLst/>
@@ -3516,7 +3633,7 @@
           </p:cNvPicPr>
           <p:nvPr/>
         </p:nvPicPr>
-        <p:blipFill>
+        <p:blipFill rotWithShape="1">
           <a:blip r:embed="rId2">
             <a:extLst>
               <a:ext uri="{28A0092B-C50C-407E-A947-70E740481C1C}">
@@ -3524,14 +3641,13 @@
               </a:ext>
             </a:extLst>
           </a:blip>
-          <a:stretch>
-            <a:fillRect/>
-          </a:stretch>
+          <a:srcRect l="10607" t="8032" r="8670" b="4517"/>
+          <a:stretch/>
         </p:blipFill>
         <p:spPr>
           <a:xfrm>
-            <a:off x="15810645" y="1657226"/>
-            <a:ext cx="5430105" cy="2921085"/>
+            <a:off x="17325412" y="236147"/>
+            <a:ext cx="3611254" cy="2104571"/>
           </a:xfrm>
           <a:prstGeom prst="rect">
             <a:avLst/>
@@ -3556,17 +3672,19 @@
         </p:nvSpPr>
         <p:spPr>
           <a:xfrm>
-            <a:off x="702565" y="352231"/>
-            <a:ext cx="15939515" cy="2609991"/>
-          </a:xfrm>
-        </p:spPr>
-        <p:txBody>
-          <a:bodyPr/>
-          <a:lstStyle/>
-          <a:p>
-            <a:r>
-              <a:rPr kumimoji="1" lang="ja-JP" altLang="en-US" dirty="0"/>
-              <a:t>配達支援システム</a:t>
+            <a:off x="2650617" y="107896"/>
+            <a:ext cx="15939515" cy="1396668"/>
+          </a:xfrm>
+        </p:spPr>
+        <p:txBody>
+          <a:bodyPr>
+            <a:normAutofit/>
+          </a:bodyPr>
+          <a:lstStyle/>
+          <a:p>
+            <a:r>
+              <a:rPr kumimoji="1" lang="ja-JP" altLang="en-US" sz="8800" dirty="0"/>
+              <a:t>再配達減らしたい</a:t>
             </a:r>
           </a:p>
         </p:txBody>
@@ -3589,25 +3707,19 @@
         </p:nvSpPr>
         <p:spPr>
           <a:xfrm>
-            <a:off x="1784378" y="2819800"/>
-            <a:ext cx="13775888" cy="2225558"/>
+            <a:off x="3732430" y="1483050"/>
+            <a:ext cx="13775888" cy="1396668"/>
           </a:xfrm>
         </p:spPr>
         <p:txBody>
           <a:bodyPr>
-            <a:normAutofit/>
+            <a:normAutofit fontScale="92500"/>
           </a:bodyPr>
           <a:lstStyle/>
           <a:p>
             <a:r>
-              <a:rPr kumimoji="1" lang="en-US" altLang="ja-JP" sz="3200" dirty="0"/>
-              <a:t>ONO-Systems</a:t>
-            </a:r>
-          </a:p>
-          <a:p>
-            <a:r>
               <a:rPr lang="ja-JP" altLang="en-US" sz="3200" dirty="0"/>
-              <a:t>東聖</a:t>
+              <a:t>東 聖</a:t>
             </a:r>
             <a:r>
               <a:rPr lang="en-US" altLang="ja-JP" sz="3200" dirty="0"/>
@@ -3662,47 +3774,6 @@
             <a:r>
               <a:rPr lang="en-US" altLang="ja-JP" sz="3200" dirty="0"/>
               <a:t>(1200372)</a:t>
-            </a:r>
-          </a:p>
-        </p:txBody>
-      </p:sp>
-      <p:sp>
-        <p:nvSpPr>
-          <p:cNvPr id="4" name="テキスト ボックス 3">
-            <a:extLst>
-              <a:ext uri="{FF2B5EF4-FFF2-40B4-BE49-F238E27FC236}">
-                <a16:creationId xmlns:a16="http://schemas.microsoft.com/office/drawing/2014/main" id="{7BCF4954-161A-498E-BB59-3E411E190A5B}"/>
-              </a:ext>
-            </a:extLst>
-          </p:cNvPr>
-          <p:cNvSpPr txBox="1"/>
-          <p:nvPr/>
-        </p:nvSpPr>
-        <p:spPr>
-          <a:xfrm>
-            <a:off x="782082" y="5381665"/>
-            <a:ext cx="8489558" cy="923330"/>
-          </a:xfrm>
-          <a:prstGeom prst="rect">
-            <a:avLst/>
-          </a:prstGeom>
-          <a:solidFill>
-            <a:schemeClr val="bg1"/>
-          </a:solidFill>
-        </p:spPr>
-        <p:txBody>
-          <a:bodyPr wrap="square" rtlCol="0">
-            <a:spAutoFit/>
-          </a:bodyPr>
-          <a:lstStyle/>
-          <a:p>
-            <a:r>
-              <a:rPr kumimoji="1" lang="ja-JP" altLang="en-US" sz="5400" dirty="0">
-                <a:solidFill>
-                  <a:schemeClr val="accent1"/>
-                </a:solidFill>
-              </a:rPr>
-              <a:t>プロジェクトの概要・課題</a:t>
             </a:r>
           </a:p>
         </p:txBody>
@@ -3721,7 +3792,7 @@
         </p:nvSpPr>
         <p:spPr>
           <a:xfrm>
-            <a:off x="702565" y="13728821"/>
+            <a:off x="-10527827" y="9599979"/>
             <a:ext cx="9149382" cy="923330"/>
           </a:xfrm>
           <a:prstGeom prst="rect">
@@ -3762,8 +3833,8 @@
         </p:nvSpPr>
         <p:spPr>
           <a:xfrm>
-            <a:off x="702565" y="22169884"/>
-            <a:ext cx="5110400" cy="923330"/>
+            <a:off x="11176279" y="9077438"/>
+            <a:ext cx="7988011" cy="923330"/>
           </a:xfrm>
           <a:prstGeom prst="rect">
             <a:avLst/>
@@ -3778,13 +3849,14 @@
           </a:bodyPr>
           <a:lstStyle/>
           <a:p>
+            <a:pPr algn="ctr"/>
             <a:r>
               <a:rPr kumimoji="1" lang="ja-JP" altLang="en-US" sz="5400" dirty="0">
                 <a:solidFill>
                   <a:schemeClr val="accent1"/>
                 </a:solidFill>
               </a:rPr>
-              <a:t>技術的な工夫点</a:t>
+              <a:t>開発において工夫した点</a:t>
             </a:r>
           </a:p>
         </p:txBody>
@@ -3803,8 +3875,8 @@
         </p:nvSpPr>
         <p:spPr>
           <a:xfrm>
-            <a:off x="11222022" y="5363617"/>
-            <a:ext cx="6837378" cy="923330"/>
+            <a:off x="776200" y="10377936"/>
+            <a:ext cx="5184952" cy="923330"/>
           </a:xfrm>
           <a:prstGeom prst="rect">
             <a:avLst/>
@@ -3819,13 +3891,14 @@
           </a:bodyPr>
           <a:lstStyle/>
           <a:p>
+            <a:pPr algn="ctr"/>
             <a:r>
               <a:rPr kumimoji="1" lang="ja-JP" altLang="en-US" sz="5400" dirty="0">
                 <a:solidFill>
                   <a:schemeClr val="accent1"/>
                 </a:solidFill>
               </a:rPr>
-              <a:t>システムの内部構造</a:t>
+              <a:t>システムの概観</a:t>
             </a:r>
           </a:p>
         </p:txBody>
@@ -3844,8 +3917,8 @@
         </p:nvSpPr>
         <p:spPr>
           <a:xfrm>
-            <a:off x="11222022" y="22169884"/>
-            <a:ext cx="6392206" cy="923330"/>
+            <a:off x="11116112" y="24003058"/>
+            <a:ext cx="3811199" cy="923330"/>
           </a:xfrm>
           <a:prstGeom prst="rect">
             <a:avLst/>
@@ -3860,13 +3933,14 @@
           </a:bodyPr>
           <a:lstStyle/>
           <a:p>
+            <a:pPr algn="ctr"/>
             <a:r>
               <a:rPr kumimoji="1" lang="ja-JP" altLang="en-US" sz="5400" dirty="0">
                 <a:solidFill>
                   <a:schemeClr val="accent1"/>
                 </a:solidFill>
               </a:rPr>
-              <a:t>開発全体の振り返り</a:t>
+              <a:t>学んだこと</a:t>
             </a:r>
           </a:p>
         </p:txBody>
@@ -3885,7 +3959,7 @@
         </p:nvSpPr>
         <p:spPr>
           <a:xfrm>
-            <a:off x="702565" y="6414568"/>
+            <a:off x="-11012636" y="1288432"/>
             <a:ext cx="9491898" cy="5078313"/>
           </a:xfrm>
           <a:prstGeom prst="rect">
@@ -4062,8 +4136,8 @@
         </p:nvSpPr>
         <p:spPr>
           <a:xfrm>
-            <a:off x="702565" y="14646837"/>
-            <a:ext cx="9491898" cy="7679025"/>
+            <a:off x="-10527827" y="10517995"/>
+            <a:ext cx="9491898" cy="6491457"/>
           </a:xfrm>
           <a:prstGeom prst="rect">
             <a:avLst/>
@@ -4232,16 +4306,6 @@
               </a:rPr>
               <a:t>利用者不在時の負担を軽減</a:t>
             </a:r>
-            <a:endParaRPr kumimoji="1" lang="en-US" altLang="ja-JP" sz="3600" b="1" dirty="0">
-              <a:solidFill>
-                <a:schemeClr val="accent1"/>
-              </a:solidFill>
-            </a:endParaRPr>
-          </a:p>
-          <a:p>
-            <a:endParaRPr kumimoji="1" lang="en-US" altLang="ja-JP" sz="3600" dirty="0"/>
-          </a:p>
-          <a:p>
             <a:endParaRPr kumimoji="1" lang="ja-JP" altLang="en-US" sz="3600" dirty="0"/>
           </a:p>
         </p:txBody>
@@ -4260,8 +4324,8 @@
         </p:nvSpPr>
         <p:spPr>
           <a:xfrm>
-            <a:off x="782082" y="23222972"/>
-            <a:ext cx="9491898" cy="6186309"/>
+            <a:off x="11185392" y="10013581"/>
+            <a:ext cx="9845808" cy="5632311"/>
           </a:xfrm>
           <a:prstGeom prst="rect">
             <a:avLst/>
@@ -4275,194 +4339,133 @@
           <a:lstStyle/>
           <a:p>
             <a:pPr marL="571500" indent="-571500">
-              <a:buFont typeface="Wingdings" panose="05000000000000000000" pitchFamily="2" charset="2"/>
-              <a:buChar char="p"/>
+              <a:buFont typeface="Arial" panose="020B0604020202020204" pitchFamily="34" charset="0"/>
+              <a:buChar char="•"/>
             </a:pPr>
             <a:r>
-              <a:rPr kumimoji="1" lang="ja-JP" altLang="en-US" sz="3600" dirty="0"/>
-              <a:t>セキュリティ</a:t>
-            </a:r>
-            <a:r>
-              <a:rPr kumimoji="1" lang="en-US" altLang="ja-JP" sz="3600" dirty="0"/>
-              <a:t>(</a:t>
-            </a:r>
-            <a:r>
-              <a:rPr kumimoji="1" lang="ja-JP" altLang="en-US" sz="3600" dirty="0"/>
-              <a:t>暗号化</a:t>
-            </a:r>
-            <a:r>
-              <a:rPr kumimoji="1" lang="en-US" altLang="ja-JP" sz="3600" dirty="0"/>
-              <a:t>)</a:t>
-            </a:r>
+              <a:rPr kumimoji="1" lang="ja-JP" altLang="en-US" sz="4000" dirty="0"/>
+              <a:t>最近の技術を数多く採用</a:t>
+            </a:r>
+            <a:endParaRPr kumimoji="1" lang="en-US" altLang="ja-JP" sz="4000" dirty="0"/>
           </a:p>
           <a:p>
             <a:pPr marL="1028700" lvl="1" indent="-571500">
-              <a:buFont typeface="Wingdings" panose="05000000000000000000" pitchFamily="2" charset="2"/>
-              <a:buChar char="Ø"/>
+              <a:buFont typeface="Arial" panose="020B0604020202020204" pitchFamily="34" charset="0"/>
+              <a:buChar char="•"/>
             </a:pPr>
             <a:r>
-              <a:rPr kumimoji="1" lang="ja-JP" altLang="en-US" sz="3600" dirty="0"/>
-              <a:t>通信には </a:t>
-            </a:r>
-            <a:r>
-              <a:rPr kumimoji="1" lang="en-US" altLang="ja-JP" sz="3600" dirty="0"/>
-              <a:t>SSL</a:t>
-            </a:r>
-            <a:r>
-              <a:rPr kumimoji="1" lang="ja-JP" altLang="en-US" sz="3600" dirty="0"/>
-              <a:t> を使用し，データベースに保存しているパスワードはハッシュ化済</a:t>
-            </a:r>
-            <a:endParaRPr kumimoji="1" lang="en-US" altLang="ja-JP" sz="3600" dirty="0"/>
+              <a:rPr kumimoji="1" lang="en-US" altLang="ja-JP" sz="4000" dirty="0"/>
+              <a:t>Android™</a:t>
+            </a:r>
+            <a:r>
+              <a:rPr kumimoji="1" lang="ja-JP" altLang="en-US" sz="4000" dirty="0"/>
+              <a:t> </a:t>
+            </a:r>
+            <a:r>
+              <a:rPr kumimoji="1" lang="en-US" altLang="ja-JP" sz="4000" dirty="0"/>
+              <a:t>SDK,</a:t>
+            </a:r>
+            <a:r>
+              <a:rPr kumimoji="1" lang="ja-JP" altLang="en-US" sz="4000" dirty="0"/>
+              <a:t> </a:t>
+            </a:r>
+            <a:r>
+              <a:rPr kumimoji="1" lang="en-US" altLang="ja-JP" sz="4000" dirty="0"/>
+              <a:t>Firebase Cloud Messaging</a:t>
+            </a:r>
+            <a:br>
+              <a:rPr kumimoji="1" lang="en-US" altLang="ja-JP" sz="4000" dirty="0"/>
+            </a:br>
+            <a:r>
+              <a:rPr kumimoji="1" lang="en-US" altLang="ja-JP" sz="4000" dirty="0"/>
+              <a:t>Amazon Web Service, Google Map API</a:t>
+            </a:r>
           </a:p>
           <a:p>
             <a:pPr marL="571500" indent="-571500">
-              <a:lnSpc>
-                <a:spcPct val="200000"/>
-              </a:lnSpc>
-              <a:buFont typeface="Wingdings" panose="05000000000000000000" pitchFamily="2" charset="2"/>
-              <a:buChar char="p"/>
+              <a:buFont typeface="Arial" panose="020B0604020202020204" pitchFamily="34" charset="0"/>
+              <a:buChar char="•"/>
             </a:pPr>
             <a:r>
-              <a:rPr kumimoji="1" lang="ja-JP" altLang="en-US" sz="3600" dirty="0"/>
-              <a:t>配達物接近時の通知機能</a:t>
-            </a:r>
-            <a:r>
-              <a:rPr kumimoji="1" lang="en-US" altLang="ja-JP" sz="3600" dirty="0"/>
-              <a:t>(</a:t>
-            </a:r>
-            <a:r>
-              <a:rPr kumimoji="1" lang="ja-JP" altLang="en-US" sz="3600" dirty="0"/>
-              <a:t>利用者側</a:t>
-            </a:r>
-            <a:r>
-              <a:rPr kumimoji="1" lang="en-US" altLang="ja-JP" sz="3600" dirty="0"/>
-              <a:t>)</a:t>
-            </a:r>
+              <a:rPr kumimoji="1" lang="en-US" altLang="ja-JP" sz="4000" dirty="0"/>
+              <a:t>GitHub</a:t>
+            </a:r>
+            <a:r>
+              <a:rPr kumimoji="1" lang="ja-JP" altLang="en-US" sz="4000" dirty="0"/>
+              <a:t>を用いた本格的なチーム開発</a:t>
+            </a:r>
+            <a:endParaRPr kumimoji="1" lang="en-US" altLang="ja-JP" sz="4000" dirty="0"/>
           </a:p>
           <a:p>
             <a:pPr marL="1028700" lvl="1" indent="-571500">
-              <a:buFont typeface="Wingdings" panose="05000000000000000000" pitchFamily="2" charset="2"/>
-              <a:buChar char="Ø"/>
+              <a:buFont typeface="Arial" panose="020B0604020202020204" pitchFamily="34" charset="0"/>
+              <a:buChar char="•"/>
             </a:pPr>
             <a:r>
-              <a:rPr kumimoji="1" lang="ja-JP" altLang="en-US" sz="3600" dirty="0"/>
-              <a:t>配達物が付近に来たことを通知することで，おおよその到着時間を予測できる</a:t>
-            </a:r>
-            <a:endParaRPr kumimoji="1" lang="en-US" altLang="ja-JP" sz="3600" dirty="0"/>
+              <a:rPr kumimoji="1" lang="en-US" altLang="ja-JP" sz="4000" dirty="0"/>
+              <a:t>branch</a:t>
+            </a:r>
+            <a:r>
+              <a:rPr kumimoji="1" lang="ja-JP" altLang="en-US" sz="4000" dirty="0"/>
+              <a:t>や</a:t>
+            </a:r>
+            <a:r>
+              <a:rPr kumimoji="1" lang="en-US" altLang="ja-JP" sz="4000" dirty="0"/>
+              <a:t>pull request</a:t>
+            </a:r>
+            <a:r>
+              <a:rPr kumimoji="1" lang="ja-JP" altLang="en-US" sz="4000" dirty="0"/>
+              <a:t>などを活用</a:t>
+            </a:r>
+            <a:endParaRPr kumimoji="1" lang="en-US" altLang="ja-JP" sz="4000" dirty="0"/>
           </a:p>
           <a:p>
             <a:pPr marL="571500" indent="-571500">
-              <a:lnSpc>
-                <a:spcPct val="200000"/>
-              </a:lnSpc>
-              <a:buFont typeface="Wingdings" panose="05000000000000000000" pitchFamily="2" charset="2"/>
-              <a:buChar char="p"/>
+              <a:buFont typeface="Arial" panose="020B0604020202020204" pitchFamily="34" charset="0"/>
+              <a:buChar char="•"/>
             </a:pPr>
             <a:r>
-              <a:rPr kumimoji="1" lang="ja-JP" altLang="en-US" sz="3600" dirty="0"/>
-              <a:t>音声読み上げ</a:t>
-            </a:r>
-            <a:r>
-              <a:rPr kumimoji="1" lang="en-US" altLang="ja-JP" sz="3600" dirty="0"/>
-              <a:t>(</a:t>
-            </a:r>
-            <a:r>
-              <a:rPr kumimoji="1" lang="ja-JP" altLang="en-US" sz="3600" dirty="0"/>
-              <a:t>配達者側</a:t>
-            </a:r>
-            <a:r>
-              <a:rPr kumimoji="1" lang="en-US" altLang="ja-JP" sz="3600" dirty="0"/>
-              <a:t>)</a:t>
-            </a:r>
+              <a:rPr kumimoji="1" lang="ja-JP" altLang="en-US" sz="4000" dirty="0"/>
+              <a:t>コミュニケーションを取りやすい環境</a:t>
+            </a:r>
+            <a:endParaRPr kumimoji="1" lang="en-US" altLang="ja-JP" sz="4000" dirty="0"/>
           </a:p>
           <a:p>
             <a:pPr marL="1028700" lvl="1" indent="-571500">
-              <a:buFont typeface="Wingdings" panose="05000000000000000000" pitchFamily="2" charset="2"/>
-              <a:buChar char="Ø"/>
+              <a:buFont typeface="Arial" panose="020B0604020202020204" pitchFamily="34" charset="0"/>
+              <a:buChar char="•"/>
             </a:pPr>
             <a:r>
-              <a:rPr kumimoji="1" lang="ja-JP" altLang="en-US" sz="3600" dirty="0"/>
-              <a:t>通知が届いたタイミングで，その内容の重要な部分のみを読み上げる機能</a:t>
-            </a:r>
-            <a:endParaRPr kumimoji="1" lang="en-US" altLang="ja-JP" sz="3600" dirty="0"/>
-          </a:p>
-        </p:txBody>
-      </p:sp>
-      <p:sp>
-        <p:nvSpPr>
-          <p:cNvPr id="15" name="テキスト ボックス 14">
-            <a:extLst>
-              <a:ext uri="{FF2B5EF4-FFF2-40B4-BE49-F238E27FC236}">
-                <a16:creationId xmlns:a16="http://schemas.microsoft.com/office/drawing/2014/main" id="{26FE65AE-6A0A-49F6-B7B0-42C1EEE2D4D1}"/>
-              </a:ext>
-            </a:extLst>
-          </p:cNvPr>
-          <p:cNvSpPr txBox="1"/>
-          <p:nvPr/>
-        </p:nvSpPr>
-        <p:spPr>
-          <a:xfrm>
-            <a:off x="11222021" y="23221007"/>
-            <a:ext cx="9491898" cy="3970318"/>
-          </a:xfrm>
-          <a:prstGeom prst="rect">
-            <a:avLst/>
-          </a:prstGeom>
-          <a:noFill/>
-        </p:spPr>
-        <p:txBody>
-          <a:bodyPr wrap="square" rtlCol="0">
-            <a:spAutoFit/>
-          </a:bodyPr>
-          <a:lstStyle/>
-          <a:p>
-            <a:r>
-              <a:rPr kumimoji="1" lang="ja-JP" altLang="en-US" sz="3600" dirty="0"/>
-              <a:t>東：</a:t>
-            </a:r>
-            <a:endParaRPr kumimoji="1" lang="en-US" altLang="ja-JP" sz="3600" dirty="0"/>
-          </a:p>
-          <a:p>
-            <a:r>
-              <a:rPr kumimoji="1" lang="ja-JP" altLang="en-US" sz="3600" dirty="0"/>
-              <a:t>池内：</a:t>
-            </a:r>
-            <a:endParaRPr kumimoji="1" lang="en-US" altLang="ja-JP" sz="3600" dirty="0"/>
-          </a:p>
-          <a:p>
-            <a:r>
-              <a:rPr kumimoji="1" lang="ja-JP" altLang="en-US" sz="3600" dirty="0"/>
-              <a:t>尾野：</a:t>
-            </a:r>
-            <a:endParaRPr kumimoji="1" lang="en-US" altLang="ja-JP" sz="3600" dirty="0"/>
-          </a:p>
-          <a:p>
-            <a:r>
-              <a:rPr kumimoji="1" lang="ja-JP" altLang="en-US" sz="3600" dirty="0"/>
-              <a:t>中尾：</a:t>
-            </a:r>
-            <a:endParaRPr kumimoji="1" lang="en-US" altLang="ja-JP" sz="3600" dirty="0"/>
-          </a:p>
-          <a:p>
-            <a:r>
-              <a:rPr kumimoji="1" lang="ja-JP" altLang="en-US" sz="3600" dirty="0"/>
-              <a:t>根子：</a:t>
-            </a:r>
-            <a:endParaRPr kumimoji="1" lang="en-US" altLang="ja-JP" sz="3600" dirty="0"/>
-          </a:p>
-          <a:p>
-            <a:r>
-              <a:rPr kumimoji="1" lang="ja-JP" altLang="en-US" sz="3600" dirty="0"/>
-              <a:t>橋詰：</a:t>
-            </a:r>
-            <a:endParaRPr kumimoji="1" lang="en-US" altLang="ja-JP" sz="3600" dirty="0"/>
-          </a:p>
-          <a:p>
-            <a:r>
-              <a:rPr kumimoji="1" lang="ja-JP" altLang="en-US" sz="3600" dirty="0"/>
-              <a:t>森：</a:t>
-            </a:r>
-            <a:endParaRPr kumimoji="1" lang="en-US" altLang="ja-JP" sz="3600" dirty="0"/>
+              <a:rPr kumimoji="1" lang="en-US" altLang="ja-JP" sz="4000" dirty="0"/>
+              <a:t>slack</a:t>
+            </a:r>
+            <a:r>
+              <a:rPr kumimoji="1" lang="ja-JP" altLang="en-US" sz="4000" dirty="0"/>
+              <a:t>のチャンネルや研究室の活用</a:t>
+            </a:r>
+            <a:endParaRPr kumimoji="1" lang="en-US" altLang="ja-JP" sz="4000" dirty="0"/>
+          </a:p>
+          <a:p>
+            <a:pPr marL="571500" indent="-571500">
+              <a:buFont typeface="Arial" panose="020B0604020202020204" pitchFamily="34" charset="0"/>
+              <a:buChar char="•"/>
+            </a:pPr>
+            <a:r>
+              <a:rPr kumimoji="1" lang="ja-JP" altLang="en-US" sz="4000" dirty="0"/>
+              <a:t>日報でこまめに状況確認</a:t>
+            </a:r>
+            <a:endParaRPr kumimoji="1" lang="en-US" altLang="ja-JP" sz="4000" dirty="0"/>
+          </a:p>
+          <a:p>
+            <a:pPr marL="1028700" lvl="1" indent="-571500">
+              <a:buFont typeface="Arial" panose="020B0604020202020204" pitchFamily="34" charset="0"/>
+              <a:buChar char="•"/>
+            </a:pPr>
+            <a:r>
+              <a:rPr kumimoji="1" lang="ja-JP" altLang="en-US" sz="4000" dirty="0"/>
+              <a:t>進捗、疑問点、次の作業などを共有</a:t>
+            </a:r>
+            <a:endParaRPr kumimoji="1" lang="en-US" altLang="ja-JP" sz="4000" dirty="0"/>
           </a:p>
         </p:txBody>
       </p:sp>
@@ -4480,7 +4483,7 @@
         </p:nvSpPr>
         <p:spPr>
           <a:xfrm>
-            <a:off x="11102879" y="18544690"/>
+            <a:off x="-10646969" y="23777812"/>
             <a:ext cx="9435306" cy="646331"/>
           </a:xfrm>
           <a:prstGeom prst="rect">
@@ -4499,52 +4502,6 @@
               <a:t>使用した技術</a:t>
             </a:r>
             <a:endParaRPr kumimoji="1" lang="en-US" altLang="ja-JP" sz="3600" dirty="0"/>
-          </a:p>
-        </p:txBody>
-      </p:sp>
-      <p:sp>
-        <p:nvSpPr>
-          <p:cNvPr id="38" name="矢印: 下 37">
-            <a:extLst>
-              <a:ext uri="{FF2B5EF4-FFF2-40B4-BE49-F238E27FC236}">
-                <a16:creationId xmlns:a16="http://schemas.microsoft.com/office/drawing/2014/main" id="{3EF8CADA-0542-420D-96D2-399C949665CB}"/>
-              </a:ext>
-            </a:extLst>
-          </p:cNvPr>
-          <p:cNvSpPr/>
-          <p:nvPr/>
-        </p:nvSpPr>
-        <p:spPr>
-          <a:xfrm>
-            <a:off x="4701216" y="9088037"/>
-            <a:ext cx="881743" cy="556489"/>
-          </a:xfrm>
-          <a:prstGeom prst="downArrow">
-            <a:avLst/>
-          </a:prstGeom>
-        </p:spPr>
-        <p:style>
-          <a:lnRef idx="2">
-            <a:schemeClr val="accent1">
-              <a:shade val="50000"/>
-            </a:schemeClr>
-          </a:lnRef>
-          <a:fillRef idx="1">
-            <a:schemeClr val="accent1"/>
-          </a:fillRef>
-          <a:effectRef idx="0">
-            <a:schemeClr val="accent1"/>
-          </a:effectRef>
-          <a:fontRef idx="minor">
-            <a:schemeClr val="lt1"/>
-          </a:fontRef>
-        </p:style>
-        <p:txBody>
-          <a:bodyPr rtlCol="0" anchor="ctr"/>
-          <a:lstStyle/>
-          <a:p>
-            <a:pPr algn="ctr"/>
-            <a:endParaRPr kumimoji="1" lang="ja-JP" altLang="en-US"/>
           </a:p>
         </p:txBody>
       </p:sp>
@@ -4570,8 +4527,8 @@
         </p:blipFill>
         <p:spPr>
           <a:xfrm>
-            <a:off x="1510876" y="11460442"/>
-            <a:ext cx="7532757" cy="2188520"/>
+            <a:off x="-9751486" y="6360846"/>
+            <a:ext cx="6402124" cy="1860033"/>
           </a:xfrm>
           <a:prstGeom prst="rect">
             <a:avLst/>
@@ -4594,7 +4551,7 @@
         </p:nvCxnSpPr>
         <p:spPr>
           <a:xfrm>
-            <a:off x="702565" y="17888583"/>
+            <a:off x="-10527827" y="13759741"/>
             <a:ext cx="9491898" cy="0"/>
           </a:xfrm>
           <a:prstGeom prst="line">
@@ -4644,7 +4601,7 @@
         </p:blipFill>
         <p:spPr>
           <a:xfrm>
-            <a:off x="11052723" y="6071203"/>
+            <a:off x="639818" y="11304325"/>
             <a:ext cx="9626176" cy="12473487"/>
           </a:xfrm>
           <a:prstGeom prst="rect">
@@ -4666,7 +4623,7 @@
         </p:nvSpPr>
         <p:spPr>
           <a:xfrm>
-            <a:off x="11222021" y="19226394"/>
+            <a:off x="-10527827" y="24459516"/>
             <a:ext cx="2651736" cy="1754326"/>
           </a:xfrm>
           <a:prstGeom prst="rect">
@@ -4725,7 +4682,7 @@
         </p:nvSpPr>
         <p:spPr>
           <a:xfrm>
-            <a:off x="14275906" y="19226394"/>
+            <a:off x="-7473942" y="24459516"/>
             <a:ext cx="2651736" cy="1754326"/>
           </a:xfrm>
           <a:prstGeom prst="rect">
@@ -4784,7 +4741,7 @@
         </p:nvSpPr>
         <p:spPr>
           <a:xfrm>
-            <a:off x="17329792" y="19226605"/>
+            <a:off x="-4420056" y="24459727"/>
             <a:ext cx="2651736" cy="1754326"/>
           </a:xfrm>
           <a:prstGeom prst="rect">
@@ -4829,6 +4786,1046 @@
           </a:p>
         </p:txBody>
       </p:sp>
+      <p:sp>
+        <p:nvSpPr>
+          <p:cNvPr id="7" name="正方形/長方形 6">
+            <a:extLst>
+              <a:ext uri="{FF2B5EF4-FFF2-40B4-BE49-F238E27FC236}">
+                <a16:creationId xmlns:a16="http://schemas.microsoft.com/office/drawing/2014/main" id="{706FB619-B736-40A8-A129-3FC823FB363E}"/>
+              </a:ext>
+            </a:extLst>
+          </p:cNvPr>
+          <p:cNvSpPr/>
+          <p:nvPr/>
+        </p:nvSpPr>
+        <p:spPr>
+          <a:xfrm>
+            <a:off x="403284" y="7723054"/>
+            <a:ext cx="9721996" cy="2185214"/>
+          </a:xfrm>
+          <a:prstGeom prst="rect">
+            <a:avLst/>
+          </a:prstGeom>
+        </p:spPr>
+        <p:txBody>
+          <a:bodyPr wrap="square">
+            <a:spAutoFit/>
+          </a:bodyPr>
+          <a:lstStyle/>
+          <a:p>
+            <a:pPr lvl="0"/>
+            <a:r>
+              <a:rPr kumimoji="1" lang="ja-JP" altLang="en-US" sz="4800" dirty="0">
+                <a:solidFill>
+                  <a:schemeClr val="accent1"/>
+                </a:solidFill>
+              </a:rPr>
+              <a:t>解決策</a:t>
+            </a:r>
+            <a:r>
+              <a:rPr kumimoji="1" lang="en-US" altLang="ja-JP" sz="4800" dirty="0">
+                <a:solidFill>
+                  <a:prstClr val="black"/>
+                </a:solidFill>
+              </a:rPr>
+              <a:t>:</a:t>
+            </a:r>
+            <a:endParaRPr kumimoji="1" lang="en-US" altLang="ja-JP" sz="4000" dirty="0"/>
+          </a:p>
+          <a:p>
+            <a:pPr marL="1028700" lvl="1" indent="-571500">
+              <a:buFont typeface="Arial" panose="020B0604020202020204" pitchFamily="34" charset="0"/>
+              <a:buChar char="•"/>
+            </a:pPr>
+            <a:r>
+              <a:rPr kumimoji="1" lang="ja-JP" altLang="en-US" sz="4000" dirty="0"/>
+              <a:t> </a:t>
+            </a:r>
+            <a:r>
+              <a:rPr kumimoji="1" lang="ja-JP" altLang="en-US" sz="4400" dirty="0"/>
+              <a:t>受領者に</a:t>
+            </a:r>
+            <a:r>
+              <a:rPr kumimoji="1" lang="ja-JP" altLang="en-US" sz="4400" b="1" dirty="0">
+                <a:solidFill>
+                  <a:schemeClr val="accent1"/>
+                </a:solidFill>
+              </a:rPr>
+              <a:t>配達物の接近を通知</a:t>
+            </a:r>
+            <a:endParaRPr kumimoji="1" lang="en-US" altLang="ja-JP" sz="3600" dirty="0"/>
+          </a:p>
+          <a:p>
+            <a:pPr marL="1028700" lvl="1" indent="-571500">
+              <a:buFont typeface="Arial" panose="020B0604020202020204" pitchFamily="34" charset="0"/>
+              <a:buChar char="•"/>
+            </a:pPr>
+            <a:r>
+              <a:rPr kumimoji="1" lang="ja-JP" altLang="en-US" sz="4400" dirty="0"/>
+              <a:t> 配達員に</a:t>
+            </a:r>
+            <a:r>
+              <a:rPr kumimoji="1" lang="ja-JP" altLang="en-US" sz="4400" b="1" dirty="0">
+                <a:solidFill>
+                  <a:schemeClr val="accent1"/>
+                </a:solidFill>
+              </a:rPr>
+              <a:t>受領可否を即座に通知</a:t>
+            </a:r>
+          </a:p>
+        </p:txBody>
+      </p:sp>
+      <p:sp>
+        <p:nvSpPr>
+          <p:cNvPr id="17" name="テキスト ボックス 16">
+            <a:extLst>
+              <a:ext uri="{FF2B5EF4-FFF2-40B4-BE49-F238E27FC236}">
+                <a16:creationId xmlns:a16="http://schemas.microsoft.com/office/drawing/2014/main" id="{F286BC00-A08D-44DD-B20C-D1AF1F3401B4}"/>
+              </a:ext>
+            </a:extLst>
+          </p:cNvPr>
+          <p:cNvSpPr txBox="1"/>
+          <p:nvPr/>
+        </p:nvSpPr>
+        <p:spPr>
+          <a:xfrm>
+            <a:off x="536126" y="3692648"/>
+            <a:ext cx="9729867" cy="1508105"/>
+          </a:xfrm>
+          <a:prstGeom prst="rect">
+            <a:avLst/>
+          </a:prstGeom>
+          <a:noFill/>
+        </p:spPr>
+        <p:txBody>
+          <a:bodyPr wrap="square" rtlCol="0">
+            <a:spAutoFit/>
+          </a:bodyPr>
+          <a:lstStyle/>
+          <a:p>
+            <a:r>
+              <a:rPr kumimoji="1" lang="ja-JP" altLang="en-US" sz="4800" dirty="0">
+                <a:solidFill>
+                  <a:schemeClr val="accent1"/>
+                </a:solidFill>
+              </a:rPr>
+              <a:t>課題</a:t>
+            </a:r>
+            <a:r>
+              <a:rPr kumimoji="1" lang="en-US" altLang="ja-JP" sz="4800" dirty="0"/>
+              <a:t>: </a:t>
+            </a:r>
+            <a:r>
+              <a:rPr kumimoji="1" lang="ja-JP" altLang="en-US" sz="4800" dirty="0"/>
+              <a:t>配達にかかるコストの増加</a:t>
+            </a:r>
+            <a:endParaRPr kumimoji="1" lang="en-US" altLang="ja-JP" sz="4800" dirty="0"/>
+          </a:p>
+          <a:p>
+            <a:pPr lvl="1"/>
+            <a:r>
+              <a:rPr kumimoji="1" lang="ja-JP" altLang="en-US" sz="4400" b="1" dirty="0"/>
+              <a:t>⇒</a:t>
+            </a:r>
+            <a:r>
+              <a:rPr kumimoji="1" lang="ja-JP" altLang="en-US" sz="4400" b="1" dirty="0">
+                <a:solidFill>
+                  <a:srgbClr val="FF0000"/>
+                </a:solidFill>
+              </a:rPr>
+              <a:t> 再配達の増加</a:t>
+            </a:r>
+          </a:p>
+        </p:txBody>
+      </p:sp>
+      <p:pic>
+        <p:nvPicPr>
+          <p:cNvPr id="19" name="図 18">
+            <a:extLst>
+              <a:ext uri="{FF2B5EF4-FFF2-40B4-BE49-F238E27FC236}">
+                <a16:creationId xmlns:a16="http://schemas.microsoft.com/office/drawing/2014/main" id="{28088AC7-DE5C-4E2E-A62D-2F97324ED979}"/>
+              </a:ext>
+            </a:extLst>
+          </p:cNvPr>
+          <p:cNvPicPr>
+            <a:picLocks noChangeAspect="1"/>
+          </p:cNvPicPr>
+          <p:nvPr/>
+        </p:nvPicPr>
+        <p:blipFill>
+          <a:blip r:embed="rId5">
+            <a:extLst>
+              <a:ext uri="{28A0092B-C50C-407E-A947-70E740481C1C}">
+                <a14:useLocalDpi xmlns:a14="http://schemas.microsoft.com/office/drawing/2010/main" val="0"/>
+              </a:ext>
+            </a:extLst>
+          </a:blip>
+          <a:stretch>
+            <a:fillRect/>
+          </a:stretch>
+        </p:blipFill>
+        <p:spPr>
+          <a:xfrm>
+            <a:off x="8832059" y="4223939"/>
+            <a:ext cx="1674395" cy="1964101"/>
+          </a:xfrm>
+          <a:prstGeom prst="rect">
+            <a:avLst/>
+          </a:prstGeom>
+        </p:spPr>
+      </p:pic>
+      <p:cxnSp>
+        <p:nvCxnSpPr>
+          <p:cNvPr id="37" name="直線コネクタ 36">
+            <a:extLst>
+              <a:ext uri="{FF2B5EF4-FFF2-40B4-BE49-F238E27FC236}">
+                <a16:creationId xmlns:a16="http://schemas.microsoft.com/office/drawing/2014/main" id="{09EDE457-2717-4B6C-9439-543C2F1E0B46}"/>
+              </a:ext>
+            </a:extLst>
+          </p:cNvPr>
+          <p:cNvCxnSpPr>
+            <a:cxnSpLocks/>
+          </p:cNvCxnSpPr>
+          <p:nvPr/>
+        </p:nvCxnSpPr>
+        <p:spPr>
+          <a:xfrm>
+            <a:off x="10620374" y="3048000"/>
+            <a:ext cx="0" cy="26832232"/>
+          </a:xfrm>
+          <a:prstGeom prst="line">
+            <a:avLst/>
+          </a:prstGeom>
+        </p:spPr>
+        <p:style>
+          <a:lnRef idx="1">
+            <a:schemeClr val="accent1"/>
+          </a:lnRef>
+          <a:fillRef idx="0">
+            <a:schemeClr val="accent1"/>
+          </a:fillRef>
+          <a:effectRef idx="0">
+            <a:schemeClr val="accent1"/>
+          </a:effectRef>
+          <a:fontRef idx="minor">
+            <a:schemeClr val="tx1"/>
+          </a:fontRef>
+        </p:style>
+      </p:cxnSp>
+      <p:sp>
+        <p:nvSpPr>
+          <p:cNvPr id="47" name="正方形/長方形 46">
+            <a:extLst>
+              <a:ext uri="{FF2B5EF4-FFF2-40B4-BE49-F238E27FC236}">
+                <a16:creationId xmlns:a16="http://schemas.microsoft.com/office/drawing/2014/main" id="{F67DBF8D-5877-4560-B278-AB0ECF6E79EF}"/>
+              </a:ext>
+            </a:extLst>
+          </p:cNvPr>
+          <p:cNvSpPr/>
+          <p:nvPr/>
+        </p:nvSpPr>
+        <p:spPr>
+          <a:xfrm>
+            <a:off x="10937073" y="3197572"/>
+            <a:ext cx="9970327" cy="5744848"/>
+          </a:xfrm>
+          <a:prstGeom prst="rect">
+            <a:avLst/>
+          </a:prstGeom>
+          <a:noFill/>
+        </p:spPr>
+        <p:style>
+          <a:lnRef idx="2">
+            <a:schemeClr val="accent1">
+              <a:shade val="50000"/>
+            </a:schemeClr>
+          </a:lnRef>
+          <a:fillRef idx="1">
+            <a:schemeClr val="accent1"/>
+          </a:fillRef>
+          <a:effectRef idx="0">
+            <a:schemeClr val="accent1"/>
+          </a:effectRef>
+          <a:fontRef idx="minor">
+            <a:schemeClr val="lt1"/>
+          </a:fontRef>
+        </p:style>
+        <p:txBody>
+          <a:bodyPr rtlCol="0" anchor="ctr"/>
+          <a:lstStyle/>
+          <a:p>
+            <a:pPr algn="ctr"/>
+            <a:endParaRPr kumimoji="1" lang="ja-JP" altLang="en-US"/>
+          </a:p>
+        </p:txBody>
+      </p:sp>
+      <p:sp>
+        <p:nvSpPr>
+          <p:cNvPr id="49" name="テキスト ボックス 48">
+            <a:extLst>
+              <a:ext uri="{FF2B5EF4-FFF2-40B4-BE49-F238E27FC236}">
+                <a16:creationId xmlns:a16="http://schemas.microsoft.com/office/drawing/2014/main" id="{6851B4AF-2AEC-431A-9684-E65E074965DD}"/>
+              </a:ext>
+            </a:extLst>
+          </p:cNvPr>
+          <p:cNvSpPr txBox="1"/>
+          <p:nvPr/>
+        </p:nvSpPr>
+        <p:spPr>
+          <a:xfrm>
+            <a:off x="11222021" y="3822428"/>
+            <a:ext cx="9225602" cy="4955203"/>
+          </a:xfrm>
+          <a:prstGeom prst="rect">
+            <a:avLst/>
+          </a:prstGeom>
+          <a:noFill/>
+        </p:spPr>
+        <p:txBody>
+          <a:bodyPr wrap="none" rtlCol="0">
+            <a:spAutoFit/>
+          </a:bodyPr>
+          <a:lstStyle/>
+          <a:p>
+            <a:pPr marL="571500" indent="-571500">
+              <a:buFont typeface="Arial" panose="020B0604020202020204" pitchFamily="34" charset="0"/>
+              <a:buChar char="•"/>
+            </a:pPr>
+            <a:r>
+              <a:rPr kumimoji="1" lang="ja-JP" altLang="en-US" sz="4400" dirty="0"/>
+              <a:t>配達物の一覧表示機能</a:t>
+            </a:r>
+            <a:endParaRPr kumimoji="1" lang="en-US" altLang="ja-JP" sz="4400" dirty="0"/>
+          </a:p>
+          <a:p>
+            <a:pPr marL="1028700" lvl="1" indent="-571500">
+              <a:buFont typeface="游ゴシック" panose="020B0400000000000000" pitchFamily="50" charset="-128"/>
+              <a:buChar char="￮"/>
+            </a:pPr>
+            <a:r>
+              <a:rPr kumimoji="1" lang="ja-JP" altLang="en-US" sz="3600" dirty="0"/>
+              <a:t>変更があったものだけ強調表示</a:t>
+            </a:r>
+            <a:endParaRPr kumimoji="1" lang="en-US" altLang="ja-JP" sz="3600" dirty="0"/>
+          </a:p>
+          <a:p>
+            <a:pPr marL="571500" indent="-571500">
+              <a:buFont typeface="Arial" panose="020B0604020202020204" pitchFamily="34" charset="0"/>
+              <a:buChar char="•"/>
+            </a:pPr>
+            <a:r>
+              <a:rPr kumimoji="1" lang="ja-JP" altLang="en-US" sz="4400" dirty="0"/>
+              <a:t>配達物の接近を通知</a:t>
+            </a:r>
+            <a:endParaRPr kumimoji="1" lang="en-US" altLang="ja-JP" sz="4400" dirty="0"/>
+          </a:p>
+          <a:p>
+            <a:pPr marL="1028700" lvl="1" indent="-571500">
+              <a:buFont typeface="游ゴシック" panose="020B0400000000000000" pitchFamily="50" charset="-128"/>
+              <a:buChar char="￮"/>
+            </a:pPr>
+            <a:r>
+              <a:rPr kumimoji="1" lang="ja-JP" altLang="en-US" sz="3600" dirty="0"/>
+              <a:t>配達日時を正確に把握</a:t>
+            </a:r>
+            <a:endParaRPr kumimoji="1" lang="en-US" altLang="ja-JP" sz="3600" dirty="0"/>
+          </a:p>
+          <a:p>
+            <a:pPr marL="571500" indent="-571500">
+              <a:buFont typeface="Arial" panose="020B0604020202020204" pitchFamily="34" charset="0"/>
+              <a:buChar char="•"/>
+            </a:pPr>
+            <a:r>
+              <a:rPr kumimoji="1" lang="ja-JP" altLang="en-US" sz="4400" dirty="0"/>
+              <a:t>受領可否や配達日時の変更を通知</a:t>
+            </a:r>
+            <a:endParaRPr kumimoji="1" lang="en-US" altLang="ja-JP" sz="4400" dirty="0"/>
+          </a:p>
+          <a:p>
+            <a:pPr marL="1028700" lvl="1" indent="-571500">
+              <a:buFont typeface="游ゴシック" panose="020B0400000000000000" pitchFamily="50" charset="-128"/>
+              <a:buChar char="￮"/>
+            </a:pPr>
+            <a:r>
+              <a:rPr kumimoji="1" lang="ja-JP" altLang="en-US" sz="3600" dirty="0"/>
+              <a:t>音声読み上げ</a:t>
+            </a:r>
+            <a:endParaRPr kumimoji="1" lang="en-US" altLang="ja-JP" sz="3600" dirty="0"/>
+          </a:p>
+          <a:p>
+            <a:pPr marL="571500" indent="-571500">
+              <a:buFont typeface="Arial" panose="020B0604020202020204" pitchFamily="34" charset="0"/>
+              <a:buChar char="•"/>
+            </a:pPr>
+            <a:r>
+              <a:rPr kumimoji="1" lang="ja-JP" altLang="en-US" sz="4000" dirty="0"/>
+              <a:t>配達先の地図表示</a:t>
+            </a:r>
+            <a:endParaRPr kumimoji="1" lang="en-US" altLang="ja-JP" sz="4000" dirty="0"/>
+          </a:p>
+          <a:p>
+            <a:pPr marL="1028700" lvl="1" indent="-571500">
+              <a:buFont typeface="游ゴシック" panose="020B0400000000000000" pitchFamily="50" charset="-128"/>
+              <a:buChar char="￮"/>
+            </a:pPr>
+            <a:r>
+              <a:rPr kumimoji="1" lang="ja-JP" altLang="en-US" sz="3600" dirty="0">
+                <a:solidFill>
+                  <a:prstClr val="black"/>
+                </a:solidFill>
+              </a:rPr>
+              <a:t>地図上で配達可否を確認</a:t>
+            </a:r>
+            <a:endParaRPr kumimoji="1" lang="en-US" altLang="ja-JP" sz="3600" dirty="0">
+              <a:solidFill>
+                <a:prstClr val="black"/>
+              </a:solidFill>
+            </a:endParaRPr>
+          </a:p>
+        </p:txBody>
+      </p:sp>
+      <p:sp>
+        <p:nvSpPr>
+          <p:cNvPr id="51" name="正方形/長方形 50">
+            <a:extLst>
+              <a:ext uri="{FF2B5EF4-FFF2-40B4-BE49-F238E27FC236}">
+                <a16:creationId xmlns:a16="http://schemas.microsoft.com/office/drawing/2014/main" id="{E8E73240-48DA-4760-B42E-6A1C3C7BCC0A}"/>
+              </a:ext>
+            </a:extLst>
+          </p:cNvPr>
+          <p:cNvSpPr/>
+          <p:nvPr/>
+        </p:nvSpPr>
+        <p:spPr>
+          <a:xfrm>
+            <a:off x="10962430" y="16877592"/>
+            <a:ext cx="9944963" cy="7061593"/>
+          </a:xfrm>
+          <a:prstGeom prst="rect">
+            <a:avLst/>
+          </a:prstGeom>
+          <a:noFill/>
+        </p:spPr>
+        <p:style>
+          <a:lnRef idx="2">
+            <a:schemeClr val="accent1">
+              <a:shade val="50000"/>
+            </a:schemeClr>
+          </a:lnRef>
+          <a:fillRef idx="1">
+            <a:schemeClr val="accent1"/>
+          </a:fillRef>
+          <a:effectRef idx="0">
+            <a:schemeClr val="accent1"/>
+          </a:effectRef>
+          <a:fontRef idx="minor">
+            <a:schemeClr val="lt1"/>
+          </a:fontRef>
+        </p:style>
+        <p:txBody>
+          <a:bodyPr rtlCol="0" anchor="ctr"/>
+          <a:lstStyle/>
+          <a:p>
+            <a:pPr algn="ctr"/>
+            <a:endParaRPr kumimoji="1" lang="ja-JP" altLang="en-US"/>
+          </a:p>
+        </p:txBody>
+      </p:sp>
+      <p:sp>
+        <p:nvSpPr>
+          <p:cNvPr id="52" name="テキスト ボックス 51">
+            <a:extLst>
+              <a:ext uri="{FF2B5EF4-FFF2-40B4-BE49-F238E27FC236}">
+                <a16:creationId xmlns:a16="http://schemas.microsoft.com/office/drawing/2014/main" id="{81E3F316-6524-4686-8AEC-D557215242A9}"/>
+              </a:ext>
+            </a:extLst>
+          </p:cNvPr>
+          <p:cNvSpPr txBox="1"/>
+          <p:nvPr/>
+        </p:nvSpPr>
+        <p:spPr>
+          <a:xfrm>
+            <a:off x="11176280" y="16484097"/>
+            <a:ext cx="4425666" cy="923330"/>
+          </a:xfrm>
+          <a:prstGeom prst="rect">
+            <a:avLst/>
+          </a:prstGeom>
+          <a:solidFill>
+            <a:schemeClr val="bg1"/>
+          </a:solidFill>
+        </p:spPr>
+        <p:txBody>
+          <a:bodyPr wrap="square" rtlCol="0">
+            <a:spAutoFit/>
+          </a:bodyPr>
+          <a:lstStyle/>
+          <a:p>
+            <a:pPr algn="ctr"/>
+            <a:r>
+              <a:rPr kumimoji="1" lang="ja-JP" altLang="en-US" sz="5400" dirty="0">
+                <a:solidFill>
+                  <a:schemeClr val="accent1"/>
+                </a:solidFill>
+              </a:rPr>
+              <a:t>コストと効果</a:t>
+            </a:r>
+          </a:p>
+        </p:txBody>
+      </p:sp>
+      <p:sp>
+        <p:nvSpPr>
+          <p:cNvPr id="53" name="テキスト ボックス 52">
+            <a:extLst>
+              <a:ext uri="{FF2B5EF4-FFF2-40B4-BE49-F238E27FC236}">
+                <a16:creationId xmlns:a16="http://schemas.microsoft.com/office/drawing/2014/main" id="{23FA4401-3AE4-4141-9CF9-56281A4C0D68}"/>
+              </a:ext>
+            </a:extLst>
+          </p:cNvPr>
+          <p:cNvSpPr txBox="1"/>
+          <p:nvPr/>
+        </p:nvSpPr>
+        <p:spPr>
+          <a:xfrm>
+            <a:off x="809117" y="2771305"/>
+            <a:ext cx="3612123" cy="923330"/>
+          </a:xfrm>
+          <a:prstGeom prst="rect">
+            <a:avLst/>
+          </a:prstGeom>
+          <a:solidFill>
+            <a:schemeClr val="bg1"/>
+          </a:solidFill>
+        </p:spPr>
+        <p:txBody>
+          <a:bodyPr wrap="square" rtlCol="0">
+            <a:spAutoFit/>
+          </a:bodyPr>
+          <a:lstStyle/>
+          <a:p>
+            <a:pPr algn="ctr"/>
+            <a:r>
+              <a:rPr kumimoji="1" lang="ja-JP" altLang="en-US" sz="5400" dirty="0">
+                <a:solidFill>
+                  <a:schemeClr val="accent1"/>
+                </a:solidFill>
+              </a:rPr>
+              <a:t>開発の背景</a:t>
+            </a:r>
+          </a:p>
+        </p:txBody>
+      </p:sp>
+      <p:sp>
+        <p:nvSpPr>
+          <p:cNvPr id="54" name="テキスト ボックス 53">
+            <a:extLst>
+              <a:ext uri="{FF2B5EF4-FFF2-40B4-BE49-F238E27FC236}">
+                <a16:creationId xmlns:a16="http://schemas.microsoft.com/office/drawing/2014/main" id="{D4022876-48DB-47E8-AF2C-F92D5BEEDA80}"/>
+              </a:ext>
+            </a:extLst>
+          </p:cNvPr>
+          <p:cNvSpPr txBox="1"/>
+          <p:nvPr/>
+        </p:nvSpPr>
+        <p:spPr>
+          <a:xfrm>
+            <a:off x="11248233" y="2771305"/>
+            <a:ext cx="2940744" cy="923330"/>
+          </a:xfrm>
+          <a:prstGeom prst="rect">
+            <a:avLst/>
+          </a:prstGeom>
+          <a:solidFill>
+            <a:schemeClr val="bg1"/>
+          </a:solidFill>
+        </p:spPr>
+        <p:txBody>
+          <a:bodyPr wrap="square" rtlCol="0">
+            <a:spAutoFit/>
+          </a:bodyPr>
+          <a:lstStyle/>
+          <a:p>
+            <a:pPr algn="ctr"/>
+            <a:r>
+              <a:rPr kumimoji="1" lang="ja-JP" altLang="en-US" sz="5400" dirty="0">
+                <a:solidFill>
+                  <a:schemeClr val="accent1"/>
+                </a:solidFill>
+              </a:rPr>
+              <a:t>主要機能</a:t>
+            </a:r>
+          </a:p>
+        </p:txBody>
+      </p:sp>
+      <p:pic>
+        <p:nvPicPr>
+          <p:cNvPr id="58" name="図 57">
+            <a:extLst>
+              <a:ext uri="{FF2B5EF4-FFF2-40B4-BE49-F238E27FC236}">
+                <a16:creationId xmlns:a16="http://schemas.microsoft.com/office/drawing/2014/main" id="{19207AF4-EA4E-40D3-842D-333BDF98358B}"/>
+              </a:ext>
+            </a:extLst>
+          </p:cNvPr>
+          <p:cNvPicPr>
+            <a:picLocks noChangeAspect="1"/>
+          </p:cNvPicPr>
+          <p:nvPr/>
+        </p:nvPicPr>
+        <p:blipFill>
+          <a:blip r:embed="rId6">
+            <a:extLst>
+              <a:ext uri="{28A0092B-C50C-407E-A947-70E740481C1C}">
+                <a14:useLocalDpi xmlns:a14="http://schemas.microsoft.com/office/drawing/2010/main" val="0"/>
+              </a:ext>
+            </a:extLst>
+          </a:blip>
+          <a:stretch>
+            <a:fillRect/>
+          </a:stretch>
+        </p:blipFill>
+        <p:spPr>
+          <a:xfrm>
+            <a:off x="2889777" y="25046993"/>
+            <a:ext cx="1051856" cy="1421427"/>
+          </a:xfrm>
+          <a:prstGeom prst="rect">
+            <a:avLst/>
+          </a:prstGeom>
+        </p:spPr>
+      </p:pic>
+      <p:pic>
+        <p:nvPicPr>
+          <p:cNvPr id="60" name="図 59">
+            <a:extLst>
+              <a:ext uri="{FF2B5EF4-FFF2-40B4-BE49-F238E27FC236}">
+                <a16:creationId xmlns:a16="http://schemas.microsoft.com/office/drawing/2014/main" id="{3A3A65EB-94F5-4A04-AC9B-95F8CB1652A8}"/>
+              </a:ext>
+            </a:extLst>
+          </p:cNvPr>
+          <p:cNvPicPr>
+            <a:picLocks noChangeAspect="1"/>
+          </p:cNvPicPr>
+          <p:nvPr/>
+        </p:nvPicPr>
+        <p:blipFill>
+          <a:blip r:embed="rId7">
+            <a:extLst>
+              <a:ext uri="{28A0092B-C50C-407E-A947-70E740481C1C}">
+                <a14:useLocalDpi xmlns:a14="http://schemas.microsoft.com/office/drawing/2010/main" val="0"/>
+              </a:ext>
+            </a:extLst>
+          </a:blip>
+          <a:stretch>
+            <a:fillRect/>
+          </a:stretch>
+        </p:blipFill>
+        <p:spPr>
+          <a:xfrm>
+            <a:off x="4483899" y="25112556"/>
+            <a:ext cx="2619375" cy="952500"/>
+          </a:xfrm>
+          <a:prstGeom prst="rect">
+            <a:avLst/>
+          </a:prstGeom>
+        </p:spPr>
+      </p:pic>
+      <p:pic>
+        <p:nvPicPr>
+          <p:cNvPr id="62" name="図 61">
+            <a:extLst>
+              <a:ext uri="{FF2B5EF4-FFF2-40B4-BE49-F238E27FC236}">
+                <a16:creationId xmlns:a16="http://schemas.microsoft.com/office/drawing/2014/main" id="{634D6326-9D66-46BA-BF84-32731459C991}"/>
+              </a:ext>
+            </a:extLst>
+          </p:cNvPr>
+          <p:cNvPicPr>
+            <a:picLocks noChangeAspect="1"/>
+          </p:cNvPicPr>
+          <p:nvPr/>
+        </p:nvPicPr>
+        <p:blipFill>
+          <a:blip r:embed="rId8">
+            <a:extLst>
+              <a:ext uri="{28A0092B-C50C-407E-A947-70E740481C1C}">
+                <a14:useLocalDpi xmlns:a14="http://schemas.microsoft.com/office/drawing/2010/main" val="0"/>
+              </a:ext>
+            </a:extLst>
+          </a:blip>
+          <a:stretch>
+            <a:fillRect/>
+          </a:stretch>
+        </p:blipFill>
+        <p:spPr>
+          <a:xfrm>
+            <a:off x="4836093" y="26589098"/>
+            <a:ext cx="4534362" cy="1143642"/>
+          </a:xfrm>
+          <a:prstGeom prst="rect">
+            <a:avLst/>
+          </a:prstGeom>
+        </p:spPr>
+      </p:pic>
+      <p:pic>
+        <p:nvPicPr>
+          <p:cNvPr id="64" name="図 63">
+            <a:extLst>
+              <a:ext uri="{FF2B5EF4-FFF2-40B4-BE49-F238E27FC236}">
+                <a16:creationId xmlns:a16="http://schemas.microsoft.com/office/drawing/2014/main" id="{9E40A260-9689-46CA-882C-5B5A912E22B9}"/>
+              </a:ext>
+            </a:extLst>
+          </p:cNvPr>
+          <p:cNvPicPr>
+            <a:picLocks noChangeAspect="1"/>
+          </p:cNvPicPr>
+          <p:nvPr/>
+        </p:nvPicPr>
+        <p:blipFill>
+          <a:blip r:embed="rId9">
+            <a:extLst>
+              <a:ext uri="{28A0092B-C50C-407E-A947-70E740481C1C}">
+                <a14:useLocalDpi xmlns:a14="http://schemas.microsoft.com/office/drawing/2010/main" val="0"/>
+              </a:ext>
+            </a:extLst>
+          </a:blip>
+          <a:stretch>
+            <a:fillRect/>
+          </a:stretch>
+        </p:blipFill>
+        <p:spPr>
+          <a:xfrm>
+            <a:off x="533327" y="26648356"/>
+            <a:ext cx="3536461" cy="1580121"/>
+          </a:xfrm>
+          <a:prstGeom prst="rect">
+            <a:avLst/>
+          </a:prstGeom>
+        </p:spPr>
+      </p:pic>
+      <p:pic>
+        <p:nvPicPr>
+          <p:cNvPr id="66" name="図 65">
+            <a:extLst>
+              <a:ext uri="{FF2B5EF4-FFF2-40B4-BE49-F238E27FC236}">
+                <a16:creationId xmlns:a16="http://schemas.microsoft.com/office/drawing/2014/main" id="{510E4177-80EC-4945-B681-09BD6E0E9142}"/>
+              </a:ext>
+            </a:extLst>
+          </p:cNvPr>
+          <p:cNvPicPr>
+            <a:picLocks noChangeAspect="1"/>
+          </p:cNvPicPr>
+          <p:nvPr/>
+        </p:nvPicPr>
+        <p:blipFill>
+          <a:blip r:embed="rId10">
+            <a:extLst>
+              <a:ext uri="{28A0092B-C50C-407E-A947-70E740481C1C}">
+                <a14:useLocalDpi xmlns:a14="http://schemas.microsoft.com/office/drawing/2010/main" val="0"/>
+              </a:ext>
+            </a:extLst>
+          </a:blip>
+          <a:stretch>
+            <a:fillRect/>
+          </a:stretch>
+        </p:blipFill>
+        <p:spPr>
+          <a:xfrm>
+            <a:off x="1147099" y="25004371"/>
+            <a:ext cx="1246941" cy="1476067"/>
+          </a:xfrm>
+          <a:prstGeom prst="rect">
+            <a:avLst/>
+          </a:prstGeom>
+        </p:spPr>
+      </p:pic>
+      <p:grpSp>
+        <p:nvGrpSpPr>
+          <p:cNvPr id="75" name="グループ化 74">
+            <a:extLst>
+              <a:ext uri="{FF2B5EF4-FFF2-40B4-BE49-F238E27FC236}">
+                <a16:creationId xmlns:a16="http://schemas.microsoft.com/office/drawing/2014/main" id="{611073DB-0A16-4D1B-991B-AB251C5ACDA4}"/>
+              </a:ext>
+            </a:extLst>
+          </p:cNvPr>
+          <p:cNvGrpSpPr/>
+          <p:nvPr/>
+        </p:nvGrpSpPr>
+        <p:grpSpPr>
+          <a:xfrm>
+            <a:off x="3802149" y="28225400"/>
+            <a:ext cx="3574284" cy="1096825"/>
+            <a:chOff x="2486625" y="27595654"/>
+            <a:chExt cx="3574284" cy="1096825"/>
+          </a:xfrm>
+        </p:grpSpPr>
+        <p:pic>
+          <p:nvPicPr>
+            <p:cNvPr id="68" name="図 67">
+              <a:extLst>
+                <a:ext uri="{FF2B5EF4-FFF2-40B4-BE49-F238E27FC236}">
+                  <a16:creationId xmlns:a16="http://schemas.microsoft.com/office/drawing/2014/main" id="{D960D0F4-126F-48D1-97B3-6FE12DAE4F30}"/>
+                </a:ext>
+              </a:extLst>
+            </p:cNvPr>
+            <p:cNvPicPr>
+              <a:picLocks noChangeAspect="1"/>
+            </p:cNvPicPr>
+            <p:nvPr/>
+          </p:nvPicPr>
+          <p:blipFill>
+            <a:blip r:embed="rId11">
+              <a:extLst>
+                <a:ext uri="{28A0092B-C50C-407E-A947-70E740481C1C}">
+                  <a14:useLocalDpi xmlns:a14="http://schemas.microsoft.com/office/drawing/2010/main" val="0"/>
+                </a:ext>
+              </a:extLst>
+            </a:blip>
+            <a:stretch>
+              <a:fillRect/>
+            </a:stretch>
+          </p:blipFill>
+          <p:spPr>
+            <a:xfrm>
+              <a:off x="2486625" y="27654427"/>
+              <a:ext cx="923331" cy="923331"/>
+            </a:xfrm>
+            <a:prstGeom prst="rect">
+              <a:avLst/>
+            </a:prstGeom>
+          </p:spPr>
+        </p:pic>
+        <p:pic>
+          <p:nvPicPr>
+            <p:cNvPr id="70" name="図 69">
+              <a:extLst>
+                <a:ext uri="{FF2B5EF4-FFF2-40B4-BE49-F238E27FC236}">
+                  <a16:creationId xmlns:a16="http://schemas.microsoft.com/office/drawing/2014/main" id="{54A7606F-8F48-492D-A0A7-0D885E302D14}"/>
+                </a:ext>
+              </a:extLst>
+            </p:cNvPr>
+            <p:cNvPicPr>
+              <a:picLocks noChangeAspect="1"/>
+            </p:cNvPicPr>
+            <p:nvPr/>
+          </p:nvPicPr>
+          <p:blipFill>
+            <a:blip r:embed="rId12">
+              <a:extLst>
+                <a:ext uri="{28A0092B-C50C-407E-A947-70E740481C1C}">
+                  <a14:useLocalDpi xmlns:a14="http://schemas.microsoft.com/office/drawing/2010/main" val="0"/>
+                </a:ext>
+              </a:extLst>
+            </a:blip>
+            <a:stretch>
+              <a:fillRect/>
+            </a:stretch>
+          </p:blipFill>
+          <p:spPr>
+            <a:xfrm>
+              <a:off x="3385726" y="27595654"/>
+              <a:ext cx="2675183" cy="1096825"/>
+            </a:xfrm>
+            <a:prstGeom prst="rect">
+              <a:avLst/>
+            </a:prstGeom>
+          </p:spPr>
+        </p:pic>
+      </p:grpSp>
+      <p:sp>
+        <p:nvSpPr>
+          <p:cNvPr id="71" name="正方形/長方形 70">
+            <a:extLst>
+              <a:ext uri="{FF2B5EF4-FFF2-40B4-BE49-F238E27FC236}">
+                <a16:creationId xmlns:a16="http://schemas.microsoft.com/office/drawing/2014/main" id="{1EF9A6E4-9288-4849-8E8F-03F1FD1939F6}"/>
+              </a:ext>
+            </a:extLst>
+          </p:cNvPr>
+          <p:cNvSpPr/>
+          <p:nvPr/>
+        </p:nvSpPr>
+        <p:spPr>
+          <a:xfrm>
+            <a:off x="285484" y="24459516"/>
+            <a:ext cx="9979433" cy="5149100"/>
+          </a:xfrm>
+          <a:prstGeom prst="rect">
+            <a:avLst/>
+          </a:prstGeom>
+          <a:noFill/>
+        </p:spPr>
+        <p:style>
+          <a:lnRef idx="2">
+            <a:schemeClr val="accent1">
+              <a:shade val="50000"/>
+            </a:schemeClr>
+          </a:lnRef>
+          <a:fillRef idx="1">
+            <a:schemeClr val="accent1"/>
+          </a:fillRef>
+          <a:effectRef idx="0">
+            <a:schemeClr val="accent1"/>
+          </a:effectRef>
+          <a:fontRef idx="minor">
+            <a:schemeClr val="lt1"/>
+          </a:fontRef>
+        </p:style>
+        <p:txBody>
+          <a:bodyPr rtlCol="0" anchor="ctr"/>
+          <a:lstStyle/>
+          <a:p>
+            <a:pPr algn="ctr"/>
+            <a:endParaRPr kumimoji="1" lang="ja-JP" altLang="en-US" dirty="0"/>
+          </a:p>
+        </p:txBody>
+      </p:sp>
+      <p:sp>
+        <p:nvSpPr>
+          <p:cNvPr id="72" name="テキスト ボックス 71">
+            <a:extLst>
+              <a:ext uri="{FF2B5EF4-FFF2-40B4-BE49-F238E27FC236}">
+                <a16:creationId xmlns:a16="http://schemas.microsoft.com/office/drawing/2014/main" id="{7C28F1D9-DFF6-40F0-8931-2F4D2ABEB1AF}"/>
+              </a:ext>
+            </a:extLst>
+          </p:cNvPr>
+          <p:cNvSpPr txBox="1"/>
+          <p:nvPr/>
+        </p:nvSpPr>
+        <p:spPr>
+          <a:xfrm>
+            <a:off x="464525" y="24003058"/>
+            <a:ext cx="2983034" cy="923330"/>
+          </a:xfrm>
+          <a:prstGeom prst="rect">
+            <a:avLst/>
+          </a:prstGeom>
+          <a:solidFill>
+            <a:schemeClr val="bg1"/>
+          </a:solidFill>
+        </p:spPr>
+        <p:txBody>
+          <a:bodyPr wrap="square" rtlCol="0">
+            <a:spAutoFit/>
+          </a:bodyPr>
+          <a:lstStyle/>
+          <a:p>
+            <a:pPr algn="ctr"/>
+            <a:r>
+              <a:rPr kumimoji="1" lang="ja-JP" altLang="en-US" sz="5400" dirty="0">
+                <a:solidFill>
+                  <a:schemeClr val="accent1"/>
+                </a:solidFill>
+              </a:rPr>
+              <a:t>開発環境</a:t>
+            </a:r>
+          </a:p>
+        </p:txBody>
+      </p:sp>
+      <p:pic>
+        <p:nvPicPr>
+          <p:cNvPr id="74" name="図 73">
+            <a:extLst>
+              <a:ext uri="{FF2B5EF4-FFF2-40B4-BE49-F238E27FC236}">
+                <a16:creationId xmlns:a16="http://schemas.microsoft.com/office/drawing/2014/main" id="{501DEB4E-29BE-4C98-9A7C-25E2CA026E55}"/>
+              </a:ext>
+            </a:extLst>
+          </p:cNvPr>
+          <p:cNvPicPr>
+            <a:picLocks noChangeAspect="1"/>
+          </p:cNvPicPr>
+          <p:nvPr/>
+        </p:nvPicPr>
+        <p:blipFill>
+          <a:blip r:embed="rId13">
+            <a:extLst>
+              <a:ext uri="{28A0092B-C50C-407E-A947-70E740481C1C}">
+                <a14:useLocalDpi xmlns:a14="http://schemas.microsoft.com/office/drawing/2010/main" val="0"/>
+              </a:ext>
+            </a:extLst>
+          </a:blip>
+          <a:stretch>
+            <a:fillRect/>
+          </a:stretch>
+        </p:blipFill>
+        <p:spPr>
+          <a:xfrm>
+            <a:off x="7819760" y="25337046"/>
+            <a:ext cx="1849622" cy="952500"/>
+          </a:xfrm>
+          <a:prstGeom prst="rect">
+            <a:avLst/>
+          </a:prstGeom>
+        </p:spPr>
+      </p:pic>
+      <p:pic>
+        <p:nvPicPr>
+          <p:cNvPr id="77" name="図 76">
+            <a:extLst>
+              <a:ext uri="{FF2B5EF4-FFF2-40B4-BE49-F238E27FC236}">
+                <a16:creationId xmlns:a16="http://schemas.microsoft.com/office/drawing/2014/main" id="{0FC692CC-1E8F-453B-B7FC-79194F0361E9}"/>
+              </a:ext>
+            </a:extLst>
+          </p:cNvPr>
+          <p:cNvPicPr>
+            <a:picLocks noChangeAspect="1"/>
+          </p:cNvPicPr>
+          <p:nvPr/>
+        </p:nvPicPr>
+        <p:blipFill rotWithShape="1">
+          <a:blip r:embed="rId14">
+            <a:extLst>
+              <a:ext uri="{28A0092B-C50C-407E-A947-70E740481C1C}">
+                <a14:useLocalDpi xmlns:a14="http://schemas.microsoft.com/office/drawing/2010/main" val="0"/>
+              </a:ext>
+            </a:extLst>
+          </a:blip>
+          <a:srcRect l="4662" t="21219" r="51705" b="20720"/>
+          <a:stretch/>
+        </p:blipFill>
+        <p:spPr>
+          <a:xfrm>
+            <a:off x="469212" y="28579579"/>
+            <a:ext cx="2659844" cy="829558"/>
+          </a:xfrm>
+          <a:prstGeom prst="rect">
+            <a:avLst/>
+          </a:prstGeom>
+        </p:spPr>
+      </p:pic>
+      <p:pic>
+        <p:nvPicPr>
+          <p:cNvPr id="79" name="図 78" descr="物体 が含まれている画像&#10;&#10;高い精度で生成された説明">
+            <a:extLst>
+              <a:ext uri="{FF2B5EF4-FFF2-40B4-BE49-F238E27FC236}">
+                <a16:creationId xmlns:a16="http://schemas.microsoft.com/office/drawing/2014/main" id="{423FEBEC-AE3B-4F10-AB2C-2BA850F76F9F}"/>
+              </a:ext>
+            </a:extLst>
+          </p:cNvPr>
+          <p:cNvPicPr>
+            <a:picLocks noChangeAspect="1"/>
+          </p:cNvPicPr>
+          <p:nvPr/>
+        </p:nvPicPr>
+        <p:blipFill>
+          <a:blip r:embed="rId15">
+            <a:extLst>
+              <a:ext uri="{28A0092B-C50C-407E-A947-70E740481C1C}">
+                <a14:useLocalDpi xmlns:a14="http://schemas.microsoft.com/office/drawing/2010/main" val="0"/>
+              </a:ext>
+            </a:extLst>
+          </a:blip>
+          <a:stretch>
+            <a:fillRect/>
+          </a:stretch>
+        </p:blipFill>
+        <p:spPr>
+          <a:xfrm>
+            <a:off x="8004291" y="28058160"/>
+            <a:ext cx="2026466" cy="1350977"/>
+          </a:xfrm>
+          <a:prstGeom prst="rect">
+            <a:avLst/>
+          </a:prstGeom>
+        </p:spPr>
+      </p:pic>
     </p:spTree>
     <p:extLst>
       <p:ext uri="{BB962C8B-B14F-4D97-AF65-F5344CB8AC3E}">

--- a/poster/G14_ONO-Systems.pptx
+++ b/poster/G14_ONO-Systems.pptx
@@ -3493,7 +3493,7 @@
         <p:spPr>
           <a:xfrm>
             <a:off x="10937073" y="9484360"/>
-            <a:ext cx="9970326" cy="6781962"/>
+            <a:ext cx="9970326" cy="7084862"/>
           </a:xfrm>
           <a:prstGeom prst="rect">
             <a:avLst/>
@@ -3683,9 +3683,10 @@
           <a:lstStyle/>
           <a:p>
             <a:r>
-              <a:rPr kumimoji="1" lang="ja-JP" altLang="en-US" sz="8800" dirty="0"/>
-              <a:t>再配達減らしたい</a:t>
-            </a:r>
+              <a:rPr lang="ja-JP" altLang="en-US" sz="8800" dirty="0"/>
+              <a:t>配達支援システム</a:t>
+            </a:r>
+            <a:endParaRPr kumimoji="1" lang="ja-JP" altLang="en-US" sz="8800" dirty="0"/>
           </a:p>
         </p:txBody>
       </p:sp>
@@ -4325,7 +4326,7 @@
         <p:spPr>
           <a:xfrm>
             <a:off x="11185392" y="10013581"/>
-            <a:ext cx="9845808" cy="5632311"/>
+            <a:ext cx="9845808" cy="6555641"/>
           </a:xfrm>
           <a:prstGeom prst="rect">
             <a:avLst/>
@@ -4350,107 +4351,116 @@
           </a:p>
           <a:p>
             <a:pPr marL="1028700" lvl="1" indent="-571500">
+              <a:buFont typeface="Calibri" panose="020F0502020204030204" pitchFamily="34" charset="0"/>
+              <a:buChar char="◦"/>
+            </a:pPr>
+            <a:r>
+              <a:rPr kumimoji="1" lang="en-US" altLang="ja-JP" sz="4000" dirty="0"/>
+              <a:t>Android™</a:t>
+            </a:r>
+            <a:r>
+              <a:rPr kumimoji="1" lang="ja-JP" altLang="en-US" sz="4000" dirty="0"/>
+              <a:t> </a:t>
+            </a:r>
+            <a:r>
+              <a:rPr kumimoji="1" lang="en-US" altLang="ja-JP" sz="4000" dirty="0"/>
+              <a:t>SDK,</a:t>
+            </a:r>
+            <a:r>
+              <a:rPr kumimoji="1" lang="ja-JP" altLang="en-US" sz="4000" dirty="0"/>
+              <a:t> </a:t>
+            </a:r>
+            <a:r>
+              <a:rPr kumimoji="1" lang="en-US" altLang="ja-JP" sz="4000" dirty="0"/>
+              <a:t>Firebase Cloud Messaging</a:t>
+            </a:r>
+            <a:br>
+              <a:rPr kumimoji="1" lang="en-US" altLang="ja-JP" sz="4000" dirty="0"/>
+            </a:br>
+            <a:r>
+              <a:rPr kumimoji="1" lang="en-US" altLang="ja-JP" sz="4000" dirty="0"/>
+              <a:t>Amazon Web Service, Google Map API</a:t>
+            </a:r>
+          </a:p>
+          <a:p>
+            <a:pPr marL="571500" indent="-571500">
+              <a:lnSpc>
+                <a:spcPct val="150000"/>
+              </a:lnSpc>
               <a:buFont typeface="Arial" panose="020B0604020202020204" pitchFamily="34" charset="0"/>
               <a:buChar char="•"/>
             </a:pPr>
             <a:r>
               <a:rPr kumimoji="1" lang="en-US" altLang="ja-JP" sz="4000" dirty="0"/>
-              <a:t>Android™</a:t>
+              <a:t>GitHub</a:t>
             </a:r>
             <a:r>
               <a:rPr kumimoji="1" lang="ja-JP" altLang="en-US" sz="4000" dirty="0"/>
-              <a:t> </a:t>
-            </a:r>
+              <a:t>を用いた本格的なチーム開発</a:t>
+            </a:r>
+            <a:endParaRPr kumimoji="1" lang="en-US" altLang="ja-JP" sz="4000" dirty="0"/>
+          </a:p>
+          <a:p>
+            <a:pPr marL="1028700" lvl="1" indent="-571500">
+              <a:buFont typeface="Calibri" panose="020F0502020204030204" pitchFamily="34" charset="0"/>
+              <a:buChar char="◦"/>
+            </a:pPr>
             <a:r>
               <a:rPr kumimoji="1" lang="en-US" altLang="ja-JP" sz="4000" dirty="0"/>
-              <a:t>SDK,</a:t>
+              <a:t>branch</a:t>
             </a:r>
             <a:r>
               <a:rPr kumimoji="1" lang="ja-JP" altLang="en-US" sz="4000" dirty="0"/>
-              <a:t> </a:t>
+              <a:t>や</a:t>
             </a:r>
             <a:r>
               <a:rPr kumimoji="1" lang="en-US" altLang="ja-JP" sz="4000" dirty="0"/>
-              <a:t>Firebase Cloud Messaging</a:t>
-            </a:r>
-            <a:br>
-              <a:rPr kumimoji="1" lang="en-US" altLang="ja-JP" sz="4000" dirty="0"/>
-            </a:br>
-            <a:r>
-              <a:rPr kumimoji="1" lang="en-US" altLang="ja-JP" sz="4000" dirty="0"/>
-              <a:t>Amazon Web Service, Google Map API</a:t>
-            </a:r>
+              <a:t>pull request</a:t>
+            </a:r>
+            <a:r>
+              <a:rPr kumimoji="1" lang="ja-JP" altLang="en-US" sz="4000" dirty="0"/>
+              <a:t>などを活用</a:t>
+            </a:r>
+            <a:endParaRPr kumimoji="1" lang="en-US" altLang="ja-JP" sz="4000" dirty="0"/>
           </a:p>
           <a:p>
             <a:pPr marL="571500" indent="-571500">
+              <a:lnSpc>
+                <a:spcPct val="150000"/>
+              </a:lnSpc>
               <a:buFont typeface="Arial" panose="020B0604020202020204" pitchFamily="34" charset="0"/>
               <a:buChar char="•"/>
             </a:pPr>
             <a:r>
+              <a:rPr kumimoji="1" lang="ja-JP" altLang="en-US" sz="4000" dirty="0"/>
+              <a:t>コミュニケーションを取りやすい環境</a:t>
+            </a:r>
+            <a:endParaRPr kumimoji="1" lang="en-US" altLang="ja-JP" sz="4000" dirty="0"/>
+          </a:p>
+          <a:p>
+            <a:pPr marL="1028700" lvl="1" indent="-571500">
+              <a:buFont typeface="Calibri" panose="020F0502020204030204" pitchFamily="34" charset="0"/>
+              <a:buChar char="◦"/>
+            </a:pPr>
+            <a:r>
               <a:rPr kumimoji="1" lang="en-US" altLang="ja-JP" sz="4000" dirty="0"/>
-              <a:t>GitHub</a:t>
+              <a:t>slack</a:t>
             </a:r>
             <a:r>
               <a:rPr kumimoji="1" lang="ja-JP" altLang="en-US" sz="4000" dirty="0"/>
-              <a:t>を用いた本格的なチーム開発</a:t>
+              <a:t>のチャンネルや研究室の活用</a:t>
             </a:r>
             <a:endParaRPr kumimoji="1" lang="en-US" altLang="ja-JP" sz="4000" dirty="0"/>
           </a:p>
           <a:p>
-            <a:pPr marL="1028700" lvl="1" indent="-571500">
+            <a:pPr marL="571500" indent="-571500">
+              <a:lnSpc>
+                <a:spcPct val="150000"/>
+              </a:lnSpc>
               <a:buFont typeface="Arial" panose="020B0604020202020204" pitchFamily="34" charset="0"/>
               <a:buChar char="•"/>
             </a:pPr>
             <a:r>
-              <a:rPr kumimoji="1" lang="en-US" altLang="ja-JP" sz="4000" dirty="0"/>
-              <a:t>branch</a:t>
-            </a:r>
-            <a:r>
-              <a:rPr kumimoji="1" lang="ja-JP" altLang="en-US" sz="4000" dirty="0"/>
-              <a:t>や</a:t>
-            </a:r>
-            <a:r>
-              <a:rPr kumimoji="1" lang="en-US" altLang="ja-JP" sz="4000" dirty="0"/>
-              <a:t>pull request</a:t>
-            </a:r>
-            <a:r>
-              <a:rPr kumimoji="1" lang="ja-JP" altLang="en-US" sz="4000" dirty="0"/>
-              <a:t>などを活用</a:t>
-            </a:r>
-            <a:endParaRPr kumimoji="1" lang="en-US" altLang="ja-JP" sz="4000" dirty="0"/>
-          </a:p>
-          <a:p>
-            <a:pPr marL="571500" indent="-571500">
-              <a:buFont typeface="Arial" panose="020B0604020202020204" pitchFamily="34" charset="0"/>
-              <a:buChar char="•"/>
-            </a:pPr>
-            <a:r>
-              <a:rPr kumimoji="1" lang="ja-JP" altLang="en-US" sz="4000" dirty="0"/>
-              <a:t>コミュニケーションを取りやすい環境</a:t>
-            </a:r>
-            <a:endParaRPr kumimoji="1" lang="en-US" altLang="ja-JP" sz="4000" dirty="0"/>
-          </a:p>
-          <a:p>
-            <a:pPr marL="1028700" lvl="1" indent="-571500">
-              <a:buFont typeface="Arial" panose="020B0604020202020204" pitchFamily="34" charset="0"/>
-              <a:buChar char="•"/>
-            </a:pPr>
-            <a:r>
-              <a:rPr kumimoji="1" lang="en-US" altLang="ja-JP" sz="4000" dirty="0"/>
-              <a:t>slack</a:t>
-            </a:r>
-            <a:r>
-              <a:rPr kumimoji="1" lang="ja-JP" altLang="en-US" sz="4000" dirty="0"/>
-              <a:t>のチャンネルや研究室の活用</a:t>
-            </a:r>
-            <a:endParaRPr kumimoji="1" lang="en-US" altLang="ja-JP" sz="4000" dirty="0"/>
-          </a:p>
-          <a:p>
-            <a:pPr marL="571500" indent="-571500">
-              <a:buFont typeface="Arial" panose="020B0604020202020204" pitchFamily="34" charset="0"/>
-              <a:buChar char="•"/>
-            </a:pPr>
-            <a:r>
               <a:rPr kumimoji="1" lang="ja-JP" altLang="en-US" sz="4000" dirty="0"/>
               <a:t>日報でこまめに状況確認</a:t>
             </a:r>
@@ -4458,8 +4468,8 @@
           </a:p>
           <a:p>
             <a:pPr marL="1028700" lvl="1" indent="-571500">
-              <a:buFont typeface="Arial" panose="020B0604020202020204" pitchFamily="34" charset="0"/>
-              <a:buChar char="•"/>
+              <a:buFont typeface="Calibri" panose="020F0502020204030204" pitchFamily="34" charset="0"/>
+              <a:buChar char="◦"/>
             </a:pPr>
             <a:r>
               <a:rPr kumimoji="1" lang="ja-JP" altLang="en-US" sz="4000" dirty="0"/>
@@ -4573,12 +4583,341 @@
           </a:fontRef>
         </p:style>
       </p:cxnSp>
+      <p:sp>
+        <p:nvSpPr>
+          <p:cNvPr id="29" name="テキスト ボックス 28">
+            <a:extLst>
+              <a:ext uri="{FF2B5EF4-FFF2-40B4-BE49-F238E27FC236}">
+                <a16:creationId xmlns:a16="http://schemas.microsoft.com/office/drawing/2014/main" id="{3E94080E-6065-4E65-A260-118ADB03DA6D}"/>
+              </a:ext>
+            </a:extLst>
+          </p:cNvPr>
+          <p:cNvSpPr txBox="1"/>
+          <p:nvPr/>
+        </p:nvSpPr>
+        <p:spPr>
+          <a:xfrm>
+            <a:off x="-10527827" y="24459516"/>
+            <a:ext cx="2651736" cy="1754326"/>
+          </a:xfrm>
+          <a:prstGeom prst="rect">
+            <a:avLst/>
+          </a:prstGeom>
+          <a:noFill/>
+        </p:spPr>
+        <p:txBody>
+          <a:bodyPr wrap="square" rtlCol="0">
+            <a:spAutoFit/>
+          </a:bodyPr>
+          <a:lstStyle/>
+          <a:p>
+            <a:pPr marL="571500" indent="-571500">
+              <a:buFont typeface="Arial" panose="020B0604020202020204" pitchFamily="34" charset="0"/>
+              <a:buChar char="•"/>
+            </a:pPr>
+            <a:r>
+              <a:rPr kumimoji="1" lang="en-US" altLang="ja-JP" sz="3600" dirty="0"/>
+              <a:t>Java</a:t>
+            </a:r>
+          </a:p>
+          <a:p>
+            <a:pPr marL="571500" indent="-571500">
+              <a:buFont typeface="Arial" panose="020B0604020202020204" pitchFamily="34" charset="0"/>
+              <a:buChar char="•"/>
+            </a:pPr>
+            <a:r>
+              <a:rPr kumimoji="1" lang="en-US" altLang="ja-JP" sz="3600" dirty="0"/>
+              <a:t>AWS</a:t>
+            </a:r>
+          </a:p>
+          <a:p>
+            <a:pPr marL="571500" indent="-571500">
+              <a:buFont typeface="Arial" panose="020B0604020202020204" pitchFamily="34" charset="0"/>
+              <a:buChar char="•"/>
+            </a:pPr>
+            <a:r>
+              <a:rPr kumimoji="1" lang="en-US" altLang="ja-JP" sz="3600" dirty="0"/>
+              <a:t>Firebase</a:t>
+            </a:r>
+          </a:p>
+        </p:txBody>
+      </p:sp>
+      <p:sp>
+        <p:nvSpPr>
+          <p:cNvPr id="30" name="テキスト ボックス 29">
+            <a:extLst>
+              <a:ext uri="{FF2B5EF4-FFF2-40B4-BE49-F238E27FC236}">
+                <a16:creationId xmlns:a16="http://schemas.microsoft.com/office/drawing/2014/main" id="{4604B986-9BC9-46E2-8CFC-F96BB087B1AB}"/>
+              </a:ext>
+            </a:extLst>
+          </p:cNvPr>
+          <p:cNvSpPr txBox="1"/>
+          <p:nvPr/>
+        </p:nvSpPr>
+        <p:spPr>
+          <a:xfrm>
+            <a:off x="-7473942" y="24459516"/>
+            <a:ext cx="2651736" cy="1754326"/>
+          </a:xfrm>
+          <a:prstGeom prst="rect">
+            <a:avLst/>
+          </a:prstGeom>
+          <a:noFill/>
+        </p:spPr>
+        <p:txBody>
+          <a:bodyPr wrap="square" rtlCol="0">
+            <a:spAutoFit/>
+          </a:bodyPr>
+          <a:lstStyle/>
+          <a:p>
+            <a:pPr marL="571500" indent="-571500">
+              <a:buFont typeface="Arial" panose="020B0604020202020204" pitchFamily="34" charset="0"/>
+              <a:buChar char="•"/>
+            </a:pPr>
+            <a:r>
+              <a:rPr kumimoji="1" lang="en-US" altLang="ja-JP" sz="3600" dirty="0"/>
+              <a:t>Java</a:t>
+            </a:r>
+          </a:p>
+          <a:p>
+            <a:pPr marL="571500" indent="-571500">
+              <a:buFont typeface="Arial" panose="020B0604020202020204" pitchFamily="34" charset="0"/>
+              <a:buChar char="•"/>
+            </a:pPr>
+            <a:r>
+              <a:rPr kumimoji="1" lang="en-US" altLang="ja-JP" sz="3600" dirty="0"/>
+              <a:t>AWS</a:t>
+            </a:r>
+          </a:p>
+          <a:p>
+            <a:pPr marL="571500" indent="-571500">
+              <a:buFont typeface="Arial" panose="020B0604020202020204" pitchFamily="34" charset="0"/>
+              <a:buChar char="•"/>
+            </a:pPr>
+            <a:r>
+              <a:rPr kumimoji="1" lang="en-US" altLang="ja-JP" sz="3600" dirty="0"/>
+              <a:t>Firebase</a:t>
+            </a:r>
+          </a:p>
+        </p:txBody>
+      </p:sp>
+      <p:sp>
+        <p:nvSpPr>
+          <p:cNvPr id="31" name="テキスト ボックス 30">
+            <a:extLst>
+              <a:ext uri="{FF2B5EF4-FFF2-40B4-BE49-F238E27FC236}">
+                <a16:creationId xmlns:a16="http://schemas.microsoft.com/office/drawing/2014/main" id="{FEE276D4-A2EC-43FA-A7E1-296F1B2669FE}"/>
+              </a:ext>
+            </a:extLst>
+          </p:cNvPr>
+          <p:cNvSpPr txBox="1"/>
+          <p:nvPr/>
+        </p:nvSpPr>
+        <p:spPr>
+          <a:xfrm>
+            <a:off x="-4420056" y="24459727"/>
+            <a:ext cx="2651736" cy="1754326"/>
+          </a:xfrm>
+          <a:prstGeom prst="rect">
+            <a:avLst/>
+          </a:prstGeom>
+          <a:noFill/>
+        </p:spPr>
+        <p:txBody>
+          <a:bodyPr wrap="square" rtlCol="0">
+            <a:spAutoFit/>
+          </a:bodyPr>
+          <a:lstStyle/>
+          <a:p>
+            <a:pPr marL="571500" indent="-571500">
+              <a:buFont typeface="Arial" panose="020B0604020202020204" pitchFamily="34" charset="0"/>
+              <a:buChar char="•"/>
+            </a:pPr>
+            <a:r>
+              <a:rPr kumimoji="1" lang="en-US" altLang="ja-JP" sz="3600" dirty="0"/>
+              <a:t>Java</a:t>
+            </a:r>
+          </a:p>
+          <a:p>
+            <a:pPr marL="571500" indent="-571500">
+              <a:buFont typeface="Arial" panose="020B0604020202020204" pitchFamily="34" charset="0"/>
+              <a:buChar char="•"/>
+            </a:pPr>
+            <a:r>
+              <a:rPr kumimoji="1" lang="en-US" altLang="ja-JP" sz="3600" dirty="0"/>
+              <a:t>AWS</a:t>
+            </a:r>
+          </a:p>
+          <a:p>
+            <a:pPr marL="571500" indent="-571500">
+              <a:buFont typeface="Arial" panose="020B0604020202020204" pitchFamily="34" charset="0"/>
+              <a:buChar char="•"/>
+            </a:pPr>
+            <a:r>
+              <a:rPr kumimoji="1" lang="en-US" altLang="ja-JP" sz="3600" dirty="0"/>
+              <a:t>Firebase</a:t>
+            </a:r>
+          </a:p>
+        </p:txBody>
+      </p:sp>
+      <p:sp>
+        <p:nvSpPr>
+          <p:cNvPr id="7" name="正方形/長方形 6">
+            <a:extLst>
+              <a:ext uri="{FF2B5EF4-FFF2-40B4-BE49-F238E27FC236}">
+                <a16:creationId xmlns:a16="http://schemas.microsoft.com/office/drawing/2014/main" id="{706FB619-B736-40A8-A129-3FC823FB363E}"/>
+              </a:ext>
+            </a:extLst>
+          </p:cNvPr>
+          <p:cNvSpPr/>
+          <p:nvPr/>
+        </p:nvSpPr>
+        <p:spPr>
+          <a:xfrm>
+            <a:off x="403284" y="7723054"/>
+            <a:ext cx="9721996" cy="2185214"/>
+          </a:xfrm>
+          <a:prstGeom prst="rect">
+            <a:avLst/>
+          </a:prstGeom>
+        </p:spPr>
+        <p:txBody>
+          <a:bodyPr wrap="square">
+            <a:spAutoFit/>
+          </a:bodyPr>
+          <a:lstStyle/>
+          <a:p>
+            <a:pPr lvl="0"/>
+            <a:r>
+              <a:rPr kumimoji="1" lang="ja-JP" altLang="en-US" sz="4800" dirty="0">
+                <a:solidFill>
+                  <a:schemeClr val="accent1"/>
+                </a:solidFill>
+              </a:rPr>
+              <a:t>解決策</a:t>
+            </a:r>
+            <a:r>
+              <a:rPr kumimoji="1" lang="en-US" altLang="ja-JP" sz="4800" dirty="0">
+                <a:solidFill>
+                  <a:prstClr val="black"/>
+                </a:solidFill>
+              </a:rPr>
+              <a:t>:</a:t>
+            </a:r>
+            <a:endParaRPr kumimoji="1" lang="en-US" altLang="ja-JP" sz="4000" dirty="0"/>
+          </a:p>
+          <a:p>
+            <a:pPr marL="1028700" lvl="1" indent="-571500">
+              <a:buFont typeface="Arial" panose="020B0604020202020204" pitchFamily="34" charset="0"/>
+              <a:buChar char="•"/>
+            </a:pPr>
+            <a:r>
+              <a:rPr kumimoji="1" lang="ja-JP" altLang="en-US" sz="4000" dirty="0"/>
+              <a:t> </a:t>
+            </a:r>
+            <a:r>
+              <a:rPr kumimoji="1" lang="ja-JP" altLang="en-US" sz="4400" dirty="0"/>
+              <a:t>受領者に</a:t>
+            </a:r>
+            <a:r>
+              <a:rPr kumimoji="1" lang="ja-JP" altLang="en-US" sz="4400" b="1" dirty="0">
+                <a:solidFill>
+                  <a:schemeClr val="accent1"/>
+                </a:solidFill>
+              </a:rPr>
+              <a:t>配達物の接近を通知</a:t>
+            </a:r>
+            <a:endParaRPr kumimoji="1" lang="en-US" altLang="ja-JP" sz="3600" dirty="0"/>
+          </a:p>
+          <a:p>
+            <a:pPr marL="1028700" lvl="1" indent="-571500">
+              <a:buFont typeface="Arial" panose="020B0604020202020204" pitchFamily="34" charset="0"/>
+              <a:buChar char="•"/>
+            </a:pPr>
+            <a:r>
+              <a:rPr kumimoji="1" lang="ja-JP" altLang="en-US" sz="4400" dirty="0"/>
+              <a:t> 配達員に</a:t>
+            </a:r>
+            <a:r>
+              <a:rPr kumimoji="1" lang="ja-JP" altLang="en-US" sz="4400" b="1" dirty="0">
+                <a:solidFill>
+                  <a:schemeClr val="accent1"/>
+                </a:solidFill>
+              </a:rPr>
+              <a:t>受領可否を即座に通知</a:t>
+            </a:r>
+          </a:p>
+        </p:txBody>
+      </p:sp>
+      <p:sp>
+        <p:nvSpPr>
+          <p:cNvPr id="17" name="テキスト ボックス 16">
+            <a:extLst>
+              <a:ext uri="{FF2B5EF4-FFF2-40B4-BE49-F238E27FC236}">
+                <a16:creationId xmlns:a16="http://schemas.microsoft.com/office/drawing/2014/main" id="{F286BC00-A08D-44DD-B20C-D1AF1F3401B4}"/>
+              </a:ext>
+            </a:extLst>
+          </p:cNvPr>
+          <p:cNvSpPr txBox="1"/>
+          <p:nvPr/>
+        </p:nvSpPr>
+        <p:spPr>
+          <a:xfrm>
+            <a:off x="536126" y="3692648"/>
+            <a:ext cx="9729867" cy="1508105"/>
+          </a:xfrm>
+          <a:prstGeom prst="rect">
+            <a:avLst/>
+          </a:prstGeom>
+          <a:noFill/>
+        </p:spPr>
+        <p:txBody>
+          <a:bodyPr wrap="square" rtlCol="0">
+            <a:spAutoFit/>
+          </a:bodyPr>
+          <a:lstStyle/>
+          <a:p>
+            <a:r>
+              <a:rPr kumimoji="1" lang="ja-JP" altLang="en-US" sz="4800" dirty="0">
+                <a:solidFill>
+                  <a:schemeClr val="accent1"/>
+                </a:solidFill>
+              </a:rPr>
+              <a:t>課題</a:t>
+            </a:r>
+            <a:r>
+              <a:rPr kumimoji="1" lang="en-US" altLang="ja-JP" sz="4800" dirty="0"/>
+              <a:t>: </a:t>
+            </a:r>
+            <a:r>
+              <a:rPr kumimoji="1" lang="ja-JP" altLang="en-US" sz="4800" dirty="0"/>
+              <a:t>配達にかかるコストの増加</a:t>
+            </a:r>
+            <a:endParaRPr kumimoji="1" lang="en-US" altLang="ja-JP" sz="4800" dirty="0"/>
+          </a:p>
+          <a:p>
+            <a:pPr lvl="1"/>
+            <a:r>
+              <a:rPr kumimoji="1" lang="ja-JP" altLang="en-US" sz="4400" b="1" dirty="0"/>
+              <a:t>⇒</a:t>
+            </a:r>
+            <a:r>
+              <a:rPr kumimoji="1" lang="ja-JP" altLang="en-US" sz="4400" b="1" dirty="0">
+                <a:solidFill>
+                  <a:srgbClr val="FF0000"/>
+                </a:solidFill>
+              </a:rPr>
+              <a:t> 再配達の増加</a:t>
+            </a:r>
+          </a:p>
+        </p:txBody>
+      </p:sp>
       <p:pic>
         <p:nvPicPr>
-          <p:cNvPr id="9" name="図 8">
+          <p:cNvPr id="19" name="図 18">
             <a:extLst>
               <a:ext uri="{FF2B5EF4-FFF2-40B4-BE49-F238E27FC236}">
-                <a16:creationId xmlns:a16="http://schemas.microsoft.com/office/drawing/2014/main" id="{C6CE4C05-4A37-4916-85B9-B1941F9715C4}"/>
+                <a16:creationId xmlns:a16="http://schemas.microsoft.com/office/drawing/2014/main" id="{28088AC7-DE5C-4E2E-A62D-2F97324ED979}"/>
               </a:ext>
             </a:extLst>
           </p:cNvPr>
@@ -4601,20 +4940,105 @@
         </p:blipFill>
         <p:spPr>
           <a:xfrm>
-            <a:off x="639818" y="11304325"/>
-            <a:ext cx="9626176" cy="12473487"/>
+            <a:off x="8832059" y="4223939"/>
+            <a:ext cx="1674395" cy="1964101"/>
           </a:xfrm>
           <a:prstGeom prst="rect">
             <a:avLst/>
           </a:prstGeom>
         </p:spPr>
       </p:pic>
-      <p:sp>
-        <p:nvSpPr>
-          <p:cNvPr id="29" name="テキスト ボックス 28">
+      <p:cxnSp>
+        <p:nvCxnSpPr>
+          <p:cNvPr id="37" name="直線コネクタ 36">
             <a:extLst>
               <a:ext uri="{FF2B5EF4-FFF2-40B4-BE49-F238E27FC236}">
-                <a16:creationId xmlns:a16="http://schemas.microsoft.com/office/drawing/2014/main" id="{3E94080E-6065-4E65-A260-118ADB03DA6D}"/>
+                <a16:creationId xmlns:a16="http://schemas.microsoft.com/office/drawing/2014/main" id="{09EDE457-2717-4B6C-9439-543C2F1E0B46}"/>
+              </a:ext>
+            </a:extLst>
+          </p:cNvPr>
+          <p:cNvCxnSpPr>
+            <a:cxnSpLocks/>
+          </p:cNvCxnSpPr>
+          <p:nvPr/>
+        </p:nvCxnSpPr>
+        <p:spPr>
+          <a:xfrm>
+            <a:off x="10620374" y="3048000"/>
+            <a:ext cx="0" cy="26832232"/>
+          </a:xfrm>
+          <a:prstGeom prst="line">
+            <a:avLst/>
+          </a:prstGeom>
+        </p:spPr>
+        <p:style>
+          <a:lnRef idx="1">
+            <a:schemeClr val="accent1"/>
+          </a:lnRef>
+          <a:fillRef idx="0">
+            <a:schemeClr val="accent1"/>
+          </a:fillRef>
+          <a:effectRef idx="0">
+            <a:schemeClr val="accent1"/>
+          </a:effectRef>
+          <a:fontRef idx="minor">
+            <a:schemeClr val="tx1"/>
+          </a:fontRef>
+        </p:style>
+      </p:cxnSp>
+      <p:sp>
+        <p:nvSpPr>
+          <p:cNvPr id="47" name="正方形/長方形 46">
+            <a:extLst>
+              <a:ext uri="{FF2B5EF4-FFF2-40B4-BE49-F238E27FC236}">
+                <a16:creationId xmlns:a16="http://schemas.microsoft.com/office/drawing/2014/main" id="{F67DBF8D-5877-4560-B278-AB0ECF6E79EF}"/>
+              </a:ext>
+            </a:extLst>
+          </p:cNvPr>
+          <p:cNvSpPr/>
+          <p:nvPr/>
+        </p:nvSpPr>
+        <p:spPr>
+          <a:xfrm>
+            <a:off x="10937073" y="3197572"/>
+            <a:ext cx="9970327" cy="5744848"/>
+          </a:xfrm>
+          <a:prstGeom prst="rect">
+            <a:avLst/>
+          </a:prstGeom>
+          <a:noFill/>
+        </p:spPr>
+        <p:style>
+          <a:lnRef idx="2">
+            <a:schemeClr val="accent1">
+              <a:shade val="50000"/>
+            </a:schemeClr>
+          </a:lnRef>
+          <a:fillRef idx="1">
+            <a:schemeClr val="accent1"/>
+          </a:fillRef>
+          <a:effectRef idx="0">
+            <a:schemeClr val="accent1"/>
+          </a:effectRef>
+          <a:fontRef idx="minor">
+            <a:schemeClr val="lt1"/>
+          </a:fontRef>
+        </p:style>
+        <p:txBody>
+          <a:bodyPr rtlCol="0" anchor="ctr"/>
+          <a:lstStyle/>
+          <a:p>
+            <a:pPr algn="ctr"/>
+            <a:endParaRPr kumimoji="1" lang="ja-JP" altLang="en-US"/>
+          </a:p>
+        </p:txBody>
+      </p:sp>
+      <p:sp>
+        <p:nvSpPr>
+          <p:cNvPr id="49" name="テキスト ボックス 48">
+            <a:extLst>
+              <a:ext uri="{FF2B5EF4-FFF2-40B4-BE49-F238E27FC236}">
+                <a16:creationId xmlns:a16="http://schemas.microsoft.com/office/drawing/2014/main" id="{6851B4AF-2AEC-431A-9684-E65E074965DD}"/>
               </a:ext>
             </a:extLst>
           </p:cNvPr>
@@ -4623,8 +5047,8 @@
         </p:nvSpPr>
         <p:spPr>
           <a:xfrm>
-            <a:off x="-10527827" y="24459516"/>
-            <a:ext cx="2651736" cy="1754326"/>
+            <a:off x="11222021" y="3822428"/>
+            <a:ext cx="9225602" cy="4955203"/>
           </a:xfrm>
           <a:prstGeom prst="rect">
             <a:avLst/>
@@ -4632,7 +5056,7 @@
           <a:noFill/>
         </p:spPr>
         <p:txBody>
-          <a:bodyPr wrap="square" rtlCol="0">
+          <a:bodyPr wrap="none" rtlCol="0">
             <a:spAutoFit/>
           </a:bodyPr>
           <a:lstStyle/>
@@ -4642,9 +5066,21 @@
               <a:buChar char="•"/>
             </a:pPr>
             <a:r>
-              <a:rPr kumimoji="1" lang="en-US" altLang="ja-JP" sz="3600" dirty="0"/>
-              <a:t>Java</a:t>
-            </a:r>
+              <a:rPr kumimoji="1" lang="ja-JP" altLang="en-US" sz="4400" dirty="0"/>
+              <a:t>配達物の一覧表示機能</a:t>
+            </a:r>
+            <a:endParaRPr kumimoji="1" lang="en-US" altLang="ja-JP" sz="4400" dirty="0"/>
+          </a:p>
+          <a:p>
+            <a:pPr marL="1028700" lvl="1" indent="-571500">
+              <a:buFont typeface="游ゴシック" panose="020B0400000000000000" pitchFamily="50" charset="-128"/>
+              <a:buChar char="￮"/>
+            </a:pPr>
+            <a:r>
+              <a:rPr kumimoji="1" lang="ja-JP" altLang="en-US" sz="3600" dirty="0"/>
+              <a:t>変更があったものだけ強調表示</a:t>
+            </a:r>
+            <a:endParaRPr kumimoji="1" lang="en-US" altLang="ja-JP" sz="3600" dirty="0"/>
           </a:p>
           <a:p>
             <a:pPr marL="571500" indent="-571500">
@@ -4652,9 +5088,21 @@
               <a:buChar char="•"/>
             </a:pPr>
             <a:r>
-              <a:rPr kumimoji="1" lang="en-US" altLang="ja-JP" sz="3600" dirty="0"/>
-              <a:t>AWS</a:t>
-            </a:r>
+              <a:rPr kumimoji="1" lang="ja-JP" altLang="en-US" sz="4400" dirty="0"/>
+              <a:t>配達物の接近を通知</a:t>
+            </a:r>
+            <a:endParaRPr kumimoji="1" lang="en-US" altLang="ja-JP" sz="4400" dirty="0"/>
+          </a:p>
+          <a:p>
+            <a:pPr marL="1028700" lvl="1" indent="-571500">
+              <a:buFont typeface="游ゴシック" panose="020B0400000000000000" pitchFamily="50" charset="-128"/>
+              <a:buChar char="￮"/>
+            </a:pPr>
+            <a:r>
+              <a:rPr kumimoji="1" lang="ja-JP" altLang="en-US" sz="3600" dirty="0"/>
+              <a:t>配達日時を正確に把握</a:t>
+            </a:r>
+            <a:endParaRPr kumimoji="1" lang="en-US" altLang="ja-JP" sz="3600" dirty="0"/>
           </a:p>
           <a:p>
             <a:pPr marL="571500" indent="-571500">
@@ -4662,18 +5110,107 @@
               <a:buChar char="•"/>
             </a:pPr>
             <a:r>
-              <a:rPr kumimoji="1" lang="en-US" altLang="ja-JP" sz="3600" dirty="0"/>
-              <a:t>Firebase</a:t>
-            </a:r>
-          </a:p>
-        </p:txBody>
-      </p:sp>
-      <p:sp>
-        <p:nvSpPr>
-          <p:cNvPr id="30" name="テキスト ボックス 29">
+              <a:rPr kumimoji="1" lang="ja-JP" altLang="en-US" sz="4400" dirty="0"/>
+              <a:t>受領可否や配達日時の変更を通知</a:t>
+            </a:r>
+            <a:endParaRPr kumimoji="1" lang="en-US" altLang="ja-JP" sz="4400" dirty="0"/>
+          </a:p>
+          <a:p>
+            <a:pPr marL="1028700" lvl="1" indent="-571500">
+              <a:buFont typeface="游ゴシック" panose="020B0400000000000000" pitchFamily="50" charset="-128"/>
+              <a:buChar char="￮"/>
+            </a:pPr>
+            <a:r>
+              <a:rPr kumimoji="1" lang="ja-JP" altLang="en-US" sz="3600" dirty="0"/>
+              <a:t>音声読み上げ</a:t>
+            </a:r>
+            <a:endParaRPr kumimoji="1" lang="en-US" altLang="ja-JP" sz="3600" dirty="0"/>
+          </a:p>
+          <a:p>
+            <a:pPr marL="571500" indent="-571500">
+              <a:buFont typeface="Arial" panose="020B0604020202020204" pitchFamily="34" charset="0"/>
+              <a:buChar char="•"/>
+            </a:pPr>
+            <a:r>
+              <a:rPr kumimoji="1" lang="ja-JP" altLang="en-US" sz="4000" dirty="0"/>
+              <a:t>配達先の地図表示</a:t>
+            </a:r>
+            <a:endParaRPr kumimoji="1" lang="en-US" altLang="ja-JP" sz="4000" dirty="0"/>
+          </a:p>
+          <a:p>
+            <a:pPr marL="1028700" lvl="1" indent="-571500">
+              <a:buFont typeface="游ゴシック" panose="020B0400000000000000" pitchFamily="50" charset="-128"/>
+              <a:buChar char="￮"/>
+            </a:pPr>
+            <a:r>
+              <a:rPr kumimoji="1" lang="ja-JP" altLang="en-US" sz="3600" dirty="0">
+                <a:solidFill>
+                  <a:prstClr val="black"/>
+                </a:solidFill>
+              </a:rPr>
+              <a:t>地図上で配達可否を確認</a:t>
+            </a:r>
+            <a:endParaRPr kumimoji="1" lang="en-US" altLang="ja-JP" sz="3600" dirty="0">
+              <a:solidFill>
+                <a:prstClr val="black"/>
+              </a:solidFill>
+            </a:endParaRPr>
+          </a:p>
+        </p:txBody>
+      </p:sp>
+      <p:sp>
+        <p:nvSpPr>
+          <p:cNvPr id="51" name="正方形/長方形 50">
             <a:extLst>
               <a:ext uri="{FF2B5EF4-FFF2-40B4-BE49-F238E27FC236}">
-                <a16:creationId xmlns:a16="http://schemas.microsoft.com/office/drawing/2014/main" id="{4604B986-9BC9-46E2-8CFC-F96BB087B1AB}"/>
+                <a16:creationId xmlns:a16="http://schemas.microsoft.com/office/drawing/2014/main" id="{E8E73240-48DA-4760-B42E-6A1C3C7BCC0A}"/>
+              </a:ext>
+            </a:extLst>
+          </p:cNvPr>
+          <p:cNvSpPr/>
+          <p:nvPr/>
+        </p:nvSpPr>
+        <p:spPr>
+          <a:xfrm>
+            <a:off x="10912739" y="17068822"/>
+            <a:ext cx="9944963" cy="6828023"/>
+          </a:xfrm>
+          <a:prstGeom prst="rect">
+            <a:avLst/>
+          </a:prstGeom>
+          <a:noFill/>
+        </p:spPr>
+        <p:style>
+          <a:lnRef idx="2">
+            <a:schemeClr val="accent1">
+              <a:shade val="50000"/>
+            </a:schemeClr>
+          </a:lnRef>
+          <a:fillRef idx="1">
+            <a:schemeClr val="accent1"/>
+          </a:fillRef>
+          <a:effectRef idx="0">
+            <a:schemeClr val="accent1"/>
+          </a:effectRef>
+          <a:fontRef idx="minor">
+            <a:schemeClr val="lt1"/>
+          </a:fontRef>
+        </p:style>
+        <p:txBody>
+          <a:bodyPr rtlCol="0" anchor="ctr"/>
+          <a:lstStyle/>
+          <a:p>
+            <a:pPr algn="ctr"/>
+            <a:endParaRPr kumimoji="1" lang="ja-JP" altLang="en-US"/>
+          </a:p>
+        </p:txBody>
+      </p:sp>
+      <p:sp>
+        <p:nvSpPr>
+          <p:cNvPr id="52" name="テキスト ボックス 51">
+            <a:extLst>
+              <a:ext uri="{FF2B5EF4-FFF2-40B4-BE49-F238E27FC236}">
+                <a16:creationId xmlns:a16="http://schemas.microsoft.com/office/drawing/2014/main" id="{81E3F316-6524-4686-8AEC-D557215242A9}"/>
               </a:ext>
             </a:extLst>
           </p:cNvPr>
@@ -4682,13 +5219,15 @@
         </p:nvSpPr>
         <p:spPr>
           <a:xfrm>
-            <a:off x="-7473942" y="24459516"/>
-            <a:ext cx="2651736" cy="1754326"/>
+            <a:off x="11176279" y="16750301"/>
+            <a:ext cx="4425666" cy="923330"/>
           </a:xfrm>
           <a:prstGeom prst="rect">
             <a:avLst/>
           </a:prstGeom>
-          <a:noFill/>
+          <a:solidFill>
+            <a:schemeClr val="bg1"/>
+          </a:solidFill>
         </p:spPr>
         <p:txBody>
           <a:bodyPr wrap="square" rtlCol="0">
@@ -4696,43 +5235,24 @@
           </a:bodyPr>
           <a:lstStyle/>
           <a:p>
-            <a:pPr marL="571500" indent="-571500">
-              <a:buFont typeface="Arial" panose="020B0604020202020204" pitchFamily="34" charset="0"/>
-              <a:buChar char="•"/>
-            </a:pPr>
-            <a:r>
-              <a:rPr kumimoji="1" lang="en-US" altLang="ja-JP" sz="3600" dirty="0"/>
-              <a:t>Java</a:t>
-            </a:r>
-          </a:p>
-          <a:p>
-            <a:pPr marL="571500" indent="-571500">
-              <a:buFont typeface="Arial" panose="020B0604020202020204" pitchFamily="34" charset="0"/>
-              <a:buChar char="•"/>
-            </a:pPr>
-            <a:r>
-              <a:rPr kumimoji="1" lang="en-US" altLang="ja-JP" sz="3600" dirty="0"/>
-              <a:t>AWS</a:t>
-            </a:r>
-          </a:p>
-          <a:p>
-            <a:pPr marL="571500" indent="-571500">
-              <a:buFont typeface="Arial" panose="020B0604020202020204" pitchFamily="34" charset="0"/>
-              <a:buChar char="•"/>
-            </a:pPr>
-            <a:r>
-              <a:rPr kumimoji="1" lang="en-US" altLang="ja-JP" sz="3600" dirty="0"/>
-              <a:t>Firebase</a:t>
-            </a:r>
-          </a:p>
-        </p:txBody>
-      </p:sp>
-      <p:sp>
-        <p:nvSpPr>
-          <p:cNvPr id="31" name="テキスト ボックス 30">
+            <a:pPr algn="ctr"/>
+            <a:r>
+              <a:rPr kumimoji="1" lang="ja-JP" altLang="en-US" sz="5400" dirty="0">
+                <a:solidFill>
+                  <a:schemeClr val="accent1"/>
+                </a:solidFill>
+              </a:rPr>
+              <a:t>コストと効果</a:t>
+            </a:r>
+          </a:p>
+        </p:txBody>
+      </p:sp>
+      <p:sp>
+        <p:nvSpPr>
+          <p:cNvPr id="53" name="テキスト ボックス 52">
             <a:extLst>
               <a:ext uri="{FF2B5EF4-FFF2-40B4-BE49-F238E27FC236}">
-                <a16:creationId xmlns:a16="http://schemas.microsoft.com/office/drawing/2014/main" id="{FEE276D4-A2EC-43FA-A7E1-296F1B2669FE}"/>
+                <a16:creationId xmlns:a16="http://schemas.microsoft.com/office/drawing/2014/main" id="{23FA4401-3AE4-4141-9CF9-56281A4C0D68}"/>
               </a:ext>
             </a:extLst>
           </p:cNvPr>
@@ -4741,13 +5261,15 @@
         </p:nvSpPr>
         <p:spPr>
           <a:xfrm>
-            <a:off x="-4420056" y="24459727"/>
-            <a:ext cx="2651736" cy="1754326"/>
+            <a:off x="809117" y="2771305"/>
+            <a:ext cx="3612123" cy="923330"/>
           </a:xfrm>
           <a:prstGeom prst="rect">
             <a:avLst/>
           </a:prstGeom>
-          <a:noFill/>
+          <a:solidFill>
+            <a:schemeClr val="bg1"/>
+          </a:solidFill>
         </p:spPr>
         <p:txBody>
           <a:bodyPr wrap="square" rtlCol="0">
@@ -4755,132 +5277,24 @@
           </a:bodyPr>
           <a:lstStyle/>
           <a:p>
-            <a:pPr marL="571500" indent="-571500">
-              <a:buFont typeface="Arial" panose="020B0604020202020204" pitchFamily="34" charset="0"/>
-              <a:buChar char="•"/>
-            </a:pPr>
-            <a:r>
-              <a:rPr kumimoji="1" lang="en-US" altLang="ja-JP" sz="3600" dirty="0"/>
-              <a:t>Java</a:t>
-            </a:r>
-          </a:p>
-          <a:p>
-            <a:pPr marL="571500" indent="-571500">
-              <a:buFont typeface="Arial" panose="020B0604020202020204" pitchFamily="34" charset="0"/>
-              <a:buChar char="•"/>
-            </a:pPr>
-            <a:r>
-              <a:rPr kumimoji="1" lang="en-US" altLang="ja-JP" sz="3600" dirty="0"/>
-              <a:t>AWS</a:t>
-            </a:r>
-          </a:p>
-          <a:p>
-            <a:pPr marL="571500" indent="-571500">
-              <a:buFont typeface="Arial" panose="020B0604020202020204" pitchFamily="34" charset="0"/>
-              <a:buChar char="•"/>
-            </a:pPr>
-            <a:r>
-              <a:rPr kumimoji="1" lang="en-US" altLang="ja-JP" sz="3600" dirty="0"/>
-              <a:t>Firebase</a:t>
-            </a:r>
-          </a:p>
-        </p:txBody>
-      </p:sp>
-      <p:sp>
-        <p:nvSpPr>
-          <p:cNvPr id="7" name="正方形/長方形 6">
-            <a:extLst>
-              <a:ext uri="{FF2B5EF4-FFF2-40B4-BE49-F238E27FC236}">
-                <a16:creationId xmlns:a16="http://schemas.microsoft.com/office/drawing/2014/main" id="{706FB619-B736-40A8-A129-3FC823FB363E}"/>
-              </a:ext>
-            </a:extLst>
-          </p:cNvPr>
-          <p:cNvSpPr/>
-          <p:nvPr/>
-        </p:nvSpPr>
-        <p:spPr>
-          <a:xfrm>
-            <a:off x="403284" y="7723054"/>
-            <a:ext cx="9721996" cy="2185214"/>
-          </a:xfrm>
-          <a:prstGeom prst="rect">
-            <a:avLst/>
-          </a:prstGeom>
-        </p:spPr>
-        <p:txBody>
-          <a:bodyPr wrap="square">
-            <a:spAutoFit/>
-          </a:bodyPr>
-          <a:lstStyle/>
-          <a:p>
-            <a:pPr lvl="0"/>
-            <a:r>
-              <a:rPr kumimoji="1" lang="ja-JP" altLang="en-US" sz="4800" dirty="0">
+            <a:pPr algn="ctr"/>
+            <a:r>
+              <a:rPr kumimoji="1" lang="ja-JP" altLang="en-US" sz="5400" dirty="0">
                 <a:solidFill>
                   <a:schemeClr val="accent1"/>
                 </a:solidFill>
               </a:rPr>
-              <a:t>解決策</a:t>
-            </a:r>
-            <a:r>
-              <a:rPr kumimoji="1" lang="en-US" altLang="ja-JP" sz="4800" dirty="0">
-                <a:solidFill>
-                  <a:prstClr val="black"/>
-                </a:solidFill>
-              </a:rPr>
-              <a:t>:</a:t>
-            </a:r>
-            <a:endParaRPr kumimoji="1" lang="en-US" altLang="ja-JP" sz="4000" dirty="0"/>
-          </a:p>
-          <a:p>
-            <a:pPr marL="1028700" lvl="1" indent="-571500">
-              <a:buFont typeface="Arial" panose="020B0604020202020204" pitchFamily="34" charset="0"/>
-              <a:buChar char="•"/>
-            </a:pPr>
-            <a:r>
-              <a:rPr kumimoji="1" lang="ja-JP" altLang="en-US" sz="4000" dirty="0"/>
-              <a:t> </a:t>
-            </a:r>
-            <a:r>
-              <a:rPr kumimoji="1" lang="ja-JP" altLang="en-US" sz="4400" dirty="0"/>
-              <a:t>受領者に</a:t>
-            </a:r>
-            <a:r>
-              <a:rPr kumimoji="1" lang="ja-JP" altLang="en-US" sz="4400" b="1" dirty="0">
-                <a:solidFill>
-                  <a:schemeClr val="accent1"/>
-                </a:solidFill>
-              </a:rPr>
-              <a:t>配達物の接近を通知</a:t>
-            </a:r>
-            <a:endParaRPr kumimoji="1" lang="en-US" altLang="ja-JP" sz="3600" dirty="0"/>
-          </a:p>
-          <a:p>
-            <a:pPr marL="1028700" lvl="1" indent="-571500">
-              <a:buFont typeface="Arial" panose="020B0604020202020204" pitchFamily="34" charset="0"/>
-              <a:buChar char="•"/>
-            </a:pPr>
-            <a:r>
-              <a:rPr kumimoji="1" lang="ja-JP" altLang="en-US" sz="4400" dirty="0"/>
-              <a:t> 配達員に</a:t>
-            </a:r>
-            <a:r>
-              <a:rPr kumimoji="1" lang="ja-JP" altLang="en-US" sz="4400" b="1" dirty="0">
-                <a:solidFill>
-                  <a:schemeClr val="accent1"/>
-                </a:solidFill>
-              </a:rPr>
-              <a:t>受領可否を即座に通知</a:t>
-            </a:r>
-          </a:p>
-        </p:txBody>
-      </p:sp>
-      <p:sp>
-        <p:nvSpPr>
-          <p:cNvPr id="17" name="テキスト ボックス 16">
+              <a:t>開発の背景</a:t>
+            </a:r>
+          </a:p>
+        </p:txBody>
+      </p:sp>
+      <p:sp>
+        <p:nvSpPr>
+          <p:cNvPr id="54" name="テキスト ボックス 53">
             <a:extLst>
               <a:ext uri="{FF2B5EF4-FFF2-40B4-BE49-F238E27FC236}">
-                <a16:creationId xmlns:a16="http://schemas.microsoft.com/office/drawing/2014/main" id="{F286BC00-A08D-44DD-B20C-D1AF1F3401B4}"/>
+                <a16:creationId xmlns:a16="http://schemas.microsoft.com/office/drawing/2014/main" id="{D4022876-48DB-47E8-AF2C-F92D5BEEDA80}"/>
               </a:ext>
             </a:extLst>
           </p:cNvPr>
@@ -4889,13 +5303,15 @@
         </p:nvSpPr>
         <p:spPr>
           <a:xfrm>
-            <a:off x="536126" y="3692648"/>
-            <a:ext cx="9729867" cy="1508105"/>
+            <a:off x="11248233" y="2771305"/>
+            <a:ext cx="2940744" cy="923330"/>
           </a:xfrm>
           <a:prstGeom prst="rect">
             <a:avLst/>
           </a:prstGeom>
-          <a:noFill/>
+          <a:solidFill>
+            <a:schemeClr val="bg1"/>
+          </a:solidFill>
         </p:spPr>
         <p:txBody>
           <a:bodyPr wrap="square" rtlCol="0">
@@ -4903,47 +5319,24 @@
           </a:bodyPr>
           <a:lstStyle/>
           <a:p>
-            <a:r>
-              <a:rPr kumimoji="1" lang="ja-JP" altLang="en-US" sz="4800" dirty="0">
+            <a:pPr algn="ctr"/>
+            <a:r>
+              <a:rPr kumimoji="1" lang="ja-JP" altLang="en-US" sz="5400" dirty="0">
                 <a:solidFill>
                   <a:schemeClr val="accent1"/>
                 </a:solidFill>
               </a:rPr>
-              <a:t>課題</a:t>
-            </a:r>
-            <a:r>
-              <a:rPr kumimoji="1" lang="en-US" altLang="ja-JP" sz="4800" dirty="0"/>
-              <a:t>: </a:t>
-            </a:r>
-            <a:r>
-              <a:rPr kumimoji="1" lang="ja-JP" altLang="en-US" sz="4800" dirty="0"/>
-              <a:t>配達にかかるコストの増加</a:t>
-            </a:r>
-            <a:endParaRPr kumimoji="1" lang="en-US" altLang="ja-JP" sz="4800" dirty="0"/>
-          </a:p>
-          <a:p>
-            <a:pPr lvl="1"/>
-            <a:r>
-              <a:rPr kumimoji="1" lang="ja-JP" altLang="en-US" sz="4400" b="1" dirty="0"/>
-              <a:t>⇒</a:t>
-            </a:r>
-            <a:r>
-              <a:rPr kumimoji="1" lang="ja-JP" altLang="en-US" sz="4400" b="1" dirty="0">
-                <a:solidFill>
-                  <a:srgbClr val="FF0000"/>
-                </a:solidFill>
-              </a:rPr>
-              <a:t> 再配達の増加</a:t>
+              <a:t>主要機能</a:t>
             </a:r>
           </a:p>
         </p:txBody>
       </p:sp>
       <p:pic>
         <p:nvPicPr>
-          <p:cNvPr id="19" name="図 18">
+          <p:cNvPr id="58" name="図 57">
             <a:extLst>
               <a:ext uri="{FF2B5EF4-FFF2-40B4-BE49-F238E27FC236}">
-                <a16:creationId xmlns:a16="http://schemas.microsoft.com/office/drawing/2014/main" id="{28088AC7-DE5C-4E2E-A62D-2F97324ED979}"/>
+                <a16:creationId xmlns:a16="http://schemas.microsoft.com/office/drawing/2014/main" id="{19207AF4-EA4E-40D3-842D-333BDF98358B}"/>
               </a:ext>
             </a:extLst>
           </p:cNvPr>
@@ -4966,403 +5359,20 @@
         </p:blipFill>
         <p:spPr>
           <a:xfrm>
-            <a:off x="8832059" y="4223939"/>
-            <a:ext cx="1674395" cy="1964101"/>
+            <a:off x="2889777" y="25046993"/>
+            <a:ext cx="1051856" cy="1421427"/>
           </a:xfrm>
           <a:prstGeom prst="rect">
             <a:avLst/>
           </a:prstGeom>
         </p:spPr>
       </p:pic>
-      <p:cxnSp>
-        <p:nvCxnSpPr>
-          <p:cNvPr id="37" name="直線コネクタ 36">
+      <p:pic>
+        <p:nvPicPr>
+          <p:cNvPr id="60" name="図 59">
             <a:extLst>
               <a:ext uri="{FF2B5EF4-FFF2-40B4-BE49-F238E27FC236}">
-                <a16:creationId xmlns:a16="http://schemas.microsoft.com/office/drawing/2014/main" id="{09EDE457-2717-4B6C-9439-543C2F1E0B46}"/>
-              </a:ext>
-            </a:extLst>
-          </p:cNvPr>
-          <p:cNvCxnSpPr>
-            <a:cxnSpLocks/>
-          </p:cNvCxnSpPr>
-          <p:nvPr/>
-        </p:nvCxnSpPr>
-        <p:spPr>
-          <a:xfrm>
-            <a:off x="10620374" y="3048000"/>
-            <a:ext cx="0" cy="26832232"/>
-          </a:xfrm>
-          <a:prstGeom prst="line">
-            <a:avLst/>
-          </a:prstGeom>
-        </p:spPr>
-        <p:style>
-          <a:lnRef idx="1">
-            <a:schemeClr val="accent1"/>
-          </a:lnRef>
-          <a:fillRef idx="0">
-            <a:schemeClr val="accent1"/>
-          </a:fillRef>
-          <a:effectRef idx="0">
-            <a:schemeClr val="accent1"/>
-          </a:effectRef>
-          <a:fontRef idx="minor">
-            <a:schemeClr val="tx1"/>
-          </a:fontRef>
-        </p:style>
-      </p:cxnSp>
-      <p:sp>
-        <p:nvSpPr>
-          <p:cNvPr id="47" name="正方形/長方形 46">
-            <a:extLst>
-              <a:ext uri="{FF2B5EF4-FFF2-40B4-BE49-F238E27FC236}">
-                <a16:creationId xmlns:a16="http://schemas.microsoft.com/office/drawing/2014/main" id="{F67DBF8D-5877-4560-B278-AB0ECF6E79EF}"/>
-              </a:ext>
-            </a:extLst>
-          </p:cNvPr>
-          <p:cNvSpPr/>
-          <p:nvPr/>
-        </p:nvSpPr>
-        <p:spPr>
-          <a:xfrm>
-            <a:off x="10937073" y="3197572"/>
-            <a:ext cx="9970327" cy="5744848"/>
-          </a:xfrm>
-          <a:prstGeom prst="rect">
-            <a:avLst/>
-          </a:prstGeom>
-          <a:noFill/>
-        </p:spPr>
-        <p:style>
-          <a:lnRef idx="2">
-            <a:schemeClr val="accent1">
-              <a:shade val="50000"/>
-            </a:schemeClr>
-          </a:lnRef>
-          <a:fillRef idx="1">
-            <a:schemeClr val="accent1"/>
-          </a:fillRef>
-          <a:effectRef idx="0">
-            <a:schemeClr val="accent1"/>
-          </a:effectRef>
-          <a:fontRef idx="minor">
-            <a:schemeClr val="lt1"/>
-          </a:fontRef>
-        </p:style>
-        <p:txBody>
-          <a:bodyPr rtlCol="0" anchor="ctr"/>
-          <a:lstStyle/>
-          <a:p>
-            <a:pPr algn="ctr"/>
-            <a:endParaRPr kumimoji="1" lang="ja-JP" altLang="en-US"/>
-          </a:p>
-        </p:txBody>
-      </p:sp>
-      <p:sp>
-        <p:nvSpPr>
-          <p:cNvPr id="49" name="テキスト ボックス 48">
-            <a:extLst>
-              <a:ext uri="{FF2B5EF4-FFF2-40B4-BE49-F238E27FC236}">
-                <a16:creationId xmlns:a16="http://schemas.microsoft.com/office/drawing/2014/main" id="{6851B4AF-2AEC-431A-9684-E65E074965DD}"/>
-              </a:ext>
-            </a:extLst>
-          </p:cNvPr>
-          <p:cNvSpPr txBox="1"/>
-          <p:nvPr/>
-        </p:nvSpPr>
-        <p:spPr>
-          <a:xfrm>
-            <a:off x="11222021" y="3822428"/>
-            <a:ext cx="9225602" cy="4955203"/>
-          </a:xfrm>
-          <a:prstGeom prst="rect">
-            <a:avLst/>
-          </a:prstGeom>
-          <a:noFill/>
-        </p:spPr>
-        <p:txBody>
-          <a:bodyPr wrap="none" rtlCol="0">
-            <a:spAutoFit/>
-          </a:bodyPr>
-          <a:lstStyle/>
-          <a:p>
-            <a:pPr marL="571500" indent="-571500">
-              <a:buFont typeface="Arial" panose="020B0604020202020204" pitchFamily="34" charset="0"/>
-              <a:buChar char="•"/>
-            </a:pPr>
-            <a:r>
-              <a:rPr kumimoji="1" lang="ja-JP" altLang="en-US" sz="4400" dirty="0"/>
-              <a:t>配達物の一覧表示機能</a:t>
-            </a:r>
-            <a:endParaRPr kumimoji="1" lang="en-US" altLang="ja-JP" sz="4400" dirty="0"/>
-          </a:p>
-          <a:p>
-            <a:pPr marL="1028700" lvl="1" indent="-571500">
-              <a:buFont typeface="游ゴシック" panose="020B0400000000000000" pitchFamily="50" charset="-128"/>
-              <a:buChar char="￮"/>
-            </a:pPr>
-            <a:r>
-              <a:rPr kumimoji="1" lang="ja-JP" altLang="en-US" sz="3600" dirty="0"/>
-              <a:t>変更があったものだけ強調表示</a:t>
-            </a:r>
-            <a:endParaRPr kumimoji="1" lang="en-US" altLang="ja-JP" sz="3600" dirty="0"/>
-          </a:p>
-          <a:p>
-            <a:pPr marL="571500" indent="-571500">
-              <a:buFont typeface="Arial" panose="020B0604020202020204" pitchFamily="34" charset="0"/>
-              <a:buChar char="•"/>
-            </a:pPr>
-            <a:r>
-              <a:rPr kumimoji="1" lang="ja-JP" altLang="en-US" sz="4400" dirty="0"/>
-              <a:t>配達物の接近を通知</a:t>
-            </a:r>
-            <a:endParaRPr kumimoji="1" lang="en-US" altLang="ja-JP" sz="4400" dirty="0"/>
-          </a:p>
-          <a:p>
-            <a:pPr marL="1028700" lvl="1" indent="-571500">
-              <a:buFont typeface="游ゴシック" panose="020B0400000000000000" pitchFamily="50" charset="-128"/>
-              <a:buChar char="￮"/>
-            </a:pPr>
-            <a:r>
-              <a:rPr kumimoji="1" lang="ja-JP" altLang="en-US" sz="3600" dirty="0"/>
-              <a:t>配達日時を正確に把握</a:t>
-            </a:r>
-            <a:endParaRPr kumimoji="1" lang="en-US" altLang="ja-JP" sz="3600" dirty="0"/>
-          </a:p>
-          <a:p>
-            <a:pPr marL="571500" indent="-571500">
-              <a:buFont typeface="Arial" panose="020B0604020202020204" pitchFamily="34" charset="0"/>
-              <a:buChar char="•"/>
-            </a:pPr>
-            <a:r>
-              <a:rPr kumimoji="1" lang="ja-JP" altLang="en-US" sz="4400" dirty="0"/>
-              <a:t>受領可否や配達日時の変更を通知</a:t>
-            </a:r>
-            <a:endParaRPr kumimoji="1" lang="en-US" altLang="ja-JP" sz="4400" dirty="0"/>
-          </a:p>
-          <a:p>
-            <a:pPr marL="1028700" lvl="1" indent="-571500">
-              <a:buFont typeface="游ゴシック" panose="020B0400000000000000" pitchFamily="50" charset="-128"/>
-              <a:buChar char="￮"/>
-            </a:pPr>
-            <a:r>
-              <a:rPr kumimoji="1" lang="ja-JP" altLang="en-US" sz="3600" dirty="0"/>
-              <a:t>音声読み上げ</a:t>
-            </a:r>
-            <a:endParaRPr kumimoji="1" lang="en-US" altLang="ja-JP" sz="3600" dirty="0"/>
-          </a:p>
-          <a:p>
-            <a:pPr marL="571500" indent="-571500">
-              <a:buFont typeface="Arial" panose="020B0604020202020204" pitchFamily="34" charset="0"/>
-              <a:buChar char="•"/>
-            </a:pPr>
-            <a:r>
-              <a:rPr kumimoji="1" lang="ja-JP" altLang="en-US" sz="4000" dirty="0"/>
-              <a:t>配達先の地図表示</a:t>
-            </a:r>
-            <a:endParaRPr kumimoji="1" lang="en-US" altLang="ja-JP" sz="4000" dirty="0"/>
-          </a:p>
-          <a:p>
-            <a:pPr marL="1028700" lvl="1" indent="-571500">
-              <a:buFont typeface="游ゴシック" panose="020B0400000000000000" pitchFamily="50" charset="-128"/>
-              <a:buChar char="￮"/>
-            </a:pPr>
-            <a:r>
-              <a:rPr kumimoji="1" lang="ja-JP" altLang="en-US" sz="3600" dirty="0">
-                <a:solidFill>
-                  <a:prstClr val="black"/>
-                </a:solidFill>
-              </a:rPr>
-              <a:t>地図上で配達可否を確認</a:t>
-            </a:r>
-            <a:endParaRPr kumimoji="1" lang="en-US" altLang="ja-JP" sz="3600" dirty="0">
-              <a:solidFill>
-                <a:prstClr val="black"/>
-              </a:solidFill>
-            </a:endParaRPr>
-          </a:p>
-        </p:txBody>
-      </p:sp>
-      <p:sp>
-        <p:nvSpPr>
-          <p:cNvPr id="51" name="正方形/長方形 50">
-            <a:extLst>
-              <a:ext uri="{FF2B5EF4-FFF2-40B4-BE49-F238E27FC236}">
-                <a16:creationId xmlns:a16="http://schemas.microsoft.com/office/drawing/2014/main" id="{E8E73240-48DA-4760-B42E-6A1C3C7BCC0A}"/>
-              </a:ext>
-            </a:extLst>
-          </p:cNvPr>
-          <p:cNvSpPr/>
-          <p:nvPr/>
-        </p:nvSpPr>
-        <p:spPr>
-          <a:xfrm>
-            <a:off x="10962430" y="16877592"/>
-            <a:ext cx="9944963" cy="7061593"/>
-          </a:xfrm>
-          <a:prstGeom prst="rect">
-            <a:avLst/>
-          </a:prstGeom>
-          <a:noFill/>
-        </p:spPr>
-        <p:style>
-          <a:lnRef idx="2">
-            <a:schemeClr val="accent1">
-              <a:shade val="50000"/>
-            </a:schemeClr>
-          </a:lnRef>
-          <a:fillRef idx="1">
-            <a:schemeClr val="accent1"/>
-          </a:fillRef>
-          <a:effectRef idx="0">
-            <a:schemeClr val="accent1"/>
-          </a:effectRef>
-          <a:fontRef idx="minor">
-            <a:schemeClr val="lt1"/>
-          </a:fontRef>
-        </p:style>
-        <p:txBody>
-          <a:bodyPr rtlCol="0" anchor="ctr"/>
-          <a:lstStyle/>
-          <a:p>
-            <a:pPr algn="ctr"/>
-            <a:endParaRPr kumimoji="1" lang="ja-JP" altLang="en-US"/>
-          </a:p>
-        </p:txBody>
-      </p:sp>
-      <p:sp>
-        <p:nvSpPr>
-          <p:cNvPr id="52" name="テキスト ボックス 51">
-            <a:extLst>
-              <a:ext uri="{FF2B5EF4-FFF2-40B4-BE49-F238E27FC236}">
-                <a16:creationId xmlns:a16="http://schemas.microsoft.com/office/drawing/2014/main" id="{81E3F316-6524-4686-8AEC-D557215242A9}"/>
-              </a:ext>
-            </a:extLst>
-          </p:cNvPr>
-          <p:cNvSpPr txBox="1"/>
-          <p:nvPr/>
-        </p:nvSpPr>
-        <p:spPr>
-          <a:xfrm>
-            <a:off x="11176280" y="16484097"/>
-            <a:ext cx="4425666" cy="923330"/>
-          </a:xfrm>
-          <a:prstGeom prst="rect">
-            <a:avLst/>
-          </a:prstGeom>
-          <a:solidFill>
-            <a:schemeClr val="bg1"/>
-          </a:solidFill>
-        </p:spPr>
-        <p:txBody>
-          <a:bodyPr wrap="square" rtlCol="0">
-            <a:spAutoFit/>
-          </a:bodyPr>
-          <a:lstStyle/>
-          <a:p>
-            <a:pPr algn="ctr"/>
-            <a:r>
-              <a:rPr kumimoji="1" lang="ja-JP" altLang="en-US" sz="5400" dirty="0">
-                <a:solidFill>
-                  <a:schemeClr val="accent1"/>
-                </a:solidFill>
-              </a:rPr>
-              <a:t>コストと効果</a:t>
-            </a:r>
-          </a:p>
-        </p:txBody>
-      </p:sp>
-      <p:sp>
-        <p:nvSpPr>
-          <p:cNvPr id="53" name="テキスト ボックス 52">
-            <a:extLst>
-              <a:ext uri="{FF2B5EF4-FFF2-40B4-BE49-F238E27FC236}">
-                <a16:creationId xmlns:a16="http://schemas.microsoft.com/office/drawing/2014/main" id="{23FA4401-3AE4-4141-9CF9-56281A4C0D68}"/>
-              </a:ext>
-            </a:extLst>
-          </p:cNvPr>
-          <p:cNvSpPr txBox="1"/>
-          <p:nvPr/>
-        </p:nvSpPr>
-        <p:spPr>
-          <a:xfrm>
-            <a:off x="809117" y="2771305"/>
-            <a:ext cx="3612123" cy="923330"/>
-          </a:xfrm>
-          <a:prstGeom prst="rect">
-            <a:avLst/>
-          </a:prstGeom>
-          <a:solidFill>
-            <a:schemeClr val="bg1"/>
-          </a:solidFill>
-        </p:spPr>
-        <p:txBody>
-          <a:bodyPr wrap="square" rtlCol="0">
-            <a:spAutoFit/>
-          </a:bodyPr>
-          <a:lstStyle/>
-          <a:p>
-            <a:pPr algn="ctr"/>
-            <a:r>
-              <a:rPr kumimoji="1" lang="ja-JP" altLang="en-US" sz="5400" dirty="0">
-                <a:solidFill>
-                  <a:schemeClr val="accent1"/>
-                </a:solidFill>
-              </a:rPr>
-              <a:t>開発の背景</a:t>
-            </a:r>
-          </a:p>
-        </p:txBody>
-      </p:sp>
-      <p:sp>
-        <p:nvSpPr>
-          <p:cNvPr id="54" name="テキスト ボックス 53">
-            <a:extLst>
-              <a:ext uri="{FF2B5EF4-FFF2-40B4-BE49-F238E27FC236}">
-                <a16:creationId xmlns:a16="http://schemas.microsoft.com/office/drawing/2014/main" id="{D4022876-48DB-47E8-AF2C-F92D5BEEDA80}"/>
-              </a:ext>
-            </a:extLst>
-          </p:cNvPr>
-          <p:cNvSpPr txBox="1"/>
-          <p:nvPr/>
-        </p:nvSpPr>
-        <p:spPr>
-          <a:xfrm>
-            <a:off x="11248233" y="2771305"/>
-            <a:ext cx="2940744" cy="923330"/>
-          </a:xfrm>
-          <a:prstGeom prst="rect">
-            <a:avLst/>
-          </a:prstGeom>
-          <a:solidFill>
-            <a:schemeClr val="bg1"/>
-          </a:solidFill>
-        </p:spPr>
-        <p:txBody>
-          <a:bodyPr wrap="square" rtlCol="0">
-            <a:spAutoFit/>
-          </a:bodyPr>
-          <a:lstStyle/>
-          <a:p>
-            <a:pPr algn="ctr"/>
-            <a:r>
-              <a:rPr kumimoji="1" lang="ja-JP" altLang="en-US" sz="5400" dirty="0">
-                <a:solidFill>
-                  <a:schemeClr val="accent1"/>
-                </a:solidFill>
-              </a:rPr>
-              <a:t>主要機能</a:t>
-            </a:r>
-          </a:p>
-        </p:txBody>
-      </p:sp>
-      <p:pic>
-        <p:nvPicPr>
-          <p:cNvPr id="58" name="図 57">
-            <a:extLst>
-              <a:ext uri="{FF2B5EF4-FFF2-40B4-BE49-F238E27FC236}">
-                <a16:creationId xmlns:a16="http://schemas.microsoft.com/office/drawing/2014/main" id="{19207AF4-EA4E-40D3-842D-333BDF98358B}"/>
+                <a16:creationId xmlns:a16="http://schemas.microsoft.com/office/drawing/2014/main" id="{3A3A65EB-94F5-4A04-AC9B-95F8CB1652A8}"/>
               </a:ext>
             </a:extLst>
           </p:cNvPr>
@@ -5385,8 +5395,8 @@
         </p:blipFill>
         <p:spPr>
           <a:xfrm>
-            <a:off x="2889777" y="25046993"/>
-            <a:ext cx="1051856" cy="1421427"/>
+            <a:off x="4483899" y="25112556"/>
+            <a:ext cx="2619375" cy="952500"/>
           </a:xfrm>
           <a:prstGeom prst="rect">
             <a:avLst/>
@@ -5395,10 +5405,10 @@
       </p:pic>
       <p:pic>
         <p:nvPicPr>
-          <p:cNvPr id="60" name="図 59">
+          <p:cNvPr id="62" name="図 61">
             <a:extLst>
               <a:ext uri="{FF2B5EF4-FFF2-40B4-BE49-F238E27FC236}">
-                <a16:creationId xmlns:a16="http://schemas.microsoft.com/office/drawing/2014/main" id="{3A3A65EB-94F5-4A04-AC9B-95F8CB1652A8}"/>
+                <a16:creationId xmlns:a16="http://schemas.microsoft.com/office/drawing/2014/main" id="{634D6326-9D66-46BA-BF84-32731459C991}"/>
               </a:ext>
             </a:extLst>
           </p:cNvPr>
@@ -5421,8 +5431,8 @@
         </p:blipFill>
         <p:spPr>
           <a:xfrm>
-            <a:off x="4483899" y="25112556"/>
-            <a:ext cx="2619375" cy="952500"/>
+            <a:off x="4836093" y="26589098"/>
+            <a:ext cx="4534362" cy="1143642"/>
           </a:xfrm>
           <a:prstGeom prst="rect">
             <a:avLst/>
@@ -5431,10 +5441,10 @@
       </p:pic>
       <p:pic>
         <p:nvPicPr>
-          <p:cNvPr id="62" name="図 61">
+          <p:cNvPr id="64" name="図 63">
             <a:extLst>
               <a:ext uri="{FF2B5EF4-FFF2-40B4-BE49-F238E27FC236}">
-                <a16:creationId xmlns:a16="http://schemas.microsoft.com/office/drawing/2014/main" id="{634D6326-9D66-46BA-BF84-32731459C991}"/>
+                <a16:creationId xmlns:a16="http://schemas.microsoft.com/office/drawing/2014/main" id="{9E40A260-9689-46CA-882C-5B5A912E22B9}"/>
               </a:ext>
             </a:extLst>
           </p:cNvPr>
@@ -5457,8 +5467,8 @@
         </p:blipFill>
         <p:spPr>
           <a:xfrm>
-            <a:off x="4836093" y="26589098"/>
-            <a:ext cx="4534362" cy="1143642"/>
+            <a:off x="533327" y="26648356"/>
+            <a:ext cx="3536461" cy="1580121"/>
           </a:xfrm>
           <a:prstGeom prst="rect">
             <a:avLst/>
@@ -5467,10 +5477,10 @@
       </p:pic>
       <p:pic>
         <p:nvPicPr>
-          <p:cNvPr id="64" name="図 63">
+          <p:cNvPr id="66" name="図 65">
             <a:extLst>
               <a:ext uri="{FF2B5EF4-FFF2-40B4-BE49-F238E27FC236}">
-                <a16:creationId xmlns:a16="http://schemas.microsoft.com/office/drawing/2014/main" id="{9E40A260-9689-46CA-882C-5B5A912E22B9}"/>
+                <a16:creationId xmlns:a16="http://schemas.microsoft.com/office/drawing/2014/main" id="{510E4177-80EC-4945-B681-09BD6E0E9142}"/>
               </a:ext>
             </a:extLst>
           </p:cNvPr>
@@ -5493,42 +5503,6 @@
         </p:blipFill>
         <p:spPr>
           <a:xfrm>
-            <a:off x="533327" y="26648356"/>
-            <a:ext cx="3536461" cy="1580121"/>
-          </a:xfrm>
-          <a:prstGeom prst="rect">
-            <a:avLst/>
-          </a:prstGeom>
-        </p:spPr>
-      </p:pic>
-      <p:pic>
-        <p:nvPicPr>
-          <p:cNvPr id="66" name="図 65">
-            <a:extLst>
-              <a:ext uri="{FF2B5EF4-FFF2-40B4-BE49-F238E27FC236}">
-                <a16:creationId xmlns:a16="http://schemas.microsoft.com/office/drawing/2014/main" id="{510E4177-80EC-4945-B681-09BD6E0E9142}"/>
-              </a:ext>
-            </a:extLst>
-          </p:cNvPr>
-          <p:cNvPicPr>
-            <a:picLocks noChangeAspect="1"/>
-          </p:cNvPicPr>
-          <p:nvPr/>
-        </p:nvPicPr>
-        <p:blipFill>
-          <a:blip r:embed="rId10">
-            <a:extLst>
-              <a:ext uri="{28A0092B-C50C-407E-A947-70E740481C1C}">
-                <a14:useLocalDpi xmlns:a14="http://schemas.microsoft.com/office/drawing/2010/main" val="0"/>
-              </a:ext>
-            </a:extLst>
-          </a:blip>
-          <a:stretch>
-            <a:fillRect/>
-          </a:stretch>
-        </p:blipFill>
-        <p:spPr>
-          <a:xfrm>
             <a:off x="1147099" y="25004371"/>
             <a:ext cx="1246941" cy="1476067"/>
           </a:xfrm>
@@ -5572,7 +5546,7 @@
             <p:nvPr/>
           </p:nvPicPr>
           <p:blipFill>
-            <a:blip r:embed="rId11">
+            <a:blip r:embed="rId10">
               <a:extLst>
                 <a:ext uri="{28A0092B-C50C-407E-A947-70E740481C1C}">
                   <a14:useLocalDpi xmlns:a14="http://schemas.microsoft.com/office/drawing/2010/main" val="0"/>
@@ -5608,7 +5582,7 @@
             <p:nvPr/>
           </p:nvPicPr>
           <p:blipFill>
-            <a:blip r:embed="rId12">
+            <a:blip r:embed="rId11">
               <a:extLst>
                 <a:ext uri="{28A0092B-C50C-407E-A947-70E740481C1C}">
                   <a14:useLocalDpi xmlns:a14="http://schemas.microsoft.com/office/drawing/2010/main" val="0"/>
@@ -5734,7 +5708,7 @@
           <p:nvPr/>
         </p:nvPicPr>
         <p:blipFill>
-          <a:blip r:embed="rId13">
+          <a:blip r:embed="rId12">
             <a:extLst>
               <a:ext uri="{28A0092B-C50C-407E-A947-70E740481C1C}">
                 <a14:useLocalDpi xmlns:a14="http://schemas.microsoft.com/office/drawing/2010/main" val="0"/>
@@ -5770,7 +5744,7 @@
           <p:nvPr/>
         </p:nvPicPr>
         <p:blipFill rotWithShape="1">
-          <a:blip r:embed="rId14">
+          <a:blip r:embed="rId13">
             <a:extLst>
               <a:ext uri="{28A0092B-C50C-407E-A947-70E740481C1C}">
                 <a14:useLocalDpi xmlns:a14="http://schemas.microsoft.com/office/drawing/2010/main" val="0"/>
@@ -5796,6 +5770,42 @@
             <a:extLst>
               <a:ext uri="{FF2B5EF4-FFF2-40B4-BE49-F238E27FC236}">
                 <a16:creationId xmlns:a16="http://schemas.microsoft.com/office/drawing/2014/main" id="{423FEBEC-AE3B-4F10-AB2C-2BA850F76F9F}"/>
+              </a:ext>
+            </a:extLst>
+          </p:cNvPr>
+          <p:cNvPicPr>
+            <a:picLocks noChangeAspect="1"/>
+          </p:cNvPicPr>
+          <p:nvPr/>
+        </p:nvPicPr>
+        <p:blipFill>
+          <a:blip r:embed="rId14">
+            <a:extLst>
+              <a:ext uri="{28A0092B-C50C-407E-A947-70E740481C1C}">
+                <a14:useLocalDpi xmlns:a14="http://schemas.microsoft.com/office/drawing/2010/main" val="0"/>
+              </a:ext>
+            </a:extLst>
+          </a:blip>
+          <a:stretch>
+            <a:fillRect/>
+          </a:stretch>
+        </p:blipFill>
+        <p:spPr>
+          <a:xfrm>
+            <a:off x="8004291" y="28058160"/>
+            <a:ext cx="2026466" cy="1350977"/>
+          </a:xfrm>
+          <a:prstGeom prst="rect">
+            <a:avLst/>
+          </a:prstGeom>
+        </p:spPr>
+      </p:pic>
+      <p:pic>
+        <p:nvPicPr>
+          <p:cNvPr id="12" name="図 11">
+            <a:extLst>
+              <a:ext uri="{FF2B5EF4-FFF2-40B4-BE49-F238E27FC236}">
+                <a16:creationId xmlns:a16="http://schemas.microsoft.com/office/drawing/2014/main" id="{EB005F26-881D-48DB-812F-02D75001CEBA}"/>
               </a:ext>
             </a:extLst>
           </p:cNvPr>
@@ -5818,14 +5828,1224 @@
         </p:blipFill>
         <p:spPr>
           <a:xfrm>
-            <a:off x="8004291" y="28058160"/>
-            <a:ext cx="2026466" cy="1350977"/>
+            <a:off x="443173" y="11330607"/>
+            <a:ext cx="9726382" cy="12603334"/>
           </a:xfrm>
           <a:prstGeom prst="rect">
             <a:avLst/>
           </a:prstGeom>
         </p:spPr>
       </p:pic>
+      <p:sp>
+        <p:nvSpPr>
+          <p:cNvPr id="56" name="テキスト ボックス 55">
+            <a:extLst>
+              <a:ext uri="{FF2B5EF4-FFF2-40B4-BE49-F238E27FC236}">
+                <a16:creationId xmlns:a16="http://schemas.microsoft.com/office/drawing/2014/main" id="{79013928-95B2-435B-B7F2-4778811EF6B0}"/>
+              </a:ext>
+            </a:extLst>
+          </p:cNvPr>
+          <p:cNvSpPr txBox="1"/>
+          <p:nvPr/>
+        </p:nvSpPr>
+        <p:spPr>
+          <a:xfrm>
+            <a:off x="14611060" y="22114303"/>
+            <a:ext cx="2695557" cy="707886"/>
+          </a:xfrm>
+          <a:prstGeom prst="rect">
+            <a:avLst/>
+          </a:prstGeom>
+          <a:noFill/>
+        </p:spPr>
+        <p:txBody>
+          <a:bodyPr wrap="square" rtlCol="0">
+            <a:spAutoFit/>
+          </a:bodyPr>
+          <a:lstStyle/>
+          <a:p>
+            <a:r>
+              <a:rPr kumimoji="1" lang="en-US" altLang="ja-JP" sz="4000" dirty="0"/>
+              <a:t>4,035</a:t>
+            </a:r>
+            <a:r>
+              <a:rPr kumimoji="1" lang="ja-JP" altLang="en-US" sz="4000" dirty="0"/>
+              <a:t>万円</a:t>
+            </a:r>
+          </a:p>
+        </p:txBody>
+      </p:sp>
+      <p:sp>
+        <p:nvSpPr>
+          <p:cNvPr id="57" name="テキスト ボックス 56">
+            <a:extLst>
+              <a:ext uri="{FF2B5EF4-FFF2-40B4-BE49-F238E27FC236}">
+                <a16:creationId xmlns:a16="http://schemas.microsoft.com/office/drawing/2014/main" id="{E5A6ECE8-F4C0-448D-A375-7D4CF2795181}"/>
+              </a:ext>
+            </a:extLst>
+          </p:cNvPr>
+          <p:cNvSpPr txBox="1"/>
+          <p:nvPr/>
+        </p:nvSpPr>
+        <p:spPr>
+          <a:xfrm>
+            <a:off x="10718909" y="22059777"/>
+            <a:ext cx="4281389" cy="1323439"/>
+          </a:xfrm>
+          <a:prstGeom prst="rect">
+            <a:avLst/>
+          </a:prstGeom>
+          <a:noFill/>
+        </p:spPr>
+        <p:txBody>
+          <a:bodyPr wrap="square" rtlCol="0">
+            <a:spAutoFit/>
+          </a:bodyPr>
+          <a:lstStyle>
+            <a:defPPr>
+              <a:defRPr lang="en-US"/>
+            </a:defPPr>
+            <a:lvl1pPr marL="0" algn="l" defTabSz="457200" rtl="0" eaLnBrk="1" latinLnBrk="0" hangingPunct="1">
+              <a:defRPr sz="1800" kern="1200">
+                <a:solidFill>
+                  <a:schemeClr val="tx1"/>
+                </a:solidFill>
+                <a:latin typeface="+mn-lt"/>
+                <a:ea typeface="+mn-ea"/>
+                <a:cs typeface="+mn-cs"/>
+              </a:defRPr>
+            </a:lvl1pPr>
+            <a:lvl2pPr marL="457200" algn="l" defTabSz="457200" rtl="0" eaLnBrk="1" latinLnBrk="0" hangingPunct="1">
+              <a:defRPr sz="1800" kern="1200">
+                <a:solidFill>
+                  <a:schemeClr val="tx1"/>
+                </a:solidFill>
+                <a:latin typeface="+mn-lt"/>
+                <a:ea typeface="+mn-ea"/>
+                <a:cs typeface="+mn-cs"/>
+              </a:defRPr>
+            </a:lvl2pPr>
+            <a:lvl3pPr marL="914400" algn="l" defTabSz="457200" rtl="0" eaLnBrk="1" latinLnBrk="0" hangingPunct="1">
+              <a:defRPr sz="1800" kern="1200">
+                <a:solidFill>
+                  <a:schemeClr val="tx1"/>
+                </a:solidFill>
+                <a:latin typeface="+mn-lt"/>
+                <a:ea typeface="+mn-ea"/>
+                <a:cs typeface="+mn-cs"/>
+              </a:defRPr>
+            </a:lvl3pPr>
+            <a:lvl4pPr marL="1371600" algn="l" defTabSz="457200" rtl="0" eaLnBrk="1" latinLnBrk="0" hangingPunct="1">
+              <a:defRPr sz="1800" kern="1200">
+                <a:solidFill>
+                  <a:schemeClr val="tx1"/>
+                </a:solidFill>
+                <a:latin typeface="+mn-lt"/>
+                <a:ea typeface="+mn-ea"/>
+                <a:cs typeface="+mn-cs"/>
+              </a:defRPr>
+            </a:lvl4pPr>
+            <a:lvl5pPr marL="1828800" algn="l" defTabSz="457200" rtl="0" eaLnBrk="1" latinLnBrk="0" hangingPunct="1">
+              <a:defRPr sz="1800" kern="1200">
+                <a:solidFill>
+                  <a:schemeClr val="tx1"/>
+                </a:solidFill>
+                <a:latin typeface="+mn-lt"/>
+                <a:ea typeface="+mn-ea"/>
+                <a:cs typeface="+mn-cs"/>
+              </a:defRPr>
+            </a:lvl5pPr>
+            <a:lvl6pPr marL="2286000" algn="l" defTabSz="457200" rtl="0" eaLnBrk="1" latinLnBrk="0" hangingPunct="1">
+              <a:defRPr sz="1800" kern="1200">
+                <a:solidFill>
+                  <a:schemeClr val="tx1"/>
+                </a:solidFill>
+                <a:latin typeface="+mn-lt"/>
+                <a:ea typeface="+mn-ea"/>
+                <a:cs typeface="+mn-cs"/>
+              </a:defRPr>
+            </a:lvl6pPr>
+            <a:lvl7pPr marL="2743200" algn="l" defTabSz="457200" rtl="0" eaLnBrk="1" latinLnBrk="0" hangingPunct="1">
+              <a:defRPr sz="1800" kern="1200">
+                <a:solidFill>
+                  <a:schemeClr val="tx1"/>
+                </a:solidFill>
+                <a:latin typeface="+mn-lt"/>
+                <a:ea typeface="+mn-ea"/>
+                <a:cs typeface="+mn-cs"/>
+              </a:defRPr>
+            </a:lvl7pPr>
+            <a:lvl8pPr marL="3200400" algn="l" defTabSz="457200" rtl="0" eaLnBrk="1" latinLnBrk="0" hangingPunct="1">
+              <a:defRPr sz="1800" kern="1200">
+                <a:solidFill>
+                  <a:schemeClr val="tx1"/>
+                </a:solidFill>
+                <a:latin typeface="+mn-lt"/>
+                <a:ea typeface="+mn-ea"/>
+                <a:cs typeface="+mn-cs"/>
+              </a:defRPr>
+            </a:lvl8pPr>
+            <a:lvl9pPr marL="3657600" algn="l" defTabSz="457200" rtl="0" eaLnBrk="1" latinLnBrk="0" hangingPunct="1">
+              <a:defRPr sz="1800" kern="1200">
+                <a:solidFill>
+                  <a:schemeClr val="tx1"/>
+                </a:solidFill>
+                <a:latin typeface="+mn-lt"/>
+                <a:ea typeface="+mn-ea"/>
+                <a:cs typeface="+mn-cs"/>
+              </a:defRPr>
+            </a:lvl9pPr>
+          </a:lstStyle>
+          <a:p>
+            <a:pPr algn="ctr"/>
+            <a:r>
+              <a:rPr kumimoji="1" lang="en-US" altLang="ja-JP" sz="4800" dirty="0"/>
+              <a:t>1,800</a:t>
+            </a:r>
+            <a:r>
+              <a:rPr kumimoji="1" lang="ja-JP" altLang="en-US" sz="4400" dirty="0"/>
+              <a:t>億</a:t>
+            </a:r>
+            <a:r>
+              <a:rPr kumimoji="1" lang="ja-JP" altLang="en-US" sz="3200" dirty="0"/>
+              <a:t>円</a:t>
+            </a:r>
+            <a:endParaRPr kumimoji="1" lang="en-US" altLang="ja-JP" sz="3200" dirty="0"/>
+          </a:p>
+          <a:p>
+            <a:pPr algn="ctr"/>
+            <a:r>
+              <a:rPr kumimoji="1" lang="en-US" altLang="ja-JP" sz="3200" dirty="0"/>
+              <a:t>(</a:t>
+            </a:r>
+            <a:r>
+              <a:rPr kumimoji="1" lang="ja-JP" altLang="en-US" sz="3200" dirty="0"/>
+              <a:t> </a:t>
+            </a:r>
+            <a:r>
+              <a:rPr kumimoji="1" lang="en-US" altLang="ja-JP" sz="3200" dirty="0"/>
+              <a:t>400</a:t>
+            </a:r>
+            <a:r>
+              <a:rPr kumimoji="1" lang="ja-JP" altLang="en-US" sz="3200" dirty="0"/>
+              <a:t>万円</a:t>
+            </a:r>
+            <a:r>
+              <a:rPr kumimoji="1" lang="en-US" altLang="ja-JP" sz="3200" dirty="0"/>
+              <a:t>×4.5</a:t>
+            </a:r>
+            <a:r>
+              <a:rPr kumimoji="1" lang="ja-JP" altLang="en-US" sz="3200" dirty="0"/>
+              <a:t>万人 </a:t>
+            </a:r>
+            <a:r>
+              <a:rPr kumimoji="1" lang="en-US" altLang="ja-JP" sz="3200" dirty="0"/>
+              <a:t>)</a:t>
+            </a:r>
+            <a:endParaRPr kumimoji="1" lang="ja-JP" altLang="en-US" sz="3200" dirty="0"/>
+          </a:p>
+        </p:txBody>
+      </p:sp>
+      <p:sp>
+        <p:nvSpPr>
+          <p:cNvPr id="59" name="テキスト ボックス 58">
+            <a:extLst>
+              <a:ext uri="{FF2B5EF4-FFF2-40B4-BE49-F238E27FC236}">
+                <a16:creationId xmlns:a16="http://schemas.microsoft.com/office/drawing/2014/main" id="{5BBC7E85-4D76-4B1D-A845-6DDB65AD5561}"/>
+              </a:ext>
+            </a:extLst>
+          </p:cNvPr>
+          <p:cNvSpPr txBox="1"/>
+          <p:nvPr/>
+        </p:nvSpPr>
+        <p:spPr>
+          <a:xfrm>
+            <a:off x="14051304" y="22136722"/>
+            <a:ext cx="635347" cy="584775"/>
+          </a:xfrm>
+          <a:prstGeom prst="rect">
+            <a:avLst/>
+          </a:prstGeom>
+          <a:noFill/>
+        </p:spPr>
+        <p:txBody>
+          <a:bodyPr wrap="square" rtlCol="0">
+            <a:spAutoFit/>
+          </a:bodyPr>
+          <a:lstStyle>
+            <a:defPPr>
+              <a:defRPr lang="en-US"/>
+            </a:defPPr>
+            <a:lvl1pPr marL="0" algn="l" defTabSz="457200" rtl="0" eaLnBrk="1" latinLnBrk="0" hangingPunct="1">
+              <a:defRPr sz="1800" kern="1200">
+                <a:solidFill>
+                  <a:schemeClr val="tx1"/>
+                </a:solidFill>
+                <a:latin typeface="+mn-lt"/>
+                <a:ea typeface="+mn-ea"/>
+                <a:cs typeface="+mn-cs"/>
+              </a:defRPr>
+            </a:lvl1pPr>
+            <a:lvl2pPr marL="457200" algn="l" defTabSz="457200" rtl="0" eaLnBrk="1" latinLnBrk="0" hangingPunct="1">
+              <a:defRPr sz="1800" kern="1200">
+                <a:solidFill>
+                  <a:schemeClr val="tx1"/>
+                </a:solidFill>
+                <a:latin typeface="+mn-lt"/>
+                <a:ea typeface="+mn-ea"/>
+                <a:cs typeface="+mn-cs"/>
+              </a:defRPr>
+            </a:lvl2pPr>
+            <a:lvl3pPr marL="914400" algn="l" defTabSz="457200" rtl="0" eaLnBrk="1" latinLnBrk="0" hangingPunct="1">
+              <a:defRPr sz="1800" kern="1200">
+                <a:solidFill>
+                  <a:schemeClr val="tx1"/>
+                </a:solidFill>
+                <a:latin typeface="+mn-lt"/>
+                <a:ea typeface="+mn-ea"/>
+                <a:cs typeface="+mn-cs"/>
+              </a:defRPr>
+            </a:lvl3pPr>
+            <a:lvl4pPr marL="1371600" algn="l" defTabSz="457200" rtl="0" eaLnBrk="1" latinLnBrk="0" hangingPunct="1">
+              <a:defRPr sz="1800" kern="1200">
+                <a:solidFill>
+                  <a:schemeClr val="tx1"/>
+                </a:solidFill>
+                <a:latin typeface="+mn-lt"/>
+                <a:ea typeface="+mn-ea"/>
+                <a:cs typeface="+mn-cs"/>
+              </a:defRPr>
+            </a:lvl4pPr>
+            <a:lvl5pPr marL="1828800" algn="l" defTabSz="457200" rtl="0" eaLnBrk="1" latinLnBrk="0" hangingPunct="1">
+              <a:defRPr sz="1800" kern="1200">
+                <a:solidFill>
+                  <a:schemeClr val="tx1"/>
+                </a:solidFill>
+                <a:latin typeface="+mn-lt"/>
+                <a:ea typeface="+mn-ea"/>
+                <a:cs typeface="+mn-cs"/>
+              </a:defRPr>
+            </a:lvl5pPr>
+            <a:lvl6pPr marL="2286000" algn="l" defTabSz="457200" rtl="0" eaLnBrk="1" latinLnBrk="0" hangingPunct="1">
+              <a:defRPr sz="1800" kern="1200">
+                <a:solidFill>
+                  <a:schemeClr val="tx1"/>
+                </a:solidFill>
+                <a:latin typeface="+mn-lt"/>
+                <a:ea typeface="+mn-ea"/>
+                <a:cs typeface="+mn-cs"/>
+              </a:defRPr>
+            </a:lvl6pPr>
+            <a:lvl7pPr marL="2743200" algn="l" defTabSz="457200" rtl="0" eaLnBrk="1" latinLnBrk="0" hangingPunct="1">
+              <a:defRPr sz="1800" kern="1200">
+                <a:solidFill>
+                  <a:schemeClr val="tx1"/>
+                </a:solidFill>
+                <a:latin typeface="+mn-lt"/>
+                <a:ea typeface="+mn-ea"/>
+                <a:cs typeface="+mn-cs"/>
+              </a:defRPr>
+            </a:lvl7pPr>
+            <a:lvl8pPr marL="3200400" algn="l" defTabSz="457200" rtl="0" eaLnBrk="1" latinLnBrk="0" hangingPunct="1">
+              <a:defRPr sz="1800" kern="1200">
+                <a:solidFill>
+                  <a:schemeClr val="tx1"/>
+                </a:solidFill>
+                <a:latin typeface="+mn-lt"/>
+                <a:ea typeface="+mn-ea"/>
+                <a:cs typeface="+mn-cs"/>
+              </a:defRPr>
+            </a:lvl8pPr>
+            <a:lvl9pPr marL="3657600" algn="l" defTabSz="457200" rtl="0" eaLnBrk="1" latinLnBrk="0" hangingPunct="1">
+              <a:defRPr sz="1800" kern="1200">
+                <a:solidFill>
+                  <a:schemeClr val="tx1"/>
+                </a:solidFill>
+                <a:latin typeface="+mn-lt"/>
+                <a:ea typeface="+mn-ea"/>
+                <a:cs typeface="+mn-cs"/>
+              </a:defRPr>
+            </a:lvl9pPr>
+          </a:lstStyle>
+          <a:p>
+            <a:r>
+              <a:rPr kumimoji="1" lang="ja-JP" altLang="en-US" sz="3200" b="1" dirty="0"/>
+              <a:t>－</a:t>
+            </a:r>
+          </a:p>
+        </p:txBody>
+      </p:sp>
+      <p:sp>
+        <p:nvSpPr>
+          <p:cNvPr id="61" name="テキスト ボックス 12">
+            <a:extLst>
+              <a:ext uri="{FF2B5EF4-FFF2-40B4-BE49-F238E27FC236}">
+                <a16:creationId xmlns:a16="http://schemas.microsoft.com/office/drawing/2014/main" id="{C6487D3A-6030-43AE-9A06-07D9F5EF4A21}"/>
+              </a:ext>
+            </a:extLst>
+          </p:cNvPr>
+          <p:cNvSpPr txBox="1"/>
+          <p:nvPr/>
+        </p:nvSpPr>
+        <p:spPr>
+          <a:xfrm>
+            <a:off x="11583686" y="21795812"/>
+            <a:ext cx="2490408" cy="400110"/>
+          </a:xfrm>
+          <a:prstGeom prst="rect">
+            <a:avLst/>
+          </a:prstGeom>
+          <a:noFill/>
+        </p:spPr>
+        <p:txBody>
+          <a:bodyPr wrap="square" rtlCol="0">
+            <a:spAutoFit/>
+          </a:bodyPr>
+          <a:lstStyle>
+            <a:defPPr>
+              <a:defRPr lang="en-US"/>
+            </a:defPPr>
+            <a:lvl1pPr marL="0" algn="l" defTabSz="457200" rtl="0" eaLnBrk="1" latinLnBrk="0" hangingPunct="1">
+              <a:defRPr sz="1800" kern="1200">
+                <a:solidFill>
+                  <a:schemeClr val="tx1"/>
+                </a:solidFill>
+                <a:latin typeface="+mn-lt"/>
+                <a:ea typeface="+mn-ea"/>
+                <a:cs typeface="+mn-cs"/>
+              </a:defRPr>
+            </a:lvl1pPr>
+            <a:lvl2pPr marL="457200" algn="l" defTabSz="457200" rtl="0" eaLnBrk="1" latinLnBrk="0" hangingPunct="1">
+              <a:defRPr sz="1800" kern="1200">
+                <a:solidFill>
+                  <a:schemeClr val="tx1"/>
+                </a:solidFill>
+                <a:latin typeface="+mn-lt"/>
+                <a:ea typeface="+mn-ea"/>
+                <a:cs typeface="+mn-cs"/>
+              </a:defRPr>
+            </a:lvl2pPr>
+            <a:lvl3pPr marL="914400" algn="l" defTabSz="457200" rtl="0" eaLnBrk="1" latinLnBrk="0" hangingPunct="1">
+              <a:defRPr sz="1800" kern="1200">
+                <a:solidFill>
+                  <a:schemeClr val="tx1"/>
+                </a:solidFill>
+                <a:latin typeface="+mn-lt"/>
+                <a:ea typeface="+mn-ea"/>
+                <a:cs typeface="+mn-cs"/>
+              </a:defRPr>
+            </a:lvl3pPr>
+            <a:lvl4pPr marL="1371600" algn="l" defTabSz="457200" rtl="0" eaLnBrk="1" latinLnBrk="0" hangingPunct="1">
+              <a:defRPr sz="1800" kern="1200">
+                <a:solidFill>
+                  <a:schemeClr val="tx1"/>
+                </a:solidFill>
+                <a:latin typeface="+mn-lt"/>
+                <a:ea typeface="+mn-ea"/>
+                <a:cs typeface="+mn-cs"/>
+              </a:defRPr>
+            </a:lvl4pPr>
+            <a:lvl5pPr marL="1828800" algn="l" defTabSz="457200" rtl="0" eaLnBrk="1" latinLnBrk="0" hangingPunct="1">
+              <a:defRPr sz="1800" kern="1200">
+                <a:solidFill>
+                  <a:schemeClr val="tx1"/>
+                </a:solidFill>
+                <a:latin typeface="+mn-lt"/>
+                <a:ea typeface="+mn-ea"/>
+                <a:cs typeface="+mn-cs"/>
+              </a:defRPr>
+            </a:lvl5pPr>
+            <a:lvl6pPr marL="2286000" algn="l" defTabSz="457200" rtl="0" eaLnBrk="1" latinLnBrk="0" hangingPunct="1">
+              <a:defRPr sz="1800" kern="1200">
+                <a:solidFill>
+                  <a:schemeClr val="tx1"/>
+                </a:solidFill>
+                <a:latin typeface="+mn-lt"/>
+                <a:ea typeface="+mn-ea"/>
+                <a:cs typeface="+mn-cs"/>
+              </a:defRPr>
+            </a:lvl6pPr>
+            <a:lvl7pPr marL="2743200" algn="l" defTabSz="457200" rtl="0" eaLnBrk="1" latinLnBrk="0" hangingPunct="1">
+              <a:defRPr sz="1800" kern="1200">
+                <a:solidFill>
+                  <a:schemeClr val="tx1"/>
+                </a:solidFill>
+                <a:latin typeface="+mn-lt"/>
+                <a:ea typeface="+mn-ea"/>
+                <a:cs typeface="+mn-cs"/>
+              </a:defRPr>
+            </a:lvl7pPr>
+            <a:lvl8pPr marL="3200400" algn="l" defTabSz="457200" rtl="0" eaLnBrk="1" latinLnBrk="0" hangingPunct="1">
+              <a:defRPr sz="1800" kern="1200">
+                <a:solidFill>
+                  <a:schemeClr val="tx1"/>
+                </a:solidFill>
+                <a:latin typeface="+mn-lt"/>
+                <a:ea typeface="+mn-ea"/>
+                <a:cs typeface="+mn-cs"/>
+              </a:defRPr>
+            </a:lvl8pPr>
+            <a:lvl9pPr marL="3657600" algn="l" defTabSz="457200" rtl="0" eaLnBrk="1" latinLnBrk="0" hangingPunct="1">
+              <a:defRPr sz="1800" kern="1200">
+                <a:solidFill>
+                  <a:schemeClr val="tx1"/>
+                </a:solidFill>
+                <a:latin typeface="+mn-lt"/>
+                <a:ea typeface="+mn-ea"/>
+                <a:cs typeface="+mn-cs"/>
+              </a:defRPr>
+            </a:lvl9pPr>
+          </a:lstStyle>
+          <a:p>
+            <a:pPr algn="ctr"/>
+            <a:r>
+              <a:rPr kumimoji="1" lang="en-US" altLang="ja-JP" sz="2000" b="1" dirty="0"/>
+              <a:t>5</a:t>
+            </a:r>
+            <a:r>
+              <a:rPr kumimoji="1" lang="ja-JP" altLang="en-US" sz="2000" b="1" dirty="0"/>
+              <a:t>年間の削減額</a:t>
+            </a:r>
+          </a:p>
+        </p:txBody>
+      </p:sp>
+      <p:sp>
+        <p:nvSpPr>
+          <p:cNvPr id="63" name="テキスト ボックス 62">
+            <a:extLst>
+              <a:ext uri="{FF2B5EF4-FFF2-40B4-BE49-F238E27FC236}">
+                <a16:creationId xmlns:a16="http://schemas.microsoft.com/office/drawing/2014/main" id="{A5606336-7F48-44AB-898E-1921F4054401}"/>
+              </a:ext>
+            </a:extLst>
+          </p:cNvPr>
+          <p:cNvSpPr txBox="1"/>
+          <p:nvPr/>
+        </p:nvSpPr>
+        <p:spPr>
+          <a:xfrm>
+            <a:off x="16787932" y="22599534"/>
+            <a:ext cx="4176614" cy="1323439"/>
+          </a:xfrm>
+          <a:prstGeom prst="rect">
+            <a:avLst/>
+          </a:prstGeom>
+          <a:noFill/>
+        </p:spPr>
+        <p:txBody>
+          <a:bodyPr wrap="square" rtlCol="0">
+            <a:spAutoFit/>
+          </a:bodyPr>
+          <a:lstStyle/>
+          <a:p>
+            <a:r>
+              <a:rPr kumimoji="1" lang="en-US" altLang="ja-JP" sz="8000" dirty="0"/>
+              <a:t>1,799</a:t>
+            </a:r>
+            <a:r>
+              <a:rPr kumimoji="1" lang="ja-JP" altLang="en-US" sz="8000" dirty="0"/>
+              <a:t>億</a:t>
+            </a:r>
+            <a:r>
+              <a:rPr kumimoji="1" lang="ja-JP" altLang="en-US" sz="4000" dirty="0"/>
+              <a:t>円</a:t>
+            </a:r>
+          </a:p>
+        </p:txBody>
+      </p:sp>
+      <p:sp>
+        <p:nvSpPr>
+          <p:cNvPr id="65" name="テキスト ボックス 64">
+            <a:extLst>
+              <a:ext uri="{FF2B5EF4-FFF2-40B4-BE49-F238E27FC236}">
+                <a16:creationId xmlns:a16="http://schemas.microsoft.com/office/drawing/2014/main" id="{4D737A93-F3EB-4047-A39F-C0A228B30FB2}"/>
+              </a:ext>
+            </a:extLst>
+          </p:cNvPr>
+          <p:cNvSpPr txBox="1"/>
+          <p:nvPr/>
+        </p:nvSpPr>
+        <p:spPr>
+          <a:xfrm>
+            <a:off x="16165974" y="22799589"/>
+            <a:ext cx="613851" cy="923330"/>
+          </a:xfrm>
+          <a:prstGeom prst="rect">
+            <a:avLst/>
+          </a:prstGeom>
+          <a:noFill/>
+        </p:spPr>
+        <p:txBody>
+          <a:bodyPr wrap="square" rtlCol="0">
+            <a:spAutoFit/>
+          </a:bodyPr>
+          <a:lstStyle/>
+          <a:p>
+            <a:r>
+              <a:rPr kumimoji="1" lang="en-US" altLang="ja-JP" sz="5400" b="1" dirty="0"/>
+              <a:t>=</a:t>
+            </a:r>
+            <a:endParaRPr kumimoji="1" lang="ja-JP" altLang="en-US" sz="5400" b="1" dirty="0"/>
+          </a:p>
+        </p:txBody>
+      </p:sp>
+      <p:sp>
+        <p:nvSpPr>
+          <p:cNvPr id="67" name="テキスト ボックス 66">
+            <a:extLst>
+              <a:ext uri="{FF2B5EF4-FFF2-40B4-BE49-F238E27FC236}">
+                <a16:creationId xmlns:a16="http://schemas.microsoft.com/office/drawing/2014/main" id="{66B4C485-E4EC-418C-A842-6627DC85F978}"/>
+              </a:ext>
+            </a:extLst>
+          </p:cNvPr>
+          <p:cNvSpPr txBox="1"/>
+          <p:nvPr/>
+        </p:nvSpPr>
+        <p:spPr>
+          <a:xfrm>
+            <a:off x="14395788" y="21777264"/>
+            <a:ext cx="2490408" cy="400110"/>
+          </a:xfrm>
+          <a:prstGeom prst="rect">
+            <a:avLst/>
+          </a:prstGeom>
+          <a:noFill/>
+        </p:spPr>
+        <p:txBody>
+          <a:bodyPr wrap="square" rtlCol="0">
+            <a:spAutoFit/>
+          </a:bodyPr>
+          <a:lstStyle>
+            <a:defPPr>
+              <a:defRPr lang="en-US"/>
+            </a:defPPr>
+            <a:lvl1pPr marL="0" algn="l" defTabSz="457200" rtl="0" eaLnBrk="1" latinLnBrk="0" hangingPunct="1">
+              <a:defRPr sz="1800" kern="1200">
+                <a:solidFill>
+                  <a:schemeClr val="tx1"/>
+                </a:solidFill>
+                <a:latin typeface="+mn-lt"/>
+                <a:ea typeface="+mn-ea"/>
+                <a:cs typeface="+mn-cs"/>
+              </a:defRPr>
+            </a:lvl1pPr>
+            <a:lvl2pPr marL="457200" algn="l" defTabSz="457200" rtl="0" eaLnBrk="1" latinLnBrk="0" hangingPunct="1">
+              <a:defRPr sz="1800" kern="1200">
+                <a:solidFill>
+                  <a:schemeClr val="tx1"/>
+                </a:solidFill>
+                <a:latin typeface="+mn-lt"/>
+                <a:ea typeface="+mn-ea"/>
+                <a:cs typeface="+mn-cs"/>
+              </a:defRPr>
+            </a:lvl2pPr>
+            <a:lvl3pPr marL="914400" algn="l" defTabSz="457200" rtl="0" eaLnBrk="1" latinLnBrk="0" hangingPunct="1">
+              <a:defRPr sz="1800" kern="1200">
+                <a:solidFill>
+                  <a:schemeClr val="tx1"/>
+                </a:solidFill>
+                <a:latin typeface="+mn-lt"/>
+                <a:ea typeface="+mn-ea"/>
+                <a:cs typeface="+mn-cs"/>
+              </a:defRPr>
+            </a:lvl3pPr>
+            <a:lvl4pPr marL="1371600" algn="l" defTabSz="457200" rtl="0" eaLnBrk="1" latinLnBrk="0" hangingPunct="1">
+              <a:defRPr sz="1800" kern="1200">
+                <a:solidFill>
+                  <a:schemeClr val="tx1"/>
+                </a:solidFill>
+                <a:latin typeface="+mn-lt"/>
+                <a:ea typeface="+mn-ea"/>
+                <a:cs typeface="+mn-cs"/>
+              </a:defRPr>
+            </a:lvl4pPr>
+            <a:lvl5pPr marL="1828800" algn="l" defTabSz="457200" rtl="0" eaLnBrk="1" latinLnBrk="0" hangingPunct="1">
+              <a:defRPr sz="1800" kern="1200">
+                <a:solidFill>
+                  <a:schemeClr val="tx1"/>
+                </a:solidFill>
+                <a:latin typeface="+mn-lt"/>
+                <a:ea typeface="+mn-ea"/>
+                <a:cs typeface="+mn-cs"/>
+              </a:defRPr>
+            </a:lvl5pPr>
+            <a:lvl6pPr marL="2286000" algn="l" defTabSz="457200" rtl="0" eaLnBrk="1" latinLnBrk="0" hangingPunct="1">
+              <a:defRPr sz="1800" kern="1200">
+                <a:solidFill>
+                  <a:schemeClr val="tx1"/>
+                </a:solidFill>
+                <a:latin typeface="+mn-lt"/>
+                <a:ea typeface="+mn-ea"/>
+                <a:cs typeface="+mn-cs"/>
+              </a:defRPr>
+            </a:lvl6pPr>
+            <a:lvl7pPr marL="2743200" algn="l" defTabSz="457200" rtl="0" eaLnBrk="1" latinLnBrk="0" hangingPunct="1">
+              <a:defRPr sz="1800" kern="1200">
+                <a:solidFill>
+                  <a:schemeClr val="tx1"/>
+                </a:solidFill>
+                <a:latin typeface="+mn-lt"/>
+                <a:ea typeface="+mn-ea"/>
+                <a:cs typeface="+mn-cs"/>
+              </a:defRPr>
+            </a:lvl7pPr>
+            <a:lvl8pPr marL="3200400" algn="l" defTabSz="457200" rtl="0" eaLnBrk="1" latinLnBrk="0" hangingPunct="1">
+              <a:defRPr sz="1800" kern="1200">
+                <a:solidFill>
+                  <a:schemeClr val="tx1"/>
+                </a:solidFill>
+                <a:latin typeface="+mn-lt"/>
+                <a:ea typeface="+mn-ea"/>
+                <a:cs typeface="+mn-cs"/>
+              </a:defRPr>
+            </a:lvl8pPr>
+            <a:lvl9pPr marL="3657600" algn="l" defTabSz="457200" rtl="0" eaLnBrk="1" latinLnBrk="0" hangingPunct="1">
+              <a:defRPr sz="1800" kern="1200">
+                <a:solidFill>
+                  <a:schemeClr val="tx1"/>
+                </a:solidFill>
+                <a:latin typeface="+mn-lt"/>
+                <a:ea typeface="+mn-ea"/>
+                <a:cs typeface="+mn-cs"/>
+              </a:defRPr>
+            </a:lvl9pPr>
+          </a:lstStyle>
+          <a:p>
+            <a:pPr algn="ctr"/>
+            <a:r>
+              <a:rPr kumimoji="1" lang="ja-JP" altLang="en-US" sz="2000" b="1" dirty="0"/>
+              <a:t>コスト</a:t>
+            </a:r>
+          </a:p>
+        </p:txBody>
+      </p:sp>
+      <p:pic>
+        <p:nvPicPr>
+          <p:cNvPr id="69" name="図 68">
+            <a:extLst>
+              <a:ext uri="{FF2B5EF4-FFF2-40B4-BE49-F238E27FC236}">
+                <a16:creationId xmlns:a16="http://schemas.microsoft.com/office/drawing/2014/main" id="{8C8AD659-765D-4077-8084-A97F91B66E64}"/>
+              </a:ext>
+            </a:extLst>
+          </p:cNvPr>
+          <p:cNvPicPr>
+            <a:picLocks noChangeAspect="1"/>
+          </p:cNvPicPr>
+          <p:nvPr/>
+        </p:nvPicPr>
+        <p:blipFill rotWithShape="1">
+          <a:blip r:embed="rId16"/>
+          <a:srcRect b="16469"/>
+          <a:stretch/>
+        </p:blipFill>
+        <p:spPr>
+          <a:xfrm>
+            <a:off x="15065928" y="18287867"/>
+            <a:ext cx="5731649" cy="3216003"/>
+          </a:xfrm>
+          <a:prstGeom prst="rect">
+            <a:avLst/>
+          </a:prstGeom>
+        </p:spPr>
+      </p:pic>
+      <p:pic>
+        <p:nvPicPr>
+          <p:cNvPr id="73" name="図 72">
+            <a:extLst>
+              <a:ext uri="{FF2B5EF4-FFF2-40B4-BE49-F238E27FC236}">
+                <a16:creationId xmlns:a16="http://schemas.microsoft.com/office/drawing/2014/main" id="{BAFA0C17-58DD-4A5D-98B2-BA239CECA9D9}"/>
+              </a:ext>
+            </a:extLst>
+          </p:cNvPr>
+          <p:cNvPicPr>
+            <a:picLocks noChangeAspect="1"/>
+          </p:cNvPicPr>
+          <p:nvPr/>
+        </p:nvPicPr>
+        <p:blipFill>
+          <a:blip r:embed="rId17">
+            <a:extLst>
+              <a:ext uri="{28A0092B-C50C-407E-A947-70E740481C1C}">
+                <a14:useLocalDpi xmlns:a14="http://schemas.microsoft.com/office/drawing/2010/main" val="0"/>
+              </a:ext>
+            </a:extLst>
+          </a:blip>
+          <a:stretch>
+            <a:fillRect/>
+          </a:stretch>
+        </p:blipFill>
+        <p:spPr>
+          <a:xfrm>
+            <a:off x="12039377" y="17800536"/>
+            <a:ext cx="1320805" cy="1547065"/>
+          </a:xfrm>
+          <a:prstGeom prst="rect">
+            <a:avLst/>
+          </a:prstGeom>
+        </p:spPr>
+      </p:pic>
+      <p:pic>
+        <p:nvPicPr>
+          <p:cNvPr id="76" name="図 75">
+            <a:extLst>
+              <a:ext uri="{FF2B5EF4-FFF2-40B4-BE49-F238E27FC236}">
+                <a16:creationId xmlns:a16="http://schemas.microsoft.com/office/drawing/2014/main" id="{0DC283D4-1147-4266-9A72-4E3642CF64F7}"/>
+              </a:ext>
+            </a:extLst>
+          </p:cNvPr>
+          <p:cNvPicPr>
+            <a:picLocks noChangeAspect="1"/>
+          </p:cNvPicPr>
+          <p:nvPr/>
+        </p:nvPicPr>
+        <p:blipFill>
+          <a:blip r:embed="rId18">
+            <a:extLst>
+              <a:ext uri="{28A0092B-C50C-407E-A947-70E740481C1C}">
+                <a14:useLocalDpi xmlns:a14="http://schemas.microsoft.com/office/drawing/2010/main" val="0"/>
+              </a:ext>
+            </a:extLst>
+          </a:blip>
+          <a:stretch>
+            <a:fillRect/>
+          </a:stretch>
+        </p:blipFill>
+        <p:spPr>
+          <a:xfrm>
+            <a:off x="11404864" y="18887466"/>
+            <a:ext cx="1320805" cy="1547065"/>
+          </a:xfrm>
+          <a:prstGeom prst="rect">
+            <a:avLst/>
+          </a:prstGeom>
+        </p:spPr>
+      </p:pic>
+      <p:pic>
+        <p:nvPicPr>
+          <p:cNvPr id="78" name="図 77">
+            <a:extLst>
+              <a:ext uri="{FF2B5EF4-FFF2-40B4-BE49-F238E27FC236}">
+                <a16:creationId xmlns:a16="http://schemas.microsoft.com/office/drawing/2014/main" id="{FD219218-0F0D-4589-B219-C6C20DBBBBA6}"/>
+              </a:ext>
+            </a:extLst>
+          </p:cNvPr>
+          <p:cNvPicPr>
+            <a:picLocks noChangeAspect="1"/>
+          </p:cNvPicPr>
+          <p:nvPr/>
+        </p:nvPicPr>
+        <p:blipFill>
+          <a:blip r:embed="rId17">
+            <a:extLst>
+              <a:ext uri="{28A0092B-C50C-407E-A947-70E740481C1C}">
+                <a14:useLocalDpi xmlns:a14="http://schemas.microsoft.com/office/drawing/2010/main" val="0"/>
+              </a:ext>
+            </a:extLst>
+          </a:blip>
+          <a:stretch>
+            <a:fillRect/>
+          </a:stretch>
+        </p:blipFill>
+        <p:spPr>
+          <a:xfrm>
+            <a:off x="10780656" y="19954489"/>
+            <a:ext cx="1320805" cy="1547065"/>
+          </a:xfrm>
+          <a:prstGeom prst="rect">
+            <a:avLst/>
+          </a:prstGeom>
+        </p:spPr>
+      </p:pic>
+      <p:pic>
+        <p:nvPicPr>
+          <p:cNvPr id="80" name="図 79">
+            <a:extLst>
+              <a:ext uri="{FF2B5EF4-FFF2-40B4-BE49-F238E27FC236}">
+                <a16:creationId xmlns:a16="http://schemas.microsoft.com/office/drawing/2014/main" id="{088C82F6-5A1E-4D15-BBC1-C8CA4D1E1844}"/>
+              </a:ext>
+            </a:extLst>
+          </p:cNvPr>
+          <p:cNvPicPr>
+            <a:picLocks noChangeAspect="1"/>
+          </p:cNvPicPr>
+          <p:nvPr/>
+        </p:nvPicPr>
+        <p:blipFill>
+          <a:blip r:embed="rId18">
+            <a:extLst>
+              <a:ext uri="{28A0092B-C50C-407E-A947-70E740481C1C}">
+                <a14:useLocalDpi xmlns:a14="http://schemas.microsoft.com/office/drawing/2010/main" val="0"/>
+              </a:ext>
+            </a:extLst>
+          </a:blip>
+          <a:stretch>
+            <a:fillRect/>
+          </a:stretch>
+        </p:blipFill>
+        <p:spPr>
+          <a:xfrm>
+            <a:off x="12127349" y="20026287"/>
+            <a:ext cx="1320805" cy="1547065"/>
+          </a:xfrm>
+          <a:prstGeom prst="rect">
+            <a:avLst/>
+          </a:prstGeom>
+        </p:spPr>
+      </p:pic>
+      <p:pic>
+        <p:nvPicPr>
+          <p:cNvPr id="81" name="図 80">
+            <a:extLst>
+              <a:ext uri="{FF2B5EF4-FFF2-40B4-BE49-F238E27FC236}">
+                <a16:creationId xmlns:a16="http://schemas.microsoft.com/office/drawing/2014/main" id="{731FDDC8-AA02-4089-9455-B29E8571F69E}"/>
+              </a:ext>
+            </a:extLst>
+          </p:cNvPr>
+          <p:cNvPicPr>
+            <a:picLocks noChangeAspect="1"/>
+          </p:cNvPicPr>
+          <p:nvPr/>
+        </p:nvPicPr>
+        <p:blipFill>
+          <a:blip r:embed="rId17">
+            <a:extLst>
+              <a:ext uri="{28A0092B-C50C-407E-A947-70E740481C1C}">
+                <a14:useLocalDpi xmlns:a14="http://schemas.microsoft.com/office/drawing/2010/main" val="0"/>
+              </a:ext>
+            </a:extLst>
+          </a:blip>
+          <a:stretch>
+            <a:fillRect/>
+          </a:stretch>
+        </p:blipFill>
+        <p:spPr>
+          <a:xfrm>
+            <a:off x="13489601" y="19948625"/>
+            <a:ext cx="1320805" cy="1547065"/>
+          </a:xfrm>
+          <a:prstGeom prst="rect">
+            <a:avLst/>
+          </a:prstGeom>
+        </p:spPr>
+      </p:pic>
+      <p:pic>
+        <p:nvPicPr>
+          <p:cNvPr id="82" name="図 81">
+            <a:extLst>
+              <a:ext uri="{FF2B5EF4-FFF2-40B4-BE49-F238E27FC236}">
+                <a16:creationId xmlns:a16="http://schemas.microsoft.com/office/drawing/2014/main" id="{2E5E3429-CA6D-4553-881A-E87E95BEF46A}"/>
+              </a:ext>
+            </a:extLst>
+          </p:cNvPr>
+          <p:cNvPicPr>
+            <a:picLocks noChangeAspect="1"/>
+          </p:cNvPicPr>
+          <p:nvPr/>
+        </p:nvPicPr>
+        <p:blipFill>
+          <a:blip r:embed="rId17">
+            <a:extLst>
+              <a:ext uri="{28A0092B-C50C-407E-A947-70E740481C1C}">
+                <a14:useLocalDpi xmlns:a14="http://schemas.microsoft.com/office/drawing/2010/main" val="0"/>
+              </a:ext>
+            </a:extLst>
+          </a:blip>
+          <a:stretch>
+            <a:fillRect/>
+          </a:stretch>
+        </p:blipFill>
+        <p:spPr>
+          <a:xfrm>
+            <a:off x="12725670" y="18898641"/>
+            <a:ext cx="1320805" cy="1547065"/>
+          </a:xfrm>
+          <a:prstGeom prst="rect">
+            <a:avLst/>
+          </a:prstGeom>
+        </p:spPr>
+      </p:pic>
+      <p:sp>
+        <p:nvSpPr>
+          <p:cNvPr id="83" name="爆発: 14 pt 6">
+            <a:extLst>
+              <a:ext uri="{FF2B5EF4-FFF2-40B4-BE49-F238E27FC236}">
+                <a16:creationId xmlns:a16="http://schemas.microsoft.com/office/drawing/2014/main" id="{6BF7B750-B41E-4A6F-BDBB-97BE22143598}"/>
+              </a:ext>
+            </a:extLst>
+          </p:cNvPr>
+          <p:cNvSpPr/>
+          <p:nvPr/>
+        </p:nvSpPr>
+        <p:spPr>
+          <a:xfrm>
+            <a:off x="10764698" y="17747268"/>
+            <a:ext cx="1623933" cy="1445193"/>
+          </a:xfrm>
+          <a:prstGeom prst="irregularSeal2">
+            <a:avLst/>
+          </a:prstGeom>
+          <a:solidFill>
+            <a:schemeClr val="accent2"/>
+          </a:solidFill>
+          <a:ln>
+            <a:noFill/>
+          </a:ln>
+        </p:spPr>
+        <p:style>
+          <a:lnRef idx="2">
+            <a:schemeClr val="accent1">
+              <a:shade val="50000"/>
+            </a:schemeClr>
+          </a:lnRef>
+          <a:fillRef idx="1">
+            <a:schemeClr val="accent1"/>
+          </a:fillRef>
+          <a:effectRef idx="0">
+            <a:schemeClr val="accent1"/>
+          </a:effectRef>
+          <a:fontRef idx="minor">
+            <a:schemeClr val="lt1"/>
+          </a:fontRef>
+        </p:style>
+        <p:txBody>
+          <a:bodyPr rtlCol="0" anchor="ctr"/>
+          <a:lstStyle/>
+          <a:p>
+            <a:pPr algn="ctr"/>
+            <a:r>
+              <a:rPr kumimoji="1" lang="en-US" altLang="ja-JP" sz="2000" b="1" dirty="0"/>
+              <a:t>10%</a:t>
+            </a:r>
+            <a:r>
+              <a:rPr kumimoji="1" lang="ja-JP" altLang="en-US" sz="2000" b="1" dirty="0"/>
+              <a:t>改善</a:t>
+            </a:r>
+          </a:p>
+        </p:txBody>
+      </p:sp>
+      <p:sp>
+        <p:nvSpPr>
+          <p:cNvPr id="84" name="楕円 25">
+            <a:extLst>
+              <a:ext uri="{FF2B5EF4-FFF2-40B4-BE49-F238E27FC236}">
+                <a16:creationId xmlns:a16="http://schemas.microsoft.com/office/drawing/2014/main" id="{600AE4A3-26B6-4397-AD0F-A4F5E31C10B6}"/>
+              </a:ext>
+            </a:extLst>
+          </p:cNvPr>
+          <p:cNvSpPr/>
+          <p:nvPr/>
+        </p:nvSpPr>
+        <p:spPr>
+          <a:xfrm>
+            <a:off x="12018007" y="20332659"/>
+            <a:ext cx="2490409" cy="970329"/>
+          </a:xfrm>
+          <a:prstGeom prst="ellipse">
+            <a:avLst/>
+          </a:prstGeom>
+          <a:solidFill>
+            <a:schemeClr val="tx1"/>
+          </a:solidFill>
+          <a:ln>
+            <a:noFill/>
+          </a:ln>
+        </p:spPr>
+        <p:style>
+          <a:lnRef idx="2">
+            <a:schemeClr val="accent1">
+              <a:shade val="50000"/>
+            </a:schemeClr>
+          </a:lnRef>
+          <a:fillRef idx="1">
+            <a:schemeClr val="accent1"/>
+          </a:fillRef>
+          <a:effectRef idx="0">
+            <a:schemeClr val="accent1"/>
+          </a:effectRef>
+          <a:fontRef idx="minor">
+            <a:schemeClr val="lt1"/>
+          </a:fontRef>
+        </p:style>
+        <p:txBody>
+          <a:bodyPr rtlCol="0" anchor="ctr"/>
+          <a:lstStyle/>
+          <a:p>
+            <a:pPr algn="ctr"/>
+            <a:r>
+              <a:rPr kumimoji="1" lang="en-US" altLang="ja-JP" sz="2800" b="1" dirty="0">
+                <a:latin typeface="+mj-ea"/>
+                <a:ea typeface="+mj-ea"/>
+              </a:rPr>
+              <a:t>4.5</a:t>
+            </a:r>
+            <a:r>
+              <a:rPr kumimoji="1" lang="ja-JP" altLang="en-US" sz="2800" b="1" dirty="0">
+                <a:latin typeface="+mj-ea"/>
+                <a:ea typeface="+mj-ea"/>
+              </a:rPr>
+              <a:t>万人減</a:t>
+            </a:r>
+          </a:p>
+        </p:txBody>
+      </p:sp>
+      <p:sp>
+        <p:nvSpPr>
+          <p:cNvPr id="85" name="テキスト ボックス 84">
+            <a:extLst>
+              <a:ext uri="{FF2B5EF4-FFF2-40B4-BE49-F238E27FC236}">
+                <a16:creationId xmlns:a16="http://schemas.microsoft.com/office/drawing/2014/main" id="{7A71E694-EA5E-4B29-B1BE-6E5654451E19}"/>
+              </a:ext>
+            </a:extLst>
+          </p:cNvPr>
+          <p:cNvSpPr txBox="1"/>
+          <p:nvPr/>
+        </p:nvSpPr>
+        <p:spPr>
+          <a:xfrm>
+            <a:off x="12826019" y="17877335"/>
+            <a:ext cx="2139560" cy="1077218"/>
+          </a:xfrm>
+          <a:prstGeom prst="rect">
+            <a:avLst/>
+          </a:prstGeom>
+          <a:noFill/>
+        </p:spPr>
+        <p:txBody>
+          <a:bodyPr wrap="square" rtlCol="0">
+            <a:spAutoFit/>
+          </a:bodyPr>
+          <a:lstStyle/>
+          <a:p>
+            <a:r>
+              <a:rPr kumimoji="1" lang="ja-JP" altLang="en-US" sz="3200" b="1" dirty="0">
+                <a:latin typeface="+mj-ea"/>
+                <a:ea typeface="+mj-ea"/>
+              </a:rPr>
+              <a:t>平均年収 </a:t>
+            </a:r>
+            <a:endParaRPr kumimoji="1" lang="en-US" altLang="ja-JP" sz="3200" b="1" dirty="0">
+              <a:latin typeface="+mj-ea"/>
+              <a:ea typeface="+mj-ea"/>
+            </a:endParaRPr>
+          </a:p>
+          <a:p>
+            <a:r>
+              <a:rPr kumimoji="1" lang="en-US" altLang="ja-JP" sz="3200" b="1" dirty="0">
+                <a:latin typeface="+mj-ea"/>
+                <a:ea typeface="+mj-ea"/>
+              </a:rPr>
+              <a:t>	400</a:t>
+            </a:r>
+            <a:r>
+              <a:rPr kumimoji="1" lang="ja-JP" altLang="en-US" sz="3200" b="1" dirty="0">
+                <a:latin typeface="+mj-ea"/>
+                <a:ea typeface="+mj-ea"/>
+              </a:rPr>
+              <a:t>万円</a:t>
+            </a:r>
+          </a:p>
+        </p:txBody>
+      </p:sp>
+      <p:sp>
+        <p:nvSpPr>
+          <p:cNvPr id="86" name="テキスト ボックス 85">
+            <a:extLst>
+              <a:ext uri="{FF2B5EF4-FFF2-40B4-BE49-F238E27FC236}">
+                <a16:creationId xmlns:a16="http://schemas.microsoft.com/office/drawing/2014/main" id="{F81D61FC-08D7-47AF-AEA6-D45187D6EA91}"/>
+              </a:ext>
+            </a:extLst>
+          </p:cNvPr>
+          <p:cNvSpPr txBox="1"/>
+          <p:nvPr/>
+        </p:nvSpPr>
+        <p:spPr>
+          <a:xfrm>
+            <a:off x="11198100" y="25007932"/>
+            <a:ext cx="9509323" cy="4401205"/>
+          </a:xfrm>
+          <a:prstGeom prst="rect">
+            <a:avLst/>
+          </a:prstGeom>
+          <a:noFill/>
+        </p:spPr>
+        <p:txBody>
+          <a:bodyPr wrap="square" rtlCol="0">
+            <a:spAutoFit/>
+          </a:bodyPr>
+          <a:lstStyle/>
+          <a:p>
+            <a:pPr marL="571500" indent="-571500">
+              <a:buFont typeface="Arial" panose="020B0604020202020204" pitchFamily="34" charset="0"/>
+              <a:buChar char="•"/>
+            </a:pPr>
+            <a:r>
+              <a:rPr kumimoji="1" lang="ja-JP" altLang="en-US" sz="4000" dirty="0"/>
+              <a:t>ドキュメントの重要性</a:t>
+            </a:r>
+            <a:endParaRPr kumimoji="1" lang="en-US" altLang="ja-JP" sz="4000" dirty="0"/>
+          </a:p>
+          <a:p>
+            <a:pPr marL="1028700" lvl="1" indent="-571500">
+              <a:buFont typeface="Calibri" panose="020F0502020204030204" pitchFamily="34" charset="0"/>
+              <a:buChar char="◦"/>
+            </a:pPr>
+            <a:r>
+              <a:rPr kumimoji="1" lang="ja-JP" altLang="en-US" sz="4000" dirty="0"/>
+              <a:t>具体的な実装方法やデータの扱い</a:t>
+            </a:r>
+            <a:endParaRPr kumimoji="1" lang="en-US" altLang="ja-JP" sz="4000" dirty="0"/>
+          </a:p>
+          <a:p>
+            <a:pPr marL="571500" indent="-571500">
+              <a:lnSpc>
+                <a:spcPct val="150000"/>
+              </a:lnSpc>
+              <a:buFont typeface="Arial" panose="020B0604020202020204" pitchFamily="34" charset="0"/>
+              <a:buChar char="•"/>
+            </a:pPr>
+            <a:r>
+              <a:rPr kumimoji="1" lang="ja-JP" altLang="en-US" sz="4000" dirty="0"/>
+              <a:t>情報共有の難しさと大切さ</a:t>
+            </a:r>
+            <a:endParaRPr kumimoji="1" lang="en-US" altLang="ja-JP" sz="4000" dirty="0"/>
+          </a:p>
+          <a:p>
+            <a:pPr marL="1028700" lvl="1" indent="-571500">
+              <a:buFont typeface="Calibri" panose="020F0502020204030204" pitchFamily="34" charset="0"/>
+              <a:buChar char="◦"/>
+            </a:pPr>
+            <a:r>
+              <a:rPr kumimoji="1" lang="ja-JP" altLang="en-US" sz="4000" dirty="0"/>
+              <a:t>進捗報告や困難な問題への対処</a:t>
+            </a:r>
+            <a:endParaRPr kumimoji="1" lang="en-US" altLang="ja-JP" sz="4000" dirty="0"/>
+          </a:p>
+          <a:p>
+            <a:pPr marL="571500" indent="-571500">
+              <a:lnSpc>
+                <a:spcPct val="150000"/>
+              </a:lnSpc>
+              <a:buFont typeface="Arial" panose="020B0604020202020204" pitchFamily="34" charset="0"/>
+              <a:buChar char="•"/>
+            </a:pPr>
+            <a:r>
+              <a:rPr kumimoji="1" lang="ja-JP" altLang="en-US" sz="4000" dirty="0"/>
+              <a:t>チーム開発における責任とやりがい</a:t>
+            </a:r>
+            <a:endParaRPr kumimoji="1" lang="en-US" altLang="ja-JP" sz="4000" dirty="0"/>
+          </a:p>
+          <a:p>
+            <a:pPr marL="1028700" lvl="1" indent="-571500">
+              <a:buFont typeface="Calibri" panose="020F0502020204030204" pitchFamily="34" charset="0"/>
+              <a:buChar char="◦"/>
+            </a:pPr>
+            <a:r>
+              <a:rPr kumimoji="1" lang="ja-JP" altLang="en-US" sz="4000" dirty="0"/>
+              <a:t>チームメンバーへの影響</a:t>
+            </a:r>
+            <a:endParaRPr kumimoji="1" lang="en-US" altLang="ja-JP" sz="4000" dirty="0"/>
+          </a:p>
+        </p:txBody>
+      </p:sp>
     </p:spTree>
     <p:extLst>
       <p:ext uri="{BB962C8B-B14F-4D97-AF65-F5344CB8AC3E}">
@@ -5836,6 +7056,1010 @@
   <p:clrMapOvr>
     <a:masterClrMapping/>
   </p:clrMapOvr>
+  <p:timing>
+    <p:tnLst>
+      <p:par>
+        <p:cTn id="1" dur="indefinite" restart="never" nodeType="tmRoot">
+          <p:childTnLst>
+            <p:seq concurrent="1" nextAc="seek">
+              <p:cTn id="2" dur="indefinite" nodeType="mainSeq">
+                <p:childTnLst>
+                  <p:par>
+                    <p:cTn id="3" fill="hold">
+                      <p:stCondLst>
+                        <p:cond delay="indefinite"/>
+                      </p:stCondLst>
+                      <p:childTnLst>
+                        <p:par>
+                          <p:cTn id="4" fill="hold">
+                            <p:stCondLst>
+                              <p:cond delay="0"/>
+                            </p:stCondLst>
+                            <p:childTnLst>
+                              <p:par>
+                                <p:cTn id="5" presetID="10" presetClass="entr" presetSubtype="0" fill="hold" grpId="0" nodeType="clickEffect">
+                                  <p:stCondLst>
+                                    <p:cond delay="0"/>
+                                  </p:stCondLst>
+                                  <p:childTnLst>
+                                    <p:set>
+                                      <p:cBhvr>
+                                        <p:cTn id="6" dur="1" fill="hold">
+                                          <p:stCondLst>
+                                            <p:cond delay="0"/>
+                                          </p:stCondLst>
+                                        </p:cTn>
+                                        <p:tgtEl>
+                                          <p:spTgt spid="57"/>
+                                        </p:tgtEl>
+                                        <p:attrNameLst>
+                                          <p:attrName>style.visibility</p:attrName>
+                                        </p:attrNameLst>
+                                      </p:cBhvr>
+                                      <p:to>
+                                        <p:strVal val="visible"/>
+                                      </p:to>
+                                    </p:set>
+                                    <p:animEffect transition="in" filter="fade">
+                                      <p:cBhvr>
+                                        <p:cTn id="7" dur="500"/>
+                                        <p:tgtEl>
+                                          <p:spTgt spid="57"/>
+                                        </p:tgtEl>
+                                      </p:cBhvr>
+                                    </p:animEffect>
+                                  </p:childTnLst>
+                                </p:cTn>
+                              </p:par>
+                              <p:par>
+                                <p:cTn id="8" presetID="10" presetClass="entr" presetSubtype="0" fill="hold" grpId="0" nodeType="withEffect">
+                                  <p:stCondLst>
+                                    <p:cond delay="0"/>
+                                  </p:stCondLst>
+                                  <p:childTnLst>
+                                    <p:set>
+                                      <p:cBhvr>
+                                        <p:cTn id="9" dur="1" fill="hold">
+                                          <p:stCondLst>
+                                            <p:cond delay="0"/>
+                                          </p:stCondLst>
+                                        </p:cTn>
+                                        <p:tgtEl>
+                                          <p:spTgt spid="61"/>
+                                        </p:tgtEl>
+                                        <p:attrNameLst>
+                                          <p:attrName>style.visibility</p:attrName>
+                                        </p:attrNameLst>
+                                      </p:cBhvr>
+                                      <p:to>
+                                        <p:strVal val="visible"/>
+                                      </p:to>
+                                    </p:set>
+                                    <p:animEffect transition="in" filter="fade">
+                                      <p:cBhvr>
+                                        <p:cTn id="10" dur="500"/>
+                                        <p:tgtEl>
+                                          <p:spTgt spid="61"/>
+                                        </p:tgtEl>
+                                      </p:cBhvr>
+                                    </p:animEffect>
+                                  </p:childTnLst>
+                                </p:cTn>
+                              </p:par>
+                            </p:childTnLst>
+                          </p:cTn>
+                        </p:par>
+                      </p:childTnLst>
+                    </p:cTn>
+                  </p:par>
+                  <p:par>
+                    <p:cTn id="11" fill="hold">
+                      <p:stCondLst>
+                        <p:cond delay="indefinite"/>
+                      </p:stCondLst>
+                      <p:childTnLst>
+                        <p:par>
+                          <p:cTn id="12" fill="hold">
+                            <p:stCondLst>
+                              <p:cond delay="0"/>
+                            </p:stCondLst>
+                            <p:childTnLst>
+                              <p:par>
+                                <p:cTn id="13" presetID="10" presetClass="entr" presetSubtype="0" fill="hold" grpId="0" nodeType="clickEffect">
+                                  <p:stCondLst>
+                                    <p:cond delay="0"/>
+                                  </p:stCondLst>
+                                  <p:childTnLst>
+                                    <p:set>
+                                      <p:cBhvr>
+                                        <p:cTn id="14" dur="1" fill="hold">
+                                          <p:stCondLst>
+                                            <p:cond delay="0"/>
+                                          </p:stCondLst>
+                                        </p:cTn>
+                                        <p:tgtEl>
+                                          <p:spTgt spid="59"/>
+                                        </p:tgtEl>
+                                        <p:attrNameLst>
+                                          <p:attrName>style.visibility</p:attrName>
+                                        </p:attrNameLst>
+                                      </p:cBhvr>
+                                      <p:to>
+                                        <p:strVal val="visible"/>
+                                      </p:to>
+                                    </p:set>
+                                    <p:animEffect transition="in" filter="fade">
+                                      <p:cBhvr>
+                                        <p:cTn id="15" dur="500"/>
+                                        <p:tgtEl>
+                                          <p:spTgt spid="59"/>
+                                        </p:tgtEl>
+                                      </p:cBhvr>
+                                    </p:animEffect>
+                                  </p:childTnLst>
+                                </p:cTn>
+                              </p:par>
+                              <p:par>
+                                <p:cTn id="16" presetID="10" presetClass="entr" presetSubtype="0" fill="hold" grpId="0" nodeType="withEffect">
+                                  <p:stCondLst>
+                                    <p:cond delay="0"/>
+                                  </p:stCondLst>
+                                  <p:childTnLst>
+                                    <p:set>
+                                      <p:cBhvr>
+                                        <p:cTn id="17" dur="1" fill="hold">
+                                          <p:stCondLst>
+                                            <p:cond delay="0"/>
+                                          </p:stCondLst>
+                                        </p:cTn>
+                                        <p:tgtEl>
+                                          <p:spTgt spid="67"/>
+                                        </p:tgtEl>
+                                        <p:attrNameLst>
+                                          <p:attrName>style.visibility</p:attrName>
+                                        </p:attrNameLst>
+                                      </p:cBhvr>
+                                      <p:to>
+                                        <p:strVal val="visible"/>
+                                      </p:to>
+                                    </p:set>
+                                    <p:animEffect transition="in" filter="fade">
+                                      <p:cBhvr>
+                                        <p:cTn id="18" dur="500"/>
+                                        <p:tgtEl>
+                                          <p:spTgt spid="67"/>
+                                        </p:tgtEl>
+                                      </p:cBhvr>
+                                    </p:animEffect>
+                                  </p:childTnLst>
+                                </p:cTn>
+                              </p:par>
+                              <p:par>
+                                <p:cTn id="19" presetID="10" presetClass="entr" presetSubtype="0" fill="hold" grpId="0" nodeType="withEffect">
+                                  <p:stCondLst>
+                                    <p:cond delay="0"/>
+                                  </p:stCondLst>
+                                  <p:childTnLst>
+                                    <p:set>
+                                      <p:cBhvr>
+                                        <p:cTn id="20" dur="1" fill="hold">
+                                          <p:stCondLst>
+                                            <p:cond delay="0"/>
+                                          </p:stCondLst>
+                                        </p:cTn>
+                                        <p:tgtEl>
+                                          <p:spTgt spid="56"/>
+                                        </p:tgtEl>
+                                        <p:attrNameLst>
+                                          <p:attrName>style.visibility</p:attrName>
+                                        </p:attrNameLst>
+                                      </p:cBhvr>
+                                      <p:to>
+                                        <p:strVal val="visible"/>
+                                      </p:to>
+                                    </p:set>
+                                    <p:animEffect transition="in" filter="fade">
+                                      <p:cBhvr>
+                                        <p:cTn id="21" dur="500"/>
+                                        <p:tgtEl>
+                                          <p:spTgt spid="56"/>
+                                        </p:tgtEl>
+                                      </p:cBhvr>
+                                    </p:animEffect>
+                                  </p:childTnLst>
+                                </p:cTn>
+                              </p:par>
+                            </p:childTnLst>
+                          </p:cTn>
+                        </p:par>
+                      </p:childTnLst>
+                    </p:cTn>
+                  </p:par>
+                  <p:par>
+                    <p:cTn id="22" fill="hold">
+                      <p:stCondLst>
+                        <p:cond delay="indefinite"/>
+                      </p:stCondLst>
+                      <p:childTnLst>
+                        <p:par>
+                          <p:cTn id="23" fill="hold">
+                            <p:stCondLst>
+                              <p:cond delay="0"/>
+                            </p:stCondLst>
+                            <p:childTnLst>
+                              <p:par>
+                                <p:cTn id="24" presetID="10" presetClass="entr" presetSubtype="0" fill="hold" grpId="0" nodeType="clickEffect">
+                                  <p:stCondLst>
+                                    <p:cond delay="0"/>
+                                  </p:stCondLst>
+                                  <p:childTnLst>
+                                    <p:set>
+                                      <p:cBhvr>
+                                        <p:cTn id="25" dur="1" fill="hold">
+                                          <p:stCondLst>
+                                            <p:cond delay="0"/>
+                                          </p:stCondLst>
+                                        </p:cTn>
+                                        <p:tgtEl>
+                                          <p:spTgt spid="63"/>
+                                        </p:tgtEl>
+                                        <p:attrNameLst>
+                                          <p:attrName>style.visibility</p:attrName>
+                                        </p:attrNameLst>
+                                      </p:cBhvr>
+                                      <p:to>
+                                        <p:strVal val="visible"/>
+                                      </p:to>
+                                    </p:set>
+                                    <p:animEffect transition="in" filter="fade">
+                                      <p:cBhvr>
+                                        <p:cTn id="26" dur="500"/>
+                                        <p:tgtEl>
+                                          <p:spTgt spid="63"/>
+                                        </p:tgtEl>
+                                      </p:cBhvr>
+                                    </p:animEffect>
+                                  </p:childTnLst>
+                                </p:cTn>
+                              </p:par>
+                              <p:par>
+                                <p:cTn id="27" presetID="10" presetClass="entr" presetSubtype="0" fill="hold" grpId="0" nodeType="withEffect">
+                                  <p:stCondLst>
+                                    <p:cond delay="0"/>
+                                  </p:stCondLst>
+                                  <p:childTnLst>
+                                    <p:set>
+                                      <p:cBhvr>
+                                        <p:cTn id="28" dur="1" fill="hold">
+                                          <p:stCondLst>
+                                            <p:cond delay="0"/>
+                                          </p:stCondLst>
+                                        </p:cTn>
+                                        <p:tgtEl>
+                                          <p:spTgt spid="65"/>
+                                        </p:tgtEl>
+                                        <p:attrNameLst>
+                                          <p:attrName>style.visibility</p:attrName>
+                                        </p:attrNameLst>
+                                      </p:cBhvr>
+                                      <p:to>
+                                        <p:strVal val="visible"/>
+                                      </p:to>
+                                    </p:set>
+                                    <p:animEffect transition="in" filter="fade">
+                                      <p:cBhvr>
+                                        <p:cTn id="29" dur="500"/>
+                                        <p:tgtEl>
+                                          <p:spTgt spid="65"/>
+                                        </p:tgtEl>
+                                      </p:cBhvr>
+                                    </p:animEffect>
+                                  </p:childTnLst>
+                                </p:cTn>
+                              </p:par>
+                            </p:childTnLst>
+                          </p:cTn>
+                        </p:par>
+                      </p:childTnLst>
+                    </p:cTn>
+                  </p:par>
+                  <p:par>
+                    <p:cTn id="30" fill="hold">
+                      <p:stCondLst>
+                        <p:cond delay="indefinite"/>
+                      </p:stCondLst>
+                      <p:childTnLst>
+                        <p:par>
+                          <p:cTn id="31" fill="hold">
+                            <p:stCondLst>
+                              <p:cond delay="0"/>
+                            </p:stCondLst>
+                            <p:childTnLst>
+                              <p:par>
+                                <p:cTn id="32" presetID="6" presetClass="emph" presetSubtype="0" fill="hold" nodeType="clickEffect">
+                                  <p:stCondLst>
+                                    <p:cond delay="0"/>
+                                  </p:stCondLst>
+                                  <p:childTnLst>
+                                    <p:animScale>
+                                      <p:cBhvr>
+                                        <p:cTn id="33" dur="1000" fill="hold"/>
+                                        <p:tgtEl>
+                                          <p:spTgt spid="69"/>
+                                        </p:tgtEl>
+                                      </p:cBhvr>
+                                      <p:by x="70000" y="70000"/>
+                                    </p:animScale>
+                                  </p:childTnLst>
+                                </p:cTn>
+                              </p:par>
+                              <p:par>
+                                <p:cTn id="34" presetID="42" presetClass="path" presetSubtype="0" fill="hold" nodeType="withEffect">
+                                  <p:stCondLst>
+                                    <p:cond delay="0"/>
+                                  </p:stCondLst>
+                                  <p:childTnLst>
+                                    <p:animMotion origin="layout" path="M -2.12293E-6 3.93579E-6 L -0.18578 -0.10465 " pathEditMode="relative" rAng="0" ptsTypes="AA">
+                                      <p:cBhvr>
+                                        <p:cTn id="35" dur="1000" fill="hold"/>
+                                        <p:tgtEl>
+                                          <p:spTgt spid="69"/>
+                                        </p:tgtEl>
+                                        <p:attrNameLst>
+                                          <p:attrName>ppt_x</p:attrName>
+                                          <p:attrName>ppt_y</p:attrName>
+                                        </p:attrNameLst>
+                                      </p:cBhvr>
+                                      <p:rCtr x="-9295" y="-5232"/>
+                                    </p:animMotion>
+                                  </p:childTnLst>
+                                </p:cTn>
+                              </p:par>
+                              <p:par>
+                                <p:cTn id="36" presetID="10" presetClass="entr" presetSubtype="0" fill="hold" nodeType="withEffect">
+                                  <p:stCondLst>
+                                    <p:cond delay="0"/>
+                                  </p:stCondLst>
+                                  <p:childTnLst>
+                                    <p:set>
+                                      <p:cBhvr>
+                                        <p:cTn id="37" dur="1" fill="hold">
+                                          <p:stCondLst>
+                                            <p:cond delay="0"/>
+                                          </p:stCondLst>
+                                        </p:cTn>
+                                        <p:tgtEl>
+                                          <p:spTgt spid="76"/>
+                                        </p:tgtEl>
+                                        <p:attrNameLst>
+                                          <p:attrName>style.visibility</p:attrName>
+                                        </p:attrNameLst>
+                                      </p:cBhvr>
+                                      <p:to>
+                                        <p:strVal val="visible"/>
+                                      </p:to>
+                                    </p:set>
+                                    <p:animEffect transition="in" filter="fade">
+                                      <p:cBhvr>
+                                        <p:cTn id="38" dur="2000"/>
+                                        <p:tgtEl>
+                                          <p:spTgt spid="76"/>
+                                        </p:tgtEl>
+                                      </p:cBhvr>
+                                    </p:animEffect>
+                                  </p:childTnLst>
+                                </p:cTn>
+                              </p:par>
+                              <p:par>
+                                <p:cTn id="39" presetID="10" presetClass="entr" presetSubtype="0" fill="hold" nodeType="withEffect">
+                                  <p:stCondLst>
+                                    <p:cond delay="0"/>
+                                  </p:stCondLst>
+                                  <p:childTnLst>
+                                    <p:set>
+                                      <p:cBhvr>
+                                        <p:cTn id="40" dur="1" fill="hold">
+                                          <p:stCondLst>
+                                            <p:cond delay="0"/>
+                                          </p:stCondLst>
+                                        </p:cTn>
+                                        <p:tgtEl>
+                                          <p:spTgt spid="78"/>
+                                        </p:tgtEl>
+                                        <p:attrNameLst>
+                                          <p:attrName>style.visibility</p:attrName>
+                                        </p:attrNameLst>
+                                      </p:cBhvr>
+                                      <p:to>
+                                        <p:strVal val="visible"/>
+                                      </p:to>
+                                    </p:set>
+                                    <p:animEffect transition="in" filter="fade">
+                                      <p:cBhvr>
+                                        <p:cTn id="41" dur="2000"/>
+                                        <p:tgtEl>
+                                          <p:spTgt spid="78"/>
+                                        </p:tgtEl>
+                                      </p:cBhvr>
+                                    </p:animEffect>
+                                  </p:childTnLst>
+                                </p:cTn>
+                              </p:par>
+                              <p:par>
+                                <p:cTn id="42" presetID="10" presetClass="entr" presetSubtype="0" fill="hold" nodeType="withEffect">
+                                  <p:stCondLst>
+                                    <p:cond delay="0"/>
+                                  </p:stCondLst>
+                                  <p:childTnLst>
+                                    <p:set>
+                                      <p:cBhvr>
+                                        <p:cTn id="43" dur="1" fill="hold">
+                                          <p:stCondLst>
+                                            <p:cond delay="0"/>
+                                          </p:stCondLst>
+                                        </p:cTn>
+                                        <p:tgtEl>
+                                          <p:spTgt spid="73"/>
+                                        </p:tgtEl>
+                                        <p:attrNameLst>
+                                          <p:attrName>style.visibility</p:attrName>
+                                        </p:attrNameLst>
+                                      </p:cBhvr>
+                                      <p:to>
+                                        <p:strVal val="visible"/>
+                                      </p:to>
+                                    </p:set>
+                                    <p:animEffect transition="in" filter="fade">
+                                      <p:cBhvr>
+                                        <p:cTn id="44" dur="2000"/>
+                                        <p:tgtEl>
+                                          <p:spTgt spid="73"/>
+                                        </p:tgtEl>
+                                      </p:cBhvr>
+                                    </p:animEffect>
+                                  </p:childTnLst>
+                                </p:cTn>
+                              </p:par>
+                              <p:par>
+                                <p:cTn id="45" presetID="10" presetClass="entr" presetSubtype="0" fill="hold" nodeType="withEffect">
+                                  <p:stCondLst>
+                                    <p:cond delay="0"/>
+                                  </p:stCondLst>
+                                  <p:childTnLst>
+                                    <p:set>
+                                      <p:cBhvr>
+                                        <p:cTn id="46" dur="1" fill="hold">
+                                          <p:stCondLst>
+                                            <p:cond delay="0"/>
+                                          </p:stCondLst>
+                                        </p:cTn>
+                                        <p:tgtEl>
+                                          <p:spTgt spid="81"/>
+                                        </p:tgtEl>
+                                        <p:attrNameLst>
+                                          <p:attrName>style.visibility</p:attrName>
+                                        </p:attrNameLst>
+                                      </p:cBhvr>
+                                      <p:to>
+                                        <p:strVal val="visible"/>
+                                      </p:to>
+                                    </p:set>
+                                    <p:animEffect transition="in" filter="fade">
+                                      <p:cBhvr>
+                                        <p:cTn id="47" dur="2000"/>
+                                        <p:tgtEl>
+                                          <p:spTgt spid="81"/>
+                                        </p:tgtEl>
+                                      </p:cBhvr>
+                                    </p:animEffect>
+                                  </p:childTnLst>
+                                </p:cTn>
+                              </p:par>
+                              <p:par>
+                                <p:cTn id="48" presetID="10" presetClass="entr" presetSubtype="0" fill="hold" nodeType="withEffect">
+                                  <p:stCondLst>
+                                    <p:cond delay="0"/>
+                                  </p:stCondLst>
+                                  <p:childTnLst>
+                                    <p:set>
+                                      <p:cBhvr>
+                                        <p:cTn id="49" dur="1" fill="hold">
+                                          <p:stCondLst>
+                                            <p:cond delay="0"/>
+                                          </p:stCondLst>
+                                        </p:cTn>
+                                        <p:tgtEl>
+                                          <p:spTgt spid="80"/>
+                                        </p:tgtEl>
+                                        <p:attrNameLst>
+                                          <p:attrName>style.visibility</p:attrName>
+                                        </p:attrNameLst>
+                                      </p:cBhvr>
+                                      <p:to>
+                                        <p:strVal val="visible"/>
+                                      </p:to>
+                                    </p:set>
+                                    <p:animEffect transition="in" filter="fade">
+                                      <p:cBhvr>
+                                        <p:cTn id="50" dur="2000"/>
+                                        <p:tgtEl>
+                                          <p:spTgt spid="80"/>
+                                        </p:tgtEl>
+                                      </p:cBhvr>
+                                    </p:animEffect>
+                                  </p:childTnLst>
+                                </p:cTn>
+                              </p:par>
+                              <p:par>
+                                <p:cTn id="51" presetID="10" presetClass="entr" presetSubtype="0" fill="hold" nodeType="withEffect">
+                                  <p:stCondLst>
+                                    <p:cond delay="0"/>
+                                  </p:stCondLst>
+                                  <p:childTnLst>
+                                    <p:set>
+                                      <p:cBhvr>
+                                        <p:cTn id="52" dur="1" fill="hold">
+                                          <p:stCondLst>
+                                            <p:cond delay="0"/>
+                                          </p:stCondLst>
+                                        </p:cTn>
+                                        <p:tgtEl>
+                                          <p:spTgt spid="82"/>
+                                        </p:tgtEl>
+                                        <p:attrNameLst>
+                                          <p:attrName>style.visibility</p:attrName>
+                                        </p:attrNameLst>
+                                      </p:cBhvr>
+                                      <p:to>
+                                        <p:strVal val="visible"/>
+                                      </p:to>
+                                    </p:set>
+                                    <p:animEffect transition="in" filter="fade">
+                                      <p:cBhvr>
+                                        <p:cTn id="53" dur="2000"/>
+                                        <p:tgtEl>
+                                          <p:spTgt spid="82"/>
+                                        </p:tgtEl>
+                                      </p:cBhvr>
+                                    </p:animEffect>
+                                  </p:childTnLst>
+                                </p:cTn>
+                              </p:par>
+                            </p:childTnLst>
+                          </p:cTn>
+                        </p:par>
+                      </p:childTnLst>
+                    </p:cTn>
+                  </p:par>
+                  <p:par>
+                    <p:cTn id="54" fill="hold">
+                      <p:stCondLst>
+                        <p:cond delay="indefinite"/>
+                      </p:stCondLst>
+                      <p:childTnLst>
+                        <p:par>
+                          <p:cTn id="55" fill="hold">
+                            <p:stCondLst>
+                              <p:cond delay="0"/>
+                            </p:stCondLst>
+                            <p:childTnLst>
+                              <p:par>
+                                <p:cTn id="56" presetID="53" presetClass="entr" presetSubtype="16" fill="hold" grpId="0" nodeType="clickEffect">
+                                  <p:stCondLst>
+                                    <p:cond delay="0"/>
+                                  </p:stCondLst>
+                                  <p:childTnLst>
+                                    <p:set>
+                                      <p:cBhvr>
+                                        <p:cTn id="57" dur="1" fill="hold">
+                                          <p:stCondLst>
+                                            <p:cond delay="0"/>
+                                          </p:stCondLst>
+                                        </p:cTn>
+                                        <p:tgtEl>
+                                          <p:spTgt spid="83"/>
+                                        </p:tgtEl>
+                                        <p:attrNameLst>
+                                          <p:attrName>style.visibility</p:attrName>
+                                        </p:attrNameLst>
+                                      </p:cBhvr>
+                                      <p:to>
+                                        <p:strVal val="visible"/>
+                                      </p:to>
+                                    </p:set>
+                                    <p:anim calcmode="lin" valueType="num">
+                                      <p:cBhvr>
+                                        <p:cTn id="58" dur="500" fill="hold"/>
+                                        <p:tgtEl>
+                                          <p:spTgt spid="83"/>
+                                        </p:tgtEl>
+                                        <p:attrNameLst>
+                                          <p:attrName>ppt_w</p:attrName>
+                                        </p:attrNameLst>
+                                      </p:cBhvr>
+                                      <p:tavLst>
+                                        <p:tav tm="0">
+                                          <p:val>
+                                            <p:fltVal val="0"/>
+                                          </p:val>
+                                        </p:tav>
+                                        <p:tav tm="100000">
+                                          <p:val>
+                                            <p:strVal val="#ppt_w"/>
+                                          </p:val>
+                                        </p:tav>
+                                      </p:tavLst>
+                                    </p:anim>
+                                    <p:anim calcmode="lin" valueType="num">
+                                      <p:cBhvr>
+                                        <p:cTn id="59" dur="500" fill="hold"/>
+                                        <p:tgtEl>
+                                          <p:spTgt spid="83"/>
+                                        </p:tgtEl>
+                                        <p:attrNameLst>
+                                          <p:attrName>ppt_h</p:attrName>
+                                        </p:attrNameLst>
+                                      </p:cBhvr>
+                                      <p:tavLst>
+                                        <p:tav tm="0">
+                                          <p:val>
+                                            <p:fltVal val="0"/>
+                                          </p:val>
+                                        </p:tav>
+                                        <p:tav tm="100000">
+                                          <p:val>
+                                            <p:strVal val="#ppt_h"/>
+                                          </p:val>
+                                        </p:tav>
+                                      </p:tavLst>
+                                    </p:anim>
+                                    <p:animEffect transition="in" filter="fade">
+                                      <p:cBhvr>
+                                        <p:cTn id="60" dur="500"/>
+                                        <p:tgtEl>
+                                          <p:spTgt spid="83"/>
+                                        </p:tgtEl>
+                                      </p:cBhvr>
+                                    </p:animEffect>
+                                  </p:childTnLst>
+                                </p:cTn>
+                              </p:par>
+                            </p:childTnLst>
+                          </p:cTn>
+                        </p:par>
+                        <p:par>
+                          <p:cTn id="61" fill="hold">
+                            <p:stCondLst>
+                              <p:cond delay="500"/>
+                            </p:stCondLst>
+                            <p:childTnLst>
+                              <p:par>
+                                <p:cTn id="62" presetID="31" presetClass="exit" presetSubtype="0" fill="hold" nodeType="afterEffect">
+                                  <p:stCondLst>
+                                    <p:cond delay="0"/>
+                                  </p:stCondLst>
+                                  <p:childTnLst>
+                                    <p:anim calcmode="lin" valueType="num">
+                                      <p:cBhvr>
+                                        <p:cTn id="63" dur="1000"/>
+                                        <p:tgtEl>
+                                          <p:spTgt spid="81"/>
+                                        </p:tgtEl>
+                                        <p:attrNameLst>
+                                          <p:attrName>ppt_w</p:attrName>
+                                        </p:attrNameLst>
+                                      </p:cBhvr>
+                                      <p:tavLst>
+                                        <p:tav tm="0">
+                                          <p:val>
+                                            <p:strVal val="ppt_w"/>
+                                          </p:val>
+                                        </p:tav>
+                                        <p:tav tm="100000">
+                                          <p:val>
+                                            <p:fltVal val="0"/>
+                                          </p:val>
+                                        </p:tav>
+                                      </p:tavLst>
+                                    </p:anim>
+                                    <p:anim calcmode="lin" valueType="num">
+                                      <p:cBhvr>
+                                        <p:cTn id="64" dur="1000"/>
+                                        <p:tgtEl>
+                                          <p:spTgt spid="81"/>
+                                        </p:tgtEl>
+                                        <p:attrNameLst>
+                                          <p:attrName>ppt_h</p:attrName>
+                                        </p:attrNameLst>
+                                      </p:cBhvr>
+                                      <p:tavLst>
+                                        <p:tav tm="0">
+                                          <p:val>
+                                            <p:strVal val="ppt_h"/>
+                                          </p:val>
+                                        </p:tav>
+                                        <p:tav tm="100000">
+                                          <p:val>
+                                            <p:fltVal val="0"/>
+                                          </p:val>
+                                        </p:tav>
+                                      </p:tavLst>
+                                    </p:anim>
+                                    <p:anim calcmode="lin" valueType="num">
+                                      <p:cBhvr>
+                                        <p:cTn id="65" dur="1000"/>
+                                        <p:tgtEl>
+                                          <p:spTgt spid="81"/>
+                                        </p:tgtEl>
+                                        <p:attrNameLst>
+                                          <p:attrName>style.rotation</p:attrName>
+                                        </p:attrNameLst>
+                                      </p:cBhvr>
+                                      <p:tavLst>
+                                        <p:tav tm="0">
+                                          <p:val>
+                                            <p:fltVal val="0"/>
+                                          </p:val>
+                                        </p:tav>
+                                        <p:tav tm="100000">
+                                          <p:val>
+                                            <p:fltVal val="90"/>
+                                          </p:val>
+                                        </p:tav>
+                                      </p:tavLst>
+                                    </p:anim>
+                                    <p:animEffect transition="out" filter="fade">
+                                      <p:cBhvr>
+                                        <p:cTn id="66" dur="1000"/>
+                                        <p:tgtEl>
+                                          <p:spTgt spid="81"/>
+                                        </p:tgtEl>
+                                      </p:cBhvr>
+                                    </p:animEffect>
+                                    <p:set>
+                                      <p:cBhvr>
+                                        <p:cTn id="67" dur="1" fill="hold">
+                                          <p:stCondLst>
+                                            <p:cond delay="999"/>
+                                          </p:stCondLst>
+                                        </p:cTn>
+                                        <p:tgtEl>
+                                          <p:spTgt spid="81"/>
+                                        </p:tgtEl>
+                                        <p:attrNameLst>
+                                          <p:attrName>style.visibility</p:attrName>
+                                        </p:attrNameLst>
+                                      </p:cBhvr>
+                                      <p:to>
+                                        <p:strVal val="hidden"/>
+                                      </p:to>
+                                    </p:set>
+                                  </p:childTnLst>
+                                </p:cTn>
+                              </p:par>
+                              <p:par>
+                                <p:cTn id="68" presetID="31" presetClass="exit" presetSubtype="0" fill="hold" nodeType="withEffect">
+                                  <p:stCondLst>
+                                    <p:cond delay="0"/>
+                                  </p:stCondLst>
+                                  <p:childTnLst>
+                                    <p:anim calcmode="lin" valueType="num">
+                                      <p:cBhvr>
+                                        <p:cTn id="69" dur="1000"/>
+                                        <p:tgtEl>
+                                          <p:spTgt spid="80"/>
+                                        </p:tgtEl>
+                                        <p:attrNameLst>
+                                          <p:attrName>ppt_w</p:attrName>
+                                        </p:attrNameLst>
+                                      </p:cBhvr>
+                                      <p:tavLst>
+                                        <p:tav tm="0">
+                                          <p:val>
+                                            <p:strVal val="ppt_w"/>
+                                          </p:val>
+                                        </p:tav>
+                                        <p:tav tm="100000">
+                                          <p:val>
+                                            <p:fltVal val="0"/>
+                                          </p:val>
+                                        </p:tav>
+                                      </p:tavLst>
+                                    </p:anim>
+                                    <p:anim calcmode="lin" valueType="num">
+                                      <p:cBhvr>
+                                        <p:cTn id="70" dur="1000"/>
+                                        <p:tgtEl>
+                                          <p:spTgt spid="80"/>
+                                        </p:tgtEl>
+                                        <p:attrNameLst>
+                                          <p:attrName>ppt_h</p:attrName>
+                                        </p:attrNameLst>
+                                      </p:cBhvr>
+                                      <p:tavLst>
+                                        <p:tav tm="0">
+                                          <p:val>
+                                            <p:strVal val="ppt_h"/>
+                                          </p:val>
+                                        </p:tav>
+                                        <p:tav tm="100000">
+                                          <p:val>
+                                            <p:fltVal val="0"/>
+                                          </p:val>
+                                        </p:tav>
+                                      </p:tavLst>
+                                    </p:anim>
+                                    <p:anim calcmode="lin" valueType="num">
+                                      <p:cBhvr>
+                                        <p:cTn id="71" dur="1000"/>
+                                        <p:tgtEl>
+                                          <p:spTgt spid="80"/>
+                                        </p:tgtEl>
+                                        <p:attrNameLst>
+                                          <p:attrName>style.rotation</p:attrName>
+                                        </p:attrNameLst>
+                                      </p:cBhvr>
+                                      <p:tavLst>
+                                        <p:tav tm="0">
+                                          <p:val>
+                                            <p:fltVal val="0"/>
+                                          </p:val>
+                                        </p:tav>
+                                        <p:tav tm="100000">
+                                          <p:val>
+                                            <p:fltVal val="90"/>
+                                          </p:val>
+                                        </p:tav>
+                                      </p:tavLst>
+                                    </p:anim>
+                                    <p:animEffect transition="out" filter="fade">
+                                      <p:cBhvr>
+                                        <p:cTn id="72" dur="1000"/>
+                                        <p:tgtEl>
+                                          <p:spTgt spid="80"/>
+                                        </p:tgtEl>
+                                      </p:cBhvr>
+                                    </p:animEffect>
+                                    <p:set>
+                                      <p:cBhvr>
+                                        <p:cTn id="73" dur="1" fill="hold">
+                                          <p:stCondLst>
+                                            <p:cond delay="999"/>
+                                          </p:stCondLst>
+                                        </p:cTn>
+                                        <p:tgtEl>
+                                          <p:spTgt spid="80"/>
+                                        </p:tgtEl>
+                                        <p:attrNameLst>
+                                          <p:attrName>style.visibility</p:attrName>
+                                        </p:attrNameLst>
+                                      </p:cBhvr>
+                                      <p:to>
+                                        <p:strVal val="hidden"/>
+                                      </p:to>
+                                    </p:set>
+                                  </p:childTnLst>
+                                </p:cTn>
+                              </p:par>
+                            </p:childTnLst>
+                          </p:cTn>
+                        </p:par>
+                        <p:par>
+                          <p:cTn id="74" fill="hold">
+                            <p:stCondLst>
+                              <p:cond delay="1500"/>
+                            </p:stCondLst>
+                            <p:childTnLst>
+                              <p:par>
+                                <p:cTn id="75" presetID="10" presetClass="entr" presetSubtype="0" fill="hold" grpId="0" nodeType="afterEffect">
+                                  <p:stCondLst>
+                                    <p:cond delay="0"/>
+                                  </p:stCondLst>
+                                  <p:childTnLst>
+                                    <p:set>
+                                      <p:cBhvr>
+                                        <p:cTn id="76" dur="1" fill="hold">
+                                          <p:stCondLst>
+                                            <p:cond delay="0"/>
+                                          </p:stCondLst>
+                                        </p:cTn>
+                                        <p:tgtEl>
+                                          <p:spTgt spid="84"/>
+                                        </p:tgtEl>
+                                        <p:attrNameLst>
+                                          <p:attrName>style.visibility</p:attrName>
+                                        </p:attrNameLst>
+                                      </p:cBhvr>
+                                      <p:to>
+                                        <p:strVal val="visible"/>
+                                      </p:to>
+                                    </p:set>
+                                    <p:animEffect transition="in" filter="fade">
+                                      <p:cBhvr>
+                                        <p:cTn id="77" dur="500"/>
+                                        <p:tgtEl>
+                                          <p:spTgt spid="84"/>
+                                        </p:tgtEl>
+                                      </p:cBhvr>
+                                    </p:animEffect>
+                                  </p:childTnLst>
+                                </p:cTn>
+                              </p:par>
+                              <p:par>
+                                <p:cTn id="78" presetID="10" presetClass="entr" presetSubtype="0" fill="hold" grpId="0" nodeType="withEffect">
+                                  <p:stCondLst>
+                                    <p:cond delay="0"/>
+                                  </p:stCondLst>
+                                  <p:childTnLst>
+                                    <p:set>
+                                      <p:cBhvr>
+                                        <p:cTn id="79" dur="1" fill="hold">
+                                          <p:stCondLst>
+                                            <p:cond delay="0"/>
+                                          </p:stCondLst>
+                                        </p:cTn>
+                                        <p:tgtEl>
+                                          <p:spTgt spid="85"/>
+                                        </p:tgtEl>
+                                        <p:attrNameLst>
+                                          <p:attrName>style.visibility</p:attrName>
+                                        </p:attrNameLst>
+                                      </p:cBhvr>
+                                      <p:to>
+                                        <p:strVal val="visible"/>
+                                      </p:to>
+                                    </p:set>
+                                    <p:animEffect transition="in" filter="fade">
+                                      <p:cBhvr>
+                                        <p:cTn id="80" dur="2000"/>
+                                        <p:tgtEl>
+                                          <p:spTgt spid="85"/>
+                                        </p:tgtEl>
+                                      </p:cBhvr>
+                                    </p:animEffect>
+                                  </p:childTnLst>
+                                </p:cTn>
+                              </p:par>
+                            </p:childTnLst>
+                          </p:cTn>
+                        </p:par>
+                      </p:childTnLst>
+                    </p:cTn>
+                  </p:par>
+                </p:childTnLst>
+              </p:cTn>
+              <p:prevCondLst>
+                <p:cond evt="onPrev" delay="0">
+                  <p:tgtEl>
+                    <p:sldTgt/>
+                  </p:tgtEl>
+                </p:cond>
+              </p:prevCondLst>
+              <p:nextCondLst>
+                <p:cond evt="onNext" delay="0">
+                  <p:tgtEl>
+                    <p:sldTgt/>
+                  </p:tgtEl>
+                </p:cond>
+              </p:nextCondLst>
+            </p:seq>
+          </p:childTnLst>
+        </p:cTn>
+      </p:par>
+    </p:tnLst>
+    <p:bldLst>
+      <p:bldP spid="56" grpId="0"/>
+      <p:bldP spid="57" grpId="0"/>
+      <p:bldP spid="59" grpId="0"/>
+      <p:bldP spid="61" grpId="0"/>
+      <p:bldP spid="63" grpId="0"/>
+      <p:bldP spid="65" grpId="0"/>
+      <p:bldP spid="67" grpId="0"/>
+      <p:bldP spid="83" grpId="0" animBg="1"/>
+      <p:bldP spid="84" grpId="0" animBg="1"/>
+      <p:bldP spid="85" grpId="0"/>
+    </p:bldLst>
+  </p:timing>
 </p:sld>
 </file>
 

--- a/poster/G14_ONO-Systems.pptx
+++ b/poster/G14_ONO-Systems.pptx
@@ -243,7 +243,7 @@
           <a:p>
             <a:fld id="{B042BC44-9F62-4CE5-9F38-ECCBAF80D58A}" type="datetimeFigureOut">
               <a:rPr kumimoji="1" lang="ja-JP" altLang="en-US" smtClean="0"/>
-              <a:t>2019/1/24</a:t>
+              <a:t>2019/1/28</a:t>
             </a:fld>
             <a:endParaRPr kumimoji="1" lang="ja-JP" altLang="en-US"/>
           </a:p>
@@ -445,7 +445,7 @@
           <a:p>
             <a:fld id="{B042BC44-9F62-4CE5-9F38-ECCBAF80D58A}" type="datetimeFigureOut">
               <a:rPr kumimoji="1" lang="ja-JP" altLang="en-US" smtClean="0"/>
-              <a:t>2019/1/24</a:t>
+              <a:t>2019/1/28</a:t>
             </a:fld>
             <a:endParaRPr kumimoji="1" lang="ja-JP" altLang="en-US"/>
           </a:p>
@@ -657,7 +657,7 @@
           <a:p>
             <a:fld id="{B042BC44-9F62-4CE5-9F38-ECCBAF80D58A}" type="datetimeFigureOut">
               <a:rPr kumimoji="1" lang="ja-JP" altLang="en-US" smtClean="0"/>
-              <a:t>2019/1/24</a:t>
+              <a:t>2019/1/28</a:t>
             </a:fld>
             <a:endParaRPr kumimoji="1" lang="ja-JP" altLang="en-US"/>
           </a:p>
@@ -880,7 +880,7 @@
           <a:p>
             <a:fld id="{B042BC44-9F62-4CE5-9F38-ECCBAF80D58A}" type="datetimeFigureOut">
               <a:rPr kumimoji="1" lang="ja-JP" altLang="en-US" smtClean="0"/>
-              <a:t>2019/1/24</a:t>
+              <a:t>2019/1/28</a:t>
             </a:fld>
             <a:endParaRPr kumimoji="1" lang="ja-JP" altLang="en-US"/>
           </a:p>
@@ -1124,7 +1124,7 @@
           <a:p>
             <a:fld id="{B042BC44-9F62-4CE5-9F38-ECCBAF80D58A}" type="datetimeFigureOut">
               <a:rPr kumimoji="1" lang="ja-JP" altLang="en-US" smtClean="0"/>
-              <a:t>2019/1/24</a:t>
+              <a:t>2019/1/28</a:t>
             </a:fld>
             <a:endParaRPr kumimoji="1" lang="ja-JP" altLang="en-US"/>
           </a:p>
@@ -1420,7 +1420,7 @@
           <a:p>
             <a:fld id="{B042BC44-9F62-4CE5-9F38-ECCBAF80D58A}" type="datetimeFigureOut">
               <a:rPr kumimoji="1" lang="ja-JP" altLang="en-US" smtClean="0"/>
-              <a:t>2019/1/24</a:t>
+              <a:t>2019/1/28</a:t>
             </a:fld>
             <a:endParaRPr kumimoji="1" lang="ja-JP" altLang="en-US"/>
           </a:p>
@@ -1851,7 +1851,7 @@
           <a:p>
             <a:fld id="{B042BC44-9F62-4CE5-9F38-ECCBAF80D58A}" type="datetimeFigureOut">
               <a:rPr kumimoji="1" lang="ja-JP" altLang="en-US" smtClean="0"/>
-              <a:t>2019/1/24</a:t>
+              <a:t>2019/1/28</a:t>
             </a:fld>
             <a:endParaRPr kumimoji="1" lang="ja-JP" altLang="en-US"/>
           </a:p>
@@ -1969,7 +1969,7 @@
           <a:p>
             <a:fld id="{B042BC44-9F62-4CE5-9F38-ECCBAF80D58A}" type="datetimeFigureOut">
               <a:rPr kumimoji="1" lang="ja-JP" altLang="en-US" smtClean="0"/>
-              <a:t>2019/1/24</a:t>
+              <a:t>2019/1/28</a:t>
             </a:fld>
             <a:endParaRPr kumimoji="1" lang="ja-JP" altLang="en-US"/>
           </a:p>
@@ -2064,7 +2064,7 @@
           <a:p>
             <a:fld id="{B042BC44-9F62-4CE5-9F38-ECCBAF80D58A}" type="datetimeFigureOut">
               <a:rPr kumimoji="1" lang="ja-JP" altLang="en-US" smtClean="0"/>
-              <a:t>2019/1/24</a:t>
+              <a:t>2019/1/28</a:t>
             </a:fld>
             <a:endParaRPr kumimoji="1" lang="ja-JP" altLang="en-US"/>
           </a:p>
@@ -2373,7 +2373,7 @@
           <a:p>
             <a:fld id="{B042BC44-9F62-4CE5-9F38-ECCBAF80D58A}" type="datetimeFigureOut">
               <a:rPr kumimoji="1" lang="ja-JP" altLang="en-US" smtClean="0"/>
-              <a:t>2019/1/24</a:t>
+              <a:t>2019/1/28</a:t>
             </a:fld>
             <a:endParaRPr kumimoji="1" lang="ja-JP" altLang="en-US"/>
           </a:p>
@@ -2630,7 +2630,7 @@
           <a:p>
             <a:fld id="{B042BC44-9F62-4CE5-9F38-ECCBAF80D58A}" type="datetimeFigureOut">
               <a:rPr kumimoji="1" lang="ja-JP" altLang="en-US" smtClean="0"/>
-              <a:t>2019/1/24</a:t>
+              <a:t>2019/1/28</a:t>
             </a:fld>
             <a:endParaRPr kumimoji="1" lang="ja-JP" altLang="en-US"/>
           </a:p>
@@ -2875,7 +2875,7 @@
           <a:p>
             <a:fld id="{B042BC44-9F62-4CE5-9F38-ECCBAF80D58A}" type="datetimeFigureOut">
               <a:rPr kumimoji="1" lang="ja-JP" altLang="en-US" smtClean="0"/>
-              <a:t>2019/1/24</a:t>
+              <a:t>2019/1/28</a:t>
             </a:fld>
             <a:endParaRPr kumimoji="1" lang="ja-JP" altLang="en-US"/>
           </a:p>
@@ -5475,135 +5475,6 @@
           </a:prstGeom>
         </p:spPr>
       </p:pic>
-      <p:pic>
-        <p:nvPicPr>
-          <p:cNvPr id="66" name="図 65">
-            <a:extLst>
-              <a:ext uri="{FF2B5EF4-FFF2-40B4-BE49-F238E27FC236}">
-                <a16:creationId xmlns:a16="http://schemas.microsoft.com/office/drawing/2014/main" id="{510E4177-80EC-4945-B681-09BD6E0E9142}"/>
-              </a:ext>
-            </a:extLst>
-          </p:cNvPr>
-          <p:cNvPicPr>
-            <a:picLocks noChangeAspect="1"/>
-          </p:cNvPicPr>
-          <p:nvPr/>
-        </p:nvPicPr>
-        <p:blipFill>
-          <a:blip r:embed="rId9">
-            <a:extLst>
-              <a:ext uri="{28A0092B-C50C-407E-A947-70E740481C1C}">
-                <a14:useLocalDpi xmlns:a14="http://schemas.microsoft.com/office/drawing/2010/main" val="0"/>
-              </a:ext>
-            </a:extLst>
-          </a:blip>
-          <a:stretch>
-            <a:fillRect/>
-          </a:stretch>
-        </p:blipFill>
-        <p:spPr>
-          <a:xfrm>
-            <a:off x="1147099" y="25004371"/>
-            <a:ext cx="1246941" cy="1476067"/>
-          </a:xfrm>
-          <a:prstGeom prst="rect">
-            <a:avLst/>
-          </a:prstGeom>
-        </p:spPr>
-      </p:pic>
-      <p:grpSp>
-        <p:nvGrpSpPr>
-          <p:cNvPr id="75" name="グループ化 74">
-            <a:extLst>
-              <a:ext uri="{FF2B5EF4-FFF2-40B4-BE49-F238E27FC236}">
-                <a16:creationId xmlns:a16="http://schemas.microsoft.com/office/drawing/2014/main" id="{611073DB-0A16-4D1B-991B-AB251C5ACDA4}"/>
-              </a:ext>
-            </a:extLst>
-          </p:cNvPr>
-          <p:cNvGrpSpPr/>
-          <p:nvPr/>
-        </p:nvGrpSpPr>
-        <p:grpSpPr>
-          <a:xfrm>
-            <a:off x="3802149" y="28225400"/>
-            <a:ext cx="3574284" cy="1096825"/>
-            <a:chOff x="2486625" y="27595654"/>
-            <a:chExt cx="3574284" cy="1096825"/>
-          </a:xfrm>
-        </p:grpSpPr>
-        <p:pic>
-          <p:nvPicPr>
-            <p:cNvPr id="68" name="図 67">
-              <a:extLst>
-                <a:ext uri="{FF2B5EF4-FFF2-40B4-BE49-F238E27FC236}">
-                  <a16:creationId xmlns:a16="http://schemas.microsoft.com/office/drawing/2014/main" id="{D960D0F4-126F-48D1-97B3-6FE12DAE4F30}"/>
-                </a:ext>
-              </a:extLst>
-            </p:cNvPr>
-            <p:cNvPicPr>
-              <a:picLocks noChangeAspect="1"/>
-            </p:cNvPicPr>
-            <p:nvPr/>
-          </p:nvPicPr>
-          <p:blipFill>
-            <a:blip r:embed="rId10">
-              <a:extLst>
-                <a:ext uri="{28A0092B-C50C-407E-A947-70E740481C1C}">
-                  <a14:useLocalDpi xmlns:a14="http://schemas.microsoft.com/office/drawing/2010/main" val="0"/>
-                </a:ext>
-              </a:extLst>
-            </a:blip>
-            <a:stretch>
-              <a:fillRect/>
-            </a:stretch>
-          </p:blipFill>
-          <p:spPr>
-            <a:xfrm>
-              <a:off x="2486625" y="27654427"/>
-              <a:ext cx="923331" cy="923331"/>
-            </a:xfrm>
-            <a:prstGeom prst="rect">
-              <a:avLst/>
-            </a:prstGeom>
-          </p:spPr>
-        </p:pic>
-        <p:pic>
-          <p:nvPicPr>
-            <p:cNvPr id="70" name="図 69">
-              <a:extLst>
-                <a:ext uri="{FF2B5EF4-FFF2-40B4-BE49-F238E27FC236}">
-                  <a16:creationId xmlns:a16="http://schemas.microsoft.com/office/drawing/2014/main" id="{54A7606F-8F48-492D-A0A7-0D885E302D14}"/>
-                </a:ext>
-              </a:extLst>
-            </p:cNvPr>
-            <p:cNvPicPr>
-              <a:picLocks noChangeAspect="1"/>
-            </p:cNvPicPr>
-            <p:nvPr/>
-          </p:nvPicPr>
-          <p:blipFill>
-            <a:blip r:embed="rId11">
-              <a:extLst>
-                <a:ext uri="{28A0092B-C50C-407E-A947-70E740481C1C}">
-                  <a14:useLocalDpi xmlns:a14="http://schemas.microsoft.com/office/drawing/2010/main" val="0"/>
-                </a:ext>
-              </a:extLst>
-            </a:blip>
-            <a:stretch>
-              <a:fillRect/>
-            </a:stretch>
-          </p:blipFill>
-          <p:spPr>
-            <a:xfrm>
-              <a:off x="3385726" y="27595654"/>
-              <a:ext cx="2675183" cy="1096825"/>
-            </a:xfrm>
-            <a:prstGeom prst="rect">
-              <a:avLst/>
-            </a:prstGeom>
-          </p:spPr>
-        </p:pic>
-      </p:grpSp>
       <p:sp>
         <p:nvSpPr>
           <p:cNvPr id="71" name="正方形/長方形 70">
@@ -5708,7 +5579,7 @@
           <p:nvPr/>
         </p:nvPicPr>
         <p:blipFill>
-          <a:blip r:embed="rId12">
+          <a:blip r:embed="rId9">
             <a:extLst>
               <a:ext uri="{28A0092B-C50C-407E-A947-70E740481C1C}">
                 <a14:useLocalDpi xmlns:a14="http://schemas.microsoft.com/office/drawing/2010/main" val="0"/>
@@ -5744,7 +5615,7 @@
           <p:nvPr/>
         </p:nvPicPr>
         <p:blipFill rotWithShape="1">
-          <a:blip r:embed="rId13">
+          <a:blip r:embed="rId10">
             <a:extLst>
               <a:ext uri="{28A0092B-C50C-407E-A947-70E740481C1C}">
                 <a14:useLocalDpi xmlns:a14="http://schemas.microsoft.com/office/drawing/2010/main" val="0"/>
@@ -5779,7 +5650,7 @@
           <p:nvPr/>
         </p:nvPicPr>
         <p:blipFill>
-          <a:blip r:embed="rId14">
+          <a:blip r:embed="rId11">
             <a:extLst>
               <a:ext uri="{28A0092B-C50C-407E-A947-70E740481C1C}">
                 <a14:useLocalDpi xmlns:a14="http://schemas.microsoft.com/office/drawing/2010/main" val="0"/>
@@ -5815,7 +5686,7 @@
           <p:nvPr/>
         </p:nvPicPr>
         <p:blipFill>
-          <a:blip r:embed="rId15">
+          <a:blip r:embed="rId12">
             <a:extLst>
               <a:ext uri="{28A0092B-C50C-407E-A947-70E740481C1C}">
                 <a14:useLocalDpi xmlns:a14="http://schemas.microsoft.com/office/drawing/2010/main" val="0"/>
@@ -6533,7 +6404,7 @@
           <p:nvPr/>
         </p:nvPicPr>
         <p:blipFill rotWithShape="1">
-          <a:blip r:embed="rId16"/>
+          <a:blip r:embed="rId13"/>
           <a:srcRect b="16469"/>
           <a:stretch/>
         </p:blipFill>
@@ -6547,12 +6418,113 @@
           </a:prstGeom>
         </p:spPr>
       </p:pic>
+      <p:sp>
+        <p:nvSpPr>
+          <p:cNvPr id="86" name="テキスト ボックス 85">
+            <a:extLst>
+              <a:ext uri="{FF2B5EF4-FFF2-40B4-BE49-F238E27FC236}">
+                <a16:creationId xmlns:a16="http://schemas.microsoft.com/office/drawing/2014/main" id="{F81D61FC-08D7-47AF-AEA6-D45187D6EA91}"/>
+              </a:ext>
+            </a:extLst>
+          </p:cNvPr>
+          <p:cNvSpPr txBox="1"/>
+          <p:nvPr/>
+        </p:nvSpPr>
+        <p:spPr>
+          <a:xfrm>
+            <a:off x="11198100" y="25007932"/>
+            <a:ext cx="9509323" cy="4401205"/>
+          </a:xfrm>
+          <a:prstGeom prst="rect">
+            <a:avLst/>
+          </a:prstGeom>
+          <a:noFill/>
+        </p:spPr>
+        <p:txBody>
+          <a:bodyPr wrap="square" rtlCol="0">
+            <a:spAutoFit/>
+          </a:bodyPr>
+          <a:lstStyle/>
+          <a:p>
+            <a:pPr marL="571500" indent="-571500">
+              <a:buFont typeface="Arial" panose="020B0604020202020204" pitchFamily="34" charset="0"/>
+              <a:buChar char="•"/>
+            </a:pPr>
+            <a:r>
+              <a:rPr kumimoji="1" lang="ja-JP" altLang="en-US" sz="4000" dirty="0"/>
+              <a:t>ドキュメントの重要性</a:t>
+            </a:r>
+            <a:endParaRPr kumimoji="1" lang="en-US" altLang="ja-JP" sz="4000" dirty="0"/>
+          </a:p>
+          <a:p>
+            <a:pPr marL="1028700" lvl="1" indent="-571500">
+              <a:buFont typeface="Calibri" panose="020F0502020204030204" pitchFamily="34" charset="0"/>
+              <a:buChar char="◦"/>
+            </a:pPr>
+            <a:r>
+              <a:rPr kumimoji="1" lang="ja-JP" altLang="en-US" sz="4000" dirty="0"/>
+              <a:t>具体的な実装方法やデータの扱い</a:t>
+            </a:r>
+            <a:endParaRPr kumimoji="1" lang="en-US" altLang="ja-JP" sz="4000" dirty="0"/>
+          </a:p>
+          <a:p>
+            <a:pPr marL="571500" indent="-571500">
+              <a:lnSpc>
+                <a:spcPct val="150000"/>
+              </a:lnSpc>
+              <a:buFont typeface="Arial" panose="020B0604020202020204" pitchFamily="34" charset="0"/>
+              <a:buChar char="•"/>
+            </a:pPr>
+            <a:r>
+              <a:rPr kumimoji="1" lang="ja-JP" altLang="en-US" sz="4000" dirty="0"/>
+              <a:t>情報共有の難しさと大切さ</a:t>
+            </a:r>
+            <a:endParaRPr kumimoji="1" lang="en-US" altLang="ja-JP" sz="4000" dirty="0"/>
+          </a:p>
+          <a:p>
+            <a:pPr marL="1028700" lvl="1" indent="-571500">
+              <a:buFont typeface="Calibri" panose="020F0502020204030204" pitchFamily="34" charset="0"/>
+              <a:buChar char="◦"/>
+            </a:pPr>
+            <a:r>
+              <a:rPr kumimoji="1" lang="ja-JP" altLang="en-US" sz="4000" dirty="0"/>
+              <a:t>進捗報告や困難な問題への対処</a:t>
+            </a:r>
+            <a:endParaRPr kumimoji="1" lang="en-US" altLang="ja-JP" sz="4000" dirty="0"/>
+          </a:p>
+          <a:p>
+            <a:pPr marL="571500" indent="-571500">
+              <a:lnSpc>
+                <a:spcPct val="150000"/>
+              </a:lnSpc>
+              <a:buFont typeface="Arial" panose="020B0604020202020204" pitchFamily="34" charset="0"/>
+              <a:buChar char="•"/>
+            </a:pPr>
+            <a:r>
+              <a:rPr kumimoji="1" lang="ja-JP" altLang="en-US" sz="4000" dirty="0"/>
+              <a:t>チーム開発における責任とやりがい</a:t>
+            </a:r>
+            <a:endParaRPr kumimoji="1" lang="en-US" altLang="ja-JP" sz="4000" dirty="0"/>
+          </a:p>
+          <a:p>
+            <a:pPr marL="1028700" lvl="1" indent="-571500">
+              <a:buFont typeface="Calibri" panose="020F0502020204030204" pitchFamily="34" charset="0"/>
+              <a:buChar char="◦"/>
+            </a:pPr>
+            <a:r>
+              <a:rPr kumimoji="1" lang="ja-JP" altLang="en-US" sz="4000" dirty="0"/>
+              <a:t>チームメンバーへの影響</a:t>
+            </a:r>
+            <a:endParaRPr kumimoji="1" lang="en-US" altLang="ja-JP" sz="4000" dirty="0"/>
+          </a:p>
+        </p:txBody>
+      </p:sp>
       <p:pic>
         <p:nvPicPr>
-          <p:cNvPr id="73" name="図 72">
+          <p:cNvPr id="9" name="図 8">
             <a:extLst>
               <a:ext uri="{FF2B5EF4-FFF2-40B4-BE49-F238E27FC236}">
-                <a16:creationId xmlns:a16="http://schemas.microsoft.com/office/drawing/2014/main" id="{BAFA0C17-58DD-4A5D-98B2-BA239CECA9D9}"/>
+                <a16:creationId xmlns:a16="http://schemas.microsoft.com/office/drawing/2014/main" id="{D3BB9CE9-B15E-48A4-AFEE-38F5C30ABC7B}"/>
               </a:ext>
             </a:extLst>
           </p:cNvPr>
@@ -6562,7 +6534,7 @@
           <p:nvPr/>
         </p:nvPicPr>
         <p:blipFill>
-          <a:blip r:embed="rId17">
+          <a:blip r:embed="rId14">
             <a:extLst>
               <a:ext uri="{28A0092B-C50C-407E-A947-70E740481C1C}">
                 <a14:useLocalDpi xmlns:a14="http://schemas.microsoft.com/office/drawing/2010/main" val="0"/>
@@ -6575,8 +6547,8 @@
         </p:blipFill>
         <p:spPr>
           <a:xfrm>
-            <a:off x="12039377" y="17800536"/>
-            <a:ext cx="1320805" cy="1547065"/>
+            <a:off x="3804177" y="28228192"/>
+            <a:ext cx="3572256" cy="1091184"/>
           </a:xfrm>
           <a:prstGeom prst="rect">
             <a:avLst/>
@@ -6585,10 +6557,10 @@
       </p:pic>
       <p:pic>
         <p:nvPicPr>
-          <p:cNvPr id="76" name="図 75">
+          <p:cNvPr id="18" name="図 17">
             <a:extLst>
               <a:ext uri="{FF2B5EF4-FFF2-40B4-BE49-F238E27FC236}">
-                <a16:creationId xmlns:a16="http://schemas.microsoft.com/office/drawing/2014/main" id="{0DC283D4-1147-4266-9A72-4E3642CF64F7}"/>
+                <a16:creationId xmlns:a16="http://schemas.microsoft.com/office/drawing/2014/main" id="{2300A1C8-56BD-4556-9F65-BD0AC483278A}"/>
               </a:ext>
             </a:extLst>
           </p:cNvPr>
@@ -6598,7 +6570,7 @@
           <p:nvPr/>
         </p:nvPicPr>
         <p:blipFill>
-          <a:blip r:embed="rId18">
+          <a:blip r:embed="rId15">
             <a:extLst>
               <a:ext uri="{28A0092B-C50C-407E-A947-70E740481C1C}">
                 <a14:useLocalDpi xmlns:a14="http://schemas.microsoft.com/office/drawing/2010/main" val="0"/>
@@ -6611,8 +6583,8 @@
         </p:blipFill>
         <p:spPr>
           <a:xfrm>
-            <a:off x="11404864" y="18887466"/>
-            <a:ext cx="1320805" cy="1547065"/>
+            <a:off x="1049128" y="25054626"/>
+            <a:ext cx="1249251" cy="1481070"/>
           </a:xfrm>
           <a:prstGeom prst="rect">
             <a:avLst/>
@@ -6621,10 +6593,10 @@
       </p:pic>
       <p:pic>
         <p:nvPicPr>
-          <p:cNvPr id="78" name="図 77">
+          <p:cNvPr id="88" name="図 87">
             <a:extLst>
               <a:ext uri="{FF2B5EF4-FFF2-40B4-BE49-F238E27FC236}">
-                <a16:creationId xmlns:a16="http://schemas.microsoft.com/office/drawing/2014/main" id="{FD219218-0F0D-4589-B219-C6C20DBBBBA6}"/>
+                <a16:creationId xmlns:a16="http://schemas.microsoft.com/office/drawing/2014/main" id="{C8CEDBAE-C9EE-4CB3-B306-5508628F5860}"/>
               </a:ext>
             </a:extLst>
           </p:cNvPr>
@@ -6633,22 +6605,21 @@
           </p:cNvPicPr>
           <p:nvPr/>
         </p:nvPicPr>
-        <p:blipFill>
-          <a:blip r:embed="rId17">
+        <p:blipFill rotWithShape="1">
+          <a:blip r:embed="rId16">
             <a:extLst>
               <a:ext uri="{28A0092B-C50C-407E-A947-70E740481C1C}">
                 <a14:useLocalDpi xmlns:a14="http://schemas.microsoft.com/office/drawing/2010/main" val="0"/>
               </a:ext>
             </a:extLst>
           </a:blip>
-          <a:stretch>
-            <a:fillRect/>
-          </a:stretch>
+          <a:srcRect l="19406" r="12324"/>
+          <a:stretch/>
         </p:blipFill>
         <p:spPr>
           <a:xfrm>
-            <a:off x="10780656" y="19954489"/>
-            <a:ext cx="1320805" cy="1547065"/>
+            <a:off x="11198100" y="20123874"/>
+            <a:ext cx="903875" cy="1552575"/>
           </a:xfrm>
           <a:prstGeom prst="rect">
             <a:avLst/>
@@ -6657,10 +6628,10 @@
       </p:pic>
       <p:pic>
         <p:nvPicPr>
-          <p:cNvPr id="80" name="図 79">
+          <p:cNvPr id="90" name="図 89">
             <a:extLst>
               <a:ext uri="{FF2B5EF4-FFF2-40B4-BE49-F238E27FC236}">
-                <a16:creationId xmlns:a16="http://schemas.microsoft.com/office/drawing/2014/main" id="{088C82F6-5A1E-4D15-BBC1-C8CA4D1E1844}"/>
+                <a16:creationId xmlns:a16="http://schemas.microsoft.com/office/drawing/2014/main" id="{D33751BF-B1D3-4213-A922-3826CDC81414}"/>
               </a:ext>
             </a:extLst>
           </p:cNvPr>
@@ -6669,22 +6640,21 @@
           </p:cNvPicPr>
           <p:nvPr/>
         </p:nvPicPr>
-        <p:blipFill>
-          <a:blip r:embed="rId18">
+        <p:blipFill rotWithShape="1">
+          <a:blip r:embed="rId16">
             <a:extLst>
               <a:ext uri="{28A0092B-C50C-407E-A947-70E740481C1C}">
                 <a14:useLocalDpi xmlns:a14="http://schemas.microsoft.com/office/drawing/2010/main" val="0"/>
               </a:ext>
             </a:extLst>
           </a:blip>
-          <a:stretch>
-            <a:fillRect/>
-          </a:stretch>
+          <a:srcRect l="19406" r="12324"/>
+          <a:stretch/>
         </p:blipFill>
         <p:spPr>
           <a:xfrm>
-            <a:off x="12127349" y="20026287"/>
-            <a:ext cx="1320805" cy="1547065"/>
+            <a:off x="11827200" y="18840200"/>
+            <a:ext cx="903875" cy="1552575"/>
           </a:xfrm>
           <a:prstGeom prst="rect">
             <a:avLst/>
@@ -6693,10 +6663,10 @@
       </p:pic>
       <p:pic>
         <p:nvPicPr>
-          <p:cNvPr id="81" name="図 80">
+          <p:cNvPr id="87" name="図 86">
             <a:extLst>
               <a:ext uri="{FF2B5EF4-FFF2-40B4-BE49-F238E27FC236}">
-                <a16:creationId xmlns:a16="http://schemas.microsoft.com/office/drawing/2014/main" id="{731FDDC8-AA02-4089-9455-B29E8571F69E}"/>
+                <a16:creationId xmlns:a16="http://schemas.microsoft.com/office/drawing/2014/main" id="{13E0C066-4985-4AA6-BDE8-E462E5F5C254}"/>
               </a:ext>
             </a:extLst>
           </p:cNvPr>
@@ -6705,7 +6675,7 @@
           </p:cNvPicPr>
           <p:nvPr/>
         </p:nvPicPr>
-        <p:blipFill>
+        <p:blipFill rotWithShape="1">
           <a:blip r:embed="rId17">
             <a:extLst>
               <a:ext uri="{28A0092B-C50C-407E-A947-70E740481C1C}">
@@ -6713,26 +6683,83 @@
               </a:ext>
             </a:extLst>
           </a:blip>
-          <a:stretch>
-            <a:fillRect/>
-          </a:stretch>
+          <a:srcRect l="17966" r="16883"/>
+          <a:stretch/>
         </p:blipFill>
         <p:spPr>
           <a:xfrm>
-            <a:off x="13489601" y="19948625"/>
-            <a:ext cx="1320805" cy="1547065"/>
+            <a:off x="12249509" y="20110548"/>
+            <a:ext cx="862591" cy="1543050"/>
           </a:xfrm>
           <a:prstGeom prst="rect">
             <a:avLst/>
           </a:prstGeom>
         </p:spPr>
       </p:pic>
+      <p:sp>
+        <p:nvSpPr>
+          <p:cNvPr id="85" name="テキスト ボックス 84">
+            <a:extLst>
+              <a:ext uri="{FF2B5EF4-FFF2-40B4-BE49-F238E27FC236}">
+                <a16:creationId xmlns:a16="http://schemas.microsoft.com/office/drawing/2014/main" id="{7A71E694-EA5E-4B29-B1BE-6E5654451E19}"/>
+              </a:ext>
+            </a:extLst>
+          </p:cNvPr>
+          <p:cNvSpPr txBox="1"/>
+          <p:nvPr/>
+        </p:nvSpPr>
+        <p:spPr>
+          <a:xfrm>
+            <a:off x="12924905" y="17837416"/>
+            <a:ext cx="2139560" cy="1077218"/>
+          </a:xfrm>
+          <a:prstGeom prst="rect">
+            <a:avLst/>
+          </a:prstGeom>
+          <a:noFill/>
+        </p:spPr>
+        <p:txBody>
+          <a:bodyPr wrap="square" rtlCol="0">
+            <a:spAutoFit/>
+          </a:bodyPr>
+          <a:lstStyle/>
+          <a:p>
+            <a:r>
+              <a:rPr kumimoji="1" lang="ja-JP" altLang="en-US" sz="3200" b="1" dirty="0">
+                <a:latin typeface="+mj-ea"/>
+                <a:ea typeface="+mj-ea"/>
+              </a:rPr>
+              <a:t>平均年収 </a:t>
+            </a:r>
+            <a:endParaRPr kumimoji="1" lang="en-US" altLang="ja-JP" sz="3200" b="1" dirty="0">
+              <a:latin typeface="+mj-ea"/>
+              <a:ea typeface="+mj-ea"/>
+            </a:endParaRPr>
+          </a:p>
+          <a:p>
+            <a:r>
+              <a:rPr kumimoji="1" lang="en-US" altLang="ja-JP" sz="3200" b="1" dirty="0">
+                <a:latin typeface="+mj-ea"/>
+                <a:ea typeface="+mj-ea"/>
+              </a:rPr>
+              <a:t>	400</a:t>
+            </a:r>
+            <a:r>
+              <a:rPr kumimoji="1" lang="ja-JP" altLang="en-US" sz="3200" b="1" dirty="0">
+                <a:latin typeface="+mj-ea"/>
+                <a:ea typeface="+mj-ea"/>
+              </a:rPr>
+              <a:t>万円</a:t>
+            </a:r>
+          </a:p>
+        </p:txBody>
+      </p:sp>
       <p:pic>
         <p:nvPicPr>
-          <p:cNvPr id="82" name="図 81">
+          <p:cNvPr id="91" name="図 90">
             <a:extLst>
               <a:ext uri="{FF2B5EF4-FFF2-40B4-BE49-F238E27FC236}">
-                <a16:creationId xmlns:a16="http://schemas.microsoft.com/office/drawing/2014/main" id="{2E5E3429-CA6D-4553-881A-E87E95BEF46A}"/>
+                <a16:creationId xmlns:a16="http://schemas.microsoft.com/office/drawing/2014/main" id="{04C6F114-7262-40FA-8849-B5A4C77D3056}"/>
               </a:ext>
             </a:extLst>
           </p:cNvPr>
@@ -6741,7 +6768,7 @@
           </p:cNvPicPr>
           <p:nvPr/>
         </p:nvPicPr>
-        <p:blipFill>
+        <p:blipFill rotWithShape="1">
           <a:blip r:embed="rId17">
             <a:extLst>
               <a:ext uri="{28A0092B-C50C-407E-A947-70E740481C1C}">
@@ -6749,26 +6776,60 @@
               </a:ext>
             </a:extLst>
           </a:blip>
-          <a:stretch>
-            <a:fillRect/>
-          </a:stretch>
+          <a:srcRect l="17966" r="16883"/>
+          <a:stretch/>
         </p:blipFill>
         <p:spPr>
           <a:xfrm>
-            <a:off x="12725670" y="18898641"/>
-            <a:ext cx="1320805" cy="1547065"/>
+            <a:off x="12868586" y="18812853"/>
+            <a:ext cx="862591" cy="1543050"/>
           </a:xfrm>
           <a:prstGeom prst="rect">
             <a:avLst/>
           </a:prstGeom>
         </p:spPr>
       </p:pic>
-      <p:sp>
-        <p:nvSpPr>
-          <p:cNvPr id="83" name="爆発: 14 pt 6">
+      <p:pic>
+        <p:nvPicPr>
+          <p:cNvPr id="89" name="図 88">
             <a:extLst>
               <a:ext uri="{FF2B5EF4-FFF2-40B4-BE49-F238E27FC236}">
-                <a16:creationId xmlns:a16="http://schemas.microsoft.com/office/drawing/2014/main" id="{6BF7B750-B41E-4A6F-BDBB-97BE22143598}"/>
+                <a16:creationId xmlns:a16="http://schemas.microsoft.com/office/drawing/2014/main" id="{196F5998-C88D-494F-A84D-BE7C94FF519B}"/>
+              </a:ext>
+            </a:extLst>
+          </p:cNvPr>
+          <p:cNvPicPr>
+            <a:picLocks noChangeAspect="1"/>
+          </p:cNvPicPr>
+          <p:nvPr/>
+        </p:nvPicPr>
+        <p:blipFill rotWithShape="1">
+          <a:blip r:embed="rId17">
+            <a:extLst>
+              <a:ext uri="{28A0092B-C50C-407E-A947-70E740481C1C}">
+                <a14:useLocalDpi xmlns:a14="http://schemas.microsoft.com/office/drawing/2010/main" val="0"/>
+              </a:ext>
+            </a:extLst>
+          </a:blip>
+          <a:srcRect l="17966" r="16883"/>
+          <a:stretch/>
+        </p:blipFill>
+        <p:spPr>
+          <a:xfrm>
+            <a:off x="13369539" y="20120780"/>
+            <a:ext cx="862591" cy="1543050"/>
+          </a:xfrm>
+          <a:prstGeom prst="rect">
+            <a:avLst/>
+          </a:prstGeom>
+        </p:spPr>
+      </p:pic>
+      <p:sp>
+        <p:nvSpPr>
+          <p:cNvPr id="84" name="楕円 25">
+            <a:extLst>
+              <a:ext uri="{FF2B5EF4-FFF2-40B4-BE49-F238E27FC236}">
+                <a16:creationId xmlns:a16="http://schemas.microsoft.com/office/drawing/2014/main" id="{600AE4A3-26B6-4397-AD0F-A4F5E31C10B6}"/>
               </a:ext>
             </a:extLst>
           </p:cNvPr>
@@ -6777,14 +6838,14 @@
         </p:nvSpPr>
         <p:spPr>
           <a:xfrm>
-            <a:off x="10764698" y="17747268"/>
-            <a:ext cx="1623933" cy="1445193"/>
-          </a:xfrm>
-          <a:prstGeom prst="irregularSeal2">
+            <a:off x="12018007" y="20332659"/>
+            <a:ext cx="2490409" cy="970329"/>
+          </a:xfrm>
+          <a:prstGeom prst="ellipse">
             <a:avLst/>
           </a:prstGeom>
           <a:solidFill>
-            <a:schemeClr val="accent2"/>
+            <a:schemeClr val="tx1"/>
           </a:solidFill>
           <a:ln>
             <a:noFill/>
@@ -6812,22 +6873,63 @@
           <a:p>
             <a:pPr algn="ctr"/>
             <a:r>
-              <a:rPr kumimoji="1" lang="en-US" altLang="ja-JP" sz="2000" b="1" dirty="0"/>
-              <a:t>10%</a:t>
-            </a:r>
-            <a:r>
-              <a:rPr kumimoji="1" lang="ja-JP" altLang="en-US" sz="2000" b="1" dirty="0"/>
-              <a:t>改善</a:t>
-            </a:r>
-          </a:p>
-        </p:txBody>
-      </p:sp>
-      <p:sp>
-        <p:nvSpPr>
-          <p:cNvPr id="84" name="楕円 25">
+              <a:rPr kumimoji="1" lang="en-US" altLang="ja-JP" sz="2800" b="1" dirty="0">
+                <a:latin typeface="+mj-ea"/>
+                <a:ea typeface="+mj-ea"/>
+              </a:rPr>
+              <a:t>4.5</a:t>
+            </a:r>
+            <a:r>
+              <a:rPr kumimoji="1" lang="ja-JP" altLang="en-US" sz="2800" b="1" dirty="0">
+                <a:latin typeface="+mj-ea"/>
+                <a:ea typeface="+mj-ea"/>
+              </a:rPr>
+              <a:t>万人減</a:t>
+            </a:r>
+          </a:p>
+        </p:txBody>
+      </p:sp>
+      <p:pic>
+        <p:nvPicPr>
+          <p:cNvPr id="92" name="図 91">
             <a:extLst>
               <a:ext uri="{FF2B5EF4-FFF2-40B4-BE49-F238E27FC236}">
-                <a16:creationId xmlns:a16="http://schemas.microsoft.com/office/drawing/2014/main" id="{600AE4A3-26B6-4397-AD0F-A4F5E31C10B6}"/>
+                <a16:creationId xmlns:a16="http://schemas.microsoft.com/office/drawing/2014/main" id="{309D43BD-E7D6-48C1-9345-1AA4FB1B1730}"/>
+              </a:ext>
+            </a:extLst>
+          </p:cNvPr>
+          <p:cNvPicPr>
+            <a:picLocks noChangeAspect="1"/>
+          </p:cNvPicPr>
+          <p:nvPr/>
+        </p:nvPicPr>
+        <p:blipFill rotWithShape="1">
+          <a:blip r:embed="rId17">
+            <a:extLst>
+              <a:ext uri="{28A0092B-C50C-407E-A947-70E740481C1C}">
+                <a14:useLocalDpi xmlns:a14="http://schemas.microsoft.com/office/drawing/2010/main" val="0"/>
+              </a:ext>
+            </a:extLst>
+          </a:blip>
+          <a:srcRect l="17966" r="16883"/>
+          <a:stretch/>
+        </p:blipFill>
+        <p:spPr>
+          <a:xfrm>
+            <a:off x="12328118" y="17511649"/>
+            <a:ext cx="780974" cy="1397049"/>
+          </a:xfrm>
+          <a:prstGeom prst="rect">
+            <a:avLst/>
+          </a:prstGeom>
+        </p:spPr>
+      </p:pic>
+      <p:sp>
+        <p:nvSpPr>
+          <p:cNvPr id="83" name="爆発: 14 pt 6">
+            <a:extLst>
+              <a:ext uri="{FF2B5EF4-FFF2-40B4-BE49-F238E27FC236}">
+                <a16:creationId xmlns:a16="http://schemas.microsoft.com/office/drawing/2014/main" id="{6BF7B750-B41E-4A6F-BDBB-97BE22143598}"/>
               </a:ext>
             </a:extLst>
           </p:cNvPr>
@@ -6836,14 +6938,14 @@
         </p:nvSpPr>
         <p:spPr>
           <a:xfrm>
-            <a:off x="12018007" y="20332659"/>
-            <a:ext cx="2490409" cy="970329"/>
-          </a:xfrm>
-          <a:prstGeom prst="ellipse">
+            <a:off x="10826035" y="17547210"/>
+            <a:ext cx="1623933" cy="1445193"/>
+          </a:xfrm>
+          <a:prstGeom prst="irregularSeal2">
             <a:avLst/>
           </a:prstGeom>
           <a:solidFill>
-            <a:schemeClr val="tx1"/>
+            <a:schemeClr val="accent2"/>
           </a:solidFill>
           <a:ln>
             <a:noFill/>
@@ -6871,178 +6973,13 @@
           <a:p>
             <a:pPr algn="ctr"/>
             <a:r>
-              <a:rPr kumimoji="1" lang="en-US" altLang="ja-JP" sz="2800" b="1" dirty="0">
-                <a:latin typeface="+mj-ea"/>
-                <a:ea typeface="+mj-ea"/>
-              </a:rPr>
-              <a:t>4.5</a:t>
-            </a:r>
-            <a:r>
-              <a:rPr kumimoji="1" lang="ja-JP" altLang="en-US" sz="2800" b="1" dirty="0">
-                <a:latin typeface="+mj-ea"/>
-                <a:ea typeface="+mj-ea"/>
-              </a:rPr>
-              <a:t>万人減</a:t>
-            </a:r>
-          </a:p>
-        </p:txBody>
-      </p:sp>
-      <p:sp>
-        <p:nvSpPr>
-          <p:cNvPr id="85" name="テキスト ボックス 84">
-            <a:extLst>
-              <a:ext uri="{FF2B5EF4-FFF2-40B4-BE49-F238E27FC236}">
-                <a16:creationId xmlns:a16="http://schemas.microsoft.com/office/drawing/2014/main" id="{7A71E694-EA5E-4B29-B1BE-6E5654451E19}"/>
-              </a:ext>
-            </a:extLst>
-          </p:cNvPr>
-          <p:cNvSpPr txBox="1"/>
-          <p:nvPr/>
-        </p:nvSpPr>
-        <p:spPr>
-          <a:xfrm>
-            <a:off x="12826019" y="17877335"/>
-            <a:ext cx="2139560" cy="1077218"/>
-          </a:xfrm>
-          <a:prstGeom prst="rect">
-            <a:avLst/>
-          </a:prstGeom>
-          <a:noFill/>
-        </p:spPr>
-        <p:txBody>
-          <a:bodyPr wrap="square" rtlCol="0">
-            <a:spAutoFit/>
-          </a:bodyPr>
-          <a:lstStyle/>
-          <a:p>
-            <a:r>
-              <a:rPr kumimoji="1" lang="ja-JP" altLang="en-US" sz="3200" b="1" dirty="0">
-                <a:latin typeface="+mj-ea"/>
-                <a:ea typeface="+mj-ea"/>
-              </a:rPr>
-              <a:t>平均年収 </a:t>
-            </a:r>
-            <a:endParaRPr kumimoji="1" lang="en-US" altLang="ja-JP" sz="3200" b="1" dirty="0">
-              <a:latin typeface="+mj-ea"/>
-              <a:ea typeface="+mj-ea"/>
-            </a:endParaRPr>
-          </a:p>
-          <a:p>
-            <a:r>
-              <a:rPr kumimoji="1" lang="en-US" altLang="ja-JP" sz="3200" b="1" dirty="0">
-                <a:latin typeface="+mj-ea"/>
-                <a:ea typeface="+mj-ea"/>
-              </a:rPr>
-              <a:t>	400</a:t>
-            </a:r>
-            <a:r>
-              <a:rPr kumimoji="1" lang="ja-JP" altLang="en-US" sz="3200" b="1" dirty="0">
-                <a:latin typeface="+mj-ea"/>
-                <a:ea typeface="+mj-ea"/>
-              </a:rPr>
-              <a:t>万円</a:t>
-            </a:r>
-          </a:p>
-        </p:txBody>
-      </p:sp>
-      <p:sp>
-        <p:nvSpPr>
-          <p:cNvPr id="86" name="テキスト ボックス 85">
-            <a:extLst>
-              <a:ext uri="{FF2B5EF4-FFF2-40B4-BE49-F238E27FC236}">
-                <a16:creationId xmlns:a16="http://schemas.microsoft.com/office/drawing/2014/main" id="{F81D61FC-08D7-47AF-AEA6-D45187D6EA91}"/>
-              </a:ext>
-            </a:extLst>
-          </p:cNvPr>
-          <p:cNvSpPr txBox="1"/>
-          <p:nvPr/>
-        </p:nvSpPr>
-        <p:spPr>
-          <a:xfrm>
-            <a:off x="11198100" y="25007932"/>
-            <a:ext cx="9509323" cy="4401205"/>
-          </a:xfrm>
-          <a:prstGeom prst="rect">
-            <a:avLst/>
-          </a:prstGeom>
-          <a:noFill/>
-        </p:spPr>
-        <p:txBody>
-          <a:bodyPr wrap="square" rtlCol="0">
-            <a:spAutoFit/>
-          </a:bodyPr>
-          <a:lstStyle/>
-          <a:p>
-            <a:pPr marL="571500" indent="-571500">
-              <a:buFont typeface="Arial" panose="020B0604020202020204" pitchFamily="34" charset="0"/>
-              <a:buChar char="•"/>
-            </a:pPr>
-            <a:r>
-              <a:rPr kumimoji="1" lang="ja-JP" altLang="en-US" sz="4000" dirty="0"/>
-              <a:t>ドキュメントの重要性</a:t>
-            </a:r>
-            <a:endParaRPr kumimoji="1" lang="en-US" altLang="ja-JP" sz="4000" dirty="0"/>
-          </a:p>
-          <a:p>
-            <a:pPr marL="1028700" lvl="1" indent="-571500">
-              <a:buFont typeface="Calibri" panose="020F0502020204030204" pitchFamily="34" charset="0"/>
-              <a:buChar char="◦"/>
-            </a:pPr>
-            <a:r>
-              <a:rPr kumimoji="1" lang="ja-JP" altLang="en-US" sz="4000" dirty="0"/>
-              <a:t>具体的な実装方法やデータの扱い</a:t>
-            </a:r>
-            <a:endParaRPr kumimoji="1" lang="en-US" altLang="ja-JP" sz="4000" dirty="0"/>
-          </a:p>
-          <a:p>
-            <a:pPr marL="571500" indent="-571500">
-              <a:lnSpc>
-                <a:spcPct val="150000"/>
-              </a:lnSpc>
-              <a:buFont typeface="Arial" panose="020B0604020202020204" pitchFamily="34" charset="0"/>
-              <a:buChar char="•"/>
-            </a:pPr>
-            <a:r>
-              <a:rPr kumimoji="1" lang="ja-JP" altLang="en-US" sz="4000" dirty="0"/>
-              <a:t>情報共有の難しさと大切さ</a:t>
-            </a:r>
-            <a:endParaRPr kumimoji="1" lang="en-US" altLang="ja-JP" sz="4000" dirty="0"/>
-          </a:p>
-          <a:p>
-            <a:pPr marL="1028700" lvl="1" indent="-571500">
-              <a:buFont typeface="Calibri" panose="020F0502020204030204" pitchFamily="34" charset="0"/>
-              <a:buChar char="◦"/>
-            </a:pPr>
-            <a:r>
-              <a:rPr kumimoji="1" lang="ja-JP" altLang="en-US" sz="4000" dirty="0"/>
-              <a:t>進捗報告や困難な問題への対処</a:t>
-            </a:r>
-            <a:endParaRPr kumimoji="1" lang="en-US" altLang="ja-JP" sz="4000" dirty="0"/>
-          </a:p>
-          <a:p>
-            <a:pPr marL="571500" indent="-571500">
-              <a:lnSpc>
-                <a:spcPct val="150000"/>
-              </a:lnSpc>
-              <a:buFont typeface="Arial" panose="020B0604020202020204" pitchFamily="34" charset="0"/>
-              <a:buChar char="•"/>
-            </a:pPr>
-            <a:r>
-              <a:rPr kumimoji="1" lang="ja-JP" altLang="en-US" sz="4000" dirty="0"/>
-              <a:t>チーム開発における責任とやりがい</a:t>
-            </a:r>
-            <a:endParaRPr kumimoji="1" lang="en-US" altLang="ja-JP" sz="4000" dirty="0"/>
-          </a:p>
-          <a:p>
-            <a:pPr marL="1028700" lvl="1" indent="-571500">
-              <a:buFont typeface="Calibri" panose="020F0502020204030204" pitchFamily="34" charset="0"/>
-              <a:buChar char="◦"/>
-            </a:pPr>
-            <a:r>
-              <a:rPr kumimoji="1" lang="ja-JP" altLang="en-US" sz="4000" dirty="0"/>
-              <a:t>チームメンバーへの影響</a:t>
-            </a:r>
-            <a:endParaRPr kumimoji="1" lang="en-US" altLang="ja-JP" sz="4000" dirty="0"/>
+              <a:rPr kumimoji="1" lang="en-US" altLang="ja-JP" sz="2000" b="1" dirty="0"/>
+              <a:t>10%</a:t>
+            </a:r>
+            <a:r>
+              <a:rPr kumimoji="1" lang="ja-JP" altLang="en-US" sz="2000" b="1" dirty="0"/>
+              <a:t>改善</a:t>
+            </a:r>
           </a:p>
         </p:txBody>
       </p:sp>
@@ -7415,216 +7352,6 @@
                                   </p:childTnLst>
                                 </p:cTn>
                               </p:par>
-                              <p:par>
-                                <p:cTn id="36" presetID="10" presetClass="entr" presetSubtype="0" fill="hold" nodeType="withEffect">
-                                  <p:stCondLst>
-                                    <p:cond delay="0"/>
-                                  </p:stCondLst>
-                                  <p:childTnLst>
-                                    <p:set>
-                                      <p:cBhvr>
-                                        <p:cTn id="37" dur="1" fill="hold">
-                                          <p:stCondLst>
-                                            <p:cond delay="0"/>
-                                          </p:stCondLst>
-                                        </p:cTn>
-                                        <p:tgtEl>
-                                          <p:spTgt spid="76"/>
-                                        </p:tgtEl>
-                                        <p:attrNameLst>
-                                          <p:attrName>style.visibility</p:attrName>
-                                        </p:attrNameLst>
-                                      </p:cBhvr>
-                                      <p:to>
-                                        <p:strVal val="visible"/>
-                                      </p:to>
-                                    </p:set>
-                                    <p:animEffect transition="in" filter="fade">
-                                      <p:cBhvr>
-                                        <p:cTn id="38" dur="2000"/>
-                                        <p:tgtEl>
-                                          <p:spTgt spid="76"/>
-                                        </p:tgtEl>
-                                      </p:cBhvr>
-                                    </p:animEffect>
-                                  </p:childTnLst>
-                                </p:cTn>
-                              </p:par>
-                              <p:par>
-                                <p:cTn id="39" presetID="10" presetClass="entr" presetSubtype="0" fill="hold" nodeType="withEffect">
-                                  <p:stCondLst>
-                                    <p:cond delay="0"/>
-                                  </p:stCondLst>
-                                  <p:childTnLst>
-                                    <p:set>
-                                      <p:cBhvr>
-                                        <p:cTn id="40" dur="1" fill="hold">
-                                          <p:stCondLst>
-                                            <p:cond delay="0"/>
-                                          </p:stCondLst>
-                                        </p:cTn>
-                                        <p:tgtEl>
-                                          <p:spTgt spid="78"/>
-                                        </p:tgtEl>
-                                        <p:attrNameLst>
-                                          <p:attrName>style.visibility</p:attrName>
-                                        </p:attrNameLst>
-                                      </p:cBhvr>
-                                      <p:to>
-                                        <p:strVal val="visible"/>
-                                      </p:to>
-                                    </p:set>
-                                    <p:animEffect transition="in" filter="fade">
-                                      <p:cBhvr>
-                                        <p:cTn id="41" dur="2000"/>
-                                        <p:tgtEl>
-                                          <p:spTgt spid="78"/>
-                                        </p:tgtEl>
-                                      </p:cBhvr>
-                                    </p:animEffect>
-                                  </p:childTnLst>
-                                </p:cTn>
-                              </p:par>
-                              <p:par>
-                                <p:cTn id="42" presetID="10" presetClass="entr" presetSubtype="0" fill="hold" nodeType="withEffect">
-                                  <p:stCondLst>
-                                    <p:cond delay="0"/>
-                                  </p:stCondLst>
-                                  <p:childTnLst>
-                                    <p:set>
-                                      <p:cBhvr>
-                                        <p:cTn id="43" dur="1" fill="hold">
-                                          <p:stCondLst>
-                                            <p:cond delay="0"/>
-                                          </p:stCondLst>
-                                        </p:cTn>
-                                        <p:tgtEl>
-                                          <p:spTgt spid="73"/>
-                                        </p:tgtEl>
-                                        <p:attrNameLst>
-                                          <p:attrName>style.visibility</p:attrName>
-                                        </p:attrNameLst>
-                                      </p:cBhvr>
-                                      <p:to>
-                                        <p:strVal val="visible"/>
-                                      </p:to>
-                                    </p:set>
-                                    <p:animEffect transition="in" filter="fade">
-                                      <p:cBhvr>
-                                        <p:cTn id="44" dur="2000"/>
-                                        <p:tgtEl>
-                                          <p:spTgt spid="73"/>
-                                        </p:tgtEl>
-                                      </p:cBhvr>
-                                    </p:animEffect>
-                                  </p:childTnLst>
-                                </p:cTn>
-                              </p:par>
-                              <p:par>
-                                <p:cTn id="45" presetID="10" presetClass="entr" presetSubtype="0" fill="hold" nodeType="withEffect">
-                                  <p:stCondLst>
-                                    <p:cond delay="0"/>
-                                  </p:stCondLst>
-                                  <p:childTnLst>
-                                    <p:set>
-                                      <p:cBhvr>
-                                        <p:cTn id="46" dur="1" fill="hold">
-                                          <p:stCondLst>
-                                            <p:cond delay="0"/>
-                                          </p:stCondLst>
-                                        </p:cTn>
-                                        <p:tgtEl>
-                                          <p:spTgt spid="81"/>
-                                        </p:tgtEl>
-                                        <p:attrNameLst>
-                                          <p:attrName>style.visibility</p:attrName>
-                                        </p:attrNameLst>
-                                      </p:cBhvr>
-                                      <p:to>
-                                        <p:strVal val="visible"/>
-                                      </p:to>
-                                    </p:set>
-                                    <p:animEffect transition="in" filter="fade">
-                                      <p:cBhvr>
-                                        <p:cTn id="47" dur="2000"/>
-                                        <p:tgtEl>
-                                          <p:spTgt spid="81"/>
-                                        </p:tgtEl>
-                                      </p:cBhvr>
-                                    </p:animEffect>
-                                  </p:childTnLst>
-                                </p:cTn>
-                              </p:par>
-                              <p:par>
-                                <p:cTn id="48" presetID="10" presetClass="entr" presetSubtype="0" fill="hold" nodeType="withEffect">
-                                  <p:stCondLst>
-                                    <p:cond delay="0"/>
-                                  </p:stCondLst>
-                                  <p:childTnLst>
-                                    <p:set>
-                                      <p:cBhvr>
-                                        <p:cTn id="49" dur="1" fill="hold">
-                                          <p:stCondLst>
-                                            <p:cond delay="0"/>
-                                          </p:stCondLst>
-                                        </p:cTn>
-                                        <p:tgtEl>
-                                          <p:spTgt spid="80"/>
-                                        </p:tgtEl>
-                                        <p:attrNameLst>
-                                          <p:attrName>style.visibility</p:attrName>
-                                        </p:attrNameLst>
-                                      </p:cBhvr>
-                                      <p:to>
-                                        <p:strVal val="visible"/>
-                                      </p:to>
-                                    </p:set>
-                                    <p:animEffect transition="in" filter="fade">
-                                      <p:cBhvr>
-                                        <p:cTn id="50" dur="2000"/>
-                                        <p:tgtEl>
-                                          <p:spTgt spid="80"/>
-                                        </p:tgtEl>
-                                      </p:cBhvr>
-                                    </p:animEffect>
-                                  </p:childTnLst>
-                                </p:cTn>
-                              </p:par>
-                              <p:par>
-                                <p:cTn id="51" presetID="10" presetClass="entr" presetSubtype="0" fill="hold" nodeType="withEffect">
-                                  <p:stCondLst>
-                                    <p:cond delay="0"/>
-                                  </p:stCondLst>
-                                  <p:childTnLst>
-                                    <p:set>
-                                      <p:cBhvr>
-                                        <p:cTn id="52" dur="1" fill="hold">
-                                          <p:stCondLst>
-                                            <p:cond delay="0"/>
-                                          </p:stCondLst>
-                                        </p:cTn>
-                                        <p:tgtEl>
-                                          <p:spTgt spid="82"/>
-                                        </p:tgtEl>
-                                        <p:attrNameLst>
-                                          <p:attrName>style.visibility</p:attrName>
-                                        </p:attrNameLst>
-                                      </p:cBhvr>
-                                      <p:to>
-                                        <p:strVal val="visible"/>
-                                      </p:to>
-                                    </p:set>
-                                    <p:animEffect transition="in" filter="fade">
-                                      <p:cBhvr>
-                                        <p:cTn id="53" dur="2000"/>
-                                        <p:tgtEl>
-                                          <p:spTgt spid="82"/>
-                                        </p:tgtEl>
-                                      </p:cBhvr>
-                                    </p:animEffect>
-                                  </p:childTnLst>
-                                </p:cTn>
-                              </p:par>
                             </p:childTnLst>
                           </p:cTn>
                         </p:par>
@@ -7632,26 +7359,26 @@
                     </p:cTn>
                   </p:par>
                   <p:par>
-                    <p:cTn id="54" fill="hold">
+                    <p:cTn id="36" fill="hold">
                       <p:stCondLst>
                         <p:cond delay="indefinite"/>
                       </p:stCondLst>
                       <p:childTnLst>
                         <p:par>
-                          <p:cTn id="55" fill="hold">
+                          <p:cTn id="37" fill="hold">
                             <p:stCondLst>
                               <p:cond delay="0"/>
                             </p:stCondLst>
                             <p:childTnLst>
                               <p:par>
-                                <p:cTn id="56" presetID="53" presetClass="entr" presetSubtype="16" fill="hold" grpId="0" nodeType="clickEffect">
+                                <p:cTn id="38" presetID="53" presetClass="entr" presetSubtype="16" fill="hold" grpId="0" nodeType="clickEffect">
                                   <p:stCondLst>
                                     <p:cond delay="0"/>
                                   </p:stCondLst>
                                   <p:childTnLst>
                                     <p:set>
                                       <p:cBhvr>
-                                        <p:cTn id="57" dur="1" fill="hold">
+                                        <p:cTn id="39" dur="1" fill="hold">
                                           <p:stCondLst>
                                             <p:cond delay="0"/>
                                           </p:stCondLst>
@@ -7669,7 +7396,7 @@
                                     </p:set>
                                     <p:anim calcmode="lin" valueType="num">
                                       <p:cBhvr>
-                                        <p:cTn id="58" dur="500" fill="hold"/>
+                                        <p:cTn id="40" dur="500" fill="hold"/>
                                         <p:tgtEl>
                                           <p:spTgt spid="83"/>
                                         </p:tgtEl>
@@ -7692,7 +7419,7 @@
                                     </p:anim>
                                     <p:anim calcmode="lin" valueType="num">
                                       <p:cBhvr>
-                                        <p:cTn id="59" dur="500" fill="hold"/>
+                                        <p:cTn id="41" dur="500" fill="hold"/>
                                         <p:tgtEl>
                                           <p:spTgt spid="83"/>
                                         </p:tgtEl>
@@ -7715,7 +7442,7 @@
                                     </p:anim>
                                     <p:animEffect transition="in" filter="fade">
                                       <p:cBhvr>
-                                        <p:cTn id="60" dur="500"/>
+                                        <p:cTn id="42" dur="500"/>
                                         <p:tgtEl>
                                           <p:spTgt spid="83"/>
                                         </p:tgtEl>
@@ -7728,237 +7455,20 @@
                           </p:cTn>
                         </p:par>
                         <p:par>
-                          <p:cTn id="61" fill="hold">
+                          <p:cTn id="43" fill="hold">
                             <p:stCondLst>
                               <p:cond delay="500"/>
                             </p:stCondLst>
                             <p:childTnLst>
                               <p:par>
-                                <p:cTn id="62" presetID="31" presetClass="exit" presetSubtype="0" fill="hold" nodeType="afterEffect">
-                                  <p:stCondLst>
-                                    <p:cond delay="0"/>
-                                  </p:stCondLst>
-                                  <p:childTnLst>
-                                    <p:anim calcmode="lin" valueType="num">
-                                      <p:cBhvr>
-                                        <p:cTn id="63" dur="1000"/>
-                                        <p:tgtEl>
-                                          <p:spTgt spid="81"/>
-                                        </p:tgtEl>
-                                        <p:attrNameLst>
-                                          <p:attrName>ppt_w</p:attrName>
-                                        </p:attrNameLst>
-                                      </p:cBhvr>
-                                      <p:tavLst>
-                                        <p:tav tm="0">
-                                          <p:val>
-                                            <p:strVal val="ppt_w"/>
-                                          </p:val>
-                                        </p:tav>
-                                        <p:tav tm="100000">
-                                          <p:val>
-                                            <p:fltVal val="0"/>
-                                          </p:val>
-                                        </p:tav>
-                                      </p:tavLst>
-                                    </p:anim>
-                                    <p:anim calcmode="lin" valueType="num">
-                                      <p:cBhvr>
-                                        <p:cTn id="64" dur="1000"/>
-                                        <p:tgtEl>
-                                          <p:spTgt spid="81"/>
-                                        </p:tgtEl>
-                                        <p:attrNameLst>
-                                          <p:attrName>ppt_h</p:attrName>
-                                        </p:attrNameLst>
-                                      </p:cBhvr>
-                                      <p:tavLst>
-                                        <p:tav tm="0">
-                                          <p:val>
-                                            <p:strVal val="ppt_h"/>
-                                          </p:val>
-                                        </p:tav>
-                                        <p:tav tm="100000">
-                                          <p:val>
-                                            <p:fltVal val="0"/>
-                                          </p:val>
-                                        </p:tav>
-                                      </p:tavLst>
-                                    </p:anim>
-                                    <p:anim calcmode="lin" valueType="num">
-                                      <p:cBhvr>
-                                        <p:cTn id="65" dur="1000"/>
-                                        <p:tgtEl>
-                                          <p:spTgt spid="81"/>
-                                        </p:tgtEl>
-                                        <p:attrNameLst>
-                                          <p:attrName>style.rotation</p:attrName>
-                                        </p:attrNameLst>
-                                      </p:cBhvr>
-                                      <p:tavLst>
-                                        <p:tav tm="0">
-                                          <p:val>
-                                            <p:fltVal val="0"/>
-                                          </p:val>
-                                        </p:tav>
-                                        <p:tav tm="100000">
-                                          <p:val>
-                                            <p:fltVal val="90"/>
-                                          </p:val>
-                                        </p:tav>
-                                      </p:tavLst>
-                                    </p:anim>
-                                    <p:animEffect transition="out" filter="fade">
-                                      <p:cBhvr>
-                                        <p:cTn id="66" dur="1000"/>
-                                        <p:tgtEl>
-                                          <p:spTgt spid="81"/>
-                                        </p:tgtEl>
-                                      </p:cBhvr>
-                                    </p:animEffect>
-                                    <p:set>
-                                      <p:cBhvr>
-                                        <p:cTn id="67" dur="1" fill="hold">
-                                          <p:stCondLst>
-                                            <p:cond delay="999"/>
-                                          </p:stCondLst>
-                                        </p:cTn>
-                                        <p:tgtEl>
-                                          <p:spTgt spid="81"/>
-                                        </p:tgtEl>
-                                        <p:attrNameLst>
-                                          <p:attrName>style.visibility</p:attrName>
-                                        </p:attrNameLst>
-                                      </p:cBhvr>
-                                      <p:to>
-                                        <p:strVal val="hidden"/>
-                                      </p:to>
-                                    </p:set>
-                                  </p:childTnLst>
-                                </p:cTn>
-                              </p:par>
-                              <p:par>
-                                <p:cTn id="68" presetID="31" presetClass="exit" presetSubtype="0" fill="hold" nodeType="withEffect">
-                                  <p:stCondLst>
-                                    <p:cond delay="0"/>
-                                  </p:stCondLst>
-                                  <p:childTnLst>
-                                    <p:anim calcmode="lin" valueType="num">
-                                      <p:cBhvr>
-                                        <p:cTn id="69" dur="1000"/>
-                                        <p:tgtEl>
-                                          <p:spTgt spid="80"/>
-                                        </p:tgtEl>
-                                        <p:attrNameLst>
-                                          <p:attrName>ppt_w</p:attrName>
-                                        </p:attrNameLst>
-                                      </p:cBhvr>
-                                      <p:tavLst>
-                                        <p:tav tm="0">
-                                          <p:val>
-                                            <p:strVal val="ppt_w"/>
-                                          </p:val>
-                                        </p:tav>
-                                        <p:tav tm="100000">
-                                          <p:val>
-                                            <p:fltVal val="0"/>
-                                          </p:val>
-                                        </p:tav>
-                                      </p:tavLst>
-                                    </p:anim>
-                                    <p:anim calcmode="lin" valueType="num">
-                                      <p:cBhvr>
-                                        <p:cTn id="70" dur="1000"/>
-                                        <p:tgtEl>
-                                          <p:spTgt spid="80"/>
-                                        </p:tgtEl>
-                                        <p:attrNameLst>
-                                          <p:attrName>ppt_h</p:attrName>
-                                        </p:attrNameLst>
-                                      </p:cBhvr>
-                                      <p:tavLst>
-                                        <p:tav tm="0">
-                                          <p:val>
-                                            <p:strVal val="ppt_h"/>
-                                          </p:val>
-                                        </p:tav>
-                                        <p:tav tm="100000">
-                                          <p:val>
-                                            <p:fltVal val="0"/>
-                                          </p:val>
-                                        </p:tav>
-                                      </p:tavLst>
-                                    </p:anim>
-                                    <p:anim calcmode="lin" valueType="num">
-                                      <p:cBhvr>
-                                        <p:cTn id="71" dur="1000"/>
-                                        <p:tgtEl>
-                                          <p:spTgt spid="80"/>
-                                        </p:tgtEl>
-                                        <p:attrNameLst>
-                                          <p:attrName>style.rotation</p:attrName>
-                                        </p:attrNameLst>
-                                      </p:cBhvr>
-                                      <p:tavLst>
-                                        <p:tav tm="0">
-                                          <p:val>
-                                            <p:fltVal val="0"/>
-                                          </p:val>
-                                        </p:tav>
-                                        <p:tav tm="100000">
-                                          <p:val>
-                                            <p:fltVal val="90"/>
-                                          </p:val>
-                                        </p:tav>
-                                      </p:tavLst>
-                                    </p:anim>
-                                    <p:animEffect transition="out" filter="fade">
-                                      <p:cBhvr>
-                                        <p:cTn id="72" dur="1000"/>
-                                        <p:tgtEl>
-                                          <p:spTgt spid="80"/>
-                                        </p:tgtEl>
-                                      </p:cBhvr>
-                                    </p:animEffect>
-                                    <p:set>
-                                      <p:cBhvr>
-                                        <p:cTn id="73" dur="1" fill="hold">
-                                          <p:stCondLst>
-                                            <p:cond delay="999"/>
-                                          </p:stCondLst>
-                                        </p:cTn>
-                                        <p:tgtEl>
-                                          <p:spTgt spid="80"/>
-                                        </p:tgtEl>
-                                        <p:attrNameLst>
-                                          <p:attrName>style.visibility</p:attrName>
-                                        </p:attrNameLst>
-                                      </p:cBhvr>
-                                      <p:to>
-                                        <p:strVal val="hidden"/>
-                                      </p:to>
-                                    </p:set>
-                                  </p:childTnLst>
-                                </p:cTn>
-                              </p:par>
-                            </p:childTnLst>
-                          </p:cTn>
-                        </p:par>
-                        <p:par>
-                          <p:cTn id="74" fill="hold">
-                            <p:stCondLst>
-                              <p:cond delay="1500"/>
-                            </p:stCondLst>
-                            <p:childTnLst>
-                              <p:par>
-                                <p:cTn id="75" presetID="10" presetClass="entr" presetSubtype="0" fill="hold" grpId="0" nodeType="afterEffect">
+                                <p:cTn id="44" presetID="10" presetClass="entr" presetSubtype="0" fill="hold" grpId="0" nodeType="afterEffect">
                                   <p:stCondLst>
                                     <p:cond delay="0"/>
                                   </p:stCondLst>
                                   <p:childTnLst>
                                     <p:set>
                                       <p:cBhvr>
-                                        <p:cTn id="76" dur="1" fill="hold">
+                                        <p:cTn id="45" dur="1" fill="hold">
                                           <p:stCondLst>
                                             <p:cond delay="0"/>
                                           </p:stCondLst>
@@ -7976,7 +7486,7 @@
                                     </p:set>
                                     <p:animEffect transition="in" filter="fade">
                                       <p:cBhvr>
-                                        <p:cTn id="77" dur="500"/>
+                                        <p:cTn id="46" dur="500"/>
                                         <p:tgtEl>
                                           <p:spTgt spid="84"/>
                                         </p:tgtEl>
@@ -7986,14 +7496,14 @@
                                 </p:cTn>
                               </p:par>
                               <p:par>
-                                <p:cTn id="78" presetID="10" presetClass="entr" presetSubtype="0" fill="hold" grpId="0" nodeType="withEffect">
+                                <p:cTn id="47" presetID="10" presetClass="entr" presetSubtype="0" fill="hold" grpId="0" nodeType="withEffect">
                                   <p:stCondLst>
                                     <p:cond delay="0"/>
                                   </p:stCondLst>
                                   <p:childTnLst>
                                     <p:set>
                                       <p:cBhvr>
-                                        <p:cTn id="79" dur="1" fill="hold">
+                                        <p:cTn id="48" dur="1" fill="hold">
                                           <p:stCondLst>
                                             <p:cond delay="0"/>
                                           </p:stCondLst>
@@ -8011,7 +7521,7 @@
                                     </p:set>
                                     <p:animEffect transition="in" filter="fade">
                                       <p:cBhvr>
-                                        <p:cTn id="80" dur="2000"/>
+                                        <p:cTn id="49" dur="2000"/>
                                         <p:tgtEl>
                                           <p:spTgt spid="85"/>
                                         </p:tgtEl>
@@ -8055,9 +7565,9 @@
       <p:bldP spid="63" grpId="0"/>
       <p:bldP spid="65" grpId="0"/>
       <p:bldP spid="67" grpId="0"/>
+      <p:bldP spid="85" grpId="0"/>
+      <p:bldP spid="84" grpId="0" animBg="1"/>
       <p:bldP spid="83" grpId="0" animBg="1"/>
-      <p:bldP spid="84" grpId="0" animBg="1"/>
-      <p:bldP spid="85" grpId="0"/>
     </p:bldLst>
   </p:timing>
 </p:sld>

--- a/poster/G14_ONO-Systems.pptx
+++ b/poster/G14_ONO-Systems.pptx
@@ -4864,7 +4864,7 @@
         <p:spPr>
           <a:xfrm>
             <a:off x="536126" y="3692648"/>
-            <a:ext cx="9729867" cy="1508105"/>
+            <a:ext cx="9729867" cy="1569660"/>
           </a:xfrm>
           <a:prstGeom prst="rect">
             <a:avLst/>
@@ -4896,10 +4896,13 @@
             <a:endParaRPr kumimoji="1" lang="en-US" altLang="ja-JP" sz="4800" dirty="0"/>
           </a:p>
           <a:p>
-            <a:pPr lvl="1"/>
-            <a:r>
-              <a:rPr kumimoji="1" lang="ja-JP" altLang="en-US" sz="4400" b="1" dirty="0"/>
-              <a:t>⇒</a:t>
+            <a:r>
+              <a:rPr kumimoji="1" lang="en-US" altLang="ja-JP" sz="4800" b="1" dirty="0">
+                <a:solidFill>
+                  <a:srgbClr val="FF0000"/>
+                </a:solidFill>
+              </a:rPr>
+              <a:t>			</a:t>
             </a:r>
             <a:r>
               <a:rPr kumimoji="1" lang="ja-JP" altLang="en-US" sz="4400" b="1" dirty="0">
@@ -4909,6 +4912,15 @@
               </a:rPr>
               <a:t> 再配達の増加</a:t>
             </a:r>
+            <a:r>
+              <a:rPr kumimoji="1" lang="ja-JP" altLang="en-US" sz="4400" dirty="0"/>
+              <a:t>が一因</a:t>
+            </a:r>
+            <a:endParaRPr kumimoji="1" lang="ja-JP" altLang="en-US" sz="4400" dirty="0">
+              <a:solidFill>
+                <a:srgbClr val="FF0000"/>
+              </a:solidFill>
+            </a:endParaRPr>
           </a:p>
         </p:txBody>
       </p:sp>
@@ -5665,42 +5677,6 @@
           <a:xfrm>
             <a:off x="8004291" y="28058160"/>
             <a:ext cx="2026466" cy="1350977"/>
-          </a:xfrm>
-          <a:prstGeom prst="rect">
-            <a:avLst/>
-          </a:prstGeom>
-        </p:spPr>
-      </p:pic>
-      <p:pic>
-        <p:nvPicPr>
-          <p:cNvPr id="12" name="図 11">
-            <a:extLst>
-              <a:ext uri="{FF2B5EF4-FFF2-40B4-BE49-F238E27FC236}">
-                <a16:creationId xmlns:a16="http://schemas.microsoft.com/office/drawing/2014/main" id="{EB005F26-881D-48DB-812F-02D75001CEBA}"/>
-              </a:ext>
-            </a:extLst>
-          </p:cNvPr>
-          <p:cNvPicPr>
-            <a:picLocks noChangeAspect="1"/>
-          </p:cNvPicPr>
-          <p:nvPr/>
-        </p:nvPicPr>
-        <p:blipFill>
-          <a:blip r:embed="rId12">
-            <a:extLst>
-              <a:ext uri="{28A0092B-C50C-407E-A947-70E740481C1C}">
-                <a14:useLocalDpi xmlns:a14="http://schemas.microsoft.com/office/drawing/2010/main" val="0"/>
-              </a:ext>
-            </a:extLst>
-          </a:blip>
-          <a:stretch>
-            <a:fillRect/>
-          </a:stretch>
-        </p:blipFill>
-        <p:spPr>
-          <a:xfrm>
-            <a:off x="443173" y="11330607"/>
-            <a:ext cx="9726382" cy="12603334"/>
           </a:xfrm>
           <a:prstGeom prst="rect">
             <a:avLst/>
@@ -6404,7 +6380,7 @@
           <p:nvPr/>
         </p:nvPicPr>
         <p:blipFill rotWithShape="1">
-          <a:blip r:embed="rId13"/>
+          <a:blip r:embed="rId12"/>
           <a:srcRect b="16469"/>
           <a:stretch/>
         </p:blipFill>
@@ -6525,6 +6501,42 @@
             <a:extLst>
               <a:ext uri="{FF2B5EF4-FFF2-40B4-BE49-F238E27FC236}">
                 <a16:creationId xmlns:a16="http://schemas.microsoft.com/office/drawing/2014/main" id="{D3BB9CE9-B15E-48A4-AFEE-38F5C30ABC7B}"/>
+              </a:ext>
+            </a:extLst>
+          </p:cNvPr>
+          <p:cNvPicPr>
+            <a:picLocks noChangeAspect="1"/>
+          </p:cNvPicPr>
+          <p:nvPr/>
+        </p:nvPicPr>
+        <p:blipFill>
+          <a:blip r:embed="rId13">
+            <a:extLst>
+              <a:ext uri="{28A0092B-C50C-407E-A947-70E740481C1C}">
+                <a14:useLocalDpi xmlns:a14="http://schemas.microsoft.com/office/drawing/2010/main" val="0"/>
+              </a:ext>
+            </a:extLst>
+          </a:blip>
+          <a:stretch>
+            <a:fillRect/>
+          </a:stretch>
+        </p:blipFill>
+        <p:spPr>
+          <a:xfrm>
+            <a:off x="3804177" y="28228192"/>
+            <a:ext cx="3572256" cy="1091184"/>
+          </a:xfrm>
+          <a:prstGeom prst="rect">
+            <a:avLst/>
+          </a:prstGeom>
+        </p:spPr>
+      </p:pic>
+      <p:pic>
+        <p:nvPicPr>
+          <p:cNvPr id="18" name="図 17">
+            <a:extLst>
+              <a:ext uri="{FF2B5EF4-FFF2-40B4-BE49-F238E27FC236}">
+                <a16:creationId xmlns:a16="http://schemas.microsoft.com/office/drawing/2014/main" id="{2300A1C8-56BD-4556-9F65-BD0AC483278A}"/>
               </a:ext>
             </a:extLst>
           </p:cNvPr>
@@ -6547,8 +6559,8 @@
         </p:blipFill>
         <p:spPr>
           <a:xfrm>
-            <a:off x="3804177" y="28228192"/>
-            <a:ext cx="3572256" cy="1091184"/>
+            <a:off x="1049128" y="25054626"/>
+            <a:ext cx="1249251" cy="1481070"/>
           </a:xfrm>
           <a:prstGeom prst="rect">
             <a:avLst/>
@@ -6557,10 +6569,10 @@
       </p:pic>
       <p:pic>
         <p:nvPicPr>
-          <p:cNvPr id="18" name="図 17">
+          <p:cNvPr id="88" name="図 87">
             <a:extLst>
               <a:ext uri="{FF2B5EF4-FFF2-40B4-BE49-F238E27FC236}">
-                <a16:creationId xmlns:a16="http://schemas.microsoft.com/office/drawing/2014/main" id="{2300A1C8-56BD-4556-9F65-BD0AC483278A}"/>
+                <a16:creationId xmlns:a16="http://schemas.microsoft.com/office/drawing/2014/main" id="{C8CEDBAE-C9EE-4CB3-B306-5508628F5860}"/>
               </a:ext>
             </a:extLst>
           </p:cNvPr>
@@ -6569,7 +6581,7 @@
           </p:cNvPicPr>
           <p:nvPr/>
         </p:nvPicPr>
-        <p:blipFill>
+        <p:blipFill rotWithShape="1">
           <a:blip r:embed="rId15">
             <a:extLst>
               <a:ext uri="{28A0092B-C50C-407E-A947-70E740481C1C}">
@@ -6577,14 +6589,13 @@
               </a:ext>
             </a:extLst>
           </a:blip>
-          <a:stretch>
-            <a:fillRect/>
-          </a:stretch>
+          <a:srcRect l="19406" r="12324"/>
+          <a:stretch/>
         </p:blipFill>
         <p:spPr>
           <a:xfrm>
-            <a:off x="1049128" y="25054626"/>
-            <a:ext cx="1249251" cy="1481070"/>
+            <a:off x="11198100" y="20123874"/>
+            <a:ext cx="903875" cy="1552575"/>
           </a:xfrm>
           <a:prstGeom prst="rect">
             <a:avLst/>
@@ -6593,10 +6604,45 @@
       </p:pic>
       <p:pic>
         <p:nvPicPr>
-          <p:cNvPr id="88" name="図 87">
+          <p:cNvPr id="90" name="図 89">
             <a:extLst>
               <a:ext uri="{FF2B5EF4-FFF2-40B4-BE49-F238E27FC236}">
-                <a16:creationId xmlns:a16="http://schemas.microsoft.com/office/drawing/2014/main" id="{C8CEDBAE-C9EE-4CB3-B306-5508628F5860}"/>
+                <a16:creationId xmlns:a16="http://schemas.microsoft.com/office/drawing/2014/main" id="{D33751BF-B1D3-4213-A922-3826CDC81414}"/>
+              </a:ext>
+            </a:extLst>
+          </p:cNvPr>
+          <p:cNvPicPr>
+            <a:picLocks noChangeAspect="1"/>
+          </p:cNvPicPr>
+          <p:nvPr/>
+        </p:nvPicPr>
+        <p:blipFill rotWithShape="1">
+          <a:blip r:embed="rId15">
+            <a:extLst>
+              <a:ext uri="{28A0092B-C50C-407E-A947-70E740481C1C}">
+                <a14:useLocalDpi xmlns:a14="http://schemas.microsoft.com/office/drawing/2010/main" val="0"/>
+              </a:ext>
+            </a:extLst>
+          </a:blip>
+          <a:srcRect l="19406" r="12324"/>
+          <a:stretch/>
+        </p:blipFill>
+        <p:spPr>
+          <a:xfrm>
+            <a:off x="11827200" y="18840200"/>
+            <a:ext cx="903875" cy="1552575"/>
+          </a:xfrm>
+          <a:prstGeom prst="rect">
+            <a:avLst/>
+          </a:prstGeom>
+        </p:spPr>
+      </p:pic>
+      <p:pic>
+        <p:nvPicPr>
+          <p:cNvPr id="87" name="図 86">
+            <a:extLst>
+              <a:ext uri="{FF2B5EF4-FFF2-40B4-BE49-F238E27FC236}">
+                <a16:creationId xmlns:a16="http://schemas.microsoft.com/office/drawing/2014/main" id="{13E0C066-4985-4AA6-BDE8-E462E5F5C254}"/>
               </a:ext>
             </a:extLst>
           </p:cNvPr>
@@ -6613,25 +6659,83 @@
               </a:ext>
             </a:extLst>
           </a:blip>
-          <a:srcRect l="19406" r="12324"/>
+          <a:srcRect l="17966" r="16883"/>
           <a:stretch/>
         </p:blipFill>
         <p:spPr>
           <a:xfrm>
-            <a:off x="11198100" y="20123874"/>
-            <a:ext cx="903875" cy="1552575"/>
+            <a:off x="12249509" y="20110548"/>
+            <a:ext cx="862591" cy="1543050"/>
           </a:xfrm>
           <a:prstGeom prst="rect">
             <a:avLst/>
           </a:prstGeom>
         </p:spPr>
       </p:pic>
+      <p:sp>
+        <p:nvSpPr>
+          <p:cNvPr id="85" name="テキスト ボックス 84">
+            <a:extLst>
+              <a:ext uri="{FF2B5EF4-FFF2-40B4-BE49-F238E27FC236}">
+                <a16:creationId xmlns:a16="http://schemas.microsoft.com/office/drawing/2014/main" id="{7A71E694-EA5E-4B29-B1BE-6E5654451E19}"/>
+              </a:ext>
+            </a:extLst>
+          </p:cNvPr>
+          <p:cNvSpPr txBox="1"/>
+          <p:nvPr/>
+        </p:nvSpPr>
+        <p:spPr>
+          <a:xfrm>
+            <a:off x="12924905" y="17837416"/>
+            <a:ext cx="2139560" cy="1077218"/>
+          </a:xfrm>
+          <a:prstGeom prst="rect">
+            <a:avLst/>
+          </a:prstGeom>
+          <a:noFill/>
+        </p:spPr>
+        <p:txBody>
+          <a:bodyPr wrap="square" rtlCol="0">
+            <a:spAutoFit/>
+          </a:bodyPr>
+          <a:lstStyle/>
+          <a:p>
+            <a:r>
+              <a:rPr kumimoji="1" lang="ja-JP" altLang="en-US" sz="3200" b="1" dirty="0">
+                <a:latin typeface="+mj-ea"/>
+                <a:ea typeface="+mj-ea"/>
+              </a:rPr>
+              <a:t>平均年収 </a:t>
+            </a:r>
+            <a:endParaRPr kumimoji="1" lang="en-US" altLang="ja-JP" sz="3200" b="1" dirty="0">
+              <a:latin typeface="+mj-ea"/>
+              <a:ea typeface="+mj-ea"/>
+            </a:endParaRPr>
+          </a:p>
+          <a:p>
+            <a:r>
+              <a:rPr kumimoji="1" lang="en-US" altLang="ja-JP" sz="3200" b="1" dirty="0">
+                <a:latin typeface="+mj-ea"/>
+                <a:ea typeface="+mj-ea"/>
+              </a:rPr>
+              <a:t>	400</a:t>
+            </a:r>
+            <a:r>
+              <a:rPr kumimoji="1" lang="ja-JP" altLang="en-US" sz="3200" b="1" dirty="0">
+                <a:latin typeface="+mj-ea"/>
+                <a:ea typeface="+mj-ea"/>
+              </a:rPr>
+              <a:t>万円</a:t>
+            </a:r>
+          </a:p>
+        </p:txBody>
+      </p:sp>
       <p:pic>
         <p:nvPicPr>
-          <p:cNvPr id="90" name="図 89">
+          <p:cNvPr id="91" name="図 90">
             <a:extLst>
               <a:ext uri="{FF2B5EF4-FFF2-40B4-BE49-F238E27FC236}">
-                <a16:creationId xmlns:a16="http://schemas.microsoft.com/office/drawing/2014/main" id="{D33751BF-B1D3-4213-A922-3826CDC81414}"/>
+                <a16:creationId xmlns:a16="http://schemas.microsoft.com/office/drawing/2014/main" id="{04C6F114-7262-40FA-8849-B5A4C77D3056}"/>
               </a:ext>
             </a:extLst>
           </p:cNvPr>
@@ -6648,13 +6752,13 @@
               </a:ext>
             </a:extLst>
           </a:blip>
-          <a:srcRect l="19406" r="12324"/>
+          <a:srcRect l="17966" r="16883"/>
           <a:stretch/>
         </p:blipFill>
         <p:spPr>
           <a:xfrm>
-            <a:off x="11827200" y="18840200"/>
-            <a:ext cx="903875" cy="1552575"/>
+            <a:off x="12868586" y="18812853"/>
+            <a:ext cx="862591" cy="1543050"/>
           </a:xfrm>
           <a:prstGeom prst="rect">
             <a:avLst/>
@@ -6663,10 +6767,10 @@
       </p:pic>
       <p:pic>
         <p:nvPicPr>
-          <p:cNvPr id="87" name="図 86">
+          <p:cNvPr id="89" name="図 88">
             <a:extLst>
               <a:ext uri="{FF2B5EF4-FFF2-40B4-BE49-F238E27FC236}">
-                <a16:creationId xmlns:a16="http://schemas.microsoft.com/office/drawing/2014/main" id="{13E0C066-4985-4AA6-BDE8-E462E5F5C254}"/>
+                <a16:creationId xmlns:a16="http://schemas.microsoft.com/office/drawing/2014/main" id="{196F5998-C88D-494F-A84D-BE7C94FF519B}"/>
               </a:ext>
             </a:extLst>
           </p:cNvPr>
@@ -6676,135 +6780,7 @@
           <p:nvPr/>
         </p:nvPicPr>
         <p:blipFill rotWithShape="1">
-          <a:blip r:embed="rId17">
-            <a:extLst>
-              <a:ext uri="{28A0092B-C50C-407E-A947-70E740481C1C}">
-                <a14:useLocalDpi xmlns:a14="http://schemas.microsoft.com/office/drawing/2010/main" val="0"/>
-              </a:ext>
-            </a:extLst>
-          </a:blip>
-          <a:srcRect l="17966" r="16883"/>
-          <a:stretch/>
-        </p:blipFill>
-        <p:spPr>
-          <a:xfrm>
-            <a:off x="12249509" y="20110548"/>
-            <a:ext cx="862591" cy="1543050"/>
-          </a:xfrm>
-          <a:prstGeom prst="rect">
-            <a:avLst/>
-          </a:prstGeom>
-        </p:spPr>
-      </p:pic>
-      <p:sp>
-        <p:nvSpPr>
-          <p:cNvPr id="85" name="テキスト ボックス 84">
-            <a:extLst>
-              <a:ext uri="{FF2B5EF4-FFF2-40B4-BE49-F238E27FC236}">
-                <a16:creationId xmlns:a16="http://schemas.microsoft.com/office/drawing/2014/main" id="{7A71E694-EA5E-4B29-B1BE-6E5654451E19}"/>
-              </a:ext>
-            </a:extLst>
-          </p:cNvPr>
-          <p:cNvSpPr txBox="1"/>
-          <p:nvPr/>
-        </p:nvSpPr>
-        <p:spPr>
-          <a:xfrm>
-            <a:off x="12924905" y="17837416"/>
-            <a:ext cx="2139560" cy="1077218"/>
-          </a:xfrm>
-          <a:prstGeom prst="rect">
-            <a:avLst/>
-          </a:prstGeom>
-          <a:noFill/>
-        </p:spPr>
-        <p:txBody>
-          <a:bodyPr wrap="square" rtlCol="0">
-            <a:spAutoFit/>
-          </a:bodyPr>
-          <a:lstStyle/>
-          <a:p>
-            <a:r>
-              <a:rPr kumimoji="1" lang="ja-JP" altLang="en-US" sz="3200" b="1" dirty="0">
-                <a:latin typeface="+mj-ea"/>
-                <a:ea typeface="+mj-ea"/>
-              </a:rPr>
-              <a:t>平均年収 </a:t>
-            </a:r>
-            <a:endParaRPr kumimoji="1" lang="en-US" altLang="ja-JP" sz="3200" b="1" dirty="0">
-              <a:latin typeface="+mj-ea"/>
-              <a:ea typeface="+mj-ea"/>
-            </a:endParaRPr>
-          </a:p>
-          <a:p>
-            <a:r>
-              <a:rPr kumimoji="1" lang="en-US" altLang="ja-JP" sz="3200" b="1" dirty="0">
-                <a:latin typeface="+mj-ea"/>
-                <a:ea typeface="+mj-ea"/>
-              </a:rPr>
-              <a:t>	400</a:t>
-            </a:r>
-            <a:r>
-              <a:rPr kumimoji="1" lang="ja-JP" altLang="en-US" sz="3200" b="1" dirty="0">
-                <a:latin typeface="+mj-ea"/>
-                <a:ea typeface="+mj-ea"/>
-              </a:rPr>
-              <a:t>万円</a:t>
-            </a:r>
-          </a:p>
-        </p:txBody>
-      </p:sp>
-      <p:pic>
-        <p:nvPicPr>
-          <p:cNvPr id="91" name="図 90">
-            <a:extLst>
-              <a:ext uri="{FF2B5EF4-FFF2-40B4-BE49-F238E27FC236}">
-                <a16:creationId xmlns:a16="http://schemas.microsoft.com/office/drawing/2014/main" id="{04C6F114-7262-40FA-8849-B5A4C77D3056}"/>
-              </a:ext>
-            </a:extLst>
-          </p:cNvPr>
-          <p:cNvPicPr>
-            <a:picLocks noChangeAspect="1"/>
-          </p:cNvPicPr>
-          <p:nvPr/>
-        </p:nvPicPr>
-        <p:blipFill rotWithShape="1">
-          <a:blip r:embed="rId17">
-            <a:extLst>
-              <a:ext uri="{28A0092B-C50C-407E-A947-70E740481C1C}">
-                <a14:useLocalDpi xmlns:a14="http://schemas.microsoft.com/office/drawing/2010/main" val="0"/>
-              </a:ext>
-            </a:extLst>
-          </a:blip>
-          <a:srcRect l="17966" r="16883"/>
-          <a:stretch/>
-        </p:blipFill>
-        <p:spPr>
-          <a:xfrm>
-            <a:off x="12868586" y="18812853"/>
-            <a:ext cx="862591" cy="1543050"/>
-          </a:xfrm>
-          <a:prstGeom prst="rect">
-            <a:avLst/>
-          </a:prstGeom>
-        </p:spPr>
-      </p:pic>
-      <p:pic>
-        <p:nvPicPr>
-          <p:cNvPr id="89" name="図 88">
-            <a:extLst>
-              <a:ext uri="{FF2B5EF4-FFF2-40B4-BE49-F238E27FC236}">
-                <a16:creationId xmlns:a16="http://schemas.microsoft.com/office/drawing/2014/main" id="{196F5998-C88D-494F-A84D-BE7C94FF519B}"/>
-              </a:ext>
-            </a:extLst>
-          </p:cNvPr>
-          <p:cNvPicPr>
-            <a:picLocks noChangeAspect="1"/>
-          </p:cNvPicPr>
-          <p:nvPr/>
-        </p:nvPicPr>
-        <p:blipFill rotWithShape="1">
-          <a:blip r:embed="rId17">
+          <a:blip r:embed="rId16">
             <a:extLst>
               <a:ext uri="{28A0092B-C50C-407E-A947-70E740481C1C}">
                 <a14:useLocalDpi xmlns:a14="http://schemas.microsoft.com/office/drawing/2010/main" val="0"/>
@@ -6904,7 +6880,7 @@
           <p:nvPr/>
         </p:nvPicPr>
         <p:blipFill rotWithShape="1">
-          <a:blip r:embed="rId17">
+          <a:blip r:embed="rId16">
             <a:extLst>
               <a:ext uri="{28A0092B-C50C-407E-A947-70E740481C1C}">
                 <a14:useLocalDpi xmlns:a14="http://schemas.microsoft.com/office/drawing/2010/main" val="0"/>
@@ -6983,6 +6959,42 @@
           </a:p>
         </p:txBody>
       </p:sp>
+      <p:pic>
+        <p:nvPicPr>
+          <p:cNvPr id="15" name="図 14">
+            <a:extLst>
+              <a:ext uri="{FF2B5EF4-FFF2-40B4-BE49-F238E27FC236}">
+                <a16:creationId xmlns:a16="http://schemas.microsoft.com/office/drawing/2014/main" id="{0E888975-5558-4602-ADBF-B144C38AECE5}"/>
+              </a:ext>
+            </a:extLst>
+          </p:cNvPr>
+          <p:cNvPicPr>
+            <a:picLocks noChangeAspect="1"/>
+          </p:cNvPicPr>
+          <p:nvPr/>
+        </p:nvPicPr>
+        <p:blipFill>
+          <a:blip r:embed="rId17">
+            <a:extLst>
+              <a:ext uri="{28A0092B-C50C-407E-A947-70E740481C1C}">
+                <a14:useLocalDpi xmlns:a14="http://schemas.microsoft.com/office/drawing/2010/main" val="0"/>
+              </a:ext>
+            </a:extLst>
+          </a:blip>
+          <a:stretch>
+            <a:fillRect/>
+          </a:stretch>
+        </p:blipFill>
+        <p:spPr>
+          <a:xfrm>
+            <a:off x="433634" y="11273245"/>
+            <a:ext cx="9725025" cy="12601575"/>
+          </a:xfrm>
+          <a:prstGeom prst="rect">
+            <a:avLst/>
+          </a:prstGeom>
+        </p:spPr>
+      </p:pic>
     </p:spTree>
     <p:extLst>
       <p:ext uri="{BB962C8B-B14F-4D97-AF65-F5344CB8AC3E}">

--- a/poster/G14_ONO-Systems.pptx
+++ b/poster/G14_ONO-Systems.pptx
@@ -243,7 +243,7 @@
           <a:p>
             <a:fld id="{B042BC44-9F62-4CE5-9F38-ECCBAF80D58A}" type="datetimeFigureOut">
               <a:rPr kumimoji="1" lang="ja-JP" altLang="en-US" smtClean="0"/>
-              <a:t>2019/1/28</a:t>
+              <a:t>2019/1/29</a:t>
             </a:fld>
             <a:endParaRPr kumimoji="1" lang="ja-JP" altLang="en-US"/>
           </a:p>
@@ -445,7 +445,7 @@
           <a:p>
             <a:fld id="{B042BC44-9F62-4CE5-9F38-ECCBAF80D58A}" type="datetimeFigureOut">
               <a:rPr kumimoji="1" lang="ja-JP" altLang="en-US" smtClean="0"/>
-              <a:t>2019/1/28</a:t>
+              <a:t>2019/1/29</a:t>
             </a:fld>
             <a:endParaRPr kumimoji="1" lang="ja-JP" altLang="en-US"/>
           </a:p>
@@ -657,7 +657,7 @@
           <a:p>
             <a:fld id="{B042BC44-9F62-4CE5-9F38-ECCBAF80D58A}" type="datetimeFigureOut">
               <a:rPr kumimoji="1" lang="ja-JP" altLang="en-US" smtClean="0"/>
-              <a:t>2019/1/28</a:t>
+              <a:t>2019/1/29</a:t>
             </a:fld>
             <a:endParaRPr kumimoji="1" lang="ja-JP" altLang="en-US"/>
           </a:p>
@@ -880,7 +880,7 @@
           <a:p>
             <a:fld id="{B042BC44-9F62-4CE5-9F38-ECCBAF80D58A}" type="datetimeFigureOut">
               <a:rPr kumimoji="1" lang="ja-JP" altLang="en-US" smtClean="0"/>
-              <a:t>2019/1/28</a:t>
+              <a:t>2019/1/29</a:t>
             </a:fld>
             <a:endParaRPr kumimoji="1" lang="ja-JP" altLang="en-US"/>
           </a:p>
@@ -1124,7 +1124,7 @@
           <a:p>
             <a:fld id="{B042BC44-9F62-4CE5-9F38-ECCBAF80D58A}" type="datetimeFigureOut">
               <a:rPr kumimoji="1" lang="ja-JP" altLang="en-US" smtClean="0"/>
-              <a:t>2019/1/28</a:t>
+              <a:t>2019/1/29</a:t>
             </a:fld>
             <a:endParaRPr kumimoji="1" lang="ja-JP" altLang="en-US"/>
           </a:p>
@@ -1420,7 +1420,7 @@
           <a:p>
             <a:fld id="{B042BC44-9F62-4CE5-9F38-ECCBAF80D58A}" type="datetimeFigureOut">
               <a:rPr kumimoji="1" lang="ja-JP" altLang="en-US" smtClean="0"/>
-              <a:t>2019/1/28</a:t>
+              <a:t>2019/1/29</a:t>
             </a:fld>
             <a:endParaRPr kumimoji="1" lang="ja-JP" altLang="en-US"/>
           </a:p>
@@ -1851,7 +1851,7 @@
           <a:p>
             <a:fld id="{B042BC44-9F62-4CE5-9F38-ECCBAF80D58A}" type="datetimeFigureOut">
               <a:rPr kumimoji="1" lang="ja-JP" altLang="en-US" smtClean="0"/>
-              <a:t>2019/1/28</a:t>
+              <a:t>2019/1/29</a:t>
             </a:fld>
             <a:endParaRPr kumimoji="1" lang="ja-JP" altLang="en-US"/>
           </a:p>
@@ -1969,7 +1969,7 @@
           <a:p>
             <a:fld id="{B042BC44-9F62-4CE5-9F38-ECCBAF80D58A}" type="datetimeFigureOut">
               <a:rPr kumimoji="1" lang="ja-JP" altLang="en-US" smtClean="0"/>
-              <a:t>2019/1/28</a:t>
+              <a:t>2019/1/29</a:t>
             </a:fld>
             <a:endParaRPr kumimoji="1" lang="ja-JP" altLang="en-US"/>
           </a:p>
@@ -2064,7 +2064,7 @@
           <a:p>
             <a:fld id="{B042BC44-9F62-4CE5-9F38-ECCBAF80D58A}" type="datetimeFigureOut">
               <a:rPr kumimoji="1" lang="ja-JP" altLang="en-US" smtClean="0"/>
-              <a:t>2019/1/28</a:t>
+              <a:t>2019/1/29</a:t>
             </a:fld>
             <a:endParaRPr kumimoji="1" lang="ja-JP" altLang="en-US"/>
           </a:p>
@@ -2373,7 +2373,7 @@
           <a:p>
             <a:fld id="{B042BC44-9F62-4CE5-9F38-ECCBAF80D58A}" type="datetimeFigureOut">
               <a:rPr kumimoji="1" lang="ja-JP" altLang="en-US" smtClean="0"/>
-              <a:t>2019/1/28</a:t>
+              <a:t>2019/1/29</a:t>
             </a:fld>
             <a:endParaRPr kumimoji="1" lang="ja-JP" altLang="en-US"/>
           </a:p>
@@ -2630,7 +2630,7 @@
           <a:p>
             <a:fld id="{B042BC44-9F62-4CE5-9F38-ECCBAF80D58A}" type="datetimeFigureOut">
               <a:rPr kumimoji="1" lang="ja-JP" altLang="en-US" smtClean="0"/>
-              <a:t>2019/1/28</a:t>
+              <a:t>2019/1/29</a:t>
             </a:fld>
             <a:endParaRPr kumimoji="1" lang="ja-JP" altLang="en-US"/>
           </a:p>
@@ -2875,7 +2875,7 @@
           <a:p>
             <a:fld id="{B042BC44-9F62-4CE5-9F38-ECCBAF80D58A}" type="datetimeFigureOut">
               <a:rPr kumimoji="1" lang="ja-JP" altLang="en-US" smtClean="0"/>
-              <a:t>2019/1/28</a:t>
+              <a:t>2019/1/29</a:t>
             </a:fld>
             <a:endParaRPr kumimoji="1" lang="ja-JP" altLang="en-US"/>
           </a:p>
@@ -3288,6 +3288,78 @@
           <a:chExt cx="0" cy="0"/>
         </a:xfrm>
       </p:grpSpPr>
+      <p:pic>
+        <p:nvPicPr>
+          <p:cNvPr id="38" name="図 37">
+            <a:extLst>
+              <a:ext uri="{FF2B5EF4-FFF2-40B4-BE49-F238E27FC236}">
+                <a16:creationId xmlns:a16="http://schemas.microsoft.com/office/drawing/2014/main" id="{FFE031F6-2F77-4AEF-92CF-8353C089DB15}"/>
+              </a:ext>
+            </a:extLst>
+          </p:cNvPr>
+          <p:cNvPicPr>
+            <a:picLocks noChangeAspect="1"/>
+          </p:cNvPicPr>
+          <p:nvPr/>
+        </p:nvPicPr>
+        <p:blipFill>
+          <a:blip r:embed="rId2">
+            <a:extLst>
+              <a:ext uri="{28A0092B-C50C-407E-A947-70E740481C1C}">
+                <a14:useLocalDpi xmlns:a14="http://schemas.microsoft.com/office/drawing/2010/main" val="0"/>
+              </a:ext>
+            </a:extLst>
+          </a:blip>
+          <a:stretch>
+            <a:fillRect/>
+          </a:stretch>
+        </p:blipFill>
+        <p:spPr>
+          <a:xfrm>
+            <a:off x="5176247" y="26462566"/>
+            <a:ext cx="4533900" cy="1143000"/>
+          </a:xfrm>
+          <a:prstGeom prst="rect">
+            <a:avLst/>
+          </a:prstGeom>
+        </p:spPr>
+      </p:pic>
+      <p:pic>
+        <p:nvPicPr>
+          <p:cNvPr id="12" name="図 11">
+            <a:extLst>
+              <a:ext uri="{FF2B5EF4-FFF2-40B4-BE49-F238E27FC236}">
+                <a16:creationId xmlns:a16="http://schemas.microsoft.com/office/drawing/2014/main" id="{6B66A81A-327E-4F47-9424-E522E241201B}"/>
+              </a:ext>
+            </a:extLst>
+          </p:cNvPr>
+          <p:cNvPicPr>
+            <a:picLocks noChangeAspect="1"/>
+          </p:cNvPicPr>
+          <p:nvPr/>
+        </p:nvPicPr>
+        <p:blipFill>
+          <a:blip r:embed="rId3">
+            <a:extLst>
+              <a:ext uri="{28A0092B-C50C-407E-A947-70E740481C1C}">
+                <a14:useLocalDpi xmlns:a14="http://schemas.microsoft.com/office/drawing/2010/main" val="0"/>
+              </a:ext>
+            </a:extLst>
+          </a:blip>
+          <a:stretch>
+            <a:fillRect/>
+          </a:stretch>
+        </p:blipFill>
+        <p:spPr>
+          <a:xfrm>
+            <a:off x="8564263" y="4305106"/>
+            <a:ext cx="1676400" cy="1962150"/>
+          </a:xfrm>
+          <a:prstGeom prst="rect">
+            <a:avLst/>
+          </a:prstGeom>
+        </p:spPr>
+      </p:pic>
       <p:sp>
         <p:nvSpPr>
           <p:cNvPr id="33" name="テキスト ボックス 32">
@@ -3634,7 +3706,7 @@
           <p:nvPr/>
         </p:nvPicPr>
         <p:blipFill rotWithShape="1">
-          <a:blip r:embed="rId2">
+          <a:blip r:embed="rId4">
             <a:extLst>
               <a:ext uri="{28A0092B-C50C-407E-A947-70E740481C1C}">
                 <a14:useLocalDpi xmlns:a14="http://schemas.microsoft.com/office/drawing/2010/main" val="0"/>
@@ -4530,7 +4602,7 @@
           <p:nvPr/>
         </p:nvPicPr>
         <p:blipFill>
-          <a:blip r:embed="rId3"/>
+          <a:blip r:embed="rId5"/>
           <a:stretch>
             <a:fillRect/>
           </a:stretch>
@@ -4924,42 +4996,6 @@
           </a:p>
         </p:txBody>
       </p:sp>
-      <p:pic>
-        <p:nvPicPr>
-          <p:cNvPr id="19" name="図 18">
-            <a:extLst>
-              <a:ext uri="{FF2B5EF4-FFF2-40B4-BE49-F238E27FC236}">
-                <a16:creationId xmlns:a16="http://schemas.microsoft.com/office/drawing/2014/main" id="{28088AC7-DE5C-4E2E-A62D-2F97324ED979}"/>
-              </a:ext>
-            </a:extLst>
-          </p:cNvPr>
-          <p:cNvPicPr>
-            <a:picLocks noChangeAspect="1"/>
-          </p:cNvPicPr>
-          <p:nvPr/>
-        </p:nvPicPr>
-        <p:blipFill>
-          <a:blip r:embed="rId4">
-            <a:extLst>
-              <a:ext uri="{28A0092B-C50C-407E-A947-70E740481C1C}">
-                <a14:useLocalDpi xmlns:a14="http://schemas.microsoft.com/office/drawing/2010/main" val="0"/>
-              </a:ext>
-            </a:extLst>
-          </a:blip>
-          <a:stretch>
-            <a:fillRect/>
-          </a:stretch>
-        </p:blipFill>
-        <p:spPr>
-          <a:xfrm>
-            <a:off x="8832059" y="4223939"/>
-            <a:ext cx="1674395" cy="1964101"/>
-          </a:xfrm>
-          <a:prstGeom prst="rect">
-            <a:avLst/>
-          </a:prstGeom>
-        </p:spPr>
-      </p:pic>
       <p:cxnSp>
         <p:nvCxnSpPr>
           <p:cNvPr id="37" name="直線コネクタ 36">
@@ -5343,150 +5379,6 @@
           </a:p>
         </p:txBody>
       </p:sp>
-      <p:pic>
-        <p:nvPicPr>
-          <p:cNvPr id="58" name="図 57">
-            <a:extLst>
-              <a:ext uri="{FF2B5EF4-FFF2-40B4-BE49-F238E27FC236}">
-                <a16:creationId xmlns:a16="http://schemas.microsoft.com/office/drawing/2014/main" id="{19207AF4-EA4E-40D3-842D-333BDF98358B}"/>
-              </a:ext>
-            </a:extLst>
-          </p:cNvPr>
-          <p:cNvPicPr>
-            <a:picLocks noChangeAspect="1"/>
-          </p:cNvPicPr>
-          <p:nvPr/>
-        </p:nvPicPr>
-        <p:blipFill>
-          <a:blip r:embed="rId5">
-            <a:extLst>
-              <a:ext uri="{28A0092B-C50C-407E-A947-70E740481C1C}">
-                <a14:useLocalDpi xmlns:a14="http://schemas.microsoft.com/office/drawing/2010/main" val="0"/>
-              </a:ext>
-            </a:extLst>
-          </a:blip>
-          <a:stretch>
-            <a:fillRect/>
-          </a:stretch>
-        </p:blipFill>
-        <p:spPr>
-          <a:xfrm>
-            <a:off x="2889777" y="25046993"/>
-            <a:ext cx="1051856" cy="1421427"/>
-          </a:xfrm>
-          <a:prstGeom prst="rect">
-            <a:avLst/>
-          </a:prstGeom>
-        </p:spPr>
-      </p:pic>
-      <p:pic>
-        <p:nvPicPr>
-          <p:cNvPr id="60" name="図 59">
-            <a:extLst>
-              <a:ext uri="{FF2B5EF4-FFF2-40B4-BE49-F238E27FC236}">
-                <a16:creationId xmlns:a16="http://schemas.microsoft.com/office/drawing/2014/main" id="{3A3A65EB-94F5-4A04-AC9B-95F8CB1652A8}"/>
-              </a:ext>
-            </a:extLst>
-          </p:cNvPr>
-          <p:cNvPicPr>
-            <a:picLocks noChangeAspect="1"/>
-          </p:cNvPicPr>
-          <p:nvPr/>
-        </p:nvPicPr>
-        <p:blipFill>
-          <a:blip r:embed="rId6">
-            <a:extLst>
-              <a:ext uri="{28A0092B-C50C-407E-A947-70E740481C1C}">
-                <a14:useLocalDpi xmlns:a14="http://schemas.microsoft.com/office/drawing/2010/main" val="0"/>
-              </a:ext>
-            </a:extLst>
-          </a:blip>
-          <a:stretch>
-            <a:fillRect/>
-          </a:stretch>
-        </p:blipFill>
-        <p:spPr>
-          <a:xfrm>
-            <a:off x="4483899" y="25112556"/>
-            <a:ext cx="2619375" cy="952500"/>
-          </a:xfrm>
-          <a:prstGeom prst="rect">
-            <a:avLst/>
-          </a:prstGeom>
-        </p:spPr>
-      </p:pic>
-      <p:pic>
-        <p:nvPicPr>
-          <p:cNvPr id="62" name="図 61">
-            <a:extLst>
-              <a:ext uri="{FF2B5EF4-FFF2-40B4-BE49-F238E27FC236}">
-                <a16:creationId xmlns:a16="http://schemas.microsoft.com/office/drawing/2014/main" id="{634D6326-9D66-46BA-BF84-32731459C991}"/>
-              </a:ext>
-            </a:extLst>
-          </p:cNvPr>
-          <p:cNvPicPr>
-            <a:picLocks noChangeAspect="1"/>
-          </p:cNvPicPr>
-          <p:nvPr/>
-        </p:nvPicPr>
-        <p:blipFill>
-          <a:blip r:embed="rId7">
-            <a:extLst>
-              <a:ext uri="{28A0092B-C50C-407E-A947-70E740481C1C}">
-                <a14:useLocalDpi xmlns:a14="http://schemas.microsoft.com/office/drawing/2010/main" val="0"/>
-              </a:ext>
-            </a:extLst>
-          </a:blip>
-          <a:stretch>
-            <a:fillRect/>
-          </a:stretch>
-        </p:blipFill>
-        <p:spPr>
-          <a:xfrm>
-            <a:off x="4836093" y="26589098"/>
-            <a:ext cx="4534362" cy="1143642"/>
-          </a:xfrm>
-          <a:prstGeom prst="rect">
-            <a:avLst/>
-          </a:prstGeom>
-        </p:spPr>
-      </p:pic>
-      <p:pic>
-        <p:nvPicPr>
-          <p:cNvPr id="64" name="図 63">
-            <a:extLst>
-              <a:ext uri="{FF2B5EF4-FFF2-40B4-BE49-F238E27FC236}">
-                <a16:creationId xmlns:a16="http://schemas.microsoft.com/office/drawing/2014/main" id="{9E40A260-9689-46CA-882C-5B5A912E22B9}"/>
-              </a:ext>
-            </a:extLst>
-          </p:cNvPr>
-          <p:cNvPicPr>
-            <a:picLocks noChangeAspect="1"/>
-          </p:cNvPicPr>
-          <p:nvPr/>
-        </p:nvPicPr>
-        <p:blipFill>
-          <a:blip r:embed="rId8">
-            <a:extLst>
-              <a:ext uri="{28A0092B-C50C-407E-A947-70E740481C1C}">
-                <a14:useLocalDpi xmlns:a14="http://schemas.microsoft.com/office/drawing/2010/main" val="0"/>
-              </a:ext>
-            </a:extLst>
-          </a:blip>
-          <a:stretch>
-            <a:fillRect/>
-          </a:stretch>
-        </p:blipFill>
-        <p:spPr>
-          <a:xfrm>
-            <a:off x="533327" y="26648356"/>
-            <a:ext cx="3536461" cy="1580121"/>
-          </a:xfrm>
-          <a:prstGeom prst="rect">
-            <a:avLst/>
-          </a:prstGeom>
-        </p:spPr>
-      </p:pic>
       <p:sp>
         <p:nvSpPr>
           <p:cNvPr id="71" name="正方形/長方形 70">
@@ -5576,113 +5468,6 @@
           </a:p>
         </p:txBody>
       </p:sp>
-      <p:pic>
-        <p:nvPicPr>
-          <p:cNvPr id="74" name="図 73">
-            <a:extLst>
-              <a:ext uri="{FF2B5EF4-FFF2-40B4-BE49-F238E27FC236}">
-                <a16:creationId xmlns:a16="http://schemas.microsoft.com/office/drawing/2014/main" id="{501DEB4E-29BE-4C98-9A7C-25E2CA026E55}"/>
-              </a:ext>
-            </a:extLst>
-          </p:cNvPr>
-          <p:cNvPicPr>
-            <a:picLocks noChangeAspect="1"/>
-          </p:cNvPicPr>
-          <p:nvPr/>
-        </p:nvPicPr>
-        <p:blipFill>
-          <a:blip r:embed="rId9">
-            <a:extLst>
-              <a:ext uri="{28A0092B-C50C-407E-A947-70E740481C1C}">
-                <a14:useLocalDpi xmlns:a14="http://schemas.microsoft.com/office/drawing/2010/main" val="0"/>
-              </a:ext>
-            </a:extLst>
-          </a:blip>
-          <a:stretch>
-            <a:fillRect/>
-          </a:stretch>
-        </p:blipFill>
-        <p:spPr>
-          <a:xfrm>
-            <a:off x="7819760" y="25337046"/>
-            <a:ext cx="1849622" cy="952500"/>
-          </a:xfrm>
-          <a:prstGeom prst="rect">
-            <a:avLst/>
-          </a:prstGeom>
-        </p:spPr>
-      </p:pic>
-      <p:pic>
-        <p:nvPicPr>
-          <p:cNvPr id="77" name="図 76">
-            <a:extLst>
-              <a:ext uri="{FF2B5EF4-FFF2-40B4-BE49-F238E27FC236}">
-                <a16:creationId xmlns:a16="http://schemas.microsoft.com/office/drawing/2014/main" id="{0FC692CC-1E8F-453B-B7FC-79194F0361E9}"/>
-              </a:ext>
-            </a:extLst>
-          </p:cNvPr>
-          <p:cNvPicPr>
-            <a:picLocks noChangeAspect="1"/>
-          </p:cNvPicPr>
-          <p:nvPr/>
-        </p:nvPicPr>
-        <p:blipFill rotWithShape="1">
-          <a:blip r:embed="rId10">
-            <a:extLst>
-              <a:ext uri="{28A0092B-C50C-407E-A947-70E740481C1C}">
-                <a14:useLocalDpi xmlns:a14="http://schemas.microsoft.com/office/drawing/2010/main" val="0"/>
-              </a:ext>
-            </a:extLst>
-          </a:blip>
-          <a:srcRect l="4662" t="21219" r="51705" b="20720"/>
-          <a:stretch/>
-        </p:blipFill>
-        <p:spPr>
-          <a:xfrm>
-            <a:off x="469212" y="28579579"/>
-            <a:ext cx="2659844" cy="829558"/>
-          </a:xfrm>
-          <a:prstGeom prst="rect">
-            <a:avLst/>
-          </a:prstGeom>
-        </p:spPr>
-      </p:pic>
-      <p:pic>
-        <p:nvPicPr>
-          <p:cNvPr id="79" name="図 78" descr="物体 が含まれている画像&#10;&#10;高い精度で生成された説明">
-            <a:extLst>
-              <a:ext uri="{FF2B5EF4-FFF2-40B4-BE49-F238E27FC236}">
-                <a16:creationId xmlns:a16="http://schemas.microsoft.com/office/drawing/2014/main" id="{423FEBEC-AE3B-4F10-AB2C-2BA850F76F9F}"/>
-              </a:ext>
-            </a:extLst>
-          </p:cNvPr>
-          <p:cNvPicPr>
-            <a:picLocks noChangeAspect="1"/>
-          </p:cNvPicPr>
-          <p:nvPr/>
-        </p:nvPicPr>
-        <p:blipFill>
-          <a:blip r:embed="rId11">
-            <a:extLst>
-              <a:ext uri="{28A0092B-C50C-407E-A947-70E740481C1C}">
-                <a14:useLocalDpi xmlns:a14="http://schemas.microsoft.com/office/drawing/2010/main" val="0"/>
-              </a:ext>
-            </a:extLst>
-          </a:blip>
-          <a:stretch>
-            <a:fillRect/>
-          </a:stretch>
-        </p:blipFill>
-        <p:spPr>
-          <a:xfrm>
-            <a:off x="8004291" y="28058160"/>
-            <a:ext cx="2026466" cy="1350977"/>
-          </a:xfrm>
-          <a:prstGeom prst="rect">
-            <a:avLst/>
-          </a:prstGeom>
-        </p:spPr>
-      </p:pic>
       <p:sp>
         <p:nvSpPr>
           <p:cNvPr id="56" name="テキスト ボックス 55">
@@ -6380,7 +6165,7 @@
           <p:nvPr/>
         </p:nvPicPr>
         <p:blipFill rotWithShape="1">
-          <a:blip r:embed="rId12"/>
+          <a:blip r:embed="rId6"/>
           <a:srcRect b="16469"/>
           <a:stretch/>
         </p:blipFill>
@@ -6510,7 +6295,7 @@
           <p:nvPr/>
         </p:nvPicPr>
         <p:blipFill>
-          <a:blip r:embed="rId13">
+          <a:blip r:embed="rId7">
             <a:extLst>
               <a:ext uri="{28A0092B-C50C-407E-A947-70E740481C1C}">
                 <a14:useLocalDpi xmlns:a14="http://schemas.microsoft.com/office/drawing/2010/main" val="0"/>
@@ -6523,7 +6308,7 @@
         </p:blipFill>
         <p:spPr>
           <a:xfrm>
-            <a:off x="3804177" y="28228192"/>
+            <a:off x="1217528" y="28377921"/>
             <a:ext cx="3572256" cy="1091184"/>
           </a:xfrm>
           <a:prstGeom prst="rect">
@@ -6546,7 +6331,7 @@
           <p:nvPr/>
         </p:nvPicPr>
         <p:blipFill>
-          <a:blip r:embed="rId14">
+          <a:blip r:embed="rId8">
             <a:extLst>
               <a:ext uri="{28A0092B-C50C-407E-A947-70E740481C1C}">
                 <a14:useLocalDpi xmlns:a14="http://schemas.microsoft.com/office/drawing/2010/main" val="0"/>
@@ -6559,7 +6344,7 @@
         </p:blipFill>
         <p:spPr>
           <a:xfrm>
-            <a:off x="1049128" y="25054626"/>
+            <a:off x="770256" y="25355460"/>
             <a:ext cx="1249251" cy="1481070"/>
           </a:xfrm>
           <a:prstGeom prst="rect">
@@ -6582,7 +6367,7 @@
           <p:nvPr/>
         </p:nvPicPr>
         <p:blipFill rotWithShape="1">
-          <a:blip r:embed="rId15">
+          <a:blip r:embed="rId9">
             <a:extLst>
               <a:ext uri="{28A0092B-C50C-407E-A947-70E740481C1C}">
                 <a14:useLocalDpi xmlns:a14="http://schemas.microsoft.com/office/drawing/2010/main" val="0"/>
@@ -6617,7 +6402,7 @@
           <p:nvPr/>
         </p:nvPicPr>
         <p:blipFill rotWithShape="1">
-          <a:blip r:embed="rId15">
+          <a:blip r:embed="rId9">
             <a:extLst>
               <a:ext uri="{28A0092B-C50C-407E-A947-70E740481C1C}">
                 <a14:useLocalDpi xmlns:a14="http://schemas.microsoft.com/office/drawing/2010/main" val="0"/>
@@ -6652,7 +6437,7 @@
           <p:nvPr/>
         </p:nvPicPr>
         <p:blipFill rotWithShape="1">
-          <a:blip r:embed="rId16">
+          <a:blip r:embed="rId10">
             <a:extLst>
               <a:ext uri="{28A0092B-C50C-407E-A947-70E740481C1C}">
                 <a14:useLocalDpi xmlns:a14="http://schemas.microsoft.com/office/drawing/2010/main" val="0"/>
@@ -6745,7 +6530,7 @@
           <p:nvPr/>
         </p:nvPicPr>
         <p:blipFill rotWithShape="1">
-          <a:blip r:embed="rId16">
+          <a:blip r:embed="rId10">
             <a:extLst>
               <a:ext uri="{28A0092B-C50C-407E-A947-70E740481C1C}">
                 <a14:useLocalDpi xmlns:a14="http://schemas.microsoft.com/office/drawing/2010/main" val="0"/>
@@ -6780,7 +6565,7 @@
           <p:nvPr/>
         </p:nvPicPr>
         <p:blipFill rotWithShape="1">
-          <a:blip r:embed="rId16">
+          <a:blip r:embed="rId10">
             <a:extLst>
               <a:ext uri="{28A0092B-C50C-407E-A947-70E740481C1C}">
                 <a14:useLocalDpi xmlns:a14="http://schemas.microsoft.com/office/drawing/2010/main" val="0"/>
@@ -6880,7 +6665,7 @@
           <p:nvPr/>
         </p:nvPicPr>
         <p:blipFill rotWithShape="1">
-          <a:blip r:embed="rId16">
+          <a:blip r:embed="rId10">
             <a:extLst>
               <a:ext uri="{28A0092B-C50C-407E-A947-70E740481C1C}">
                 <a14:useLocalDpi xmlns:a14="http://schemas.microsoft.com/office/drawing/2010/main" val="0"/>
@@ -6974,7 +6759,7 @@
           <p:nvPr/>
         </p:nvPicPr>
         <p:blipFill>
-          <a:blip r:embed="rId17">
+          <a:blip r:embed="rId11">
             <a:extLst>
               <a:ext uri="{28A0092B-C50C-407E-A947-70E740481C1C}">
                 <a14:useLocalDpi xmlns:a14="http://schemas.microsoft.com/office/drawing/2010/main" val="0"/>
@@ -6989,6 +6774,399 @@
           <a:xfrm>
             <a:off x="433634" y="11273245"/>
             <a:ext cx="9725025" cy="12601575"/>
+          </a:xfrm>
+          <a:prstGeom prst="rect">
+            <a:avLst/>
+          </a:prstGeom>
+        </p:spPr>
+      </p:pic>
+      <p:pic>
+        <p:nvPicPr>
+          <p:cNvPr id="22" name="図 21">
+            <a:extLst>
+              <a:ext uri="{FF2B5EF4-FFF2-40B4-BE49-F238E27FC236}">
+                <a16:creationId xmlns:a16="http://schemas.microsoft.com/office/drawing/2014/main" id="{D4368684-0274-4CDF-B9FD-EF83717366EF}"/>
+              </a:ext>
+            </a:extLst>
+          </p:cNvPr>
+          <p:cNvPicPr>
+            <a:picLocks noChangeAspect="1"/>
+          </p:cNvPicPr>
+          <p:nvPr/>
+        </p:nvPicPr>
+        <p:blipFill>
+          <a:blip r:embed="rId12">
+            <a:extLst>
+              <a:ext uri="{28A0092B-C50C-407E-A947-70E740481C1C}">
+                <a14:useLocalDpi xmlns:a14="http://schemas.microsoft.com/office/drawing/2010/main" val="0"/>
+              </a:ext>
+            </a:extLst>
+          </a:blip>
+          <a:stretch>
+            <a:fillRect/>
+          </a:stretch>
+        </p:blipFill>
+        <p:spPr>
+          <a:xfrm>
+            <a:off x="5271778" y="24676956"/>
+            <a:ext cx="2619375" cy="952500"/>
+          </a:xfrm>
+          <a:prstGeom prst="rect">
+            <a:avLst/>
+          </a:prstGeom>
+        </p:spPr>
+      </p:pic>
+      <p:pic>
+        <p:nvPicPr>
+          <p:cNvPr id="32" name="図 31">
+            <a:extLst>
+              <a:ext uri="{FF2B5EF4-FFF2-40B4-BE49-F238E27FC236}">
+                <a16:creationId xmlns:a16="http://schemas.microsoft.com/office/drawing/2014/main" id="{55A1AB19-3965-49A6-B055-7417CBB1E7C6}"/>
+              </a:ext>
+            </a:extLst>
+          </p:cNvPr>
+          <p:cNvPicPr>
+            <a:picLocks noChangeAspect="1"/>
+          </p:cNvPicPr>
+          <p:nvPr/>
+        </p:nvPicPr>
+        <p:blipFill>
+          <a:blip r:embed="rId13">
+            <a:extLst>
+              <a:ext uri="{28A0092B-C50C-407E-A947-70E740481C1C}">
+                <a14:useLocalDpi xmlns:a14="http://schemas.microsoft.com/office/drawing/2010/main" val="0"/>
+              </a:ext>
+            </a:extLst>
+          </a:blip>
+          <a:stretch>
+            <a:fillRect/>
+          </a:stretch>
+        </p:blipFill>
+        <p:spPr>
+          <a:xfrm>
+            <a:off x="2501235" y="24798928"/>
+            <a:ext cx="1049154" cy="1414914"/>
+          </a:xfrm>
+          <a:prstGeom prst="rect">
+            <a:avLst/>
+          </a:prstGeom>
+        </p:spPr>
+      </p:pic>
+      <p:pic>
+        <p:nvPicPr>
+          <p:cNvPr id="35" name="図 34">
+            <a:extLst>
+              <a:ext uri="{FF2B5EF4-FFF2-40B4-BE49-F238E27FC236}">
+                <a16:creationId xmlns:a16="http://schemas.microsoft.com/office/drawing/2014/main" id="{C86CEC0A-4B7E-4BCC-B21B-84BCDE39EECE}"/>
+              </a:ext>
+            </a:extLst>
+          </p:cNvPr>
+          <p:cNvPicPr>
+            <a:picLocks noChangeAspect="1"/>
+          </p:cNvPicPr>
+          <p:nvPr/>
+        </p:nvPicPr>
+        <p:blipFill>
+          <a:blip r:embed="rId14">
+            <a:extLst>
+              <a:ext uri="{28A0092B-C50C-407E-A947-70E740481C1C}">
+                <a14:useLocalDpi xmlns:a14="http://schemas.microsoft.com/office/drawing/2010/main" val="0"/>
+              </a:ext>
+            </a:extLst>
+          </a:blip>
+          <a:stretch>
+            <a:fillRect/>
+          </a:stretch>
+        </p:blipFill>
+        <p:spPr>
+          <a:xfrm>
+            <a:off x="7536572" y="27524397"/>
+            <a:ext cx="1847850" cy="952500"/>
+          </a:xfrm>
+          <a:prstGeom prst="rect">
+            <a:avLst/>
+          </a:prstGeom>
+        </p:spPr>
+      </p:pic>
+      <p:pic>
+        <p:nvPicPr>
+          <p:cNvPr id="40" name="図 39">
+            <a:extLst>
+              <a:ext uri="{FF2B5EF4-FFF2-40B4-BE49-F238E27FC236}">
+                <a16:creationId xmlns:a16="http://schemas.microsoft.com/office/drawing/2014/main" id="{C0217B89-7A06-4199-B6A6-E5416ADCD8C9}"/>
+              </a:ext>
+            </a:extLst>
+          </p:cNvPr>
+          <p:cNvPicPr>
+            <a:picLocks noChangeAspect="1"/>
+          </p:cNvPicPr>
+          <p:nvPr/>
+        </p:nvPicPr>
+        <p:blipFill rotWithShape="1">
+          <a:blip r:embed="rId15">
+            <a:extLst>
+              <a:ext uri="{28A0092B-C50C-407E-A947-70E740481C1C}">
+                <a14:useLocalDpi xmlns:a14="http://schemas.microsoft.com/office/drawing/2010/main" val="0"/>
+              </a:ext>
+            </a:extLst>
+          </a:blip>
+          <a:srcRect t="13739" b="10513"/>
+          <a:stretch/>
+        </p:blipFill>
+        <p:spPr>
+          <a:xfrm>
+            <a:off x="379166" y="27277087"/>
+            <a:ext cx="3533775" cy="1197685"/>
+          </a:xfrm>
+          <a:prstGeom prst="rect">
+            <a:avLst/>
+          </a:prstGeom>
+        </p:spPr>
+      </p:pic>
+      <p:pic>
+        <p:nvPicPr>
+          <p:cNvPr id="44" name="図 43">
+            <a:extLst>
+              <a:ext uri="{FF2B5EF4-FFF2-40B4-BE49-F238E27FC236}">
+                <a16:creationId xmlns:a16="http://schemas.microsoft.com/office/drawing/2014/main" id="{8460887A-BBFA-4FA8-992C-21F059DA37BC}"/>
+              </a:ext>
+            </a:extLst>
+          </p:cNvPr>
+          <p:cNvPicPr>
+            <a:picLocks noChangeAspect="1"/>
+          </p:cNvPicPr>
+          <p:nvPr/>
+        </p:nvPicPr>
+        <p:blipFill>
+          <a:blip r:embed="rId16">
+            <a:extLst>
+              <a:ext uri="{28A0092B-C50C-407E-A947-70E740481C1C}">
+                <a14:useLocalDpi xmlns:a14="http://schemas.microsoft.com/office/drawing/2010/main" val="0"/>
+              </a:ext>
+            </a:extLst>
+          </a:blip>
+          <a:stretch>
+            <a:fillRect/>
+          </a:stretch>
+        </p:blipFill>
+        <p:spPr>
+          <a:xfrm>
+            <a:off x="4029341" y="25717350"/>
+            <a:ext cx="2667000" cy="828675"/>
+          </a:xfrm>
+          <a:prstGeom prst="rect">
+            <a:avLst/>
+          </a:prstGeom>
+        </p:spPr>
+      </p:pic>
+      <p:pic>
+        <p:nvPicPr>
+          <p:cNvPr id="46" name="図 45">
+            <a:extLst>
+              <a:ext uri="{FF2B5EF4-FFF2-40B4-BE49-F238E27FC236}">
+                <a16:creationId xmlns:a16="http://schemas.microsoft.com/office/drawing/2014/main" id="{4999068C-D768-4665-8A51-4911D370CF9E}"/>
+              </a:ext>
+            </a:extLst>
+          </p:cNvPr>
+          <p:cNvPicPr>
+            <a:picLocks noChangeAspect="1"/>
+          </p:cNvPicPr>
+          <p:nvPr/>
+        </p:nvPicPr>
+        <p:blipFill>
+          <a:blip r:embed="rId17">
+            <a:extLst>
+              <a:ext uri="{28A0092B-C50C-407E-A947-70E740481C1C}">
+                <a14:useLocalDpi xmlns:a14="http://schemas.microsoft.com/office/drawing/2010/main" val="0"/>
+              </a:ext>
+            </a:extLst>
+          </a:blip>
+          <a:stretch>
+            <a:fillRect/>
+          </a:stretch>
+        </p:blipFill>
+        <p:spPr>
+          <a:xfrm>
+            <a:off x="8063622" y="24953181"/>
+            <a:ext cx="2028825" cy="1352550"/>
+          </a:xfrm>
+          <a:prstGeom prst="rect">
+            <a:avLst/>
+          </a:prstGeom>
+        </p:spPr>
+      </p:pic>
+      <p:pic>
+        <p:nvPicPr>
+          <p:cNvPr id="24" name="図 23">
+            <a:extLst>
+              <a:ext uri="{FF2B5EF4-FFF2-40B4-BE49-F238E27FC236}">
+                <a16:creationId xmlns:a16="http://schemas.microsoft.com/office/drawing/2014/main" id="{9B4ED159-5CC1-40FE-8C50-2B7D74CEEC93}"/>
+              </a:ext>
+            </a:extLst>
+          </p:cNvPr>
+          <p:cNvPicPr>
+            <a:picLocks noChangeAspect="1"/>
+          </p:cNvPicPr>
+          <p:nvPr/>
+        </p:nvPicPr>
+        <p:blipFill>
+          <a:blip r:embed="rId18">
+            <a:extLst>
+              <a:ext uri="{28A0092B-C50C-407E-A947-70E740481C1C}">
+                <a14:useLocalDpi xmlns:a14="http://schemas.microsoft.com/office/drawing/2010/main" val="0"/>
+              </a:ext>
+            </a:extLst>
+          </a:blip>
+          <a:stretch>
+            <a:fillRect/>
+          </a:stretch>
+        </p:blipFill>
+        <p:spPr>
+          <a:xfrm>
+            <a:off x="29723715" y="11364290"/>
+            <a:ext cx="1905000" cy="952500"/>
+          </a:xfrm>
+          <a:prstGeom prst="rect">
+            <a:avLst/>
+          </a:prstGeom>
+        </p:spPr>
+      </p:pic>
+      <p:pic>
+        <p:nvPicPr>
+          <p:cNvPr id="36" name="図 35">
+            <a:extLst>
+              <a:ext uri="{FF2B5EF4-FFF2-40B4-BE49-F238E27FC236}">
+                <a16:creationId xmlns:a16="http://schemas.microsoft.com/office/drawing/2014/main" id="{6B5E3018-5A12-47C4-A1FC-54C56539474E}"/>
+              </a:ext>
+            </a:extLst>
+          </p:cNvPr>
+          <p:cNvPicPr>
+            <a:picLocks noChangeAspect="1"/>
+          </p:cNvPicPr>
+          <p:nvPr/>
+        </p:nvPicPr>
+        <p:blipFill>
+          <a:blip r:embed="rId19">
+            <a:extLst>
+              <a:ext uri="{28A0092B-C50C-407E-A947-70E740481C1C}">
+                <a14:useLocalDpi xmlns:a14="http://schemas.microsoft.com/office/drawing/2010/main" val="0"/>
+              </a:ext>
+            </a:extLst>
+          </a:blip>
+          <a:stretch>
+            <a:fillRect/>
+          </a:stretch>
+        </p:blipFill>
+        <p:spPr>
+          <a:xfrm>
+            <a:off x="28685580" y="4779026"/>
+            <a:ext cx="15929429" cy="4306281"/>
+          </a:xfrm>
+          <a:prstGeom prst="rect">
+            <a:avLst/>
+          </a:prstGeom>
+        </p:spPr>
+      </p:pic>
+      <p:pic>
+        <p:nvPicPr>
+          <p:cNvPr id="42" name="図 41">
+            <a:extLst>
+              <a:ext uri="{FF2B5EF4-FFF2-40B4-BE49-F238E27FC236}">
+                <a16:creationId xmlns:a16="http://schemas.microsoft.com/office/drawing/2014/main" id="{1E30FF76-39FC-42F0-8B6C-606892346CFB}"/>
+              </a:ext>
+            </a:extLst>
+          </p:cNvPr>
+          <p:cNvPicPr>
+            <a:picLocks noChangeAspect="1"/>
+          </p:cNvPicPr>
+          <p:nvPr/>
+        </p:nvPicPr>
+        <p:blipFill rotWithShape="1">
+          <a:blip r:embed="rId20">
+            <a:extLst>
+              <a:ext uri="{28A0092B-C50C-407E-A947-70E740481C1C}">
+                <a14:useLocalDpi xmlns:a14="http://schemas.microsoft.com/office/drawing/2010/main" val="0"/>
+              </a:ext>
+            </a:extLst>
+          </a:blip>
+          <a:srcRect t="14045" b="15733"/>
+          <a:stretch/>
+        </p:blipFill>
+        <p:spPr>
+          <a:xfrm>
+            <a:off x="4232409" y="27676659"/>
+            <a:ext cx="2801557" cy="698959"/>
+          </a:xfrm>
+          <a:prstGeom prst="rect">
+            <a:avLst/>
+          </a:prstGeom>
+        </p:spPr>
+      </p:pic>
+      <p:pic>
+        <p:nvPicPr>
+          <p:cNvPr id="48" name="図 47">
+            <a:extLst>
+              <a:ext uri="{FF2B5EF4-FFF2-40B4-BE49-F238E27FC236}">
+                <a16:creationId xmlns:a16="http://schemas.microsoft.com/office/drawing/2014/main" id="{EE3F4E9A-470A-4779-98CA-DFD43CB2CEB1}"/>
+              </a:ext>
+            </a:extLst>
+          </p:cNvPr>
+          <p:cNvPicPr>
+            <a:picLocks noChangeAspect="1"/>
+          </p:cNvPicPr>
+          <p:nvPr/>
+        </p:nvPicPr>
+        <p:blipFill>
+          <a:blip r:embed="rId21">
+            <a:extLst>
+              <a:ext uri="{28A0092B-C50C-407E-A947-70E740481C1C}">
+                <a14:useLocalDpi xmlns:a14="http://schemas.microsoft.com/office/drawing/2010/main" val="0"/>
+              </a:ext>
+            </a:extLst>
+          </a:blip>
+          <a:stretch>
+            <a:fillRect/>
+          </a:stretch>
+        </p:blipFill>
+        <p:spPr>
+          <a:xfrm>
+            <a:off x="2766035" y="26547640"/>
+            <a:ext cx="1424858" cy="712429"/>
+          </a:xfrm>
+          <a:prstGeom prst="rect">
+            <a:avLst/>
+          </a:prstGeom>
+        </p:spPr>
+      </p:pic>
+      <p:pic>
+        <p:nvPicPr>
+          <p:cNvPr id="55" name="図 54">
+            <a:extLst>
+              <a:ext uri="{FF2B5EF4-FFF2-40B4-BE49-F238E27FC236}">
+                <a16:creationId xmlns:a16="http://schemas.microsoft.com/office/drawing/2014/main" id="{C391BB35-CD66-41D8-8D29-C1B729D8D8A9}"/>
+              </a:ext>
+            </a:extLst>
+          </p:cNvPr>
+          <p:cNvPicPr>
+            <a:picLocks noChangeAspect="1"/>
+          </p:cNvPicPr>
+          <p:nvPr/>
+        </p:nvPicPr>
+        <p:blipFill rotWithShape="1">
+          <a:blip r:embed="rId22">
+            <a:extLst>
+              <a:ext uri="{28A0092B-C50C-407E-A947-70E740481C1C}">
+                <a14:useLocalDpi xmlns:a14="http://schemas.microsoft.com/office/drawing/2010/main" val="0"/>
+              </a:ext>
+            </a:extLst>
+          </a:blip>
+          <a:srcRect l="5673" t="15387" r="5868" b="19594"/>
+          <a:stretch/>
+        </p:blipFill>
+        <p:spPr>
+          <a:xfrm>
+            <a:off x="5340064" y="28499119"/>
+            <a:ext cx="4652452" cy="923331"/>
           </a:xfrm>
           <a:prstGeom prst="rect">
             <a:avLst/>

--- a/poster/G14_ONO-Systems.pptx
+++ b/poster/G14_ONO-Systems.pptx
@@ -3728,42 +3728,6 @@
       </p:pic>
       <p:sp>
         <p:nvSpPr>
-          <p:cNvPr id="2" name="タイトル 1">
-            <a:extLst>
-              <a:ext uri="{FF2B5EF4-FFF2-40B4-BE49-F238E27FC236}">
-                <a16:creationId xmlns:a16="http://schemas.microsoft.com/office/drawing/2014/main" id="{886907B8-64EA-4803-883B-D2CEEA28A4EF}"/>
-              </a:ext>
-            </a:extLst>
-          </p:cNvPr>
-          <p:cNvSpPr>
-            <a:spLocks noGrp="1"/>
-          </p:cNvSpPr>
-          <p:nvPr>
-            <p:ph type="ctrTitle"/>
-          </p:nvPr>
-        </p:nvSpPr>
-        <p:spPr>
-          <a:xfrm>
-            <a:off x="2650617" y="107896"/>
-            <a:ext cx="15939515" cy="1396668"/>
-          </a:xfrm>
-        </p:spPr>
-        <p:txBody>
-          <a:bodyPr>
-            <a:normAutofit/>
-          </a:bodyPr>
-          <a:lstStyle/>
-          <a:p>
-            <a:r>
-              <a:rPr lang="ja-JP" altLang="en-US" sz="8800" dirty="0"/>
-              <a:t>配達支援システム</a:t>
-            </a:r>
-            <a:endParaRPr kumimoji="1" lang="ja-JP" altLang="en-US" sz="8800" dirty="0"/>
-          </a:p>
-        </p:txBody>
-      </p:sp>
-      <p:sp>
-        <p:nvSpPr>
           <p:cNvPr id="3" name="字幕 2">
             <a:extLst>
               <a:ext uri="{FF2B5EF4-FFF2-40B4-BE49-F238E27FC236}">
@@ -3780,72 +3744,72 @@
         </p:nvSpPr>
         <p:spPr>
           <a:xfrm>
-            <a:off x="3732430" y="1483050"/>
-            <a:ext cx="13775888" cy="1396668"/>
+            <a:off x="3699007" y="1626286"/>
+            <a:ext cx="13775888" cy="1065350"/>
           </a:xfrm>
         </p:spPr>
         <p:txBody>
           <a:bodyPr>
-            <a:normAutofit fontScale="92500"/>
+            <a:normAutofit/>
           </a:bodyPr>
           <a:lstStyle/>
           <a:p>
             <a:r>
-              <a:rPr lang="ja-JP" altLang="en-US" sz="3200" dirty="0"/>
+              <a:rPr lang="ja-JP" altLang="en-US" sz="2400" dirty="0"/>
               <a:t>東 聖</a:t>
             </a:r>
             <a:r>
-              <a:rPr lang="en-US" altLang="ja-JP" sz="3200" dirty="0"/>
+              <a:rPr lang="en-US" altLang="ja-JP" sz="2400" dirty="0"/>
               <a:t>(1200280)</a:t>
             </a:r>
             <a:r>
-              <a:rPr lang="ja-JP" altLang="en-US" sz="3200" dirty="0"/>
+              <a:rPr lang="ja-JP" altLang="en-US" sz="2400" dirty="0"/>
               <a:t>　池内 聖</a:t>
             </a:r>
             <a:r>
-              <a:rPr lang="en-US" altLang="ja-JP" sz="3200" dirty="0"/>
+              <a:rPr lang="en-US" altLang="ja-JP" sz="2400" dirty="0"/>
               <a:t>(1200284)</a:t>
             </a:r>
             <a:r>
-              <a:rPr lang="ja-JP" altLang="en-US" sz="3200" dirty="0"/>
+              <a:rPr lang="ja-JP" altLang="en-US" sz="2400" dirty="0"/>
               <a:t>　尾野 公哉</a:t>
             </a:r>
             <a:r>
-              <a:rPr lang="en-US" altLang="ja-JP" sz="3200" dirty="0"/>
+              <a:rPr lang="en-US" altLang="ja-JP" sz="2400" dirty="0"/>
               <a:t>(1200305)</a:t>
             </a:r>
             <a:r>
-              <a:rPr lang="ja-JP" altLang="en-US" sz="3200" dirty="0"/>
+              <a:rPr lang="ja-JP" altLang="en-US" sz="2400" dirty="0"/>
               <a:t>　中尾 友紀</a:t>
             </a:r>
             <a:r>
-              <a:rPr lang="en-US" altLang="ja-JP" sz="3200" dirty="0"/>
+              <a:rPr lang="en-US" altLang="ja-JP" sz="2400" dirty="0"/>
               <a:t>(1200341)</a:t>
             </a:r>
           </a:p>
           <a:p>
             <a:r>
-              <a:rPr lang="ja-JP" altLang="en-US" sz="3200" dirty="0"/>
+              <a:rPr lang="ja-JP" altLang="en-US" sz="2400" dirty="0"/>
               <a:t>根子 稚絢</a:t>
             </a:r>
             <a:r>
-              <a:rPr lang="en-US" altLang="ja-JP" sz="3200" dirty="0"/>
+              <a:rPr lang="en-US" altLang="ja-JP" sz="2400" dirty="0"/>
               <a:t>(1200350)</a:t>
             </a:r>
             <a:r>
-              <a:rPr lang="ja-JP" altLang="en-US" sz="3200" dirty="0"/>
+              <a:rPr lang="ja-JP" altLang="en-US" sz="2400" dirty="0"/>
               <a:t>　橋詰 貴丸</a:t>
             </a:r>
             <a:r>
-              <a:rPr lang="en-US" altLang="ja-JP" sz="3200" dirty="0"/>
+              <a:rPr lang="en-US" altLang="ja-JP" sz="2400" dirty="0"/>
               <a:t>(1200352)</a:t>
             </a:r>
             <a:r>
-              <a:rPr lang="ja-JP" altLang="en-US" sz="3200" dirty="0"/>
+              <a:rPr lang="ja-JP" altLang="en-US" sz="2400" dirty="0"/>
               <a:t>　森 翔太郎</a:t>
             </a:r>
             <a:r>
-              <a:rPr lang="en-US" altLang="ja-JP" sz="3200" dirty="0"/>
+              <a:rPr lang="en-US" altLang="ja-JP" sz="2400" dirty="0"/>
               <a:t>(1200372)</a:t>
             </a:r>
           </a:p>
@@ -7167,6 +7131,77 @@
           <a:xfrm>
             <a:off x="5340064" y="28499119"/>
             <a:ext cx="4652452" cy="923331"/>
+          </a:xfrm>
+          <a:prstGeom prst="rect">
+            <a:avLst/>
+          </a:prstGeom>
+        </p:spPr>
+      </p:pic>
+      <p:pic>
+        <p:nvPicPr>
+          <p:cNvPr id="19" name="図 18">
+            <a:extLst>
+              <a:ext uri="{FF2B5EF4-FFF2-40B4-BE49-F238E27FC236}">
+                <a16:creationId xmlns:a16="http://schemas.microsoft.com/office/drawing/2014/main" id="{63DFE34E-4995-4DDE-859E-0FE4748DE66A}"/>
+              </a:ext>
+            </a:extLst>
+          </p:cNvPr>
+          <p:cNvPicPr>
+            <a:picLocks noChangeAspect="1"/>
+          </p:cNvPicPr>
+          <p:nvPr/>
+        </p:nvPicPr>
+        <p:blipFill>
+          <a:blip r:embed="rId23">
+            <a:extLst>
+              <a:ext uri="{28A0092B-C50C-407E-A947-70E740481C1C}">
+                <a14:useLocalDpi xmlns:a14="http://schemas.microsoft.com/office/drawing/2010/main" val="0"/>
+              </a:ext>
+            </a:extLst>
+          </a:blip>
+          <a:stretch>
+            <a:fillRect/>
+          </a:stretch>
+        </p:blipFill>
+        <p:spPr>
+          <a:xfrm>
+            <a:off x="23416873" y="1310528"/>
+            <a:ext cx="11279242" cy="3226794"/>
+          </a:xfrm>
+          <a:prstGeom prst="rect">
+            <a:avLst/>
+          </a:prstGeom>
+        </p:spPr>
+      </p:pic>
+      <p:pic>
+        <p:nvPicPr>
+          <p:cNvPr id="34" name="図 33">
+            <a:extLst>
+              <a:ext uri="{FF2B5EF4-FFF2-40B4-BE49-F238E27FC236}">
+                <a16:creationId xmlns:a16="http://schemas.microsoft.com/office/drawing/2014/main" id="{DAC82B88-3A15-4792-9E59-4292D0BA48AE}"/>
+              </a:ext>
+            </a:extLst>
+          </p:cNvPr>
+          <p:cNvPicPr>
+            <a:picLocks noChangeAspect="1"/>
+          </p:cNvPicPr>
+          <p:nvPr/>
+        </p:nvPicPr>
+        <p:blipFill rotWithShape="1">
+          <a:blip r:embed="rId24">
+            <a:extLst>
+              <a:ext uri="{28A0092B-C50C-407E-A947-70E740481C1C}">
+                <a14:useLocalDpi xmlns:a14="http://schemas.microsoft.com/office/drawing/2010/main" val="0"/>
+              </a:ext>
+            </a:extLst>
+          </a:blip>
+          <a:srcRect l="5614" t="21147" r="6838" b="25237"/>
+          <a:stretch/>
+        </p:blipFill>
+        <p:spPr>
+          <a:xfrm>
+            <a:off x="5775158" y="84094"/>
+            <a:ext cx="8456972" cy="1477252"/>
           </a:xfrm>
           <a:prstGeom prst="rect">
             <a:avLst/>
